--- a/doc/Sec 1 Proj 4 Group 6.pptx
+++ b/doc/Sec 1 Proj 4 Group 6.pptx
@@ -1,39 +1,35 @@
 
 <file path=ppt/presentation.xml><?xml version="1.0" encoding="utf-8"?>
-<p:presentation xmlns:a="http://schemas.openxmlformats.org/drawingml/2006/main" xmlns:r="http://schemas.openxmlformats.org/officeDocument/2006/relationships" xmlns:mc="http://schemas.openxmlformats.org/markup-compatibility/2006" xmlns:mv="urn:schemas-microsoft-com:mac:vml" xmlns:p="http://schemas.openxmlformats.org/presentationml/2006/main" xmlns:c="http://schemas.openxmlformats.org/drawingml/2006/chart" xmlns:dgm="http://schemas.openxmlformats.org/drawingml/2006/diagram" xmlns:o="urn:schemas-microsoft-com:office:office" xmlns:v="urn:schemas-microsoft-com:vml" xmlns:pvml="urn:schemas-microsoft-com:office:powerpoint" xmlns:com="http://schemas.openxmlformats.org/drawingml/2006/compatibility" xmlns:p14="http://schemas.microsoft.com/office/powerpoint/2010/main" xmlns:p15="http://schemas.microsoft.com/office/powerpoint/2012/main" autoCompressPictures="0" embedTrueTypeFonts="1" strictFirstAndLastChars="0" saveSubsetFonts="1">
+<p:presentation xmlns:a="http://schemas.openxmlformats.org/drawingml/2006/main" xmlns:r="http://schemas.openxmlformats.org/officeDocument/2006/relationships" xmlns:p="http://schemas.openxmlformats.org/presentationml/2006/main" strictFirstAndLastChars="0" saveSubsetFonts="1" autoCompressPictures="0">
   <p:sldMasterIdLst>
-    <p:sldMasterId id="2147483659" r:id="rId4"/>
+    <p:sldMasterId id="2147483659" r:id="rId1"/>
   </p:sldMasterIdLst>
   <p:notesMasterIdLst>
-    <p:notesMasterId r:id="rId5"/>
+    <p:notesMasterId r:id="rId19"/>
   </p:notesMasterIdLst>
   <p:sldIdLst>
-    <p:sldId id="256" r:id="rId6"/>
-    <p:sldId id="257" r:id="rId7"/>
-    <p:sldId id="258" r:id="rId8"/>
-    <p:sldId id="259" r:id="rId9"/>
-    <p:sldId id="260" r:id="rId10"/>
-    <p:sldId id="261" r:id="rId11"/>
-    <p:sldId id="262" r:id="rId12"/>
-    <p:sldId id="263" r:id="rId13"/>
-    <p:sldId id="264" r:id="rId14"/>
-    <p:sldId id="265" r:id="rId15"/>
-    <p:sldId id="266" r:id="rId16"/>
-    <p:sldId id="267" r:id="rId17"/>
+    <p:sldId id="256" r:id="rId2"/>
+    <p:sldId id="257" r:id="rId3"/>
+    <p:sldId id="258" r:id="rId4"/>
+    <p:sldId id="259" r:id="rId5"/>
+    <p:sldId id="260" r:id="rId6"/>
+    <p:sldId id="270" r:id="rId7"/>
+    <p:sldId id="261" r:id="rId8"/>
+    <p:sldId id="262" r:id="rId9"/>
+    <p:sldId id="271" r:id="rId10"/>
+    <p:sldId id="263" r:id="rId11"/>
+    <p:sldId id="264" r:id="rId12"/>
+    <p:sldId id="265" r:id="rId13"/>
+    <p:sldId id="266" r:id="rId14"/>
+    <p:sldId id="267" r:id="rId15"/>
+    <p:sldId id="272" r:id="rId16"/>
+    <p:sldId id="269" r:id="rId17"/>
     <p:sldId id="268" r:id="rId18"/>
   </p:sldIdLst>
-  <p:sldSz cy="5143500" cx="9144000"/>
+  <p:sldSz cx="9144000" cy="5143500" type="screen16x9"/>
   <p:notesSz cx="6858000" cy="9144000"/>
-  <p:embeddedFontLst>
-    <p:embeddedFont>
-      <p:font typeface="Old Standard TT"/>
-      <p:regular r:id="rId19"/>
-      <p:bold r:id="rId20"/>
-      <p:italic r:id="rId21"/>
-    </p:embeddedFont>
-  </p:embeddedFontLst>
   <p:defaultTextStyle>
-    <a:defPPr lvl="0" marR="0" rtl="0" algn="l">
+    <a:defPPr marR="0" lvl="0" algn="l" rtl="0">
       <a:lnSpc>
         <a:spcPct val="100000"/>
       </a:lnSpc>
@@ -44,7 +40,7 @@
         <a:spcPts val="0"/>
       </a:spcAft>
     </a:defPPr>
-    <a:lvl1pPr lvl="0" marR="0" rtl="0" algn="l">
+    <a:lvl1pPr marR="0" lvl="0" algn="l" rtl="0">
       <a:lnSpc>
         <a:spcPct val="100000"/>
       </a:lnSpc>
@@ -58,7 +54,7 @@
         <a:srgbClr val="000000"/>
       </a:buClr>
       <a:buFont typeface="Arial"/>
-      <a:defRPr b="0" i="0" sz="1400" u="none" cap="none" strike="noStrike">
+      <a:defRPr sz="1400" b="0" i="0" u="none" strike="noStrike" cap="none">
         <a:solidFill>
           <a:srgbClr val="000000"/>
         </a:solidFill>
@@ -68,7 +64,7 @@
         <a:sym typeface="Arial"/>
       </a:defRPr>
     </a:lvl1pPr>
-    <a:lvl2pPr lvl="1" marR="0" rtl="0" algn="l">
+    <a:lvl2pPr marR="0" lvl="1" algn="l" rtl="0">
       <a:lnSpc>
         <a:spcPct val="100000"/>
       </a:lnSpc>
@@ -82,7 +78,7 @@
         <a:srgbClr val="000000"/>
       </a:buClr>
       <a:buFont typeface="Arial"/>
-      <a:defRPr b="0" i="0" sz="1400" u="none" cap="none" strike="noStrike">
+      <a:defRPr sz="1400" b="0" i="0" u="none" strike="noStrike" cap="none">
         <a:solidFill>
           <a:srgbClr val="000000"/>
         </a:solidFill>
@@ -92,7 +88,7 @@
         <a:sym typeface="Arial"/>
       </a:defRPr>
     </a:lvl2pPr>
-    <a:lvl3pPr lvl="2" marR="0" rtl="0" algn="l">
+    <a:lvl3pPr marR="0" lvl="2" algn="l" rtl="0">
       <a:lnSpc>
         <a:spcPct val="100000"/>
       </a:lnSpc>
@@ -106,7 +102,7 @@
         <a:srgbClr val="000000"/>
       </a:buClr>
       <a:buFont typeface="Arial"/>
-      <a:defRPr b="0" i="0" sz="1400" u="none" cap="none" strike="noStrike">
+      <a:defRPr sz="1400" b="0" i="0" u="none" strike="noStrike" cap="none">
         <a:solidFill>
           <a:srgbClr val="000000"/>
         </a:solidFill>
@@ -116,7 +112,7 @@
         <a:sym typeface="Arial"/>
       </a:defRPr>
     </a:lvl3pPr>
-    <a:lvl4pPr lvl="3" marR="0" rtl="0" algn="l">
+    <a:lvl4pPr marR="0" lvl="3" algn="l" rtl="0">
       <a:lnSpc>
         <a:spcPct val="100000"/>
       </a:lnSpc>
@@ -130,7 +126,7 @@
         <a:srgbClr val="000000"/>
       </a:buClr>
       <a:buFont typeface="Arial"/>
-      <a:defRPr b="0" i="0" sz="1400" u="none" cap="none" strike="noStrike">
+      <a:defRPr sz="1400" b="0" i="0" u="none" strike="noStrike" cap="none">
         <a:solidFill>
           <a:srgbClr val="000000"/>
         </a:solidFill>
@@ -140,7 +136,7 @@
         <a:sym typeface="Arial"/>
       </a:defRPr>
     </a:lvl4pPr>
-    <a:lvl5pPr lvl="4" marR="0" rtl="0" algn="l">
+    <a:lvl5pPr marR="0" lvl="4" algn="l" rtl="0">
       <a:lnSpc>
         <a:spcPct val="100000"/>
       </a:lnSpc>
@@ -154,7 +150,7 @@
         <a:srgbClr val="000000"/>
       </a:buClr>
       <a:buFont typeface="Arial"/>
-      <a:defRPr b="0" i="0" sz="1400" u="none" cap="none" strike="noStrike">
+      <a:defRPr sz="1400" b="0" i="0" u="none" strike="noStrike" cap="none">
         <a:solidFill>
           <a:srgbClr val="000000"/>
         </a:solidFill>
@@ -164,7 +160,7 @@
         <a:sym typeface="Arial"/>
       </a:defRPr>
     </a:lvl5pPr>
-    <a:lvl6pPr lvl="5" marR="0" rtl="0" algn="l">
+    <a:lvl6pPr marR="0" lvl="5" algn="l" rtl="0">
       <a:lnSpc>
         <a:spcPct val="100000"/>
       </a:lnSpc>
@@ -178,7 +174,7 @@
         <a:srgbClr val="000000"/>
       </a:buClr>
       <a:buFont typeface="Arial"/>
-      <a:defRPr b="0" i="0" sz="1400" u="none" cap="none" strike="noStrike">
+      <a:defRPr sz="1400" b="0" i="0" u="none" strike="noStrike" cap="none">
         <a:solidFill>
           <a:srgbClr val="000000"/>
         </a:solidFill>
@@ -188,7 +184,7 @@
         <a:sym typeface="Arial"/>
       </a:defRPr>
     </a:lvl6pPr>
-    <a:lvl7pPr lvl="6" marR="0" rtl="0" algn="l">
+    <a:lvl7pPr marR="0" lvl="6" algn="l" rtl="0">
       <a:lnSpc>
         <a:spcPct val="100000"/>
       </a:lnSpc>
@@ -202,7 +198,7 @@
         <a:srgbClr val="000000"/>
       </a:buClr>
       <a:buFont typeface="Arial"/>
-      <a:defRPr b="0" i="0" sz="1400" u="none" cap="none" strike="noStrike">
+      <a:defRPr sz="1400" b="0" i="0" u="none" strike="noStrike" cap="none">
         <a:solidFill>
           <a:srgbClr val="000000"/>
         </a:solidFill>
@@ -212,7 +208,7 @@
         <a:sym typeface="Arial"/>
       </a:defRPr>
     </a:lvl7pPr>
-    <a:lvl8pPr lvl="7" marR="0" rtl="0" algn="l">
+    <a:lvl8pPr marR="0" lvl="7" algn="l" rtl="0">
       <a:lnSpc>
         <a:spcPct val="100000"/>
       </a:lnSpc>
@@ -226,7 +222,7 @@
         <a:srgbClr val="000000"/>
       </a:buClr>
       <a:buFont typeface="Arial"/>
-      <a:defRPr b="0" i="0" sz="1400" u="none" cap="none" strike="noStrike">
+      <a:defRPr sz="1400" b="0" i="0" u="none" strike="noStrike" cap="none">
         <a:solidFill>
           <a:srgbClr val="000000"/>
         </a:solidFill>
@@ -236,7 +232,7 @@
         <a:sym typeface="Arial"/>
       </a:defRPr>
     </a:lvl8pPr>
-    <a:lvl9pPr lvl="8" marR="0" rtl="0" algn="l">
+    <a:lvl9pPr marR="0" lvl="8" algn="l" rtl="0">
       <a:lnSpc>
         <a:spcPct val="100000"/>
       </a:lnSpc>
@@ -250,7 +246,7 @@
         <a:srgbClr val="000000"/>
       </a:buClr>
       <a:buFont typeface="Arial"/>
-      <a:defRPr b="0" i="0" sz="1400" u="none" cap="none" strike="noStrike">
+      <a:defRPr sz="1400" b="0" i="0" u="none" strike="noStrike" cap="none">
         <a:solidFill>
           <a:srgbClr val="000000"/>
         </a:solidFill>
@@ -263,7 +259,7 @@
   </p:defaultTextStyle>
   <p:extLst>
     <p:ext uri="{EFAFB233-063F-42B5-8137-9DF3F51BA10A}">
-      <p15:sldGuideLst>
+      <p15:sldGuideLst xmlns:p15="http://schemas.microsoft.com/office/powerpoint/2012/main">
         <p15:guide id="1" orient="horz" pos="1620">
           <p15:clr>
             <a:srgbClr val="A4A3A4"/>
@@ -281,11 +277,16 @@
 </file>
 
 <file path=ppt/notesMasters/notesMaster1.xml><?xml version="1.0" encoding="utf-8"?>
-<p:notesMaster xmlns:a="http://schemas.openxmlformats.org/drawingml/2006/main" xmlns:r="http://schemas.openxmlformats.org/officeDocument/2006/relationships" xmlns:mc="http://schemas.openxmlformats.org/markup-compatibility/2006" xmlns:mv="urn:schemas-microsoft-com:mac:vml" xmlns:p="http://schemas.openxmlformats.org/presentationml/2006/main" xmlns:c="http://schemas.openxmlformats.org/drawingml/2006/chart" xmlns:dgm="http://schemas.openxmlformats.org/drawingml/2006/diagram" xmlns:o="urn:schemas-microsoft-com:office:office" xmlns:v="urn:schemas-microsoft-com:vml" xmlns:pvml="urn:schemas-microsoft-com:office:powerpoint" xmlns:com="http://schemas.openxmlformats.org/drawingml/2006/compatibility" xmlns:p14="http://schemas.microsoft.com/office/powerpoint/2010/main" xmlns:p15="http://schemas.microsoft.com/office/powerpoint/2012/main">
+<p:notesMaster xmlns:a="http://schemas.openxmlformats.org/drawingml/2006/main" xmlns:r="http://schemas.openxmlformats.org/officeDocument/2006/relationships" xmlns:p="http://schemas.openxmlformats.org/presentationml/2006/main">
   <p:cSld>
+    <p:bg>
+      <p:bgRef idx="1001">
+        <a:schemeClr val="bg1"/>
+      </p:bgRef>
+    </p:bg>
     <p:spTree>
       <p:nvGrpSpPr>
-        <p:cNvPr id="2" name="Shape 2"/>
+        <p:cNvPr id="1" name="Shape 2"/>
         <p:cNvGrpSpPr/>
         <p:nvPr/>
       </p:nvGrpSpPr>
@@ -300,9 +301,11 @@
       <p:sp>
         <p:nvSpPr>
           <p:cNvPr id="3" name="Google Shape;3;n"/>
-          <p:cNvSpPr/>
+          <p:cNvSpPr>
+            <a:spLocks noGrp="1" noRot="1" noChangeAspect="1"/>
+          </p:cNvSpPr>
           <p:nvPr>
-            <p:ph idx="2" type="sldImg"/>
+            <p:ph type="sldImg" idx="2"/>
           </p:nvPr>
         </p:nvSpPr>
         <p:spPr>
@@ -311,9 +314,13 @@
             <a:ext cx="6096075" cy="3429000"/>
           </a:xfrm>
           <a:custGeom>
-            <a:rect b="b" l="l" r="r" t="t"/>
+            <a:avLst/>
+            <a:gdLst/>
+            <a:ahLst/>
+            <a:cxnLst/>
+            <a:rect l="l" t="t" r="r" b="b"/>
             <a:pathLst>
-              <a:path extrusionOk="0" h="120000" w="120000">
+              <a:path w="120000" h="120000" extrusionOk="0">
                 <a:moveTo>
                   <a:pt x="0" y="0"/>
                 </a:moveTo>
@@ -331,23 +338,25 @@
             </a:pathLst>
           </a:custGeom>
           <a:noFill/>
-          <a:ln cap="flat" cmpd="sng" w="9525">
+          <a:ln w="9525" cap="flat" cmpd="sng">
             <a:solidFill>
               <a:srgbClr val="000000"/>
             </a:solidFill>
             <a:prstDash val="solid"/>
             <a:round/>
-            <a:headEnd len="sm" w="sm" type="none"/>
-            <a:tailEnd len="sm" w="sm" type="none"/>
+            <a:headEnd type="none" w="sm" len="sm"/>
+            <a:tailEnd type="none" w="sm" len="sm"/>
           </a:ln>
         </p:spPr>
       </p:sp>
       <p:sp>
         <p:nvSpPr>
           <p:cNvPr id="4" name="Google Shape;4;n"/>
-          <p:cNvSpPr txBox="1"/>
+          <p:cNvSpPr txBox="1">
+            <a:spLocks noGrp="1"/>
+          </p:cNvSpPr>
           <p:nvPr>
-            <p:ph idx="1" type="body"/>
+            <p:ph type="body" idx="1"/>
           </p:nvPr>
         </p:nvSpPr>
         <p:spPr>
@@ -364,9 +373,9 @@
           </a:ln>
         </p:spPr>
         <p:txBody>
-          <a:bodyPr anchorCtr="0" anchor="t" bIns="91425" lIns="91425" spcFirstLastPara="1" rIns="91425" wrap="square" tIns="91425"/>
+          <a:bodyPr spcFirstLastPara="1" wrap="square" lIns="91425" tIns="91425" rIns="91425" bIns="91425" anchor="t" anchorCtr="0"/>
           <a:lstStyle>
-            <a:lvl1pPr indent="-317500" lvl="0" marL="457200">
+            <a:lvl1pPr marL="457200" lvl="0" indent="-317500">
               <a:spcBef>
                 <a:spcPts val="0"/>
               </a:spcBef>
@@ -377,7 +386,7 @@
               <a:buChar char="●"/>
               <a:defRPr sz="1100"/>
             </a:lvl1pPr>
-            <a:lvl2pPr indent="-317500" lvl="1" marL="914400">
+            <a:lvl2pPr marL="914400" lvl="1" indent="-317500">
               <a:spcBef>
                 <a:spcPts val="0"/>
               </a:spcBef>
@@ -388,7 +397,7 @@
               <a:buChar char="○"/>
               <a:defRPr sz="1100"/>
             </a:lvl2pPr>
-            <a:lvl3pPr indent="-317500" lvl="2" marL="1371600">
+            <a:lvl3pPr marL="1371600" lvl="2" indent="-317500">
               <a:spcBef>
                 <a:spcPts val="0"/>
               </a:spcBef>
@@ -399,7 +408,7 @@
               <a:buChar char="■"/>
               <a:defRPr sz="1100"/>
             </a:lvl3pPr>
-            <a:lvl4pPr indent="-317500" lvl="3" marL="1828800">
+            <a:lvl4pPr marL="1828800" lvl="3" indent="-317500">
               <a:spcBef>
                 <a:spcPts val="0"/>
               </a:spcBef>
@@ -410,7 +419,7 @@
               <a:buChar char="●"/>
               <a:defRPr sz="1100"/>
             </a:lvl4pPr>
-            <a:lvl5pPr indent="-317500" lvl="4" marL="2286000">
+            <a:lvl5pPr marL="2286000" lvl="4" indent="-317500">
               <a:spcBef>
                 <a:spcPts val="0"/>
               </a:spcBef>
@@ -421,7 +430,7 @@
               <a:buChar char="○"/>
               <a:defRPr sz="1100"/>
             </a:lvl5pPr>
-            <a:lvl6pPr indent="-317500" lvl="5" marL="2743200">
+            <a:lvl6pPr marL="2743200" lvl="5" indent="-317500">
               <a:spcBef>
                 <a:spcPts val="0"/>
               </a:spcBef>
@@ -432,7 +441,7 @@
               <a:buChar char="■"/>
               <a:defRPr sz="1100"/>
             </a:lvl6pPr>
-            <a:lvl7pPr indent="-317500" lvl="6" marL="3200400">
+            <a:lvl7pPr marL="3200400" lvl="6" indent="-317500">
               <a:spcBef>
                 <a:spcPts val="0"/>
               </a:spcBef>
@@ -443,7 +452,7 @@
               <a:buChar char="●"/>
               <a:defRPr sz="1100"/>
             </a:lvl7pPr>
-            <a:lvl8pPr indent="-317500" lvl="7" marL="3657600">
+            <a:lvl8pPr marL="3657600" lvl="7" indent="-317500">
               <a:spcBef>
                 <a:spcPts val="0"/>
               </a:spcBef>
@@ -454,7 +463,7 @@
               <a:buChar char="○"/>
               <a:defRPr sz="1100"/>
             </a:lvl8pPr>
-            <a:lvl9pPr indent="-317500" lvl="8" marL="4114800">
+            <a:lvl9pPr marL="4114800" lvl="8" indent="-317500">
               <a:spcBef>
                 <a:spcPts val="0"/>
               </a:spcBef>
@@ -466,14 +475,21 @@
               <a:defRPr sz="1100"/>
             </a:lvl9pPr>
           </a:lstStyle>
-          <a:p/>
+          <a:p>
+            <a:endParaRPr/>
+          </a:p>
         </p:txBody>
       </p:sp>
     </p:spTree>
+    <p:extLst>
+      <p:ext uri="{BB962C8B-B14F-4D97-AF65-F5344CB8AC3E}">
+        <p14:creationId xmlns:p14="http://schemas.microsoft.com/office/powerpoint/2010/main" val="1186961353"/>
+      </p:ext>
+    </p:extLst>
   </p:cSld>
-  <p:clrMap accent1="accent1" accent2="accent2" accent3="accent3" accent4="accent4" accent5="accent5" accent6="accent6" bg1="lt1" bg2="dk2" tx1="dk1" tx2="lt2" folHlink="folHlink" hlink="hlink"/>
+  <p:clrMap bg1="lt1" tx1="dk1" bg2="dk2" tx2="lt2" accent1="accent1" accent2="accent2" accent3="accent3" accent4="accent4" accent5="accent5" accent6="accent6" hlink="hlink" folHlink="folHlink"/>
   <p:notesStyle>
-    <a:defPPr lvl="0" marR="0" rtl="0" algn="l">
+    <a:defPPr marR="0" lvl="0" algn="l" rtl="0">
       <a:lnSpc>
         <a:spcPct val="100000"/>
       </a:lnSpc>
@@ -484,7 +500,7 @@
         <a:spcPts val="0"/>
       </a:spcAft>
     </a:defPPr>
-    <a:lvl1pPr lvl="0" marR="0" rtl="0" algn="l">
+    <a:lvl1pPr marR="0" lvl="0" algn="l" rtl="0">
       <a:lnSpc>
         <a:spcPct val="100000"/>
       </a:lnSpc>
@@ -498,7 +514,7 @@
         <a:srgbClr val="000000"/>
       </a:buClr>
       <a:buFont typeface="Arial"/>
-      <a:defRPr b="0" i="0" sz="1400" u="none" cap="none" strike="noStrike">
+      <a:defRPr sz="1400" b="0" i="0" u="none" strike="noStrike" cap="none">
         <a:solidFill>
           <a:srgbClr val="000000"/>
         </a:solidFill>
@@ -508,7 +524,7 @@
         <a:sym typeface="Arial"/>
       </a:defRPr>
     </a:lvl1pPr>
-    <a:lvl2pPr lvl="1" marR="0" rtl="0" algn="l">
+    <a:lvl2pPr marR="0" lvl="1" algn="l" rtl="0">
       <a:lnSpc>
         <a:spcPct val="100000"/>
       </a:lnSpc>
@@ -522,7 +538,7 @@
         <a:srgbClr val="000000"/>
       </a:buClr>
       <a:buFont typeface="Arial"/>
-      <a:defRPr b="0" i="0" sz="1400" u="none" cap="none" strike="noStrike">
+      <a:defRPr sz="1400" b="0" i="0" u="none" strike="noStrike" cap="none">
         <a:solidFill>
           <a:srgbClr val="000000"/>
         </a:solidFill>
@@ -532,7 +548,7 @@
         <a:sym typeface="Arial"/>
       </a:defRPr>
     </a:lvl2pPr>
-    <a:lvl3pPr lvl="2" marR="0" rtl="0" algn="l">
+    <a:lvl3pPr marR="0" lvl="2" algn="l" rtl="0">
       <a:lnSpc>
         <a:spcPct val="100000"/>
       </a:lnSpc>
@@ -546,7 +562,7 @@
         <a:srgbClr val="000000"/>
       </a:buClr>
       <a:buFont typeface="Arial"/>
-      <a:defRPr b="0" i="0" sz="1400" u="none" cap="none" strike="noStrike">
+      <a:defRPr sz="1400" b="0" i="0" u="none" strike="noStrike" cap="none">
         <a:solidFill>
           <a:srgbClr val="000000"/>
         </a:solidFill>
@@ -556,7 +572,7 @@
         <a:sym typeface="Arial"/>
       </a:defRPr>
     </a:lvl3pPr>
-    <a:lvl4pPr lvl="3" marR="0" rtl="0" algn="l">
+    <a:lvl4pPr marR="0" lvl="3" algn="l" rtl="0">
       <a:lnSpc>
         <a:spcPct val="100000"/>
       </a:lnSpc>
@@ -570,7 +586,7 @@
         <a:srgbClr val="000000"/>
       </a:buClr>
       <a:buFont typeface="Arial"/>
-      <a:defRPr b="0" i="0" sz="1400" u="none" cap="none" strike="noStrike">
+      <a:defRPr sz="1400" b="0" i="0" u="none" strike="noStrike" cap="none">
         <a:solidFill>
           <a:srgbClr val="000000"/>
         </a:solidFill>
@@ -580,7 +596,7 @@
         <a:sym typeface="Arial"/>
       </a:defRPr>
     </a:lvl4pPr>
-    <a:lvl5pPr lvl="4" marR="0" rtl="0" algn="l">
+    <a:lvl5pPr marR="0" lvl="4" algn="l" rtl="0">
       <a:lnSpc>
         <a:spcPct val="100000"/>
       </a:lnSpc>
@@ -594,7 +610,7 @@
         <a:srgbClr val="000000"/>
       </a:buClr>
       <a:buFont typeface="Arial"/>
-      <a:defRPr b="0" i="0" sz="1400" u="none" cap="none" strike="noStrike">
+      <a:defRPr sz="1400" b="0" i="0" u="none" strike="noStrike" cap="none">
         <a:solidFill>
           <a:srgbClr val="000000"/>
         </a:solidFill>
@@ -604,7 +620,7 @@
         <a:sym typeface="Arial"/>
       </a:defRPr>
     </a:lvl5pPr>
-    <a:lvl6pPr lvl="5" marR="0" rtl="0" algn="l">
+    <a:lvl6pPr marR="0" lvl="5" algn="l" rtl="0">
       <a:lnSpc>
         <a:spcPct val="100000"/>
       </a:lnSpc>
@@ -618,7 +634,7 @@
         <a:srgbClr val="000000"/>
       </a:buClr>
       <a:buFont typeface="Arial"/>
-      <a:defRPr b="0" i="0" sz="1400" u="none" cap="none" strike="noStrike">
+      <a:defRPr sz="1400" b="0" i="0" u="none" strike="noStrike" cap="none">
         <a:solidFill>
           <a:srgbClr val="000000"/>
         </a:solidFill>
@@ -628,7 +644,7 @@
         <a:sym typeface="Arial"/>
       </a:defRPr>
     </a:lvl6pPr>
-    <a:lvl7pPr lvl="6" marR="0" rtl="0" algn="l">
+    <a:lvl7pPr marR="0" lvl="6" algn="l" rtl="0">
       <a:lnSpc>
         <a:spcPct val="100000"/>
       </a:lnSpc>
@@ -642,7 +658,7 @@
         <a:srgbClr val="000000"/>
       </a:buClr>
       <a:buFont typeface="Arial"/>
-      <a:defRPr b="0" i="0" sz="1400" u="none" cap="none" strike="noStrike">
+      <a:defRPr sz="1400" b="0" i="0" u="none" strike="noStrike" cap="none">
         <a:solidFill>
           <a:srgbClr val="000000"/>
         </a:solidFill>
@@ -652,7 +668,7 @@
         <a:sym typeface="Arial"/>
       </a:defRPr>
     </a:lvl7pPr>
-    <a:lvl8pPr lvl="7" marR="0" rtl="0" algn="l">
+    <a:lvl8pPr marR="0" lvl="7" algn="l" rtl="0">
       <a:lnSpc>
         <a:spcPct val="100000"/>
       </a:lnSpc>
@@ -666,7 +682,7 @@
         <a:srgbClr val="000000"/>
       </a:buClr>
       <a:buFont typeface="Arial"/>
-      <a:defRPr b="0" i="0" sz="1400" u="none" cap="none" strike="noStrike">
+      <a:defRPr sz="1400" b="0" i="0" u="none" strike="noStrike" cap="none">
         <a:solidFill>
           <a:srgbClr val="000000"/>
         </a:solidFill>
@@ -676,7 +692,7 @@
         <a:sym typeface="Arial"/>
       </a:defRPr>
     </a:lvl8pPr>
-    <a:lvl9pPr lvl="8" marR="0" rtl="0" algn="l">
+    <a:lvl9pPr marR="0" lvl="8" algn="l" rtl="0">
       <a:lnSpc>
         <a:spcPct val="100000"/>
       </a:lnSpc>
@@ -690,7 +706,7 @@
         <a:srgbClr val="000000"/>
       </a:buClr>
       <a:buFont typeface="Arial"/>
-      <a:defRPr b="0" i="0" sz="1400" u="none" cap="none" strike="noStrike">
+      <a:defRPr sz="1400" b="0" i="0" u="none" strike="noStrike" cap="none">
         <a:solidFill>
           <a:srgbClr val="000000"/>
         </a:solidFill>
@@ -705,11 +721,11 @@
 </file>
 
 <file path=ppt/notesSlides/notesSlide1.xml><?xml version="1.0" encoding="utf-8"?>
-<p:notes xmlns:a="http://schemas.openxmlformats.org/drawingml/2006/main" xmlns:r="http://schemas.openxmlformats.org/officeDocument/2006/relationships" xmlns:mc="http://schemas.openxmlformats.org/markup-compatibility/2006" xmlns:mv="urn:schemas-microsoft-com:mac:vml" xmlns:p="http://schemas.openxmlformats.org/presentationml/2006/main" xmlns:c="http://schemas.openxmlformats.org/drawingml/2006/chart" xmlns:dgm="http://schemas.openxmlformats.org/drawingml/2006/diagram" xmlns:o="urn:schemas-microsoft-com:office:office" xmlns:v="urn:schemas-microsoft-com:vml" xmlns:pvml="urn:schemas-microsoft-com:office:powerpoint" xmlns:com="http://schemas.openxmlformats.org/drawingml/2006/compatibility" xmlns:p14="http://schemas.microsoft.com/office/powerpoint/2010/main" xmlns:p15="http://schemas.microsoft.com/office/powerpoint/2012/main" showMasterPhAnim="0" showMasterSp="0">
+<p:notes xmlns:a="http://schemas.openxmlformats.org/drawingml/2006/main" xmlns:r="http://schemas.openxmlformats.org/officeDocument/2006/relationships" xmlns:p="http://schemas.openxmlformats.org/presentationml/2006/main" showMasterSp="0" showMasterPhAnim="0">
   <p:cSld>
     <p:spTree>
       <p:nvGrpSpPr>
-        <p:cNvPr id="55" name="Shape 55"/>
+        <p:cNvPr id="1" name="Shape 55"/>
         <p:cNvGrpSpPr/>
         <p:nvPr/>
       </p:nvGrpSpPr>
@@ -724,9 +740,11 @@
       <p:sp>
         <p:nvSpPr>
           <p:cNvPr id="56" name="Google Shape;56;gc6f90357f_0_0:notes"/>
-          <p:cNvSpPr/>
+          <p:cNvSpPr>
+            <a:spLocks noGrp="1" noRot="1" noChangeAspect="1"/>
+          </p:cNvSpPr>
           <p:nvPr>
-            <p:ph idx="2" type="sldImg"/>
+            <p:ph type="sldImg" idx="2"/>
           </p:nvPr>
         </p:nvSpPr>
         <p:spPr>
@@ -735,9 +753,13 @@
             <a:ext cx="6096300" cy="3429000"/>
           </a:xfrm>
           <a:custGeom>
-            <a:rect b="b" l="l" r="r" t="t"/>
+            <a:avLst/>
+            <a:gdLst/>
+            <a:ahLst/>
+            <a:cxnLst/>
+            <a:rect l="l" t="t" r="r" b="b"/>
             <a:pathLst>
-              <a:path extrusionOk="0" h="120000" w="120000">
+              <a:path w="120000" h="120000" extrusionOk="0">
                 <a:moveTo>
                   <a:pt x="0" y="0"/>
                 </a:moveTo>
@@ -759,9 +781,11 @@
       <p:sp>
         <p:nvSpPr>
           <p:cNvPr id="57" name="Google Shape;57;gc6f90357f_0_0:notes"/>
-          <p:cNvSpPr txBox="1"/>
+          <p:cNvSpPr txBox="1">
+            <a:spLocks noGrp="1"/>
+          </p:cNvSpPr>
           <p:nvPr>
-            <p:ph idx="1" type="body"/>
+            <p:ph type="body" idx="1"/>
           </p:nvPr>
         </p:nvSpPr>
         <p:spPr>
@@ -774,12 +798,12 @@
           </a:prstGeom>
         </p:spPr>
         <p:txBody>
-          <a:bodyPr anchorCtr="0" anchor="t" bIns="91425" lIns="91425" spcFirstLastPara="1" rIns="91425" wrap="square" tIns="91425">
+          <a:bodyPr spcFirstLastPara="1" wrap="square" lIns="91425" tIns="91425" rIns="91425" bIns="91425" anchor="t" anchorCtr="0">
             <a:noAutofit/>
           </a:bodyPr>
           <a:lstStyle/>
           <a:p>
-            <a:pPr indent="0" lvl="0" marL="0" rtl="0" algn="l">
+            <a:pPr marL="0" lvl="0" indent="0" algn="l" rtl="0">
               <a:spcBef>
                 <a:spcPts val="0"/>
               </a:spcBef>
@@ -788,14 +812,16 @@
               </a:spcAft>
               <a:buNone/>
             </a:pPr>
-            <a:r>
-              <a:t/>
-            </a:r>
             <a:endParaRPr/>
           </a:p>
         </p:txBody>
       </p:sp>
     </p:spTree>
+    <p:extLst>
+      <p:ext uri="{BB962C8B-B14F-4D97-AF65-F5344CB8AC3E}">
+        <p14:creationId xmlns:p14="http://schemas.microsoft.com/office/powerpoint/2010/main" val="1283862888"/>
+      </p:ext>
+    </p:extLst>
   </p:cSld>
   <p:clrMapOvr>
     <a:masterClrMapping/>
@@ -804,11 +830,11 @@
 </file>
 
 <file path=ppt/notesSlides/notesSlide10.xml><?xml version="1.0" encoding="utf-8"?>
-<p:notes xmlns:a="http://schemas.openxmlformats.org/drawingml/2006/main" xmlns:r="http://schemas.openxmlformats.org/officeDocument/2006/relationships" xmlns:mc="http://schemas.openxmlformats.org/markup-compatibility/2006" xmlns:mv="urn:schemas-microsoft-com:mac:vml" xmlns:p="http://schemas.openxmlformats.org/presentationml/2006/main" xmlns:c="http://schemas.openxmlformats.org/drawingml/2006/chart" xmlns:dgm="http://schemas.openxmlformats.org/drawingml/2006/diagram" xmlns:o="urn:schemas-microsoft-com:office:office" xmlns:v="urn:schemas-microsoft-com:vml" xmlns:pvml="urn:schemas-microsoft-com:office:powerpoint" xmlns:com="http://schemas.openxmlformats.org/drawingml/2006/compatibility" xmlns:p14="http://schemas.microsoft.com/office/powerpoint/2010/main" xmlns:p15="http://schemas.microsoft.com/office/powerpoint/2012/main" showMasterPhAnim="0" showMasterSp="0">
+<p:notes xmlns:a="http://schemas.openxmlformats.org/drawingml/2006/main" xmlns:r="http://schemas.openxmlformats.org/officeDocument/2006/relationships" xmlns:p="http://schemas.openxmlformats.org/presentationml/2006/main" showMasterSp="0" showMasterPhAnim="0">
   <p:cSld>
     <p:spTree>
       <p:nvGrpSpPr>
-        <p:cNvPr id="111" name="Shape 111"/>
+        <p:cNvPr id="1" name="Shape 111"/>
         <p:cNvGrpSpPr/>
         <p:nvPr/>
       </p:nvGrpSpPr>
@@ -823,9 +849,11 @@
       <p:sp>
         <p:nvSpPr>
           <p:cNvPr id="112" name="Google Shape;112;g497061f262_0_66:notes"/>
-          <p:cNvSpPr/>
+          <p:cNvSpPr>
+            <a:spLocks noGrp="1" noRot="1" noChangeAspect="1"/>
+          </p:cNvSpPr>
           <p:nvPr>
-            <p:ph idx="2" type="sldImg"/>
+            <p:ph type="sldImg" idx="2"/>
           </p:nvPr>
         </p:nvSpPr>
         <p:spPr>
@@ -834,9 +862,13 @@
             <a:ext cx="6096300" cy="3429000"/>
           </a:xfrm>
           <a:custGeom>
-            <a:rect b="b" l="l" r="r" t="t"/>
+            <a:avLst/>
+            <a:gdLst/>
+            <a:ahLst/>
+            <a:cxnLst/>
+            <a:rect l="l" t="t" r="r" b="b"/>
             <a:pathLst>
-              <a:path extrusionOk="0" h="120000" w="120000">
+              <a:path w="120000" h="120000" extrusionOk="0">
                 <a:moveTo>
                   <a:pt x="0" y="0"/>
                 </a:moveTo>
@@ -858,9 +890,11 @@
       <p:sp>
         <p:nvSpPr>
           <p:cNvPr id="113" name="Google Shape;113;g497061f262_0_66:notes"/>
-          <p:cNvSpPr txBox="1"/>
+          <p:cNvSpPr txBox="1">
+            <a:spLocks noGrp="1"/>
+          </p:cNvSpPr>
           <p:nvPr>
-            <p:ph idx="1" type="body"/>
+            <p:ph type="body" idx="1"/>
           </p:nvPr>
         </p:nvSpPr>
         <p:spPr>
@@ -873,12 +907,12 @@
           </a:prstGeom>
         </p:spPr>
         <p:txBody>
-          <a:bodyPr anchorCtr="0" anchor="t" bIns="91425" lIns="91425" spcFirstLastPara="1" rIns="91425" wrap="square" tIns="91425">
+          <a:bodyPr spcFirstLastPara="1" wrap="square" lIns="91425" tIns="91425" rIns="91425" bIns="91425" anchor="t" anchorCtr="0">
             <a:noAutofit/>
           </a:bodyPr>
           <a:lstStyle/>
           <a:p>
-            <a:pPr indent="0" lvl="0" marL="0" rtl="0" algn="l">
+            <a:pPr marL="0" lvl="0" indent="0" algn="l" rtl="0">
               <a:spcBef>
                 <a:spcPts val="0"/>
               </a:spcBef>
@@ -887,14 +921,16 @@
               </a:spcAft>
               <a:buNone/>
             </a:pPr>
-            <a:r>
-              <a:t/>
-            </a:r>
             <a:endParaRPr/>
           </a:p>
         </p:txBody>
       </p:sp>
     </p:spTree>
+    <p:extLst>
+      <p:ext uri="{BB962C8B-B14F-4D97-AF65-F5344CB8AC3E}">
+        <p14:creationId xmlns:p14="http://schemas.microsoft.com/office/powerpoint/2010/main" val="1665748152"/>
+      </p:ext>
+    </p:extLst>
   </p:cSld>
   <p:clrMapOvr>
     <a:masterClrMapping/>
@@ -903,11 +939,11 @@
 </file>
 
 <file path=ppt/notesSlides/notesSlide11.xml><?xml version="1.0" encoding="utf-8"?>
-<p:notes xmlns:a="http://schemas.openxmlformats.org/drawingml/2006/main" xmlns:r="http://schemas.openxmlformats.org/officeDocument/2006/relationships" xmlns:mc="http://schemas.openxmlformats.org/markup-compatibility/2006" xmlns:mv="urn:schemas-microsoft-com:mac:vml" xmlns:p="http://schemas.openxmlformats.org/presentationml/2006/main" xmlns:c="http://schemas.openxmlformats.org/drawingml/2006/chart" xmlns:dgm="http://schemas.openxmlformats.org/drawingml/2006/diagram" xmlns:o="urn:schemas-microsoft-com:office:office" xmlns:v="urn:schemas-microsoft-com:vml" xmlns:pvml="urn:schemas-microsoft-com:office:powerpoint" xmlns:com="http://schemas.openxmlformats.org/drawingml/2006/compatibility" xmlns:p14="http://schemas.microsoft.com/office/powerpoint/2010/main" xmlns:p15="http://schemas.microsoft.com/office/powerpoint/2012/main" showMasterPhAnim="0" showMasterSp="0">
+<p:notes xmlns:a="http://schemas.openxmlformats.org/drawingml/2006/main" xmlns:r="http://schemas.openxmlformats.org/officeDocument/2006/relationships" xmlns:p="http://schemas.openxmlformats.org/presentationml/2006/main" showMasterSp="0" showMasterPhAnim="0">
   <p:cSld>
     <p:spTree>
       <p:nvGrpSpPr>
-        <p:cNvPr id="118" name="Shape 118"/>
+        <p:cNvPr id="1" name="Shape 118"/>
         <p:cNvGrpSpPr/>
         <p:nvPr/>
       </p:nvGrpSpPr>
@@ -922,9 +958,11 @@
       <p:sp>
         <p:nvSpPr>
           <p:cNvPr id="119" name="Google Shape;119;g497061f262_0_18:notes"/>
-          <p:cNvSpPr/>
+          <p:cNvSpPr>
+            <a:spLocks noGrp="1" noRot="1" noChangeAspect="1"/>
+          </p:cNvSpPr>
           <p:nvPr>
-            <p:ph idx="2" type="sldImg"/>
+            <p:ph type="sldImg" idx="2"/>
           </p:nvPr>
         </p:nvSpPr>
         <p:spPr>
@@ -933,9 +971,13 @@
             <a:ext cx="6096300" cy="3429000"/>
           </a:xfrm>
           <a:custGeom>
-            <a:rect b="b" l="l" r="r" t="t"/>
+            <a:avLst/>
+            <a:gdLst/>
+            <a:ahLst/>
+            <a:cxnLst/>
+            <a:rect l="l" t="t" r="r" b="b"/>
             <a:pathLst>
-              <a:path extrusionOk="0" h="120000" w="120000">
+              <a:path w="120000" h="120000" extrusionOk="0">
                 <a:moveTo>
                   <a:pt x="0" y="0"/>
                 </a:moveTo>
@@ -957,9 +999,11 @@
       <p:sp>
         <p:nvSpPr>
           <p:cNvPr id="120" name="Google Shape;120;g497061f262_0_18:notes"/>
-          <p:cNvSpPr txBox="1"/>
+          <p:cNvSpPr txBox="1">
+            <a:spLocks noGrp="1"/>
+          </p:cNvSpPr>
           <p:nvPr>
-            <p:ph idx="1" type="body"/>
+            <p:ph type="body" idx="1"/>
           </p:nvPr>
         </p:nvSpPr>
         <p:spPr>
@@ -972,12 +1016,12 @@
           </a:prstGeom>
         </p:spPr>
         <p:txBody>
-          <a:bodyPr anchorCtr="0" anchor="t" bIns="91425" lIns="91425" spcFirstLastPara="1" rIns="91425" wrap="square" tIns="91425">
+          <a:bodyPr spcFirstLastPara="1" wrap="square" lIns="91425" tIns="91425" rIns="91425" bIns="91425" anchor="t" anchorCtr="0">
             <a:noAutofit/>
           </a:bodyPr>
           <a:lstStyle/>
           <a:p>
-            <a:pPr indent="0" lvl="0" marL="0" rtl="0" algn="l">
+            <a:pPr marL="0" lvl="0" indent="0" algn="l" rtl="0">
               <a:spcBef>
                 <a:spcPts val="0"/>
               </a:spcBef>
@@ -986,14 +1030,16 @@
               </a:spcAft>
               <a:buNone/>
             </a:pPr>
-            <a:r>
-              <a:t/>
-            </a:r>
             <a:endParaRPr/>
           </a:p>
         </p:txBody>
       </p:sp>
     </p:spTree>
+    <p:extLst>
+      <p:ext uri="{BB962C8B-B14F-4D97-AF65-F5344CB8AC3E}">
+        <p14:creationId xmlns:p14="http://schemas.microsoft.com/office/powerpoint/2010/main" val="1632368372"/>
+      </p:ext>
+    </p:extLst>
   </p:cSld>
   <p:clrMapOvr>
     <a:masterClrMapping/>
@@ -1002,11 +1048,11 @@
 </file>
 
 <file path=ppt/notesSlides/notesSlide12.xml><?xml version="1.0" encoding="utf-8"?>
-<p:notes xmlns:a="http://schemas.openxmlformats.org/drawingml/2006/main" xmlns:r="http://schemas.openxmlformats.org/officeDocument/2006/relationships" xmlns:mc="http://schemas.openxmlformats.org/markup-compatibility/2006" xmlns:mv="urn:schemas-microsoft-com:mac:vml" xmlns:p="http://schemas.openxmlformats.org/presentationml/2006/main" xmlns:c="http://schemas.openxmlformats.org/drawingml/2006/chart" xmlns:dgm="http://schemas.openxmlformats.org/drawingml/2006/diagram" xmlns:o="urn:schemas-microsoft-com:office:office" xmlns:v="urn:schemas-microsoft-com:vml" xmlns:pvml="urn:schemas-microsoft-com:office:powerpoint" xmlns:com="http://schemas.openxmlformats.org/drawingml/2006/compatibility" xmlns:p14="http://schemas.microsoft.com/office/powerpoint/2010/main" xmlns:p15="http://schemas.microsoft.com/office/powerpoint/2012/main" showMasterPhAnim="0" showMasterSp="0">
+<p:notes xmlns:a="http://schemas.openxmlformats.org/drawingml/2006/main" xmlns:r="http://schemas.openxmlformats.org/officeDocument/2006/relationships" xmlns:p="http://schemas.openxmlformats.org/presentationml/2006/main" showMasterSp="0" showMasterPhAnim="0">
   <p:cSld>
     <p:spTree>
       <p:nvGrpSpPr>
-        <p:cNvPr id="125" name="Shape 125"/>
+        <p:cNvPr id="1" name="Shape 125"/>
         <p:cNvGrpSpPr/>
         <p:nvPr/>
       </p:nvGrpSpPr>
@@ -1021,9 +1067,11 @@
       <p:sp>
         <p:nvSpPr>
           <p:cNvPr id="126" name="Google Shape;126;g497061f262_0_75:notes"/>
-          <p:cNvSpPr/>
+          <p:cNvSpPr>
+            <a:spLocks noGrp="1" noRot="1" noChangeAspect="1"/>
+          </p:cNvSpPr>
           <p:nvPr>
-            <p:ph idx="2" type="sldImg"/>
+            <p:ph type="sldImg" idx="2"/>
           </p:nvPr>
         </p:nvSpPr>
         <p:spPr>
@@ -1032,9 +1080,13 @@
             <a:ext cx="6096300" cy="3429000"/>
           </a:xfrm>
           <a:custGeom>
-            <a:rect b="b" l="l" r="r" t="t"/>
+            <a:avLst/>
+            <a:gdLst/>
+            <a:ahLst/>
+            <a:cxnLst/>
+            <a:rect l="l" t="t" r="r" b="b"/>
             <a:pathLst>
-              <a:path extrusionOk="0" h="120000" w="120000">
+              <a:path w="120000" h="120000" extrusionOk="0">
                 <a:moveTo>
                   <a:pt x="0" y="0"/>
                 </a:moveTo>
@@ -1056,9 +1108,11 @@
       <p:sp>
         <p:nvSpPr>
           <p:cNvPr id="127" name="Google Shape;127;g497061f262_0_75:notes"/>
-          <p:cNvSpPr txBox="1"/>
+          <p:cNvSpPr txBox="1">
+            <a:spLocks noGrp="1"/>
+          </p:cNvSpPr>
           <p:nvPr>
-            <p:ph idx="1" type="body"/>
+            <p:ph type="body" idx="1"/>
           </p:nvPr>
         </p:nvSpPr>
         <p:spPr>
@@ -1071,12 +1125,12 @@
           </a:prstGeom>
         </p:spPr>
         <p:txBody>
-          <a:bodyPr anchorCtr="0" anchor="t" bIns="91425" lIns="91425" spcFirstLastPara="1" rIns="91425" wrap="square" tIns="91425">
+          <a:bodyPr spcFirstLastPara="1" wrap="square" lIns="91425" tIns="91425" rIns="91425" bIns="91425" anchor="t" anchorCtr="0">
             <a:noAutofit/>
           </a:bodyPr>
           <a:lstStyle/>
           <a:p>
-            <a:pPr indent="0" lvl="0" marL="0" rtl="0" algn="l">
+            <a:pPr marL="0" lvl="0" indent="0" algn="l" rtl="0">
               <a:spcBef>
                 <a:spcPts val="0"/>
               </a:spcBef>
@@ -1085,14 +1139,16 @@
               </a:spcAft>
               <a:buNone/>
             </a:pPr>
-            <a:r>
-              <a:t/>
-            </a:r>
             <a:endParaRPr/>
           </a:p>
         </p:txBody>
       </p:sp>
     </p:spTree>
+    <p:extLst>
+      <p:ext uri="{BB962C8B-B14F-4D97-AF65-F5344CB8AC3E}">
+        <p14:creationId xmlns:p14="http://schemas.microsoft.com/office/powerpoint/2010/main" val="1111637779"/>
+      </p:ext>
+    </p:extLst>
   </p:cSld>
   <p:clrMapOvr>
     <a:masterClrMapping/>
@@ -1101,11 +1157,120 @@
 </file>
 
 <file path=ppt/notesSlides/notesSlide13.xml><?xml version="1.0" encoding="utf-8"?>
-<p:notes xmlns:a="http://schemas.openxmlformats.org/drawingml/2006/main" xmlns:r="http://schemas.openxmlformats.org/officeDocument/2006/relationships" xmlns:mc="http://schemas.openxmlformats.org/markup-compatibility/2006" xmlns:mv="urn:schemas-microsoft-com:mac:vml" xmlns:p="http://schemas.openxmlformats.org/presentationml/2006/main" xmlns:c="http://schemas.openxmlformats.org/drawingml/2006/chart" xmlns:dgm="http://schemas.openxmlformats.org/drawingml/2006/diagram" xmlns:o="urn:schemas-microsoft-com:office:office" xmlns:v="urn:schemas-microsoft-com:vml" xmlns:pvml="urn:schemas-microsoft-com:office:powerpoint" xmlns:com="http://schemas.openxmlformats.org/drawingml/2006/compatibility" xmlns:p14="http://schemas.microsoft.com/office/powerpoint/2010/main" xmlns:p15="http://schemas.microsoft.com/office/powerpoint/2012/main" showMasterPhAnim="0" showMasterSp="0">
+<p:notes xmlns:a="http://schemas.openxmlformats.org/drawingml/2006/main" xmlns:r="http://schemas.openxmlformats.org/officeDocument/2006/relationships" xmlns:p="http://schemas.openxmlformats.org/presentationml/2006/main" showMasterSp="0" showMasterPhAnim="0">
   <p:cSld>
     <p:spTree>
       <p:nvGrpSpPr>
-        <p:cNvPr id="131" name="Shape 131"/>
+        <p:cNvPr id="1" name="Shape 105"/>
+        <p:cNvGrpSpPr/>
+        <p:nvPr/>
+      </p:nvGrpSpPr>
+      <p:grpSpPr>
+        <a:xfrm>
+          <a:off x="0" y="0"/>
+          <a:ext cx="0" cy="0"/>
+          <a:chOff x="0" y="0"/>
+          <a:chExt cx="0" cy="0"/>
+        </a:xfrm>
+      </p:grpSpPr>
+      <p:sp>
+        <p:nvSpPr>
+          <p:cNvPr id="106" name="Google Shape;106;g497061f262_0_59:notes"/>
+          <p:cNvSpPr>
+            <a:spLocks noGrp="1" noRot="1" noChangeAspect="1"/>
+          </p:cNvSpPr>
+          <p:nvPr>
+            <p:ph type="sldImg" idx="2"/>
+          </p:nvPr>
+        </p:nvSpPr>
+        <p:spPr>
+          <a:xfrm>
+            <a:off x="381000" y="685800"/>
+            <a:ext cx="6096000" cy="3429000"/>
+          </a:xfrm>
+          <a:custGeom>
+            <a:avLst/>
+            <a:gdLst/>
+            <a:ahLst/>
+            <a:cxnLst/>
+            <a:rect l="l" t="t" r="r" b="b"/>
+            <a:pathLst>
+              <a:path w="120000" h="120000" extrusionOk="0">
+                <a:moveTo>
+                  <a:pt x="0" y="0"/>
+                </a:moveTo>
+                <a:lnTo>
+                  <a:pt x="120000" y="0"/>
+                </a:lnTo>
+                <a:lnTo>
+                  <a:pt x="120000" y="120000"/>
+                </a:lnTo>
+                <a:lnTo>
+                  <a:pt x="0" y="120000"/>
+                </a:lnTo>
+                <a:close/>
+              </a:path>
+            </a:pathLst>
+          </a:custGeom>
+        </p:spPr>
+      </p:sp>
+      <p:sp>
+        <p:nvSpPr>
+          <p:cNvPr id="107" name="Google Shape;107;g497061f262_0_59:notes"/>
+          <p:cNvSpPr txBox="1">
+            <a:spLocks noGrp="1"/>
+          </p:cNvSpPr>
+          <p:nvPr>
+            <p:ph type="body" idx="1"/>
+          </p:nvPr>
+        </p:nvSpPr>
+        <p:spPr>
+          <a:xfrm>
+            <a:off x="685800" y="4343400"/>
+            <a:ext cx="5486400" cy="4114800"/>
+          </a:xfrm>
+          <a:prstGeom prst="rect">
+            <a:avLst/>
+          </a:prstGeom>
+        </p:spPr>
+        <p:txBody>
+          <a:bodyPr spcFirstLastPara="1" wrap="square" lIns="91425" tIns="91425" rIns="91425" bIns="91425" anchor="t" anchorCtr="0">
+            <a:noAutofit/>
+          </a:bodyPr>
+          <a:lstStyle/>
+          <a:p>
+            <a:pPr marL="0" lvl="0" indent="0" algn="l" rtl="0">
+              <a:spcBef>
+                <a:spcPts val="0"/>
+              </a:spcBef>
+              <a:spcAft>
+                <a:spcPts val="0"/>
+              </a:spcAft>
+              <a:buNone/>
+            </a:pPr>
+            <a:endParaRPr/>
+          </a:p>
+        </p:txBody>
+      </p:sp>
+    </p:spTree>
+    <p:extLst>
+      <p:ext uri="{BB962C8B-B14F-4D97-AF65-F5344CB8AC3E}">
+        <p14:creationId xmlns:p14="http://schemas.microsoft.com/office/powerpoint/2010/main" val="1520947068"/>
+      </p:ext>
+    </p:extLst>
+  </p:cSld>
+  <p:clrMapOvr>
+    <a:masterClrMapping/>
+  </p:clrMapOvr>
+</p:notes>
+</file>
+
+<file path=ppt/notesSlides/notesSlide14.xml><?xml version="1.0" encoding="utf-8"?>
+<p:notes xmlns:a="http://schemas.openxmlformats.org/drawingml/2006/main" xmlns:r="http://schemas.openxmlformats.org/officeDocument/2006/relationships" xmlns:p="http://schemas.openxmlformats.org/presentationml/2006/main" showMasterSp="0" showMasterPhAnim="0">
+  <p:cSld>
+    <p:spTree>
+      <p:nvGrpSpPr>
+        <p:cNvPr id="1" name="Shape 131"/>
         <p:cNvGrpSpPr/>
         <p:nvPr/>
       </p:nvGrpSpPr>
@@ -1120,20 +1285,26 @@
       <p:sp>
         <p:nvSpPr>
           <p:cNvPr id="132" name="Google Shape;132;g49700f3c50_0_1:notes"/>
-          <p:cNvSpPr/>
+          <p:cNvSpPr>
+            <a:spLocks noGrp="1" noRot="1" noChangeAspect="1"/>
+          </p:cNvSpPr>
           <p:nvPr>
-            <p:ph idx="2" type="sldImg"/>
+            <p:ph type="sldImg" idx="2"/>
           </p:nvPr>
         </p:nvSpPr>
         <p:spPr>
           <a:xfrm>
-            <a:off x="381300" y="685800"/>
+            <a:off x="381000" y="685800"/>
             <a:ext cx="6096000" cy="3429000"/>
           </a:xfrm>
           <a:custGeom>
-            <a:rect b="b" l="l" r="r" t="t"/>
+            <a:avLst/>
+            <a:gdLst/>
+            <a:ahLst/>
+            <a:cxnLst/>
+            <a:rect l="l" t="t" r="r" b="b"/>
             <a:pathLst>
-              <a:path extrusionOk="0" h="120000" w="120000">
+              <a:path w="120000" h="120000" extrusionOk="0">
                 <a:moveTo>
                   <a:pt x="0" y="0"/>
                 </a:moveTo>
@@ -1155,9 +1326,11 @@
       <p:sp>
         <p:nvSpPr>
           <p:cNvPr id="133" name="Google Shape;133;g49700f3c50_0_1:notes"/>
-          <p:cNvSpPr txBox="1"/>
+          <p:cNvSpPr txBox="1">
+            <a:spLocks noGrp="1"/>
+          </p:cNvSpPr>
           <p:nvPr>
-            <p:ph idx="1" type="body"/>
+            <p:ph type="body" idx="1"/>
           </p:nvPr>
         </p:nvSpPr>
         <p:spPr>
@@ -1170,12 +1343,12 @@
           </a:prstGeom>
         </p:spPr>
         <p:txBody>
-          <a:bodyPr anchorCtr="0" anchor="t" bIns="91425" lIns="91425" spcFirstLastPara="1" rIns="91425" wrap="square" tIns="91425">
+          <a:bodyPr spcFirstLastPara="1" wrap="square" lIns="91425" tIns="91425" rIns="91425" bIns="91425" anchor="t" anchorCtr="0">
             <a:noAutofit/>
           </a:bodyPr>
           <a:lstStyle/>
           <a:p>
-            <a:pPr indent="0" lvl="0" marL="0" rtl="0" algn="l">
+            <a:pPr marL="0" lvl="0" indent="0" algn="l" rtl="0">
               <a:spcBef>
                 <a:spcPts val="0"/>
               </a:spcBef>
@@ -1184,14 +1357,16 @@
               </a:spcAft>
               <a:buNone/>
             </a:pPr>
-            <a:r>
-              <a:t/>
-            </a:r>
             <a:endParaRPr/>
           </a:p>
         </p:txBody>
       </p:sp>
     </p:spTree>
+    <p:extLst>
+      <p:ext uri="{BB962C8B-B14F-4D97-AF65-F5344CB8AC3E}">
+        <p14:creationId xmlns:p14="http://schemas.microsoft.com/office/powerpoint/2010/main" val="188422753"/>
+      </p:ext>
+    </p:extLst>
   </p:cSld>
   <p:clrMapOvr>
     <a:masterClrMapping/>
@@ -1200,11 +1375,11 @@
 </file>
 
 <file path=ppt/notesSlides/notesSlide2.xml><?xml version="1.0" encoding="utf-8"?>
-<p:notes xmlns:a="http://schemas.openxmlformats.org/drawingml/2006/main" xmlns:r="http://schemas.openxmlformats.org/officeDocument/2006/relationships" xmlns:mc="http://schemas.openxmlformats.org/markup-compatibility/2006" xmlns:mv="urn:schemas-microsoft-com:mac:vml" xmlns:p="http://schemas.openxmlformats.org/presentationml/2006/main" xmlns:c="http://schemas.openxmlformats.org/drawingml/2006/chart" xmlns:dgm="http://schemas.openxmlformats.org/drawingml/2006/diagram" xmlns:o="urn:schemas-microsoft-com:office:office" xmlns:v="urn:schemas-microsoft-com:vml" xmlns:pvml="urn:schemas-microsoft-com:office:powerpoint" xmlns:com="http://schemas.openxmlformats.org/drawingml/2006/compatibility" xmlns:p14="http://schemas.microsoft.com/office/powerpoint/2010/main" xmlns:p15="http://schemas.microsoft.com/office/powerpoint/2012/main" showMasterPhAnim="0" showMasterSp="0">
+<p:notes xmlns:a="http://schemas.openxmlformats.org/drawingml/2006/main" xmlns:r="http://schemas.openxmlformats.org/officeDocument/2006/relationships" xmlns:p="http://schemas.openxmlformats.org/presentationml/2006/main" showMasterSp="0" showMasterPhAnim="0">
   <p:cSld>
     <p:spTree>
       <p:nvGrpSpPr>
-        <p:cNvPr id="61" name="Shape 61"/>
+        <p:cNvPr id="1" name="Shape 61"/>
         <p:cNvGrpSpPr/>
         <p:nvPr/>
       </p:nvGrpSpPr>
@@ -1219,9 +1394,11 @@
       <p:sp>
         <p:nvSpPr>
           <p:cNvPr id="62" name="Google Shape;62;gc6f90357f_0_5:notes"/>
-          <p:cNvSpPr/>
+          <p:cNvSpPr>
+            <a:spLocks noGrp="1" noRot="1" noChangeAspect="1"/>
+          </p:cNvSpPr>
           <p:nvPr>
-            <p:ph idx="2" type="sldImg"/>
+            <p:ph type="sldImg" idx="2"/>
           </p:nvPr>
         </p:nvSpPr>
         <p:spPr>
@@ -1230,9 +1407,13 @@
             <a:ext cx="6096300" cy="3429000"/>
           </a:xfrm>
           <a:custGeom>
-            <a:rect b="b" l="l" r="r" t="t"/>
+            <a:avLst/>
+            <a:gdLst/>
+            <a:ahLst/>
+            <a:cxnLst/>
+            <a:rect l="l" t="t" r="r" b="b"/>
             <a:pathLst>
-              <a:path extrusionOk="0" h="120000" w="120000">
+              <a:path w="120000" h="120000" extrusionOk="0">
                 <a:moveTo>
                   <a:pt x="0" y="0"/>
                 </a:moveTo>
@@ -1254,9 +1435,11 @@
       <p:sp>
         <p:nvSpPr>
           <p:cNvPr id="63" name="Google Shape;63;gc6f90357f_0_5:notes"/>
-          <p:cNvSpPr txBox="1"/>
+          <p:cNvSpPr txBox="1">
+            <a:spLocks noGrp="1"/>
+          </p:cNvSpPr>
           <p:nvPr>
-            <p:ph idx="1" type="body"/>
+            <p:ph type="body" idx="1"/>
           </p:nvPr>
         </p:nvSpPr>
         <p:spPr>
@@ -1269,12 +1452,12 @@
           </a:prstGeom>
         </p:spPr>
         <p:txBody>
-          <a:bodyPr anchorCtr="0" anchor="t" bIns="91425" lIns="91425" spcFirstLastPara="1" rIns="91425" wrap="square" tIns="91425">
+          <a:bodyPr spcFirstLastPara="1" wrap="square" lIns="91425" tIns="91425" rIns="91425" bIns="91425" anchor="t" anchorCtr="0">
             <a:noAutofit/>
           </a:bodyPr>
           <a:lstStyle/>
           <a:p>
-            <a:pPr indent="0" lvl="0" marL="0" rtl="0" algn="l">
+            <a:pPr marL="0" lvl="0" indent="0" algn="l" rtl="0">
               <a:spcBef>
                 <a:spcPts val="0"/>
               </a:spcBef>
@@ -1283,14 +1466,16 @@
               </a:spcAft>
               <a:buNone/>
             </a:pPr>
-            <a:r>
-              <a:t/>
-            </a:r>
             <a:endParaRPr/>
           </a:p>
         </p:txBody>
       </p:sp>
     </p:spTree>
+    <p:extLst>
+      <p:ext uri="{BB962C8B-B14F-4D97-AF65-F5344CB8AC3E}">
+        <p14:creationId xmlns:p14="http://schemas.microsoft.com/office/powerpoint/2010/main" val="2115357207"/>
+      </p:ext>
+    </p:extLst>
   </p:cSld>
   <p:clrMapOvr>
     <a:masterClrMapping/>
@@ -1299,11 +1484,11 @@
 </file>
 
 <file path=ppt/notesSlides/notesSlide3.xml><?xml version="1.0" encoding="utf-8"?>
-<p:notes xmlns:a="http://schemas.openxmlformats.org/drawingml/2006/main" xmlns:r="http://schemas.openxmlformats.org/officeDocument/2006/relationships" xmlns:mc="http://schemas.openxmlformats.org/markup-compatibility/2006" xmlns:mv="urn:schemas-microsoft-com:mac:vml" xmlns:p="http://schemas.openxmlformats.org/presentationml/2006/main" xmlns:c="http://schemas.openxmlformats.org/drawingml/2006/chart" xmlns:dgm="http://schemas.openxmlformats.org/drawingml/2006/diagram" xmlns:o="urn:schemas-microsoft-com:office:office" xmlns:v="urn:schemas-microsoft-com:vml" xmlns:pvml="urn:schemas-microsoft-com:office:powerpoint" xmlns:com="http://schemas.openxmlformats.org/drawingml/2006/compatibility" xmlns:p14="http://schemas.microsoft.com/office/powerpoint/2010/main" xmlns:p15="http://schemas.microsoft.com/office/powerpoint/2012/main" showMasterPhAnim="0" showMasterSp="0">
+<p:notes xmlns:a="http://schemas.openxmlformats.org/drawingml/2006/main" xmlns:r="http://schemas.openxmlformats.org/officeDocument/2006/relationships" xmlns:p="http://schemas.openxmlformats.org/presentationml/2006/main" showMasterSp="0" showMasterPhAnim="0">
   <p:cSld>
     <p:spTree>
       <p:nvGrpSpPr>
-        <p:cNvPr id="67" name="Shape 67"/>
+        <p:cNvPr id="1" name="Shape 67"/>
         <p:cNvGrpSpPr/>
         <p:nvPr/>
       </p:nvGrpSpPr>
@@ -1318,9 +1503,11 @@
       <p:sp>
         <p:nvSpPr>
           <p:cNvPr id="68" name="Google Shape;68;gc6f90357f_0_13:notes"/>
-          <p:cNvSpPr/>
+          <p:cNvSpPr>
+            <a:spLocks noGrp="1" noRot="1" noChangeAspect="1"/>
+          </p:cNvSpPr>
           <p:nvPr>
-            <p:ph idx="2" type="sldImg"/>
+            <p:ph type="sldImg" idx="2"/>
           </p:nvPr>
         </p:nvSpPr>
         <p:spPr>
@@ -1329,9 +1516,13 @@
             <a:ext cx="6096300" cy="3429000"/>
           </a:xfrm>
           <a:custGeom>
-            <a:rect b="b" l="l" r="r" t="t"/>
+            <a:avLst/>
+            <a:gdLst/>
+            <a:ahLst/>
+            <a:cxnLst/>
+            <a:rect l="l" t="t" r="r" b="b"/>
             <a:pathLst>
-              <a:path extrusionOk="0" h="120000" w="120000">
+              <a:path w="120000" h="120000" extrusionOk="0">
                 <a:moveTo>
                   <a:pt x="0" y="0"/>
                 </a:moveTo>
@@ -1353,9 +1544,11 @@
       <p:sp>
         <p:nvSpPr>
           <p:cNvPr id="69" name="Google Shape;69;gc6f90357f_0_13:notes"/>
-          <p:cNvSpPr txBox="1"/>
+          <p:cNvSpPr txBox="1">
+            <a:spLocks noGrp="1"/>
+          </p:cNvSpPr>
           <p:nvPr>
-            <p:ph idx="1" type="body"/>
+            <p:ph type="body" idx="1"/>
           </p:nvPr>
         </p:nvSpPr>
         <p:spPr>
@@ -1368,12 +1561,12 @@
           </a:prstGeom>
         </p:spPr>
         <p:txBody>
-          <a:bodyPr anchorCtr="0" anchor="t" bIns="91425" lIns="91425" spcFirstLastPara="1" rIns="91425" wrap="square" tIns="91425">
+          <a:bodyPr spcFirstLastPara="1" wrap="square" lIns="91425" tIns="91425" rIns="91425" bIns="91425" anchor="t" anchorCtr="0">
             <a:noAutofit/>
           </a:bodyPr>
           <a:lstStyle/>
           <a:p>
-            <a:pPr indent="0" lvl="0" marL="0" rtl="0" algn="l">
+            <a:pPr marL="0" lvl="0" indent="0" algn="l" rtl="0">
               <a:spcBef>
                 <a:spcPts val="0"/>
               </a:spcBef>
@@ -1382,14 +1575,16 @@
               </a:spcAft>
               <a:buNone/>
             </a:pPr>
-            <a:r>
-              <a:t/>
-            </a:r>
             <a:endParaRPr/>
           </a:p>
         </p:txBody>
       </p:sp>
     </p:spTree>
+    <p:extLst>
+      <p:ext uri="{BB962C8B-B14F-4D97-AF65-F5344CB8AC3E}">
+        <p14:creationId xmlns:p14="http://schemas.microsoft.com/office/powerpoint/2010/main" val="1216801964"/>
+      </p:ext>
+    </p:extLst>
   </p:cSld>
   <p:clrMapOvr>
     <a:masterClrMapping/>
@@ -1398,11 +1593,11 @@
 </file>
 
 <file path=ppt/notesSlides/notesSlide4.xml><?xml version="1.0" encoding="utf-8"?>
-<p:notes xmlns:a="http://schemas.openxmlformats.org/drawingml/2006/main" xmlns:r="http://schemas.openxmlformats.org/officeDocument/2006/relationships" xmlns:mc="http://schemas.openxmlformats.org/markup-compatibility/2006" xmlns:mv="urn:schemas-microsoft-com:mac:vml" xmlns:p="http://schemas.openxmlformats.org/presentationml/2006/main" xmlns:c="http://schemas.openxmlformats.org/drawingml/2006/chart" xmlns:dgm="http://schemas.openxmlformats.org/drawingml/2006/diagram" xmlns:o="urn:schemas-microsoft-com:office:office" xmlns:v="urn:schemas-microsoft-com:vml" xmlns:pvml="urn:schemas-microsoft-com:office:powerpoint" xmlns:com="http://schemas.openxmlformats.org/drawingml/2006/compatibility" xmlns:p14="http://schemas.microsoft.com/office/powerpoint/2010/main" xmlns:p15="http://schemas.microsoft.com/office/powerpoint/2012/main" showMasterPhAnim="0" showMasterSp="0">
+<p:notes xmlns:a="http://schemas.openxmlformats.org/drawingml/2006/main" xmlns:r="http://schemas.openxmlformats.org/officeDocument/2006/relationships" xmlns:p="http://schemas.openxmlformats.org/presentationml/2006/main" showMasterSp="0" showMasterPhAnim="0">
   <p:cSld>
     <p:spTree>
       <p:nvGrpSpPr>
-        <p:cNvPr id="74" name="Shape 74"/>
+        <p:cNvPr id="1" name="Shape 74"/>
         <p:cNvGrpSpPr/>
         <p:nvPr/>
       </p:nvGrpSpPr>
@@ -1417,9 +1612,11 @@
       <p:sp>
         <p:nvSpPr>
           <p:cNvPr id="75" name="Google Shape;75;gc6f90357f_0_47:notes"/>
-          <p:cNvSpPr/>
+          <p:cNvSpPr>
+            <a:spLocks noGrp="1" noRot="1" noChangeAspect="1"/>
+          </p:cNvSpPr>
           <p:nvPr>
-            <p:ph idx="2" type="sldImg"/>
+            <p:ph type="sldImg" idx="2"/>
           </p:nvPr>
         </p:nvSpPr>
         <p:spPr>
@@ -1428,9 +1625,13 @@
             <a:ext cx="6096300" cy="3429000"/>
           </a:xfrm>
           <a:custGeom>
-            <a:rect b="b" l="l" r="r" t="t"/>
+            <a:avLst/>
+            <a:gdLst/>
+            <a:ahLst/>
+            <a:cxnLst/>
+            <a:rect l="l" t="t" r="r" b="b"/>
             <a:pathLst>
-              <a:path extrusionOk="0" h="120000" w="120000">
+              <a:path w="120000" h="120000" extrusionOk="0">
                 <a:moveTo>
                   <a:pt x="0" y="0"/>
                 </a:moveTo>
@@ -1452,9 +1653,11 @@
       <p:sp>
         <p:nvSpPr>
           <p:cNvPr id="76" name="Google Shape;76;gc6f90357f_0_47:notes"/>
-          <p:cNvSpPr txBox="1"/>
+          <p:cNvSpPr txBox="1">
+            <a:spLocks noGrp="1"/>
+          </p:cNvSpPr>
           <p:nvPr>
-            <p:ph idx="1" type="body"/>
+            <p:ph type="body" idx="1"/>
           </p:nvPr>
         </p:nvSpPr>
         <p:spPr>
@@ -1467,12 +1670,12 @@
           </a:prstGeom>
         </p:spPr>
         <p:txBody>
-          <a:bodyPr anchorCtr="0" anchor="t" bIns="91425" lIns="91425" spcFirstLastPara="1" rIns="91425" wrap="square" tIns="91425">
+          <a:bodyPr spcFirstLastPara="1" wrap="square" lIns="91425" tIns="91425" rIns="91425" bIns="91425" anchor="t" anchorCtr="0">
             <a:noAutofit/>
           </a:bodyPr>
           <a:lstStyle/>
           <a:p>
-            <a:pPr indent="0" lvl="0" marL="0" rtl="0" algn="l">
+            <a:pPr marL="0" lvl="0" indent="0" algn="l" rtl="0">
               <a:spcBef>
                 <a:spcPts val="0"/>
               </a:spcBef>
@@ -1481,14 +1684,16 @@
               </a:spcAft>
               <a:buNone/>
             </a:pPr>
-            <a:r>
-              <a:t/>
-            </a:r>
             <a:endParaRPr/>
           </a:p>
         </p:txBody>
       </p:sp>
     </p:spTree>
+    <p:extLst>
+      <p:ext uri="{BB962C8B-B14F-4D97-AF65-F5344CB8AC3E}">
+        <p14:creationId xmlns:p14="http://schemas.microsoft.com/office/powerpoint/2010/main" val="303838567"/>
+      </p:ext>
+    </p:extLst>
   </p:cSld>
   <p:clrMapOvr>
     <a:masterClrMapping/>
@@ -1497,11 +1702,11 @@
 </file>
 
 <file path=ppt/notesSlides/notesSlide5.xml><?xml version="1.0" encoding="utf-8"?>
-<p:notes xmlns:a="http://schemas.openxmlformats.org/drawingml/2006/main" xmlns:r="http://schemas.openxmlformats.org/officeDocument/2006/relationships" xmlns:mc="http://schemas.openxmlformats.org/markup-compatibility/2006" xmlns:mv="urn:schemas-microsoft-com:mac:vml" xmlns:p="http://schemas.openxmlformats.org/presentationml/2006/main" xmlns:c="http://schemas.openxmlformats.org/drawingml/2006/chart" xmlns:dgm="http://schemas.openxmlformats.org/drawingml/2006/diagram" xmlns:o="urn:schemas-microsoft-com:office:office" xmlns:v="urn:schemas-microsoft-com:vml" xmlns:pvml="urn:schemas-microsoft-com:office:powerpoint" xmlns:com="http://schemas.openxmlformats.org/drawingml/2006/compatibility" xmlns:p14="http://schemas.microsoft.com/office/powerpoint/2010/main" xmlns:p15="http://schemas.microsoft.com/office/powerpoint/2012/main" showMasterPhAnim="0" showMasterSp="0">
+<p:notes xmlns:a="http://schemas.openxmlformats.org/drawingml/2006/main" xmlns:r="http://schemas.openxmlformats.org/officeDocument/2006/relationships" xmlns:p="http://schemas.openxmlformats.org/presentationml/2006/main" showMasterSp="0" showMasterPhAnim="0">
   <p:cSld>
     <p:spTree>
       <p:nvGrpSpPr>
-        <p:cNvPr id="80" name="Shape 80"/>
+        <p:cNvPr id="1" name="Shape 80"/>
         <p:cNvGrpSpPr/>
         <p:nvPr/>
       </p:nvGrpSpPr>
@@ -1516,9 +1721,11 @@
       <p:sp>
         <p:nvSpPr>
           <p:cNvPr id="81" name="Google Shape;81;g497061f262_0_35:notes"/>
-          <p:cNvSpPr/>
+          <p:cNvSpPr>
+            <a:spLocks noGrp="1" noRot="1" noChangeAspect="1"/>
+          </p:cNvSpPr>
           <p:nvPr>
-            <p:ph idx="2" type="sldImg"/>
+            <p:ph type="sldImg" idx="2"/>
           </p:nvPr>
         </p:nvSpPr>
         <p:spPr>
@@ -1527,9 +1734,13 @@
             <a:ext cx="6096300" cy="3429000"/>
           </a:xfrm>
           <a:custGeom>
-            <a:rect b="b" l="l" r="r" t="t"/>
+            <a:avLst/>
+            <a:gdLst/>
+            <a:ahLst/>
+            <a:cxnLst/>
+            <a:rect l="l" t="t" r="r" b="b"/>
             <a:pathLst>
-              <a:path extrusionOk="0" h="120000" w="120000">
+              <a:path w="120000" h="120000" extrusionOk="0">
                 <a:moveTo>
                   <a:pt x="0" y="0"/>
                 </a:moveTo>
@@ -1551,9 +1762,11 @@
       <p:sp>
         <p:nvSpPr>
           <p:cNvPr id="82" name="Google Shape;82;g497061f262_0_35:notes"/>
-          <p:cNvSpPr txBox="1"/>
+          <p:cNvSpPr txBox="1">
+            <a:spLocks noGrp="1"/>
+          </p:cNvSpPr>
           <p:nvPr>
-            <p:ph idx="1" type="body"/>
+            <p:ph type="body" idx="1"/>
           </p:nvPr>
         </p:nvSpPr>
         <p:spPr>
@@ -1566,12 +1779,12 @@
           </a:prstGeom>
         </p:spPr>
         <p:txBody>
-          <a:bodyPr anchorCtr="0" anchor="t" bIns="91425" lIns="91425" spcFirstLastPara="1" rIns="91425" wrap="square" tIns="91425">
+          <a:bodyPr spcFirstLastPara="1" wrap="square" lIns="91425" tIns="91425" rIns="91425" bIns="91425" anchor="t" anchorCtr="0">
             <a:noAutofit/>
           </a:bodyPr>
           <a:lstStyle/>
           <a:p>
-            <a:pPr indent="0" lvl="0" marL="0" rtl="0" algn="l">
+            <a:pPr marL="0" lvl="0" indent="0" algn="l" rtl="0">
               <a:spcBef>
                 <a:spcPts val="0"/>
               </a:spcBef>
@@ -1580,14 +1793,16 @@
               </a:spcAft>
               <a:buNone/>
             </a:pPr>
-            <a:r>
-              <a:t/>
-            </a:r>
             <a:endParaRPr/>
           </a:p>
         </p:txBody>
       </p:sp>
     </p:spTree>
+    <p:extLst>
+      <p:ext uri="{BB962C8B-B14F-4D97-AF65-F5344CB8AC3E}">
+        <p14:creationId xmlns:p14="http://schemas.microsoft.com/office/powerpoint/2010/main" val="2046166650"/>
+      </p:ext>
+    </p:extLst>
   </p:cSld>
   <p:clrMapOvr>
     <a:masterClrMapping/>
@@ -1596,11 +1811,11 @@
 </file>
 
 <file path=ppt/notesSlides/notesSlide6.xml><?xml version="1.0" encoding="utf-8"?>
-<p:notes xmlns:a="http://schemas.openxmlformats.org/drawingml/2006/main" xmlns:r="http://schemas.openxmlformats.org/officeDocument/2006/relationships" xmlns:mc="http://schemas.openxmlformats.org/markup-compatibility/2006" xmlns:mv="urn:schemas-microsoft-com:mac:vml" xmlns:p="http://schemas.openxmlformats.org/presentationml/2006/main" xmlns:c="http://schemas.openxmlformats.org/drawingml/2006/chart" xmlns:dgm="http://schemas.openxmlformats.org/drawingml/2006/diagram" xmlns:o="urn:schemas-microsoft-com:office:office" xmlns:v="urn:schemas-microsoft-com:vml" xmlns:pvml="urn:schemas-microsoft-com:office:powerpoint" xmlns:com="http://schemas.openxmlformats.org/drawingml/2006/compatibility" xmlns:p14="http://schemas.microsoft.com/office/powerpoint/2010/main" xmlns:p15="http://schemas.microsoft.com/office/powerpoint/2012/main" showMasterPhAnim="0" showMasterSp="0">
+<p:notes xmlns:a="http://schemas.openxmlformats.org/drawingml/2006/main" xmlns:r="http://schemas.openxmlformats.org/officeDocument/2006/relationships" xmlns:p="http://schemas.openxmlformats.org/presentationml/2006/main" showMasterSp="0" showMasterPhAnim="0">
   <p:cSld>
     <p:spTree>
       <p:nvGrpSpPr>
-        <p:cNvPr id="86" name="Shape 86"/>
+        <p:cNvPr id="1" name="Shape 86"/>
         <p:cNvGrpSpPr/>
         <p:nvPr/>
       </p:nvGrpSpPr>
@@ -1615,9 +1830,11 @@
       <p:sp>
         <p:nvSpPr>
           <p:cNvPr id="87" name="Google Shape;87;g497061f262_0_40:notes"/>
-          <p:cNvSpPr/>
+          <p:cNvSpPr>
+            <a:spLocks noGrp="1" noRot="1" noChangeAspect="1"/>
+          </p:cNvSpPr>
           <p:nvPr>
-            <p:ph idx="2" type="sldImg"/>
+            <p:ph type="sldImg" idx="2"/>
           </p:nvPr>
         </p:nvSpPr>
         <p:spPr>
@@ -1626,9 +1843,13 @@
             <a:ext cx="6096300" cy="3429000"/>
           </a:xfrm>
           <a:custGeom>
-            <a:rect b="b" l="l" r="r" t="t"/>
+            <a:avLst/>
+            <a:gdLst/>
+            <a:ahLst/>
+            <a:cxnLst/>
+            <a:rect l="l" t="t" r="r" b="b"/>
             <a:pathLst>
-              <a:path extrusionOk="0" h="120000" w="120000">
+              <a:path w="120000" h="120000" extrusionOk="0">
                 <a:moveTo>
                   <a:pt x="0" y="0"/>
                 </a:moveTo>
@@ -1650,9 +1871,11 @@
       <p:sp>
         <p:nvSpPr>
           <p:cNvPr id="88" name="Google Shape;88;g497061f262_0_40:notes"/>
-          <p:cNvSpPr txBox="1"/>
+          <p:cNvSpPr txBox="1">
+            <a:spLocks noGrp="1"/>
+          </p:cNvSpPr>
           <p:nvPr>
-            <p:ph idx="1" type="body"/>
+            <p:ph type="body" idx="1"/>
           </p:nvPr>
         </p:nvSpPr>
         <p:spPr>
@@ -1665,12 +1888,12 @@
           </a:prstGeom>
         </p:spPr>
         <p:txBody>
-          <a:bodyPr anchorCtr="0" anchor="t" bIns="91425" lIns="91425" spcFirstLastPara="1" rIns="91425" wrap="square" tIns="91425">
+          <a:bodyPr spcFirstLastPara="1" wrap="square" lIns="91425" tIns="91425" rIns="91425" bIns="91425" anchor="t" anchorCtr="0">
             <a:noAutofit/>
           </a:bodyPr>
           <a:lstStyle/>
           <a:p>
-            <a:pPr indent="0" lvl="0" marL="0" rtl="0" algn="l">
+            <a:pPr marL="0" lvl="0" indent="0" algn="l" rtl="0">
               <a:spcBef>
                 <a:spcPts val="0"/>
               </a:spcBef>
@@ -1679,14 +1902,16 @@
               </a:spcAft>
               <a:buNone/>
             </a:pPr>
-            <a:r>
-              <a:t/>
-            </a:r>
             <a:endParaRPr/>
           </a:p>
         </p:txBody>
       </p:sp>
     </p:spTree>
+    <p:extLst>
+      <p:ext uri="{BB962C8B-B14F-4D97-AF65-F5344CB8AC3E}">
+        <p14:creationId xmlns:p14="http://schemas.microsoft.com/office/powerpoint/2010/main" val="119763492"/>
+      </p:ext>
+    </p:extLst>
   </p:cSld>
   <p:clrMapOvr>
     <a:masterClrMapping/>
@@ -1695,11 +1920,11 @@
 </file>
 
 <file path=ppt/notesSlides/notesSlide7.xml><?xml version="1.0" encoding="utf-8"?>
-<p:notes xmlns:a="http://schemas.openxmlformats.org/drawingml/2006/main" xmlns:r="http://schemas.openxmlformats.org/officeDocument/2006/relationships" xmlns:mc="http://schemas.openxmlformats.org/markup-compatibility/2006" xmlns:mv="urn:schemas-microsoft-com:mac:vml" xmlns:p="http://schemas.openxmlformats.org/presentationml/2006/main" xmlns:c="http://schemas.openxmlformats.org/drawingml/2006/chart" xmlns:dgm="http://schemas.openxmlformats.org/drawingml/2006/diagram" xmlns:o="urn:schemas-microsoft-com:office:office" xmlns:v="urn:schemas-microsoft-com:vml" xmlns:pvml="urn:schemas-microsoft-com:office:powerpoint" xmlns:com="http://schemas.openxmlformats.org/drawingml/2006/compatibility" xmlns:p14="http://schemas.microsoft.com/office/powerpoint/2010/main" xmlns:p15="http://schemas.microsoft.com/office/powerpoint/2012/main" showMasterPhAnim="0" showMasterSp="0">
+<p:notes xmlns:a="http://schemas.openxmlformats.org/drawingml/2006/main" xmlns:r="http://schemas.openxmlformats.org/officeDocument/2006/relationships" xmlns:p="http://schemas.openxmlformats.org/presentationml/2006/main" showMasterSp="0" showMasterPhAnim="0">
   <p:cSld>
     <p:spTree>
       <p:nvGrpSpPr>
-        <p:cNvPr id="92" name="Shape 92"/>
+        <p:cNvPr id="1" name="Shape 92"/>
         <p:cNvGrpSpPr/>
         <p:nvPr/>
       </p:nvGrpSpPr>
@@ -1714,9 +1939,11 @@
       <p:sp>
         <p:nvSpPr>
           <p:cNvPr id="93" name="Google Shape;93;g497061f262_0_49:notes"/>
-          <p:cNvSpPr/>
+          <p:cNvSpPr>
+            <a:spLocks noGrp="1" noRot="1" noChangeAspect="1"/>
+          </p:cNvSpPr>
           <p:nvPr>
-            <p:ph idx="2" type="sldImg"/>
+            <p:ph type="sldImg" idx="2"/>
           </p:nvPr>
         </p:nvSpPr>
         <p:spPr>
@@ -1725,9 +1952,13 @@
             <a:ext cx="6096300" cy="3429000"/>
           </a:xfrm>
           <a:custGeom>
-            <a:rect b="b" l="l" r="r" t="t"/>
+            <a:avLst/>
+            <a:gdLst/>
+            <a:ahLst/>
+            <a:cxnLst/>
+            <a:rect l="l" t="t" r="r" b="b"/>
             <a:pathLst>
-              <a:path extrusionOk="0" h="120000" w="120000">
+              <a:path w="120000" h="120000" extrusionOk="0">
                 <a:moveTo>
                   <a:pt x="0" y="0"/>
                 </a:moveTo>
@@ -1749,9 +1980,11 @@
       <p:sp>
         <p:nvSpPr>
           <p:cNvPr id="94" name="Google Shape;94;g497061f262_0_49:notes"/>
-          <p:cNvSpPr txBox="1"/>
+          <p:cNvSpPr txBox="1">
+            <a:spLocks noGrp="1"/>
+          </p:cNvSpPr>
           <p:nvPr>
-            <p:ph idx="1" type="body"/>
+            <p:ph type="body" idx="1"/>
           </p:nvPr>
         </p:nvSpPr>
         <p:spPr>
@@ -1764,12 +1997,12 @@
           </a:prstGeom>
         </p:spPr>
         <p:txBody>
-          <a:bodyPr anchorCtr="0" anchor="t" bIns="91425" lIns="91425" spcFirstLastPara="1" rIns="91425" wrap="square" tIns="91425">
+          <a:bodyPr spcFirstLastPara="1" wrap="square" lIns="91425" tIns="91425" rIns="91425" bIns="91425" anchor="t" anchorCtr="0">
             <a:noAutofit/>
           </a:bodyPr>
           <a:lstStyle/>
           <a:p>
-            <a:pPr indent="0" lvl="0" marL="0" rtl="0" algn="l">
+            <a:pPr marL="0" lvl="0" indent="0" algn="l" rtl="0">
               <a:spcBef>
                 <a:spcPts val="0"/>
               </a:spcBef>
@@ -1778,14 +2011,16 @@
               </a:spcAft>
               <a:buNone/>
             </a:pPr>
-            <a:r>
-              <a:t/>
-            </a:r>
             <a:endParaRPr/>
           </a:p>
         </p:txBody>
       </p:sp>
     </p:spTree>
+    <p:extLst>
+      <p:ext uri="{BB962C8B-B14F-4D97-AF65-F5344CB8AC3E}">
+        <p14:creationId xmlns:p14="http://schemas.microsoft.com/office/powerpoint/2010/main" val="1799552180"/>
+      </p:ext>
+    </p:extLst>
   </p:cSld>
   <p:clrMapOvr>
     <a:masterClrMapping/>
@@ -1794,11 +2029,11 @@
 </file>
 
 <file path=ppt/notesSlides/notesSlide8.xml><?xml version="1.0" encoding="utf-8"?>
-<p:notes xmlns:a="http://schemas.openxmlformats.org/drawingml/2006/main" xmlns:r="http://schemas.openxmlformats.org/officeDocument/2006/relationships" xmlns:mc="http://schemas.openxmlformats.org/markup-compatibility/2006" xmlns:mv="urn:schemas-microsoft-com:mac:vml" xmlns:p="http://schemas.openxmlformats.org/presentationml/2006/main" xmlns:c="http://schemas.openxmlformats.org/drawingml/2006/chart" xmlns:dgm="http://schemas.openxmlformats.org/drawingml/2006/diagram" xmlns:o="urn:schemas-microsoft-com:office:office" xmlns:v="urn:schemas-microsoft-com:vml" xmlns:pvml="urn:schemas-microsoft-com:office:powerpoint" xmlns:com="http://schemas.openxmlformats.org/drawingml/2006/compatibility" xmlns:p14="http://schemas.microsoft.com/office/powerpoint/2010/main" xmlns:p15="http://schemas.microsoft.com/office/powerpoint/2012/main" showMasterPhAnim="0" showMasterSp="0">
+<p:notes xmlns:a="http://schemas.openxmlformats.org/drawingml/2006/main" xmlns:r="http://schemas.openxmlformats.org/officeDocument/2006/relationships" xmlns:p="http://schemas.openxmlformats.org/presentationml/2006/main" showMasterSp="0" showMasterPhAnim="0">
   <p:cSld>
     <p:spTree>
       <p:nvGrpSpPr>
-        <p:cNvPr id="98" name="Shape 98"/>
+        <p:cNvPr id="1" name="Shape 98"/>
         <p:cNvGrpSpPr/>
         <p:nvPr/>
       </p:nvGrpSpPr>
@@ -1813,9 +2048,11 @@
       <p:sp>
         <p:nvSpPr>
           <p:cNvPr id="99" name="Google Shape;99;g497061f262_0_54:notes"/>
-          <p:cNvSpPr/>
+          <p:cNvSpPr>
+            <a:spLocks noGrp="1" noRot="1" noChangeAspect="1"/>
+          </p:cNvSpPr>
           <p:nvPr>
-            <p:ph idx="2" type="sldImg"/>
+            <p:ph type="sldImg" idx="2"/>
           </p:nvPr>
         </p:nvSpPr>
         <p:spPr>
@@ -1824,9 +2061,13 @@
             <a:ext cx="6096300" cy="3429000"/>
           </a:xfrm>
           <a:custGeom>
-            <a:rect b="b" l="l" r="r" t="t"/>
+            <a:avLst/>
+            <a:gdLst/>
+            <a:ahLst/>
+            <a:cxnLst/>
+            <a:rect l="l" t="t" r="r" b="b"/>
             <a:pathLst>
-              <a:path extrusionOk="0" h="120000" w="120000">
+              <a:path w="120000" h="120000" extrusionOk="0">
                 <a:moveTo>
                   <a:pt x="0" y="0"/>
                 </a:moveTo>
@@ -1848,9 +2089,11 @@
       <p:sp>
         <p:nvSpPr>
           <p:cNvPr id="100" name="Google Shape;100;g497061f262_0_54:notes"/>
-          <p:cNvSpPr txBox="1"/>
+          <p:cNvSpPr txBox="1">
+            <a:spLocks noGrp="1"/>
+          </p:cNvSpPr>
           <p:nvPr>
-            <p:ph idx="1" type="body"/>
+            <p:ph type="body" idx="1"/>
           </p:nvPr>
         </p:nvSpPr>
         <p:spPr>
@@ -1863,12 +2106,12 @@
           </a:prstGeom>
         </p:spPr>
         <p:txBody>
-          <a:bodyPr anchorCtr="0" anchor="t" bIns="91425" lIns="91425" spcFirstLastPara="1" rIns="91425" wrap="square" tIns="91425">
+          <a:bodyPr spcFirstLastPara="1" wrap="square" lIns="91425" tIns="91425" rIns="91425" bIns="91425" anchor="t" anchorCtr="0">
             <a:noAutofit/>
           </a:bodyPr>
           <a:lstStyle/>
           <a:p>
-            <a:pPr indent="0" lvl="0" marL="0" rtl="0" algn="l">
+            <a:pPr marL="0" lvl="0" indent="0" algn="l" rtl="0">
               <a:spcBef>
                 <a:spcPts val="0"/>
               </a:spcBef>
@@ -1877,14 +2120,16 @@
               </a:spcAft>
               <a:buNone/>
             </a:pPr>
-            <a:r>
-              <a:t/>
-            </a:r>
             <a:endParaRPr/>
           </a:p>
         </p:txBody>
       </p:sp>
     </p:spTree>
+    <p:extLst>
+      <p:ext uri="{BB962C8B-B14F-4D97-AF65-F5344CB8AC3E}">
+        <p14:creationId xmlns:p14="http://schemas.microsoft.com/office/powerpoint/2010/main" val="2061288559"/>
+      </p:ext>
+    </p:extLst>
   </p:cSld>
   <p:clrMapOvr>
     <a:masterClrMapping/>
@@ -1893,11 +2138,11 @@
 </file>
 
 <file path=ppt/notesSlides/notesSlide9.xml><?xml version="1.0" encoding="utf-8"?>
-<p:notes xmlns:a="http://schemas.openxmlformats.org/drawingml/2006/main" xmlns:r="http://schemas.openxmlformats.org/officeDocument/2006/relationships" xmlns:mc="http://schemas.openxmlformats.org/markup-compatibility/2006" xmlns:mv="urn:schemas-microsoft-com:mac:vml" xmlns:p="http://schemas.openxmlformats.org/presentationml/2006/main" xmlns:c="http://schemas.openxmlformats.org/drawingml/2006/chart" xmlns:dgm="http://schemas.openxmlformats.org/drawingml/2006/diagram" xmlns:o="urn:schemas-microsoft-com:office:office" xmlns:v="urn:schemas-microsoft-com:vml" xmlns:pvml="urn:schemas-microsoft-com:office:powerpoint" xmlns:com="http://schemas.openxmlformats.org/drawingml/2006/compatibility" xmlns:p14="http://schemas.microsoft.com/office/powerpoint/2010/main" xmlns:p15="http://schemas.microsoft.com/office/powerpoint/2012/main" showMasterPhAnim="0" showMasterSp="0">
+<p:notes xmlns:a="http://schemas.openxmlformats.org/drawingml/2006/main" xmlns:r="http://schemas.openxmlformats.org/officeDocument/2006/relationships" xmlns:p="http://schemas.openxmlformats.org/presentationml/2006/main" showMasterSp="0" showMasterPhAnim="0">
   <p:cSld>
     <p:spTree>
       <p:nvGrpSpPr>
-        <p:cNvPr id="105" name="Shape 105"/>
+        <p:cNvPr id="1" name="Shape 105"/>
         <p:cNvGrpSpPr/>
         <p:nvPr/>
       </p:nvGrpSpPr>
@@ -1912,9 +2157,11 @@
       <p:sp>
         <p:nvSpPr>
           <p:cNvPr id="106" name="Google Shape;106;g497061f262_0_59:notes"/>
-          <p:cNvSpPr/>
+          <p:cNvSpPr>
+            <a:spLocks noGrp="1" noRot="1" noChangeAspect="1"/>
+          </p:cNvSpPr>
           <p:nvPr>
-            <p:ph idx="2" type="sldImg"/>
+            <p:ph type="sldImg" idx="2"/>
           </p:nvPr>
         </p:nvSpPr>
         <p:spPr>
@@ -1923,9 +2170,13 @@
             <a:ext cx="6096300" cy="3429000"/>
           </a:xfrm>
           <a:custGeom>
-            <a:rect b="b" l="l" r="r" t="t"/>
+            <a:avLst/>
+            <a:gdLst/>
+            <a:ahLst/>
+            <a:cxnLst/>
+            <a:rect l="l" t="t" r="r" b="b"/>
             <a:pathLst>
-              <a:path extrusionOk="0" h="120000" w="120000">
+              <a:path w="120000" h="120000" extrusionOk="0">
                 <a:moveTo>
                   <a:pt x="0" y="0"/>
                 </a:moveTo>
@@ -1947,9 +2198,11 @@
       <p:sp>
         <p:nvSpPr>
           <p:cNvPr id="107" name="Google Shape;107;g497061f262_0_59:notes"/>
-          <p:cNvSpPr txBox="1"/>
+          <p:cNvSpPr txBox="1">
+            <a:spLocks noGrp="1"/>
+          </p:cNvSpPr>
           <p:nvPr>
-            <p:ph idx="1" type="body"/>
+            <p:ph type="body" idx="1"/>
           </p:nvPr>
         </p:nvSpPr>
         <p:spPr>
@@ -1962,12 +2215,12 @@
           </a:prstGeom>
         </p:spPr>
         <p:txBody>
-          <a:bodyPr anchorCtr="0" anchor="t" bIns="91425" lIns="91425" spcFirstLastPara="1" rIns="91425" wrap="square" tIns="91425">
+          <a:bodyPr spcFirstLastPara="1" wrap="square" lIns="91425" tIns="91425" rIns="91425" bIns="91425" anchor="t" anchorCtr="0">
             <a:noAutofit/>
           </a:bodyPr>
           <a:lstStyle/>
           <a:p>
-            <a:pPr indent="0" lvl="0" marL="0" rtl="0" algn="l">
+            <a:pPr marL="0" lvl="0" indent="0" algn="l" rtl="0">
               <a:spcBef>
                 <a:spcPts val="0"/>
               </a:spcBef>
@@ -1976,14 +2229,16 @@
               </a:spcAft>
               <a:buNone/>
             </a:pPr>
-            <a:r>
-              <a:t/>
-            </a:r>
             <a:endParaRPr/>
           </a:p>
         </p:txBody>
       </p:sp>
     </p:spTree>
+    <p:extLst>
+      <p:ext uri="{BB962C8B-B14F-4D97-AF65-F5344CB8AC3E}">
+        <p14:creationId xmlns:p14="http://schemas.microsoft.com/office/powerpoint/2010/main" val="870617709"/>
+      </p:ext>
+    </p:extLst>
   </p:cSld>
   <p:clrMapOvr>
     <a:masterClrMapping/>
@@ -1992,18 +2247,19 @@
 </file>
 
 <file path=ppt/slideLayouts/slideLayout1.xml><?xml version="1.0" encoding="utf-8"?>
-<p:sldLayout xmlns:a="http://schemas.openxmlformats.org/drawingml/2006/main" xmlns:r="http://schemas.openxmlformats.org/officeDocument/2006/relationships" xmlns:mc="http://schemas.openxmlformats.org/markup-compatibility/2006" xmlns:mv="urn:schemas-microsoft-com:mac:vml" xmlns:p="http://schemas.openxmlformats.org/presentationml/2006/main" xmlns:c="http://schemas.openxmlformats.org/drawingml/2006/chart" xmlns:dgm="http://schemas.openxmlformats.org/drawingml/2006/diagram" xmlns:o="urn:schemas-microsoft-com:office:office" xmlns:v="urn:schemas-microsoft-com:vml" xmlns:pvml="urn:schemas-microsoft-com:office:powerpoint" xmlns:com="http://schemas.openxmlformats.org/drawingml/2006/compatibility" xmlns:p14="http://schemas.microsoft.com/office/powerpoint/2010/main" xmlns:p15="http://schemas.microsoft.com/office/powerpoint/2012/main" matchingName="Title slide" type="title">
+<p:sldLayout xmlns:a="http://schemas.openxmlformats.org/drawingml/2006/main" xmlns:r="http://schemas.openxmlformats.org/officeDocument/2006/relationships" xmlns:p="http://schemas.openxmlformats.org/presentationml/2006/main" matchingName="Title slide" type="title">
   <p:cSld name="TITLE">
     <p:bg>
       <p:bgPr>
         <a:solidFill>
           <a:schemeClr val="dk1"/>
         </a:solidFill>
+        <a:effectLst/>
       </p:bgPr>
     </p:bg>
     <p:spTree>
       <p:nvGrpSpPr>
-        <p:cNvPr id="9" name="Shape 9"/>
+        <p:cNvPr id="1" name="Shape 9"/>
         <p:cNvGrpSpPr/>
         <p:nvPr/>
       </p:nvGrpSpPr>
@@ -2037,12 +2293,12 @@
           </a:ln>
         </p:spPr>
         <p:txBody>
-          <a:bodyPr anchorCtr="0" anchor="ctr" bIns="91425" lIns="91425" spcFirstLastPara="1" rIns="91425" wrap="square" tIns="91425">
+          <a:bodyPr spcFirstLastPara="1" wrap="square" lIns="91425" tIns="91425" rIns="91425" bIns="91425" anchor="ctr" anchorCtr="0">
             <a:noAutofit/>
           </a:bodyPr>
           <a:lstStyle/>
           <a:p>
-            <a:pPr indent="0" lvl="0" marL="0" rtl="0" algn="l">
+            <a:pPr marL="0" lvl="0" indent="0" algn="l" rtl="0">
               <a:spcBef>
                 <a:spcPts val="0"/>
               </a:spcBef>
@@ -2051,9 +2307,6 @@
               </a:spcAft>
               <a:buNone/>
             </a:pPr>
-            <a:r>
-              <a:t/>
-            </a:r>
             <a:endParaRPr/>
           </a:p>
         </p:txBody>
@@ -2073,21 +2326,23 @@
             <a:avLst/>
           </a:prstGeom>
           <a:noFill/>
-          <a:ln cap="flat" cmpd="sng" w="28575">
+          <a:ln w="28575" cap="flat" cmpd="sng">
             <a:solidFill>
               <a:schemeClr val="accent1"/>
             </a:solidFill>
             <a:prstDash val="solid"/>
             <a:round/>
-            <a:headEnd len="sm" w="sm" type="none"/>
-            <a:tailEnd len="sm" w="sm" type="none"/>
+            <a:headEnd type="none" w="sm" len="sm"/>
+            <a:tailEnd type="none" w="sm" len="sm"/>
           </a:ln>
         </p:spPr>
       </p:cxnSp>
       <p:sp>
         <p:nvSpPr>
           <p:cNvPr id="12" name="Google Shape;12;p2"/>
-          <p:cNvSpPr txBox="1"/>
+          <p:cNvSpPr txBox="1">
+            <a:spLocks noGrp="1"/>
+          </p:cNvSpPr>
           <p:nvPr>
             <p:ph type="ctrTitle"/>
           </p:nvPr>
@@ -2102,7 +2357,7 @@
           </a:prstGeom>
         </p:spPr>
         <p:txBody>
-          <a:bodyPr anchorCtr="0" anchor="b" bIns="91425" lIns="91425" spcFirstLastPara="1" rIns="91425" wrap="square" tIns="91425"/>
+          <a:bodyPr spcFirstLastPara="1" wrap="square" lIns="91425" tIns="91425" rIns="91425" bIns="91425" anchor="b" anchorCtr="0"/>
           <a:lstStyle>
             <a:lvl1pPr lvl="0">
               <a:spcBef>
@@ -2267,15 +2522,19 @@
               </a:defRPr>
             </a:lvl9pPr>
           </a:lstStyle>
-          <a:p/>
+          <a:p>
+            <a:endParaRPr/>
+          </a:p>
         </p:txBody>
       </p:sp>
       <p:sp>
         <p:nvSpPr>
           <p:cNvPr id="13" name="Google Shape;13;p2"/>
-          <p:cNvSpPr txBox="1"/>
+          <p:cNvSpPr txBox="1">
+            <a:spLocks noGrp="1"/>
+          </p:cNvSpPr>
           <p:nvPr>
-            <p:ph idx="1" type="subTitle"/>
+            <p:ph type="subTitle" idx="1"/>
           </p:nvPr>
         </p:nvSpPr>
         <p:spPr>
@@ -2288,7 +2547,7 @@
           </a:prstGeom>
         </p:spPr>
         <p:txBody>
-          <a:bodyPr anchorCtr="0" anchor="t" bIns="91425" lIns="91425" spcFirstLastPara="1" rIns="91425" wrap="square" tIns="91425"/>
+          <a:bodyPr spcFirstLastPara="1" wrap="square" lIns="91425" tIns="91425" rIns="91425" bIns="91425" anchor="t" anchorCtr="0"/>
           <a:lstStyle>
             <a:lvl1pPr lvl="0">
               <a:lnSpc>
@@ -2480,15 +2739,19 @@
               </a:defRPr>
             </a:lvl9pPr>
           </a:lstStyle>
-          <a:p/>
+          <a:p>
+            <a:endParaRPr/>
+          </a:p>
         </p:txBody>
       </p:sp>
       <p:sp>
         <p:nvSpPr>
           <p:cNvPr id="14" name="Google Shape;14;p2"/>
-          <p:cNvSpPr txBox="1"/>
+          <p:cNvSpPr txBox="1">
+            <a:spLocks noGrp="1"/>
+          </p:cNvSpPr>
           <p:nvPr>
-            <p:ph idx="12" type="sldNum"/>
+            <p:ph type="sldNum" idx="12"/>
           </p:nvPr>
         </p:nvSpPr>
         <p:spPr>
@@ -2501,7 +2764,7 @@
           </a:prstGeom>
         </p:spPr>
         <p:txBody>
-          <a:bodyPr anchorCtr="0" anchor="ctr" bIns="91425" lIns="91425" spcFirstLastPara="1" rIns="91425" wrap="square" tIns="91425">
+          <a:bodyPr spcFirstLastPara="1" wrap="square" lIns="91425" tIns="91425" rIns="91425" bIns="91425" anchor="ctr" anchorCtr="0">
             <a:noAutofit/>
           </a:bodyPr>
           <a:lstStyle>
@@ -2579,7 +2842,7 @@
             </a:lvl9pPr>
           </a:lstStyle>
           <a:p>
-            <a:pPr indent="0" lvl="0" marL="0" rtl="0" algn="r">
+            <a:pPr marL="0" lvl="0" indent="0" algn="r" rtl="0">
               <a:spcBef>
                 <a:spcPts val="0"/>
               </a:spcBef>
@@ -2605,11 +2868,11 @@
 </file>
 
 <file path=ppt/slideLayouts/slideLayout10.xml><?xml version="1.0" encoding="utf-8"?>
-<p:sldLayout xmlns:a="http://schemas.openxmlformats.org/drawingml/2006/main" xmlns:r="http://schemas.openxmlformats.org/officeDocument/2006/relationships" xmlns:mc="http://schemas.openxmlformats.org/markup-compatibility/2006" xmlns:mv="urn:schemas-microsoft-com:mac:vml" xmlns:p="http://schemas.openxmlformats.org/presentationml/2006/main" xmlns:c="http://schemas.openxmlformats.org/drawingml/2006/chart" xmlns:dgm="http://schemas.openxmlformats.org/drawingml/2006/diagram" xmlns:o="urn:schemas-microsoft-com:office:office" xmlns:v="urn:schemas-microsoft-com:vml" xmlns:pvml="urn:schemas-microsoft-com:office:powerpoint" xmlns:com="http://schemas.openxmlformats.org/drawingml/2006/compatibility" xmlns:p14="http://schemas.microsoft.com/office/powerpoint/2010/main" xmlns:p15="http://schemas.microsoft.com/office/powerpoint/2012/main" matchingName="Big number">
+<p:sldLayout xmlns:a="http://schemas.openxmlformats.org/drawingml/2006/main" xmlns:r="http://schemas.openxmlformats.org/officeDocument/2006/relationships" xmlns:p="http://schemas.openxmlformats.org/presentationml/2006/main" matchingName="Big number">
   <p:cSld name="BIG_NUMBER">
     <p:spTree>
       <p:nvGrpSpPr>
-        <p:cNvPr id="49" name="Shape 49"/>
+        <p:cNvPr id="1" name="Shape 49"/>
         <p:cNvGrpSpPr/>
         <p:nvPr/>
       </p:nvGrpSpPr>
@@ -2624,9 +2887,11 @@
       <p:sp>
         <p:nvSpPr>
           <p:cNvPr id="50" name="Google Shape;50;p11"/>
-          <p:cNvSpPr txBox="1"/>
+          <p:cNvSpPr txBox="1">
+            <a:spLocks noGrp="1"/>
+          </p:cNvSpPr>
           <p:nvPr>
-            <p:ph hasCustomPrompt="1" type="title"/>
+            <p:ph type="title" hasCustomPrompt="1"/>
           </p:nvPr>
         </p:nvSpPr>
         <p:spPr>
@@ -2639,7 +2904,7 @@
           </a:prstGeom>
         </p:spPr>
         <p:txBody>
-          <a:bodyPr anchorCtr="0" anchor="b" bIns="91425" lIns="91425" spcFirstLastPara="1" rIns="91425" wrap="square" tIns="91425"/>
+          <a:bodyPr spcFirstLastPara="1" wrap="square" lIns="91425" tIns="91425" rIns="91425" bIns="91425" anchor="b" anchorCtr="0"/>
           <a:lstStyle>
             <a:lvl1pPr lvl="0" algn="ctr">
               <a:spcBef>
@@ -2650,7 +2915,7 @@
               </a:spcAft>
               <a:buSzPts val="14000"/>
               <a:buNone/>
-              <a:defRPr b="1" sz="14000"/>
+              <a:defRPr sz="14000" b="1"/>
             </a:lvl1pPr>
             <a:lvl2pPr lvl="1" algn="ctr">
               <a:spcBef>
@@ -2661,7 +2926,7 @@
               </a:spcAft>
               <a:buSzPts val="14000"/>
               <a:buNone/>
-              <a:defRPr b="1" sz="14000"/>
+              <a:defRPr sz="14000" b="1"/>
             </a:lvl2pPr>
             <a:lvl3pPr lvl="2" algn="ctr">
               <a:spcBef>
@@ -2672,7 +2937,7 @@
               </a:spcAft>
               <a:buSzPts val="14000"/>
               <a:buNone/>
-              <a:defRPr b="1" sz="14000"/>
+              <a:defRPr sz="14000" b="1"/>
             </a:lvl3pPr>
             <a:lvl4pPr lvl="3" algn="ctr">
               <a:spcBef>
@@ -2683,7 +2948,7 @@
               </a:spcAft>
               <a:buSzPts val="14000"/>
               <a:buNone/>
-              <a:defRPr b="1" sz="14000"/>
+              <a:defRPr sz="14000" b="1"/>
             </a:lvl4pPr>
             <a:lvl5pPr lvl="4" algn="ctr">
               <a:spcBef>
@@ -2694,7 +2959,7 @@
               </a:spcAft>
               <a:buSzPts val="14000"/>
               <a:buNone/>
-              <a:defRPr b="1" sz="14000"/>
+              <a:defRPr sz="14000" b="1"/>
             </a:lvl5pPr>
             <a:lvl6pPr lvl="5" algn="ctr">
               <a:spcBef>
@@ -2705,7 +2970,7 @@
               </a:spcAft>
               <a:buSzPts val="14000"/>
               <a:buNone/>
-              <a:defRPr b="1" sz="14000"/>
+              <a:defRPr sz="14000" b="1"/>
             </a:lvl6pPr>
             <a:lvl7pPr lvl="6" algn="ctr">
               <a:spcBef>
@@ -2716,7 +2981,7 @@
               </a:spcAft>
               <a:buSzPts val="14000"/>
               <a:buNone/>
-              <a:defRPr b="1" sz="14000"/>
+              <a:defRPr sz="14000" b="1"/>
             </a:lvl7pPr>
             <a:lvl8pPr lvl="7" algn="ctr">
               <a:spcBef>
@@ -2727,7 +2992,7 @@
               </a:spcAft>
               <a:buSzPts val="14000"/>
               <a:buNone/>
-              <a:defRPr b="1" sz="14000"/>
+              <a:defRPr sz="14000" b="1"/>
             </a:lvl8pPr>
             <a:lvl9pPr lvl="8" algn="ctr">
               <a:spcBef>
@@ -2738,7 +3003,7 @@
               </a:spcAft>
               <a:buSzPts val="14000"/>
               <a:buNone/>
-              <a:defRPr b="1" sz="14000"/>
+              <a:defRPr sz="14000" b="1"/>
             </a:lvl9pPr>
           </a:lstStyle>
           <a:p>
@@ -2751,9 +3016,11 @@
       <p:sp>
         <p:nvSpPr>
           <p:cNvPr id="51" name="Google Shape;51;p11"/>
-          <p:cNvSpPr txBox="1"/>
+          <p:cNvSpPr txBox="1">
+            <a:spLocks noGrp="1"/>
+          </p:cNvSpPr>
           <p:nvPr>
-            <p:ph idx="1" type="body"/>
+            <p:ph type="body" idx="1"/>
           </p:nvPr>
         </p:nvSpPr>
         <p:spPr>
@@ -2766,9 +3033,9 @@
           </a:prstGeom>
         </p:spPr>
         <p:txBody>
-          <a:bodyPr anchorCtr="0" anchor="t" bIns="91425" lIns="91425" spcFirstLastPara="1" rIns="91425" wrap="square" tIns="91425"/>
+          <a:bodyPr spcFirstLastPara="1" wrap="square" lIns="91425" tIns="91425" rIns="91425" bIns="91425" anchor="t" anchorCtr="0"/>
           <a:lstStyle>
-            <a:lvl1pPr indent="-342900" lvl="0" marL="457200" algn="ctr">
+            <a:lvl1pPr marL="457200" lvl="0" indent="-342900" algn="ctr">
               <a:spcBef>
                 <a:spcPts val="0"/>
               </a:spcBef>
@@ -2779,7 +3046,7 @@
               <a:buChar char="●"/>
               <a:defRPr/>
             </a:lvl1pPr>
-            <a:lvl2pPr indent="-317500" lvl="1" marL="914400" algn="ctr">
+            <a:lvl2pPr marL="914400" lvl="1" indent="-317500" algn="ctr">
               <a:spcBef>
                 <a:spcPts val="1600"/>
               </a:spcBef>
@@ -2790,7 +3057,7 @@
               <a:buChar char="○"/>
               <a:defRPr/>
             </a:lvl2pPr>
-            <a:lvl3pPr indent="-317500" lvl="2" marL="1371600" algn="ctr">
+            <a:lvl3pPr marL="1371600" lvl="2" indent="-317500" algn="ctr">
               <a:spcBef>
                 <a:spcPts val="1600"/>
               </a:spcBef>
@@ -2801,7 +3068,7 @@
               <a:buChar char="■"/>
               <a:defRPr/>
             </a:lvl3pPr>
-            <a:lvl4pPr indent="-317500" lvl="3" marL="1828800" algn="ctr">
+            <a:lvl4pPr marL="1828800" lvl="3" indent="-317500" algn="ctr">
               <a:spcBef>
                 <a:spcPts val="1600"/>
               </a:spcBef>
@@ -2812,7 +3079,7 @@
               <a:buChar char="●"/>
               <a:defRPr/>
             </a:lvl4pPr>
-            <a:lvl5pPr indent="-317500" lvl="4" marL="2286000" algn="ctr">
+            <a:lvl5pPr marL="2286000" lvl="4" indent="-317500" algn="ctr">
               <a:spcBef>
                 <a:spcPts val="1600"/>
               </a:spcBef>
@@ -2823,7 +3090,7 @@
               <a:buChar char="○"/>
               <a:defRPr/>
             </a:lvl5pPr>
-            <a:lvl6pPr indent="-317500" lvl="5" marL="2743200" algn="ctr">
+            <a:lvl6pPr marL="2743200" lvl="5" indent="-317500" algn="ctr">
               <a:spcBef>
                 <a:spcPts val="1600"/>
               </a:spcBef>
@@ -2834,7 +3101,7 @@
               <a:buChar char="■"/>
               <a:defRPr/>
             </a:lvl6pPr>
-            <a:lvl7pPr indent="-317500" lvl="6" marL="3200400" algn="ctr">
+            <a:lvl7pPr marL="3200400" lvl="6" indent="-317500" algn="ctr">
               <a:spcBef>
                 <a:spcPts val="1600"/>
               </a:spcBef>
@@ -2845,7 +3112,7 @@
               <a:buChar char="●"/>
               <a:defRPr/>
             </a:lvl7pPr>
-            <a:lvl8pPr indent="-317500" lvl="7" marL="3657600" algn="ctr">
+            <a:lvl8pPr marL="3657600" lvl="7" indent="-317500" algn="ctr">
               <a:spcBef>
                 <a:spcPts val="1600"/>
               </a:spcBef>
@@ -2856,7 +3123,7 @@
               <a:buChar char="○"/>
               <a:defRPr/>
             </a:lvl8pPr>
-            <a:lvl9pPr indent="-317500" lvl="8" marL="4114800" algn="ctr">
+            <a:lvl9pPr marL="4114800" lvl="8" indent="-317500" algn="ctr">
               <a:spcBef>
                 <a:spcPts val="1600"/>
               </a:spcBef>
@@ -2868,15 +3135,19 @@
               <a:defRPr/>
             </a:lvl9pPr>
           </a:lstStyle>
-          <a:p/>
+          <a:p>
+            <a:endParaRPr/>
+          </a:p>
         </p:txBody>
       </p:sp>
       <p:sp>
         <p:nvSpPr>
           <p:cNvPr id="52" name="Google Shape;52;p11"/>
-          <p:cNvSpPr txBox="1"/>
+          <p:cNvSpPr txBox="1">
+            <a:spLocks noGrp="1"/>
+          </p:cNvSpPr>
           <p:nvPr>
-            <p:ph idx="12" type="sldNum"/>
+            <p:ph type="sldNum" idx="12"/>
           </p:nvPr>
         </p:nvSpPr>
         <p:spPr>
@@ -2889,7 +3160,7 @@
           </a:prstGeom>
         </p:spPr>
         <p:txBody>
-          <a:bodyPr anchorCtr="0" anchor="ctr" bIns="91425" lIns="91425" spcFirstLastPara="1" rIns="91425" wrap="square" tIns="91425">
+          <a:bodyPr spcFirstLastPara="1" wrap="square" lIns="91425" tIns="91425" rIns="91425" bIns="91425" anchor="ctr" anchorCtr="0">
             <a:noAutofit/>
           </a:bodyPr>
           <a:lstStyle>
@@ -2931,7 +3202,7 @@
             </a:lvl9pPr>
           </a:lstStyle>
           <a:p>
-            <a:pPr indent="0" lvl="0" marL="0" rtl="0" algn="r">
+            <a:pPr marL="0" lvl="0" indent="0" algn="r" rtl="0">
               <a:spcBef>
                 <a:spcPts val="0"/>
               </a:spcBef>
@@ -2957,11 +3228,11 @@
 </file>
 
 <file path=ppt/slideLayouts/slideLayout11.xml><?xml version="1.0" encoding="utf-8"?>
-<p:sldLayout xmlns:a="http://schemas.openxmlformats.org/drawingml/2006/main" xmlns:r="http://schemas.openxmlformats.org/officeDocument/2006/relationships" xmlns:mc="http://schemas.openxmlformats.org/markup-compatibility/2006" xmlns:mv="urn:schemas-microsoft-com:mac:vml" xmlns:p="http://schemas.openxmlformats.org/presentationml/2006/main" xmlns:c="http://schemas.openxmlformats.org/drawingml/2006/chart" xmlns:dgm="http://schemas.openxmlformats.org/drawingml/2006/diagram" xmlns:o="urn:schemas-microsoft-com:office:office" xmlns:v="urn:schemas-microsoft-com:vml" xmlns:pvml="urn:schemas-microsoft-com:office:powerpoint" xmlns:com="http://schemas.openxmlformats.org/drawingml/2006/compatibility" xmlns:p14="http://schemas.microsoft.com/office/powerpoint/2010/main" xmlns:p15="http://schemas.microsoft.com/office/powerpoint/2012/main" matchingName="Blank" type="blank">
+<p:sldLayout xmlns:a="http://schemas.openxmlformats.org/drawingml/2006/main" xmlns:r="http://schemas.openxmlformats.org/officeDocument/2006/relationships" xmlns:p="http://schemas.openxmlformats.org/presentationml/2006/main" matchingName="Blank" type="blank">
   <p:cSld name="BLANK">
     <p:spTree>
       <p:nvGrpSpPr>
-        <p:cNvPr id="53" name="Shape 53"/>
+        <p:cNvPr id="1" name="Shape 53"/>
         <p:cNvGrpSpPr/>
         <p:nvPr/>
       </p:nvGrpSpPr>
@@ -2976,9 +3247,11 @@
       <p:sp>
         <p:nvSpPr>
           <p:cNvPr id="54" name="Google Shape;54;p12"/>
-          <p:cNvSpPr txBox="1"/>
+          <p:cNvSpPr txBox="1">
+            <a:spLocks noGrp="1"/>
+          </p:cNvSpPr>
           <p:nvPr>
-            <p:ph idx="12" type="sldNum"/>
+            <p:ph type="sldNum" idx="12"/>
           </p:nvPr>
         </p:nvSpPr>
         <p:spPr>
@@ -2991,7 +3264,7 @@
           </a:prstGeom>
         </p:spPr>
         <p:txBody>
-          <a:bodyPr anchorCtr="0" anchor="ctr" bIns="91425" lIns="91425" spcFirstLastPara="1" rIns="91425" wrap="square" tIns="91425">
+          <a:bodyPr spcFirstLastPara="1" wrap="square" lIns="91425" tIns="91425" rIns="91425" bIns="91425" anchor="ctr" anchorCtr="0">
             <a:noAutofit/>
           </a:bodyPr>
           <a:lstStyle>
@@ -3033,7 +3306,7 @@
             </a:lvl9pPr>
           </a:lstStyle>
           <a:p>
-            <a:pPr indent="0" lvl="0" marL="0" rtl="0" algn="r">
+            <a:pPr marL="0" lvl="0" indent="0" algn="r" rtl="0">
               <a:spcBef>
                 <a:spcPts val="0"/>
               </a:spcBef>
@@ -3059,18 +3332,19 @@
 </file>
 
 <file path=ppt/slideLayouts/slideLayout2.xml><?xml version="1.0" encoding="utf-8"?>
-<p:sldLayout xmlns:a="http://schemas.openxmlformats.org/drawingml/2006/main" xmlns:r="http://schemas.openxmlformats.org/officeDocument/2006/relationships" xmlns:mc="http://schemas.openxmlformats.org/markup-compatibility/2006" xmlns:mv="urn:schemas-microsoft-com:mac:vml" xmlns:p="http://schemas.openxmlformats.org/presentationml/2006/main" xmlns:c="http://schemas.openxmlformats.org/drawingml/2006/chart" xmlns:dgm="http://schemas.openxmlformats.org/drawingml/2006/diagram" xmlns:o="urn:schemas-microsoft-com:office:office" xmlns:v="urn:schemas-microsoft-com:vml" xmlns:pvml="urn:schemas-microsoft-com:office:powerpoint" xmlns:com="http://schemas.openxmlformats.org/drawingml/2006/compatibility" xmlns:p14="http://schemas.microsoft.com/office/powerpoint/2010/main" xmlns:p15="http://schemas.microsoft.com/office/powerpoint/2012/main" matchingName="Section header" type="secHead">
+<p:sldLayout xmlns:a="http://schemas.openxmlformats.org/drawingml/2006/main" xmlns:r="http://schemas.openxmlformats.org/officeDocument/2006/relationships" xmlns:p="http://schemas.openxmlformats.org/presentationml/2006/main" matchingName="Section header" type="secHead">
   <p:cSld name="SECTION_HEADER">
     <p:bg>
       <p:bgPr>
         <a:solidFill>
           <a:schemeClr val="dk1"/>
         </a:solidFill>
+        <a:effectLst/>
       </p:bgPr>
     </p:bg>
     <p:spTree>
       <p:nvGrpSpPr>
-        <p:cNvPr id="15" name="Shape 15"/>
+        <p:cNvPr id="1" name="Shape 15"/>
         <p:cNvGrpSpPr/>
         <p:nvPr/>
       </p:nvGrpSpPr>
@@ -3097,21 +3371,23 @@
             <a:avLst/>
           </a:prstGeom>
           <a:noFill/>
-          <a:ln cap="flat" cmpd="sng" w="28575">
+          <a:ln w="28575" cap="flat" cmpd="sng">
             <a:solidFill>
               <a:schemeClr val="lt2"/>
             </a:solidFill>
             <a:prstDash val="solid"/>
             <a:round/>
-            <a:headEnd len="sm" w="sm" type="none"/>
-            <a:tailEnd len="sm" w="sm" type="none"/>
+            <a:headEnd type="none" w="sm" len="sm"/>
+            <a:tailEnd type="none" w="sm" len="sm"/>
           </a:ln>
         </p:spPr>
       </p:cxnSp>
       <p:sp>
         <p:nvSpPr>
           <p:cNvPr id="17" name="Google Shape;17;p3"/>
-          <p:cNvSpPr txBox="1"/>
+          <p:cNvSpPr txBox="1">
+            <a:spLocks noGrp="1"/>
+          </p:cNvSpPr>
           <p:nvPr>
             <p:ph type="title"/>
           </p:nvPr>
@@ -3126,7 +3402,7 @@
           </a:prstGeom>
         </p:spPr>
         <p:txBody>
-          <a:bodyPr anchorCtr="0" anchor="b" bIns="91425" lIns="91425" spcFirstLastPara="1" rIns="91425" wrap="square" tIns="91425"/>
+          <a:bodyPr spcFirstLastPara="1" wrap="square" lIns="91425" tIns="91425" rIns="91425" bIns="91425" anchor="b" anchorCtr="0"/>
           <a:lstStyle>
             <a:lvl1pPr lvl="0">
               <a:spcBef>
@@ -3291,15 +3567,19 @@
               </a:defRPr>
             </a:lvl9pPr>
           </a:lstStyle>
-          <a:p/>
+          <a:p>
+            <a:endParaRPr/>
+          </a:p>
         </p:txBody>
       </p:sp>
       <p:sp>
         <p:nvSpPr>
           <p:cNvPr id="18" name="Google Shape;18;p3"/>
-          <p:cNvSpPr txBox="1"/>
+          <p:cNvSpPr txBox="1">
+            <a:spLocks noGrp="1"/>
+          </p:cNvSpPr>
           <p:nvPr>
-            <p:ph idx="12" type="sldNum"/>
+            <p:ph type="sldNum" idx="12"/>
           </p:nvPr>
         </p:nvSpPr>
         <p:spPr>
@@ -3312,7 +3592,7 @@
           </a:prstGeom>
         </p:spPr>
         <p:txBody>
-          <a:bodyPr anchorCtr="0" anchor="ctr" bIns="91425" lIns="91425" spcFirstLastPara="1" rIns="91425" wrap="square" tIns="91425">
+          <a:bodyPr spcFirstLastPara="1" wrap="square" lIns="91425" tIns="91425" rIns="91425" bIns="91425" anchor="ctr" anchorCtr="0">
             <a:noAutofit/>
           </a:bodyPr>
           <a:lstStyle>
@@ -3390,7 +3670,7 @@
             </a:lvl9pPr>
           </a:lstStyle>
           <a:p>
-            <a:pPr indent="0" lvl="0" marL="0" rtl="0" algn="r">
+            <a:pPr marL="0" lvl="0" indent="0" algn="r" rtl="0">
               <a:spcBef>
                 <a:spcPts val="0"/>
               </a:spcBef>
@@ -3416,11 +3696,11 @@
 </file>
 
 <file path=ppt/slideLayouts/slideLayout3.xml><?xml version="1.0" encoding="utf-8"?>
-<p:sldLayout xmlns:a="http://schemas.openxmlformats.org/drawingml/2006/main" xmlns:r="http://schemas.openxmlformats.org/officeDocument/2006/relationships" xmlns:mc="http://schemas.openxmlformats.org/markup-compatibility/2006" xmlns:mv="urn:schemas-microsoft-com:mac:vml" xmlns:p="http://schemas.openxmlformats.org/presentationml/2006/main" xmlns:c="http://schemas.openxmlformats.org/drawingml/2006/chart" xmlns:dgm="http://schemas.openxmlformats.org/drawingml/2006/diagram" xmlns:o="urn:schemas-microsoft-com:office:office" xmlns:v="urn:schemas-microsoft-com:vml" xmlns:pvml="urn:schemas-microsoft-com:office:powerpoint" xmlns:com="http://schemas.openxmlformats.org/drawingml/2006/compatibility" xmlns:p14="http://schemas.microsoft.com/office/powerpoint/2010/main" xmlns:p15="http://schemas.microsoft.com/office/powerpoint/2012/main" matchingName="Title and body" type="tx">
+<p:sldLayout xmlns:a="http://schemas.openxmlformats.org/drawingml/2006/main" xmlns:r="http://schemas.openxmlformats.org/officeDocument/2006/relationships" xmlns:p="http://schemas.openxmlformats.org/presentationml/2006/main" matchingName="Title and body" type="tx">
   <p:cSld name="TITLE_AND_BODY">
     <p:spTree>
       <p:nvGrpSpPr>
-        <p:cNvPr id="19" name="Shape 19"/>
+        <p:cNvPr id="1" name="Shape 19"/>
         <p:cNvGrpSpPr/>
         <p:nvPr/>
       </p:nvGrpSpPr>
@@ -3454,12 +3734,12 @@
           </a:ln>
         </p:spPr>
         <p:txBody>
-          <a:bodyPr anchorCtr="0" anchor="ctr" bIns="91425" lIns="91425" spcFirstLastPara="1" rIns="91425" wrap="square" tIns="91425">
+          <a:bodyPr spcFirstLastPara="1" wrap="square" lIns="91425" tIns="91425" rIns="91425" bIns="91425" anchor="ctr" anchorCtr="0">
             <a:noAutofit/>
           </a:bodyPr>
           <a:lstStyle/>
           <a:p>
-            <a:pPr indent="0" lvl="0" marL="0" rtl="0" algn="l">
+            <a:pPr marL="0" lvl="0" indent="0" algn="l" rtl="0">
               <a:spcBef>
                 <a:spcPts val="0"/>
               </a:spcBef>
@@ -3468,9 +3748,6 @@
               </a:spcAft>
               <a:buNone/>
             </a:pPr>
-            <a:r>
-              <a:t/>
-            </a:r>
             <a:endParaRPr/>
           </a:p>
         </p:txBody>
@@ -3478,7 +3755,9 @@
       <p:sp>
         <p:nvSpPr>
           <p:cNvPr id="21" name="Google Shape;21;p4"/>
-          <p:cNvSpPr txBox="1"/>
+          <p:cNvSpPr txBox="1">
+            <a:spLocks noGrp="1"/>
+          </p:cNvSpPr>
           <p:nvPr>
             <p:ph type="title"/>
           </p:nvPr>
@@ -3493,7 +3772,7 @@
           </a:prstGeom>
         </p:spPr>
         <p:txBody>
-          <a:bodyPr anchorCtr="0" anchor="t" bIns="91425" lIns="91425" spcFirstLastPara="1" rIns="91425" wrap="square" tIns="91425"/>
+          <a:bodyPr spcFirstLastPara="1" wrap="square" lIns="91425" tIns="91425" rIns="91425" bIns="91425" anchor="t" anchorCtr="0"/>
           <a:lstStyle>
             <a:lvl1pPr lvl="0">
               <a:spcBef>
@@ -3595,15 +3874,19 @@
               <a:defRPr/>
             </a:lvl9pPr>
           </a:lstStyle>
-          <a:p/>
+          <a:p>
+            <a:endParaRPr/>
+          </a:p>
         </p:txBody>
       </p:sp>
       <p:sp>
         <p:nvSpPr>
           <p:cNvPr id="22" name="Google Shape;22;p4"/>
-          <p:cNvSpPr txBox="1"/>
+          <p:cNvSpPr txBox="1">
+            <a:spLocks noGrp="1"/>
+          </p:cNvSpPr>
           <p:nvPr>
-            <p:ph idx="1" type="body"/>
+            <p:ph type="body" idx="1"/>
           </p:nvPr>
         </p:nvSpPr>
         <p:spPr>
@@ -3616,9 +3899,9 @@
           </a:prstGeom>
         </p:spPr>
         <p:txBody>
-          <a:bodyPr anchorCtr="0" anchor="t" bIns="91425" lIns="91425" spcFirstLastPara="1" rIns="91425" wrap="square" tIns="91425"/>
+          <a:bodyPr spcFirstLastPara="1" wrap="square" lIns="91425" tIns="91425" rIns="91425" bIns="91425" anchor="t" anchorCtr="0"/>
           <a:lstStyle>
-            <a:lvl1pPr indent="-342900" lvl="0" marL="457200">
+            <a:lvl1pPr marL="457200" lvl="0" indent="-342900">
               <a:spcBef>
                 <a:spcPts val="0"/>
               </a:spcBef>
@@ -3629,7 +3912,7 @@
               <a:buChar char="●"/>
               <a:defRPr/>
             </a:lvl1pPr>
-            <a:lvl2pPr indent="-317500" lvl="1" marL="914400">
+            <a:lvl2pPr marL="914400" lvl="1" indent="-317500">
               <a:spcBef>
                 <a:spcPts val="1600"/>
               </a:spcBef>
@@ -3640,7 +3923,7 @@
               <a:buChar char="○"/>
               <a:defRPr/>
             </a:lvl2pPr>
-            <a:lvl3pPr indent="-317500" lvl="2" marL="1371600">
+            <a:lvl3pPr marL="1371600" lvl="2" indent="-317500">
               <a:spcBef>
                 <a:spcPts val="1600"/>
               </a:spcBef>
@@ -3651,7 +3934,7 @@
               <a:buChar char="■"/>
               <a:defRPr/>
             </a:lvl3pPr>
-            <a:lvl4pPr indent="-317500" lvl="3" marL="1828800">
+            <a:lvl4pPr marL="1828800" lvl="3" indent="-317500">
               <a:spcBef>
                 <a:spcPts val="1600"/>
               </a:spcBef>
@@ -3662,7 +3945,7 @@
               <a:buChar char="●"/>
               <a:defRPr/>
             </a:lvl4pPr>
-            <a:lvl5pPr indent="-317500" lvl="4" marL="2286000">
+            <a:lvl5pPr marL="2286000" lvl="4" indent="-317500">
               <a:spcBef>
                 <a:spcPts val="1600"/>
               </a:spcBef>
@@ -3673,7 +3956,7 @@
               <a:buChar char="○"/>
               <a:defRPr/>
             </a:lvl5pPr>
-            <a:lvl6pPr indent="-317500" lvl="5" marL="2743200">
+            <a:lvl6pPr marL="2743200" lvl="5" indent="-317500">
               <a:spcBef>
                 <a:spcPts val="1600"/>
               </a:spcBef>
@@ -3684,7 +3967,7 @@
               <a:buChar char="■"/>
               <a:defRPr/>
             </a:lvl6pPr>
-            <a:lvl7pPr indent="-317500" lvl="6" marL="3200400">
+            <a:lvl7pPr marL="3200400" lvl="6" indent="-317500">
               <a:spcBef>
                 <a:spcPts val="1600"/>
               </a:spcBef>
@@ -3695,7 +3978,7 @@
               <a:buChar char="●"/>
               <a:defRPr/>
             </a:lvl7pPr>
-            <a:lvl8pPr indent="-317500" lvl="7" marL="3657600">
+            <a:lvl8pPr marL="3657600" lvl="7" indent="-317500">
               <a:spcBef>
                 <a:spcPts val="1600"/>
               </a:spcBef>
@@ -3706,7 +3989,7 @@
               <a:buChar char="○"/>
               <a:defRPr/>
             </a:lvl8pPr>
-            <a:lvl9pPr indent="-317500" lvl="8" marL="4114800">
+            <a:lvl9pPr marL="4114800" lvl="8" indent="-317500">
               <a:spcBef>
                 <a:spcPts val="1600"/>
               </a:spcBef>
@@ -3718,15 +4001,19 @@
               <a:defRPr/>
             </a:lvl9pPr>
           </a:lstStyle>
-          <a:p/>
+          <a:p>
+            <a:endParaRPr/>
+          </a:p>
         </p:txBody>
       </p:sp>
       <p:sp>
         <p:nvSpPr>
           <p:cNvPr id="23" name="Google Shape;23;p4"/>
-          <p:cNvSpPr txBox="1"/>
+          <p:cNvSpPr txBox="1">
+            <a:spLocks noGrp="1"/>
+          </p:cNvSpPr>
           <p:nvPr>
-            <p:ph idx="12" type="sldNum"/>
+            <p:ph type="sldNum" idx="12"/>
           </p:nvPr>
         </p:nvSpPr>
         <p:spPr>
@@ -3739,7 +4026,7 @@
           </a:prstGeom>
         </p:spPr>
         <p:txBody>
-          <a:bodyPr anchorCtr="0" anchor="ctr" bIns="91425" lIns="91425" spcFirstLastPara="1" rIns="91425" wrap="square" tIns="91425">
+          <a:bodyPr spcFirstLastPara="1" wrap="square" lIns="91425" tIns="91425" rIns="91425" bIns="91425" anchor="ctr" anchorCtr="0">
             <a:noAutofit/>
           </a:bodyPr>
           <a:lstStyle>
@@ -3781,7 +4068,7 @@
             </a:lvl9pPr>
           </a:lstStyle>
           <a:p>
-            <a:pPr indent="0" lvl="0" marL="0" rtl="0" algn="r">
+            <a:pPr marL="0" lvl="0" indent="0" algn="r" rtl="0">
               <a:spcBef>
                 <a:spcPts val="0"/>
               </a:spcBef>
@@ -3807,11 +4094,11 @@
 </file>
 
 <file path=ppt/slideLayouts/slideLayout4.xml><?xml version="1.0" encoding="utf-8"?>
-<p:sldLayout xmlns:a="http://schemas.openxmlformats.org/drawingml/2006/main" xmlns:r="http://schemas.openxmlformats.org/officeDocument/2006/relationships" xmlns:mc="http://schemas.openxmlformats.org/markup-compatibility/2006" xmlns:mv="urn:schemas-microsoft-com:mac:vml" xmlns:p="http://schemas.openxmlformats.org/presentationml/2006/main" xmlns:c="http://schemas.openxmlformats.org/drawingml/2006/chart" xmlns:dgm="http://schemas.openxmlformats.org/drawingml/2006/diagram" xmlns:o="urn:schemas-microsoft-com:office:office" xmlns:v="urn:schemas-microsoft-com:vml" xmlns:pvml="urn:schemas-microsoft-com:office:powerpoint" xmlns:com="http://schemas.openxmlformats.org/drawingml/2006/compatibility" xmlns:p14="http://schemas.microsoft.com/office/powerpoint/2010/main" xmlns:p15="http://schemas.microsoft.com/office/powerpoint/2012/main" matchingName="Title and two columns" type="twoColTx">
+<p:sldLayout xmlns:a="http://schemas.openxmlformats.org/drawingml/2006/main" xmlns:r="http://schemas.openxmlformats.org/officeDocument/2006/relationships" xmlns:p="http://schemas.openxmlformats.org/presentationml/2006/main" matchingName="Title and two columns" type="twoColTx">
   <p:cSld name="TITLE_AND_TWO_COLUMNS">
     <p:spTree>
       <p:nvGrpSpPr>
-        <p:cNvPr id="24" name="Shape 24"/>
+        <p:cNvPr id="1" name="Shape 24"/>
         <p:cNvGrpSpPr/>
         <p:nvPr/>
       </p:nvGrpSpPr>
@@ -3826,7 +4113,9 @@
       <p:sp>
         <p:nvSpPr>
           <p:cNvPr id="25" name="Google Shape;25;p5"/>
-          <p:cNvSpPr txBox="1"/>
+          <p:cNvSpPr txBox="1">
+            <a:spLocks noGrp="1"/>
+          </p:cNvSpPr>
           <p:nvPr>
             <p:ph type="title"/>
           </p:nvPr>
@@ -3841,7 +4130,7 @@
           </a:prstGeom>
         </p:spPr>
         <p:txBody>
-          <a:bodyPr anchorCtr="0" anchor="t" bIns="91425" lIns="91425" spcFirstLastPara="1" rIns="91425" wrap="square" tIns="91425"/>
+          <a:bodyPr spcFirstLastPara="1" wrap="square" lIns="91425" tIns="91425" rIns="91425" bIns="91425" anchor="t" anchorCtr="0"/>
           <a:lstStyle>
             <a:lvl1pPr lvl="0">
               <a:spcBef>
@@ -3943,15 +4232,19 @@
               <a:defRPr/>
             </a:lvl9pPr>
           </a:lstStyle>
-          <a:p/>
+          <a:p>
+            <a:endParaRPr/>
+          </a:p>
         </p:txBody>
       </p:sp>
       <p:sp>
         <p:nvSpPr>
           <p:cNvPr id="26" name="Google Shape;26;p5"/>
-          <p:cNvSpPr txBox="1"/>
+          <p:cNvSpPr txBox="1">
+            <a:spLocks noGrp="1"/>
+          </p:cNvSpPr>
           <p:nvPr>
-            <p:ph idx="1" type="body"/>
+            <p:ph type="body" idx="1"/>
           </p:nvPr>
         </p:nvSpPr>
         <p:spPr>
@@ -3964,9 +4257,9 @@
           </a:prstGeom>
         </p:spPr>
         <p:txBody>
-          <a:bodyPr anchorCtr="0" anchor="t" bIns="91425" lIns="91425" spcFirstLastPara="1" rIns="91425" wrap="square" tIns="91425"/>
+          <a:bodyPr spcFirstLastPara="1" wrap="square" lIns="91425" tIns="91425" rIns="91425" bIns="91425" anchor="t" anchorCtr="0"/>
           <a:lstStyle>
-            <a:lvl1pPr indent="-317500" lvl="0" marL="457200">
+            <a:lvl1pPr marL="457200" lvl="0" indent="-317500">
               <a:spcBef>
                 <a:spcPts val="0"/>
               </a:spcBef>
@@ -3977,7 +4270,7 @@
               <a:buChar char="●"/>
               <a:defRPr sz="1400"/>
             </a:lvl1pPr>
-            <a:lvl2pPr indent="-304800" lvl="1" marL="914400">
+            <a:lvl2pPr marL="914400" lvl="1" indent="-304800">
               <a:spcBef>
                 <a:spcPts val="1600"/>
               </a:spcBef>
@@ -3988,7 +4281,7 @@
               <a:buChar char="○"/>
               <a:defRPr sz="1200"/>
             </a:lvl2pPr>
-            <a:lvl3pPr indent="-304800" lvl="2" marL="1371600">
+            <a:lvl3pPr marL="1371600" lvl="2" indent="-304800">
               <a:spcBef>
                 <a:spcPts val="1600"/>
               </a:spcBef>
@@ -3999,7 +4292,7 @@
               <a:buChar char="■"/>
               <a:defRPr sz="1200"/>
             </a:lvl3pPr>
-            <a:lvl4pPr indent="-304800" lvl="3" marL="1828800">
+            <a:lvl4pPr marL="1828800" lvl="3" indent="-304800">
               <a:spcBef>
                 <a:spcPts val="1600"/>
               </a:spcBef>
@@ -4010,7 +4303,7 @@
               <a:buChar char="●"/>
               <a:defRPr sz="1200"/>
             </a:lvl4pPr>
-            <a:lvl5pPr indent="-304800" lvl="4" marL="2286000">
+            <a:lvl5pPr marL="2286000" lvl="4" indent="-304800">
               <a:spcBef>
                 <a:spcPts val="1600"/>
               </a:spcBef>
@@ -4021,7 +4314,7 @@
               <a:buChar char="○"/>
               <a:defRPr sz="1200"/>
             </a:lvl5pPr>
-            <a:lvl6pPr indent="-304800" lvl="5" marL="2743200">
+            <a:lvl6pPr marL="2743200" lvl="5" indent="-304800">
               <a:spcBef>
                 <a:spcPts val="1600"/>
               </a:spcBef>
@@ -4032,7 +4325,7 @@
               <a:buChar char="■"/>
               <a:defRPr sz="1200"/>
             </a:lvl6pPr>
-            <a:lvl7pPr indent="-304800" lvl="6" marL="3200400">
+            <a:lvl7pPr marL="3200400" lvl="6" indent="-304800">
               <a:spcBef>
                 <a:spcPts val="1600"/>
               </a:spcBef>
@@ -4043,7 +4336,7 @@
               <a:buChar char="●"/>
               <a:defRPr sz="1200"/>
             </a:lvl7pPr>
-            <a:lvl8pPr indent="-304800" lvl="7" marL="3657600">
+            <a:lvl8pPr marL="3657600" lvl="7" indent="-304800">
               <a:spcBef>
                 <a:spcPts val="1600"/>
               </a:spcBef>
@@ -4054,7 +4347,7 @@
               <a:buChar char="○"/>
               <a:defRPr sz="1200"/>
             </a:lvl8pPr>
-            <a:lvl9pPr indent="-304800" lvl="8" marL="4114800">
+            <a:lvl9pPr marL="4114800" lvl="8" indent="-304800">
               <a:spcBef>
                 <a:spcPts val="1600"/>
               </a:spcBef>
@@ -4066,15 +4359,19 @@
               <a:defRPr sz="1200"/>
             </a:lvl9pPr>
           </a:lstStyle>
-          <a:p/>
+          <a:p>
+            <a:endParaRPr/>
+          </a:p>
         </p:txBody>
       </p:sp>
       <p:sp>
         <p:nvSpPr>
           <p:cNvPr id="27" name="Google Shape;27;p5"/>
-          <p:cNvSpPr txBox="1"/>
+          <p:cNvSpPr txBox="1">
+            <a:spLocks noGrp="1"/>
+          </p:cNvSpPr>
           <p:nvPr>
-            <p:ph idx="2" type="body"/>
+            <p:ph type="body" idx="2"/>
           </p:nvPr>
         </p:nvSpPr>
         <p:spPr>
@@ -4087,9 +4384,9 @@
           </a:prstGeom>
         </p:spPr>
         <p:txBody>
-          <a:bodyPr anchorCtr="0" anchor="t" bIns="91425" lIns="91425" spcFirstLastPara="1" rIns="91425" wrap="square" tIns="91425"/>
+          <a:bodyPr spcFirstLastPara="1" wrap="square" lIns="91425" tIns="91425" rIns="91425" bIns="91425" anchor="t" anchorCtr="0"/>
           <a:lstStyle>
-            <a:lvl1pPr indent="-317500" lvl="0" marL="457200">
+            <a:lvl1pPr marL="457200" lvl="0" indent="-317500">
               <a:spcBef>
                 <a:spcPts val="0"/>
               </a:spcBef>
@@ -4100,7 +4397,7 @@
               <a:buChar char="●"/>
               <a:defRPr sz="1400"/>
             </a:lvl1pPr>
-            <a:lvl2pPr indent="-304800" lvl="1" marL="914400">
+            <a:lvl2pPr marL="914400" lvl="1" indent="-304800">
               <a:spcBef>
                 <a:spcPts val="1600"/>
               </a:spcBef>
@@ -4111,7 +4408,7 @@
               <a:buChar char="○"/>
               <a:defRPr sz="1200"/>
             </a:lvl2pPr>
-            <a:lvl3pPr indent="-304800" lvl="2" marL="1371600">
+            <a:lvl3pPr marL="1371600" lvl="2" indent="-304800">
               <a:spcBef>
                 <a:spcPts val="1600"/>
               </a:spcBef>
@@ -4122,7 +4419,7 @@
               <a:buChar char="■"/>
               <a:defRPr sz="1200"/>
             </a:lvl3pPr>
-            <a:lvl4pPr indent="-304800" lvl="3" marL="1828800">
+            <a:lvl4pPr marL="1828800" lvl="3" indent="-304800">
               <a:spcBef>
                 <a:spcPts val="1600"/>
               </a:spcBef>
@@ -4133,7 +4430,7 @@
               <a:buChar char="●"/>
               <a:defRPr sz="1200"/>
             </a:lvl4pPr>
-            <a:lvl5pPr indent="-304800" lvl="4" marL="2286000">
+            <a:lvl5pPr marL="2286000" lvl="4" indent="-304800">
               <a:spcBef>
                 <a:spcPts val="1600"/>
               </a:spcBef>
@@ -4144,7 +4441,7 @@
               <a:buChar char="○"/>
               <a:defRPr sz="1200"/>
             </a:lvl5pPr>
-            <a:lvl6pPr indent="-304800" lvl="5" marL="2743200">
+            <a:lvl6pPr marL="2743200" lvl="5" indent="-304800">
               <a:spcBef>
                 <a:spcPts val="1600"/>
               </a:spcBef>
@@ -4155,7 +4452,7 @@
               <a:buChar char="■"/>
               <a:defRPr sz="1200"/>
             </a:lvl6pPr>
-            <a:lvl7pPr indent="-304800" lvl="6" marL="3200400">
+            <a:lvl7pPr marL="3200400" lvl="6" indent="-304800">
               <a:spcBef>
                 <a:spcPts val="1600"/>
               </a:spcBef>
@@ -4166,7 +4463,7 @@
               <a:buChar char="●"/>
               <a:defRPr sz="1200"/>
             </a:lvl7pPr>
-            <a:lvl8pPr indent="-304800" lvl="7" marL="3657600">
+            <a:lvl8pPr marL="3657600" lvl="7" indent="-304800">
               <a:spcBef>
                 <a:spcPts val="1600"/>
               </a:spcBef>
@@ -4177,7 +4474,7 @@
               <a:buChar char="○"/>
               <a:defRPr sz="1200"/>
             </a:lvl8pPr>
-            <a:lvl9pPr indent="-304800" lvl="8" marL="4114800">
+            <a:lvl9pPr marL="4114800" lvl="8" indent="-304800">
               <a:spcBef>
                 <a:spcPts val="1600"/>
               </a:spcBef>
@@ -4189,15 +4486,19 @@
               <a:defRPr sz="1200"/>
             </a:lvl9pPr>
           </a:lstStyle>
-          <a:p/>
+          <a:p>
+            <a:endParaRPr/>
+          </a:p>
         </p:txBody>
       </p:sp>
       <p:sp>
         <p:nvSpPr>
           <p:cNvPr id="28" name="Google Shape;28;p5"/>
-          <p:cNvSpPr txBox="1"/>
+          <p:cNvSpPr txBox="1">
+            <a:spLocks noGrp="1"/>
+          </p:cNvSpPr>
           <p:nvPr>
-            <p:ph idx="12" type="sldNum"/>
+            <p:ph type="sldNum" idx="12"/>
           </p:nvPr>
         </p:nvSpPr>
         <p:spPr>
@@ -4210,7 +4511,7 @@
           </a:prstGeom>
         </p:spPr>
         <p:txBody>
-          <a:bodyPr anchorCtr="0" anchor="ctr" bIns="91425" lIns="91425" spcFirstLastPara="1" rIns="91425" wrap="square" tIns="91425">
+          <a:bodyPr spcFirstLastPara="1" wrap="square" lIns="91425" tIns="91425" rIns="91425" bIns="91425" anchor="ctr" anchorCtr="0">
             <a:noAutofit/>
           </a:bodyPr>
           <a:lstStyle>
@@ -4252,7 +4553,7 @@
             </a:lvl9pPr>
           </a:lstStyle>
           <a:p>
-            <a:pPr indent="0" lvl="0" marL="0" rtl="0" algn="r">
+            <a:pPr marL="0" lvl="0" indent="0" algn="r" rtl="0">
               <a:spcBef>
                 <a:spcPts val="0"/>
               </a:spcBef>
@@ -4278,11 +4579,11 @@
 </file>
 
 <file path=ppt/slideLayouts/slideLayout5.xml><?xml version="1.0" encoding="utf-8"?>
-<p:sldLayout xmlns:a="http://schemas.openxmlformats.org/drawingml/2006/main" xmlns:r="http://schemas.openxmlformats.org/officeDocument/2006/relationships" xmlns:mc="http://schemas.openxmlformats.org/markup-compatibility/2006" xmlns:mv="urn:schemas-microsoft-com:mac:vml" xmlns:p="http://schemas.openxmlformats.org/presentationml/2006/main" xmlns:c="http://schemas.openxmlformats.org/drawingml/2006/chart" xmlns:dgm="http://schemas.openxmlformats.org/drawingml/2006/diagram" xmlns:o="urn:schemas-microsoft-com:office:office" xmlns:v="urn:schemas-microsoft-com:vml" xmlns:pvml="urn:schemas-microsoft-com:office:powerpoint" xmlns:com="http://schemas.openxmlformats.org/drawingml/2006/compatibility" xmlns:p14="http://schemas.microsoft.com/office/powerpoint/2010/main" xmlns:p15="http://schemas.microsoft.com/office/powerpoint/2012/main" matchingName="Title only" type="titleOnly">
+<p:sldLayout xmlns:a="http://schemas.openxmlformats.org/drawingml/2006/main" xmlns:r="http://schemas.openxmlformats.org/officeDocument/2006/relationships" xmlns:p="http://schemas.openxmlformats.org/presentationml/2006/main" matchingName="Title only" type="titleOnly">
   <p:cSld name="TITLE_ONLY">
     <p:spTree>
       <p:nvGrpSpPr>
-        <p:cNvPr id="29" name="Shape 29"/>
+        <p:cNvPr id="1" name="Shape 29"/>
         <p:cNvGrpSpPr/>
         <p:nvPr/>
       </p:nvGrpSpPr>
@@ -4297,7 +4598,9 @@
       <p:sp>
         <p:nvSpPr>
           <p:cNvPr id="30" name="Google Shape;30;p6"/>
-          <p:cNvSpPr txBox="1"/>
+          <p:cNvSpPr txBox="1">
+            <a:spLocks noGrp="1"/>
+          </p:cNvSpPr>
           <p:nvPr>
             <p:ph type="title"/>
           </p:nvPr>
@@ -4312,7 +4615,7 @@
           </a:prstGeom>
         </p:spPr>
         <p:txBody>
-          <a:bodyPr anchorCtr="0" anchor="t" bIns="91425" lIns="91425" spcFirstLastPara="1" rIns="91425" wrap="square" tIns="91425"/>
+          <a:bodyPr spcFirstLastPara="1" wrap="square" lIns="91425" tIns="91425" rIns="91425" bIns="91425" anchor="t" anchorCtr="0"/>
           <a:lstStyle>
             <a:lvl1pPr lvl="0">
               <a:spcBef>
@@ -4414,15 +4717,19 @@
               <a:defRPr/>
             </a:lvl9pPr>
           </a:lstStyle>
-          <a:p/>
+          <a:p>
+            <a:endParaRPr/>
+          </a:p>
         </p:txBody>
       </p:sp>
       <p:sp>
         <p:nvSpPr>
           <p:cNvPr id="31" name="Google Shape;31;p6"/>
-          <p:cNvSpPr txBox="1"/>
+          <p:cNvSpPr txBox="1">
+            <a:spLocks noGrp="1"/>
+          </p:cNvSpPr>
           <p:nvPr>
-            <p:ph idx="12" type="sldNum"/>
+            <p:ph type="sldNum" idx="12"/>
           </p:nvPr>
         </p:nvSpPr>
         <p:spPr>
@@ -4435,7 +4742,7 @@
           </a:prstGeom>
         </p:spPr>
         <p:txBody>
-          <a:bodyPr anchorCtr="0" anchor="ctr" bIns="91425" lIns="91425" spcFirstLastPara="1" rIns="91425" wrap="square" tIns="91425">
+          <a:bodyPr spcFirstLastPara="1" wrap="square" lIns="91425" tIns="91425" rIns="91425" bIns="91425" anchor="ctr" anchorCtr="0">
             <a:noAutofit/>
           </a:bodyPr>
           <a:lstStyle>
@@ -4477,7 +4784,7 @@
             </a:lvl9pPr>
           </a:lstStyle>
           <a:p>
-            <a:pPr indent="0" lvl="0" marL="0" rtl="0" algn="r">
+            <a:pPr marL="0" lvl="0" indent="0" algn="r" rtl="0">
               <a:spcBef>
                 <a:spcPts val="0"/>
               </a:spcBef>
@@ -4503,11 +4810,11 @@
 </file>
 
 <file path=ppt/slideLayouts/slideLayout6.xml><?xml version="1.0" encoding="utf-8"?>
-<p:sldLayout xmlns:a="http://schemas.openxmlformats.org/drawingml/2006/main" xmlns:r="http://schemas.openxmlformats.org/officeDocument/2006/relationships" xmlns:mc="http://schemas.openxmlformats.org/markup-compatibility/2006" xmlns:mv="urn:schemas-microsoft-com:mac:vml" xmlns:p="http://schemas.openxmlformats.org/presentationml/2006/main" xmlns:c="http://schemas.openxmlformats.org/drawingml/2006/chart" xmlns:dgm="http://schemas.openxmlformats.org/drawingml/2006/diagram" xmlns:o="urn:schemas-microsoft-com:office:office" xmlns:v="urn:schemas-microsoft-com:vml" xmlns:pvml="urn:schemas-microsoft-com:office:powerpoint" xmlns:com="http://schemas.openxmlformats.org/drawingml/2006/compatibility" xmlns:p14="http://schemas.microsoft.com/office/powerpoint/2010/main" xmlns:p15="http://schemas.microsoft.com/office/powerpoint/2012/main" matchingName="One column text">
+<p:sldLayout xmlns:a="http://schemas.openxmlformats.org/drawingml/2006/main" xmlns:r="http://schemas.openxmlformats.org/officeDocument/2006/relationships" xmlns:p="http://schemas.openxmlformats.org/presentationml/2006/main" matchingName="One column text">
   <p:cSld name="ONE_COLUMN_TEXT">
     <p:spTree>
       <p:nvGrpSpPr>
-        <p:cNvPr id="32" name="Shape 32"/>
+        <p:cNvPr id="1" name="Shape 32"/>
         <p:cNvGrpSpPr/>
         <p:nvPr/>
       </p:nvGrpSpPr>
@@ -4522,7 +4829,9 @@
       <p:sp>
         <p:nvSpPr>
           <p:cNvPr id="33" name="Google Shape;33;p7"/>
-          <p:cNvSpPr txBox="1"/>
+          <p:cNvSpPr txBox="1">
+            <a:spLocks noGrp="1"/>
+          </p:cNvSpPr>
           <p:nvPr>
             <p:ph type="title"/>
           </p:nvPr>
@@ -4537,7 +4846,7 @@
           </a:prstGeom>
         </p:spPr>
         <p:txBody>
-          <a:bodyPr anchorCtr="0" anchor="b" bIns="91425" lIns="91425" spcFirstLastPara="1" rIns="91425" wrap="square" tIns="91425"/>
+          <a:bodyPr spcFirstLastPara="1" wrap="square" lIns="91425" tIns="91425" rIns="91425" bIns="91425" anchor="b" anchorCtr="0"/>
           <a:lstStyle>
             <a:lvl1pPr lvl="0">
               <a:spcBef>
@@ -4639,15 +4948,19 @@
               <a:defRPr sz="2400"/>
             </a:lvl9pPr>
           </a:lstStyle>
-          <a:p/>
+          <a:p>
+            <a:endParaRPr/>
+          </a:p>
         </p:txBody>
       </p:sp>
       <p:sp>
         <p:nvSpPr>
           <p:cNvPr id="34" name="Google Shape;34;p7"/>
-          <p:cNvSpPr txBox="1"/>
+          <p:cNvSpPr txBox="1">
+            <a:spLocks noGrp="1"/>
+          </p:cNvSpPr>
           <p:nvPr>
-            <p:ph idx="1" type="body"/>
+            <p:ph type="body" idx="1"/>
           </p:nvPr>
         </p:nvSpPr>
         <p:spPr>
@@ -4660,9 +4973,9 @@
           </a:prstGeom>
         </p:spPr>
         <p:txBody>
-          <a:bodyPr anchorCtr="0" anchor="t" bIns="91425" lIns="91425" spcFirstLastPara="1" rIns="91425" wrap="square" tIns="91425"/>
+          <a:bodyPr spcFirstLastPara="1" wrap="square" lIns="91425" tIns="91425" rIns="91425" bIns="91425" anchor="t" anchorCtr="0"/>
           <a:lstStyle>
-            <a:lvl1pPr indent="-304800" lvl="0" marL="457200">
+            <a:lvl1pPr marL="457200" lvl="0" indent="-304800">
               <a:spcBef>
                 <a:spcPts val="0"/>
               </a:spcBef>
@@ -4673,7 +4986,7 @@
               <a:buChar char="●"/>
               <a:defRPr sz="1200"/>
             </a:lvl1pPr>
-            <a:lvl2pPr indent="-304800" lvl="1" marL="914400">
+            <a:lvl2pPr marL="914400" lvl="1" indent="-304800">
               <a:spcBef>
                 <a:spcPts val="1600"/>
               </a:spcBef>
@@ -4684,7 +4997,7 @@
               <a:buChar char="○"/>
               <a:defRPr sz="1200"/>
             </a:lvl2pPr>
-            <a:lvl3pPr indent="-304800" lvl="2" marL="1371600">
+            <a:lvl3pPr marL="1371600" lvl="2" indent="-304800">
               <a:spcBef>
                 <a:spcPts val="1600"/>
               </a:spcBef>
@@ -4695,7 +5008,7 @@
               <a:buChar char="■"/>
               <a:defRPr sz="1200"/>
             </a:lvl3pPr>
-            <a:lvl4pPr indent="-304800" lvl="3" marL="1828800">
+            <a:lvl4pPr marL="1828800" lvl="3" indent="-304800">
               <a:spcBef>
                 <a:spcPts val="1600"/>
               </a:spcBef>
@@ -4706,7 +5019,7 @@
               <a:buChar char="●"/>
               <a:defRPr sz="1200"/>
             </a:lvl4pPr>
-            <a:lvl5pPr indent="-304800" lvl="4" marL="2286000">
+            <a:lvl5pPr marL="2286000" lvl="4" indent="-304800">
               <a:spcBef>
                 <a:spcPts val="1600"/>
               </a:spcBef>
@@ -4717,7 +5030,7 @@
               <a:buChar char="○"/>
               <a:defRPr sz="1200"/>
             </a:lvl5pPr>
-            <a:lvl6pPr indent="-304800" lvl="5" marL="2743200">
+            <a:lvl6pPr marL="2743200" lvl="5" indent="-304800">
               <a:spcBef>
                 <a:spcPts val="1600"/>
               </a:spcBef>
@@ -4728,7 +5041,7 @@
               <a:buChar char="■"/>
               <a:defRPr sz="1200"/>
             </a:lvl6pPr>
-            <a:lvl7pPr indent="-304800" lvl="6" marL="3200400">
+            <a:lvl7pPr marL="3200400" lvl="6" indent="-304800">
               <a:spcBef>
                 <a:spcPts val="1600"/>
               </a:spcBef>
@@ -4739,7 +5052,7 @@
               <a:buChar char="●"/>
               <a:defRPr sz="1200"/>
             </a:lvl7pPr>
-            <a:lvl8pPr indent="-304800" lvl="7" marL="3657600">
+            <a:lvl8pPr marL="3657600" lvl="7" indent="-304800">
               <a:spcBef>
                 <a:spcPts val="1600"/>
               </a:spcBef>
@@ -4750,7 +5063,7 @@
               <a:buChar char="○"/>
               <a:defRPr sz="1200"/>
             </a:lvl8pPr>
-            <a:lvl9pPr indent="-304800" lvl="8" marL="4114800">
+            <a:lvl9pPr marL="4114800" lvl="8" indent="-304800">
               <a:spcBef>
                 <a:spcPts val="1600"/>
               </a:spcBef>
@@ -4762,15 +5075,19 @@
               <a:defRPr sz="1200"/>
             </a:lvl9pPr>
           </a:lstStyle>
-          <a:p/>
+          <a:p>
+            <a:endParaRPr/>
+          </a:p>
         </p:txBody>
       </p:sp>
       <p:sp>
         <p:nvSpPr>
           <p:cNvPr id="35" name="Google Shape;35;p7"/>
-          <p:cNvSpPr txBox="1"/>
+          <p:cNvSpPr txBox="1">
+            <a:spLocks noGrp="1"/>
+          </p:cNvSpPr>
           <p:nvPr>
-            <p:ph idx="12" type="sldNum"/>
+            <p:ph type="sldNum" idx="12"/>
           </p:nvPr>
         </p:nvSpPr>
         <p:spPr>
@@ -4783,7 +5100,7 @@
           </a:prstGeom>
         </p:spPr>
         <p:txBody>
-          <a:bodyPr anchorCtr="0" anchor="ctr" bIns="91425" lIns="91425" spcFirstLastPara="1" rIns="91425" wrap="square" tIns="91425">
+          <a:bodyPr spcFirstLastPara="1" wrap="square" lIns="91425" tIns="91425" rIns="91425" bIns="91425" anchor="ctr" anchorCtr="0">
             <a:noAutofit/>
           </a:bodyPr>
           <a:lstStyle>
@@ -4825,7 +5142,7 @@
             </a:lvl9pPr>
           </a:lstStyle>
           <a:p>
-            <a:pPr indent="0" lvl="0" marL="0" rtl="0" algn="r">
+            <a:pPr marL="0" lvl="0" indent="0" algn="r" rtl="0">
               <a:spcBef>
                 <a:spcPts val="0"/>
               </a:spcBef>
@@ -4851,18 +5168,19 @@
 </file>
 
 <file path=ppt/slideLayouts/slideLayout7.xml><?xml version="1.0" encoding="utf-8"?>
-<p:sldLayout xmlns:a="http://schemas.openxmlformats.org/drawingml/2006/main" xmlns:r="http://schemas.openxmlformats.org/officeDocument/2006/relationships" xmlns:mc="http://schemas.openxmlformats.org/markup-compatibility/2006" xmlns:mv="urn:schemas-microsoft-com:mac:vml" xmlns:p="http://schemas.openxmlformats.org/presentationml/2006/main" xmlns:c="http://schemas.openxmlformats.org/drawingml/2006/chart" xmlns:dgm="http://schemas.openxmlformats.org/drawingml/2006/diagram" xmlns:o="urn:schemas-microsoft-com:office:office" xmlns:v="urn:schemas-microsoft-com:vml" xmlns:pvml="urn:schemas-microsoft-com:office:powerpoint" xmlns:com="http://schemas.openxmlformats.org/drawingml/2006/compatibility" xmlns:p14="http://schemas.microsoft.com/office/powerpoint/2010/main" xmlns:p15="http://schemas.microsoft.com/office/powerpoint/2012/main" matchingName="Main point">
+<p:sldLayout xmlns:a="http://schemas.openxmlformats.org/drawingml/2006/main" xmlns:r="http://schemas.openxmlformats.org/officeDocument/2006/relationships" xmlns:p="http://schemas.openxmlformats.org/presentationml/2006/main" matchingName="Main point">
   <p:cSld name="MAIN_POINT">
     <p:bg>
       <p:bgPr>
         <a:solidFill>
           <a:schemeClr val="lt2"/>
         </a:solidFill>
+        <a:effectLst/>
       </p:bgPr>
     </p:bg>
     <p:spTree>
       <p:nvGrpSpPr>
-        <p:cNvPr id="36" name="Shape 36"/>
+        <p:cNvPr id="1" name="Shape 36"/>
         <p:cNvGrpSpPr/>
         <p:nvPr/>
       </p:nvGrpSpPr>
@@ -4877,7 +5195,9 @@
       <p:sp>
         <p:nvSpPr>
           <p:cNvPr id="37" name="Google Shape;37;p8"/>
-          <p:cNvSpPr txBox="1"/>
+          <p:cNvSpPr txBox="1">
+            <a:spLocks noGrp="1"/>
+          </p:cNvSpPr>
           <p:nvPr>
             <p:ph type="title"/>
           </p:nvPr>
@@ -4892,7 +5212,7 @@
           </a:prstGeom>
         </p:spPr>
         <p:txBody>
-          <a:bodyPr anchorCtr="0" anchor="ctr" bIns="91425" lIns="91425" spcFirstLastPara="1" rIns="91425" wrap="square" tIns="91425"/>
+          <a:bodyPr spcFirstLastPara="1" wrap="square" lIns="91425" tIns="91425" rIns="91425" bIns="91425" anchor="ctr" anchorCtr="0"/>
           <a:lstStyle>
             <a:lvl1pPr lvl="0">
               <a:spcBef>
@@ -5057,15 +5377,19 @@
               </a:defRPr>
             </a:lvl9pPr>
           </a:lstStyle>
-          <a:p/>
+          <a:p>
+            <a:endParaRPr/>
+          </a:p>
         </p:txBody>
       </p:sp>
       <p:sp>
         <p:nvSpPr>
           <p:cNvPr id="38" name="Google Shape;38;p8"/>
-          <p:cNvSpPr txBox="1"/>
+          <p:cNvSpPr txBox="1">
+            <a:spLocks noGrp="1"/>
+          </p:cNvSpPr>
           <p:nvPr>
-            <p:ph idx="12" type="sldNum"/>
+            <p:ph type="sldNum" idx="12"/>
           </p:nvPr>
         </p:nvSpPr>
         <p:spPr>
@@ -5078,7 +5402,7 @@
           </a:prstGeom>
         </p:spPr>
         <p:txBody>
-          <a:bodyPr anchorCtr="0" anchor="ctr" bIns="91425" lIns="91425" spcFirstLastPara="1" rIns="91425" wrap="square" tIns="91425">
+          <a:bodyPr spcFirstLastPara="1" wrap="square" lIns="91425" tIns="91425" rIns="91425" bIns="91425" anchor="ctr" anchorCtr="0">
             <a:noAutofit/>
           </a:bodyPr>
           <a:lstStyle>
@@ -5156,7 +5480,7 @@
             </a:lvl9pPr>
           </a:lstStyle>
           <a:p>
-            <a:pPr indent="0" lvl="0" marL="0" rtl="0" algn="r">
+            <a:pPr marL="0" lvl="0" indent="0" algn="r" rtl="0">
               <a:spcBef>
                 <a:spcPts val="0"/>
               </a:spcBef>
@@ -5182,11 +5506,11 @@
 </file>
 
 <file path=ppt/slideLayouts/slideLayout8.xml><?xml version="1.0" encoding="utf-8"?>
-<p:sldLayout xmlns:a="http://schemas.openxmlformats.org/drawingml/2006/main" xmlns:r="http://schemas.openxmlformats.org/officeDocument/2006/relationships" xmlns:mc="http://schemas.openxmlformats.org/markup-compatibility/2006" xmlns:mv="urn:schemas-microsoft-com:mac:vml" xmlns:p="http://schemas.openxmlformats.org/presentationml/2006/main" xmlns:c="http://schemas.openxmlformats.org/drawingml/2006/chart" xmlns:dgm="http://schemas.openxmlformats.org/drawingml/2006/diagram" xmlns:o="urn:schemas-microsoft-com:office:office" xmlns:v="urn:schemas-microsoft-com:vml" xmlns:pvml="urn:schemas-microsoft-com:office:powerpoint" xmlns:com="http://schemas.openxmlformats.org/drawingml/2006/compatibility" xmlns:p14="http://schemas.microsoft.com/office/powerpoint/2010/main" xmlns:p15="http://schemas.microsoft.com/office/powerpoint/2012/main" matchingName="Section title and description">
+<p:sldLayout xmlns:a="http://schemas.openxmlformats.org/drawingml/2006/main" xmlns:r="http://schemas.openxmlformats.org/officeDocument/2006/relationships" xmlns:p="http://schemas.openxmlformats.org/presentationml/2006/main" matchingName="Section title and description">
   <p:cSld name="SECTION_TITLE_AND_DESCRIPTION">
     <p:spTree>
       <p:nvGrpSpPr>
-        <p:cNvPr id="39" name="Shape 39"/>
+        <p:cNvPr id="1" name="Shape 39"/>
         <p:cNvGrpSpPr/>
         <p:nvPr/>
       </p:nvGrpSpPr>
@@ -5220,12 +5544,12 @@
           </a:ln>
         </p:spPr>
         <p:txBody>
-          <a:bodyPr anchorCtr="0" anchor="ctr" bIns="91425" lIns="91425" spcFirstLastPara="1" rIns="91425" wrap="square" tIns="91425">
+          <a:bodyPr spcFirstLastPara="1" wrap="square" lIns="91425" tIns="91425" rIns="91425" bIns="91425" anchor="ctr" anchorCtr="0">
             <a:noAutofit/>
           </a:bodyPr>
           <a:lstStyle/>
           <a:p>
-            <a:pPr indent="0" lvl="0" marL="0" rtl="0" algn="l">
+            <a:pPr marL="0" lvl="0" indent="0" algn="l" rtl="0">
               <a:spcBef>
                 <a:spcPts val="0"/>
               </a:spcBef>
@@ -5234,9 +5558,6 @@
               </a:spcAft>
               <a:buNone/>
             </a:pPr>
-            <a:r>
-              <a:t/>
-            </a:r>
             <a:endParaRPr/>
           </a:p>
         </p:txBody>
@@ -5256,21 +5577,23 @@
             <a:avLst/>
           </a:prstGeom>
           <a:noFill/>
-          <a:ln cap="flat" cmpd="sng" w="19050">
+          <a:ln w="19050" cap="flat" cmpd="sng">
             <a:solidFill>
               <a:schemeClr val="lt2"/>
             </a:solidFill>
             <a:prstDash val="solid"/>
             <a:round/>
-            <a:headEnd len="sm" w="sm" type="none"/>
-            <a:tailEnd len="sm" w="sm" type="none"/>
+            <a:headEnd type="none" w="sm" len="sm"/>
+            <a:tailEnd type="none" w="sm" len="sm"/>
           </a:ln>
         </p:spPr>
       </p:cxnSp>
       <p:sp>
         <p:nvSpPr>
           <p:cNvPr id="42" name="Google Shape;42;p9"/>
-          <p:cNvSpPr txBox="1"/>
+          <p:cNvSpPr txBox="1">
+            <a:spLocks noGrp="1"/>
+          </p:cNvSpPr>
           <p:nvPr>
             <p:ph type="title"/>
           </p:nvPr>
@@ -5285,7 +5608,7 @@
           </a:prstGeom>
         </p:spPr>
         <p:txBody>
-          <a:bodyPr anchorCtr="0" anchor="b" bIns="91425" lIns="91425" spcFirstLastPara="1" rIns="91425" wrap="square" tIns="91425"/>
+          <a:bodyPr spcFirstLastPara="1" wrap="square" lIns="91425" tIns="91425" rIns="91425" bIns="91425" anchor="b" anchorCtr="0"/>
           <a:lstStyle>
             <a:lvl1pPr lvl="0" algn="ctr">
               <a:spcBef>
@@ -5450,15 +5773,19 @@
               </a:defRPr>
             </a:lvl9pPr>
           </a:lstStyle>
-          <a:p/>
+          <a:p>
+            <a:endParaRPr/>
+          </a:p>
         </p:txBody>
       </p:sp>
       <p:sp>
         <p:nvSpPr>
           <p:cNvPr id="43" name="Google Shape;43;p9"/>
-          <p:cNvSpPr txBox="1"/>
+          <p:cNvSpPr txBox="1">
+            <a:spLocks noGrp="1"/>
+          </p:cNvSpPr>
           <p:nvPr>
-            <p:ph idx="1" type="subTitle"/>
+            <p:ph type="subTitle" idx="1"/>
           </p:nvPr>
         </p:nvSpPr>
         <p:spPr>
@@ -5471,7 +5798,7 @@
           </a:prstGeom>
         </p:spPr>
         <p:txBody>
-          <a:bodyPr anchorCtr="0" anchor="t" bIns="91425" lIns="91425" spcFirstLastPara="1" rIns="91425" wrap="square" tIns="91425"/>
+          <a:bodyPr spcFirstLastPara="1" wrap="square" lIns="91425" tIns="91425" rIns="91425" bIns="91425" anchor="t" anchorCtr="0"/>
           <a:lstStyle>
             <a:lvl1pPr lvl="0" algn="ctr">
               <a:lnSpc>
@@ -5600,15 +5927,19 @@
               <a:defRPr sz="2100"/>
             </a:lvl9pPr>
           </a:lstStyle>
-          <a:p/>
+          <a:p>
+            <a:endParaRPr/>
+          </a:p>
         </p:txBody>
       </p:sp>
       <p:sp>
         <p:nvSpPr>
           <p:cNvPr id="44" name="Google Shape;44;p9"/>
-          <p:cNvSpPr txBox="1"/>
+          <p:cNvSpPr txBox="1">
+            <a:spLocks noGrp="1"/>
+          </p:cNvSpPr>
           <p:nvPr>
-            <p:ph idx="2" type="body"/>
+            <p:ph type="body" idx="2"/>
           </p:nvPr>
         </p:nvSpPr>
         <p:spPr>
@@ -5621,9 +5952,9 @@
           </a:prstGeom>
         </p:spPr>
         <p:txBody>
-          <a:bodyPr anchorCtr="0" anchor="ctr" bIns="91425" lIns="91425" spcFirstLastPara="1" rIns="91425" wrap="square" tIns="91425"/>
+          <a:bodyPr spcFirstLastPara="1" wrap="square" lIns="91425" tIns="91425" rIns="91425" bIns="91425" anchor="ctr" anchorCtr="0"/>
           <a:lstStyle>
-            <a:lvl1pPr indent="-342900" lvl="0" marL="457200">
+            <a:lvl1pPr marL="457200" lvl="0" indent="-342900">
               <a:spcBef>
                 <a:spcPts val="0"/>
               </a:spcBef>
@@ -5641,7 +5972,7 @@
                 </a:solidFill>
               </a:defRPr>
             </a:lvl1pPr>
-            <a:lvl2pPr indent="-317500" lvl="1" marL="914400">
+            <a:lvl2pPr marL="914400" lvl="1" indent="-317500">
               <a:spcBef>
                 <a:spcPts val="1600"/>
               </a:spcBef>
@@ -5659,7 +5990,7 @@
                 </a:solidFill>
               </a:defRPr>
             </a:lvl2pPr>
-            <a:lvl3pPr indent="-317500" lvl="2" marL="1371600">
+            <a:lvl3pPr marL="1371600" lvl="2" indent="-317500">
               <a:spcBef>
                 <a:spcPts val="1600"/>
               </a:spcBef>
@@ -5677,7 +6008,7 @@
                 </a:solidFill>
               </a:defRPr>
             </a:lvl3pPr>
-            <a:lvl4pPr indent="-317500" lvl="3" marL="1828800">
+            <a:lvl4pPr marL="1828800" lvl="3" indent="-317500">
               <a:spcBef>
                 <a:spcPts val="1600"/>
               </a:spcBef>
@@ -5695,7 +6026,7 @@
                 </a:solidFill>
               </a:defRPr>
             </a:lvl4pPr>
-            <a:lvl5pPr indent="-317500" lvl="4" marL="2286000">
+            <a:lvl5pPr marL="2286000" lvl="4" indent="-317500">
               <a:spcBef>
                 <a:spcPts val="1600"/>
               </a:spcBef>
@@ -5713,7 +6044,7 @@
                 </a:solidFill>
               </a:defRPr>
             </a:lvl5pPr>
-            <a:lvl6pPr indent="-317500" lvl="5" marL="2743200">
+            <a:lvl6pPr marL="2743200" lvl="5" indent="-317500">
               <a:spcBef>
                 <a:spcPts val="1600"/>
               </a:spcBef>
@@ -5731,7 +6062,7 @@
                 </a:solidFill>
               </a:defRPr>
             </a:lvl6pPr>
-            <a:lvl7pPr indent="-317500" lvl="6" marL="3200400">
+            <a:lvl7pPr marL="3200400" lvl="6" indent="-317500">
               <a:spcBef>
                 <a:spcPts val="1600"/>
               </a:spcBef>
@@ -5749,7 +6080,7 @@
                 </a:solidFill>
               </a:defRPr>
             </a:lvl7pPr>
-            <a:lvl8pPr indent="-317500" lvl="7" marL="3657600">
+            <a:lvl8pPr marL="3657600" lvl="7" indent="-317500">
               <a:spcBef>
                 <a:spcPts val="1600"/>
               </a:spcBef>
@@ -5767,7 +6098,7 @@
                 </a:solidFill>
               </a:defRPr>
             </a:lvl8pPr>
-            <a:lvl9pPr indent="-317500" lvl="8" marL="4114800">
+            <a:lvl9pPr marL="4114800" lvl="8" indent="-317500">
               <a:spcBef>
                 <a:spcPts val="1600"/>
               </a:spcBef>
@@ -5786,15 +6117,19 @@
               </a:defRPr>
             </a:lvl9pPr>
           </a:lstStyle>
-          <a:p/>
+          <a:p>
+            <a:endParaRPr/>
+          </a:p>
         </p:txBody>
       </p:sp>
       <p:sp>
         <p:nvSpPr>
           <p:cNvPr id="45" name="Google Shape;45;p9"/>
-          <p:cNvSpPr txBox="1"/>
+          <p:cNvSpPr txBox="1">
+            <a:spLocks noGrp="1"/>
+          </p:cNvSpPr>
           <p:nvPr>
-            <p:ph idx="12" type="sldNum"/>
+            <p:ph type="sldNum" idx="12"/>
           </p:nvPr>
         </p:nvSpPr>
         <p:spPr>
@@ -5807,7 +6142,7 @@
           </a:prstGeom>
         </p:spPr>
         <p:txBody>
-          <a:bodyPr anchorCtr="0" anchor="ctr" bIns="91425" lIns="91425" spcFirstLastPara="1" rIns="91425" wrap="square" tIns="91425">
+          <a:bodyPr spcFirstLastPara="1" wrap="square" lIns="91425" tIns="91425" rIns="91425" bIns="91425" anchor="ctr" anchorCtr="0">
             <a:noAutofit/>
           </a:bodyPr>
           <a:lstStyle>
@@ -5885,7 +6220,7 @@
             </a:lvl9pPr>
           </a:lstStyle>
           <a:p>
-            <a:pPr indent="0" lvl="0" marL="0" rtl="0" algn="r">
+            <a:pPr marL="0" lvl="0" indent="0" algn="r" rtl="0">
               <a:spcBef>
                 <a:spcPts val="0"/>
               </a:spcBef>
@@ -5911,11 +6246,11 @@
 </file>
 
 <file path=ppt/slideLayouts/slideLayout9.xml><?xml version="1.0" encoding="utf-8"?>
-<p:sldLayout xmlns:a="http://schemas.openxmlformats.org/drawingml/2006/main" xmlns:r="http://schemas.openxmlformats.org/officeDocument/2006/relationships" xmlns:mc="http://schemas.openxmlformats.org/markup-compatibility/2006" xmlns:mv="urn:schemas-microsoft-com:mac:vml" xmlns:p="http://schemas.openxmlformats.org/presentationml/2006/main" xmlns:c="http://schemas.openxmlformats.org/drawingml/2006/chart" xmlns:dgm="http://schemas.openxmlformats.org/drawingml/2006/diagram" xmlns:o="urn:schemas-microsoft-com:office:office" xmlns:v="urn:schemas-microsoft-com:vml" xmlns:pvml="urn:schemas-microsoft-com:office:powerpoint" xmlns:com="http://schemas.openxmlformats.org/drawingml/2006/compatibility" xmlns:p14="http://schemas.microsoft.com/office/powerpoint/2010/main" xmlns:p15="http://schemas.microsoft.com/office/powerpoint/2012/main" matchingName="Caption">
+<p:sldLayout xmlns:a="http://schemas.openxmlformats.org/drawingml/2006/main" xmlns:r="http://schemas.openxmlformats.org/officeDocument/2006/relationships" xmlns:p="http://schemas.openxmlformats.org/presentationml/2006/main" matchingName="Caption">
   <p:cSld name="CAPTION_ONLY">
     <p:spTree>
       <p:nvGrpSpPr>
-        <p:cNvPr id="46" name="Shape 46"/>
+        <p:cNvPr id="1" name="Shape 46"/>
         <p:cNvGrpSpPr/>
         <p:nvPr/>
       </p:nvGrpSpPr>
@@ -5930,9 +6265,11 @@
       <p:sp>
         <p:nvSpPr>
           <p:cNvPr id="47" name="Google Shape;47;p10"/>
-          <p:cNvSpPr txBox="1"/>
+          <p:cNvSpPr txBox="1">
+            <a:spLocks noGrp="1"/>
+          </p:cNvSpPr>
           <p:nvPr>
-            <p:ph idx="1" type="body"/>
+            <p:ph type="body" idx="1"/>
           </p:nvPr>
         </p:nvSpPr>
         <p:spPr>
@@ -5945,9 +6282,9 @@
           </a:prstGeom>
         </p:spPr>
         <p:txBody>
-          <a:bodyPr anchorCtr="0" anchor="ctr" bIns="91425" lIns="91425" spcFirstLastPara="1" rIns="91425" wrap="square" tIns="91425"/>
+          <a:bodyPr spcFirstLastPara="1" wrap="square" lIns="91425" tIns="91425" rIns="91425" bIns="91425" anchor="ctr" anchorCtr="0"/>
           <a:lstStyle>
-            <a:lvl1pPr indent="-228600" lvl="0" marL="457200">
+            <a:lvl1pPr marL="457200" lvl="0" indent="-228600">
               <a:lnSpc>
                 <a:spcPct val="100000"/>
               </a:lnSpc>
@@ -5962,15 +6299,19 @@
               <a:defRPr/>
             </a:lvl1pPr>
           </a:lstStyle>
-          <a:p/>
+          <a:p>
+            <a:endParaRPr/>
+          </a:p>
         </p:txBody>
       </p:sp>
       <p:sp>
         <p:nvSpPr>
           <p:cNvPr id="48" name="Google Shape;48;p10"/>
-          <p:cNvSpPr txBox="1"/>
+          <p:cNvSpPr txBox="1">
+            <a:spLocks noGrp="1"/>
+          </p:cNvSpPr>
           <p:nvPr>
-            <p:ph idx="12" type="sldNum"/>
+            <p:ph type="sldNum" idx="12"/>
           </p:nvPr>
         </p:nvSpPr>
         <p:spPr>
@@ -5983,7 +6324,7 @@
           </a:prstGeom>
         </p:spPr>
         <p:txBody>
-          <a:bodyPr anchorCtr="0" anchor="ctr" bIns="91425" lIns="91425" spcFirstLastPara="1" rIns="91425" wrap="square" tIns="91425">
+          <a:bodyPr spcFirstLastPara="1" wrap="square" lIns="91425" tIns="91425" rIns="91425" bIns="91425" anchor="ctr" anchorCtr="0">
             <a:noAutofit/>
           </a:bodyPr>
           <a:lstStyle>
@@ -6025,7 +6366,7 @@
             </a:lvl9pPr>
           </a:lstStyle>
           <a:p>
-            <a:pPr indent="0" lvl="0" marL="0" rtl="0" algn="r">
+            <a:pPr marL="0" lvl="0" indent="0" algn="r" rtl="0">
               <a:spcBef>
                 <a:spcPts val="0"/>
               </a:spcBef>
@@ -6051,18 +6392,19 @@
 </file>
 
 <file path=ppt/slideMasters/slideMaster1.xml><?xml version="1.0" encoding="utf-8"?>
-<p:sldMaster xmlns:a="http://schemas.openxmlformats.org/drawingml/2006/main" xmlns:r="http://schemas.openxmlformats.org/officeDocument/2006/relationships" xmlns:mc="http://schemas.openxmlformats.org/markup-compatibility/2006" xmlns:mv="urn:schemas-microsoft-com:mac:vml" xmlns:p="http://schemas.openxmlformats.org/presentationml/2006/main" xmlns:c="http://schemas.openxmlformats.org/drawingml/2006/chart" xmlns:dgm="http://schemas.openxmlformats.org/drawingml/2006/diagram" xmlns:o="urn:schemas-microsoft-com:office:office" xmlns:v="urn:schemas-microsoft-com:vml" xmlns:pvml="urn:schemas-microsoft-com:office:powerpoint" xmlns:com="http://schemas.openxmlformats.org/drawingml/2006/compatibility" xmlns:p14="http://schemas.microsoft.com/office/powerpoint/2010/main" xmlns:p15="http://schemas.microsoft.com/office/powerpoint/2012/main">
+<p:sldMaster xmlns:a="http://schemas.openxmlformats.org/drawingml/2006/main" xmlns:r="http://schemas.openxmlformats.org/officeDocument/2006/relationships" xmlns:p="http://schemas.openxmlformats.org/presentationml/2006/main">
   <p:cSld name="paperback">
     <p:bg>
       <p:bgPr>
         <a:solidFill>
           <a:schemeClr val="accent1"/>
         </a:solidFill>
+        <a:effectLst/>
       </p:bgPr>
     </p:bg>
     <p:spTree>
       <p:nvGrpSpPr>
-        <p:cNvPr id="5" name="Shape 5"/>
+        <p:cNvPr id="1" name="Shape 5"/>
         <p:cNvGrpSpPr/>
         <p:nvPr/>
       </p:nvGrpSpPr>
@@ -6077,7 +6419,9 @@
       <p:sp>
         <p:nvSpPr>
           <p:cNvPr id="6" name="Google Shape;6;p1"/>
-          <p:cNvSpPr txBox="1"/>
+          <p:cNvSpPr txBox="1">
+            <a:spLocks noGrp="1"/>
+          </p:cNvSpPr>
           <p:nvPr>
             <p:ph type="title"/>
           </p:nvPr>
@@ -6096,7 +6440,7 @@
           </a:ln>
         </p:spPr>
         <p:txBody>
-          <a:bodyPr anchorCtr="0" anchor="t" bIns="91425" lIns="91425" spcFirstLastPara="1" rIns="91425" wrap="square" tIns="91425"/>
+          <a:bodyPr spcFirstLastPara="1" wrap="square" lIns="91425" tIns="91425" rIns="91425" bIns="91425" anchor="t" anchorCtr="0"/>
           <a:lstStyle>
             <a:lvl1pPr lvl="0">
               <a:spcBef>
@@ -6306,15 +6650,19 @@
               </a:defRPr>
             </a:lvl9pPr>
           </a:lstStyle>
-          <a:p/>
+          <a:p>
+            <a:endParaRPr/>
+          </a:p>
         </p:txBody>
       </p:sp>
       <p:sp>
         <p:nvSpPr>
           <p:cNvPr id="7" name="Google Shape;7;p1"/>
-          <p:cNvSpPr txBox="1"/>
+          <p:cNvSpPr txBox="1">
+            <a:spLocks noGrp="1"/>
+          </p:cNvSpPr>
           <p:nvPr>
-            <p:ph idx="1" type="body"/>
+            <p:ph type="body" idx="1"/>
           </p:nvPr>
         </p:nvSpPr>
         <p:spPr>
@@ -6331,9 +6679,9 @@
           </a:ln>
         </p:spPr>
         <p:txBody>
-          <a:bodyPr anchorCtr="0" anchor="t" bIns="91425" lIns="91425" spcFirstLastPara="1" rIns="91425" wrap="square" tIns="91425"/>
+          <a:bodyPr spcFirstLastPara="1" wrap="square" lIns="91425" tIns="91425" rIns="91425" bIns="91425" anchor="t" anchorCtr="0"/>
           <a:lstStyle>
-            <a:lvl1pPr indent="-342900" lvl="0" marL="457200">
+            <a:lvl1pPr marL="457200" lvl="0" indent="-342900">
               <a:lnSpc>
                 <a:spcPct val="115000"/>
               </a:lnSpc>
@@ -6359,7 +6707,7 @@
                 <a:sym typeface="Old Standard TT"/>
               </a:defRPr>
             </a:lvl1pPr>
-            <a:lvl2pPr indent="-317500" lvl="1" marL="914400">
+            <a:lvl2pPr marL="914400" lvl="1" indent="-317500">
               <a:lnSpc>
                 <a:spcPct val="115000"/>
               </a:lnSpc>
@@ -6385,7 +6733,7 @@
                 <a:sym typeface="Old Standard TT"/>
               </a:defRPr>
             </a:lvl2pPr>
-            <a:lvl3pPr indent="-317500" lvl="2" marL="1371600">
+            <a:lvl3pPr marL="1371600" lvl="2" indent="-317500">
               <a:lnSpc>
                 <a:spcPct val="115000"/>
               </a:lnSpc>
@@ -6411,7 +6759,7 @@
                 <a:sym typeface="Old Standard TT"/>
               </a:defRPr>
             </a:lvl3pPr>
-            <a:lvl4pPr indent="-317500" lvl="3" marL="1828800">
+            <a:lvl4pPr marL="1828800" lvl="3" indent="-317500">
               <a:lnSpc>
                 <a:spcPct val="115000"/>
               </a:lnSpc>
@@ -6437,7 +6785,7 @@
                 <a:sym typeface="Old Standard TT"/>
               </a:defRPr>
             </a:lvl4pPr>
-            <a:lvl5pPr indent="-317500" lvl="4" marL="2286000">
+            <a:lvl5pPr marL="2286000" lvl="4" indent="-317500">
               <a:lnSpc>
                 <a:spcPct val="115000"/>
               </a:lnSpc>
@@ -6463,7 +6811,7 @@
                 <a:sym typeface="Old Standard TT"/>
               </a:defRPr>
             </a:lvl5pPr>
-            <a:lvl6pPr indent="-317500" lvl="5" marL="2743200">
+            <a:lvl6pPr marL="2743200" lvl="5" indent="-317500">
               <a:lnSpc>
                 <a:spcPct val="115000"/>
               </a:lnSpc>
@@ -6489,7 +6837,7 @@
                 <a:sym typeface="Old Standard TT"/>
               </a:defRPr>
             </a:lvl6pPr>
-            <a:lvl7pPr indent="-317500" lvl="6" marL="3200400">
+            <a:lvl7pPr marL="3200400" lvl="6" indent="-317500">
               <a:lnSpc>
                 <a:spcPct val="115000"/>
               </a:lnSpc>
@@ -6515,7 +6863,7 @@
                 <a:sym typeface="Old Standard TT"/>
               </a:defRPr>
             </a:lvl7pPr>
-            <a:lvl8pPr indent="-317500" lvl="7" marL="3657600">
+            <a:lvl8pPr marL="3657600" lvl="7" indent="-317500">
               <a:lnSpc>
                 <a:spcPct val="115000"/>
               </a:lnSpc>
@@ -6541,7 +6889,7 @@
                 <a:sym typeface="Old Standard TT"/>
               </a:defRPr>
             </a:lvl8pPr>
-            <a:lvl9pPr indent="-317500" lvl="8" marL="4114800">
+            <a:lvl9pPr marL="4114800" lvl="8" indent="-317500">
               <a:lnSpc>
                 <a:spcPct val="115000"/>
               </a:lnSpc>
@@ -6568,15 +6916,19 @@
               </a:defRPr>
             </a:lvl9pPr>
           </a:lstStyle>
-          <a:p/>
+          <a:p>
+            <a:endParaRPr/>
+          </a:p>
         </p:txBody>
       </p:sp>
       <p:sp>
         <p:nvSpPr>
           <p:cNvPr id="8" name="Google Shape;8;p1"/>
-          <p:cNvSpPr txBox="1"/>
+          <p:cNvSpPr txBox="1">
+            <a:spLocks noGrp="1"/>
+          </p:cNvSpPr>
           <p:nvPr>
-            <p:ph idx="12" type="sldNum"/>
+            <p:ph type="sldNum" idx="12"/>
           </p:nvPr>
         </p:nvSpPr>
         <p:spPr>
@@ -6593,7 +6945,7 @@
           </a:ln>
         </p:spPr>
         <p:txBody>
-          <a:bodyPr anchorCtr="0" anchor="ctr" bIns="91425" lIns="91425" spcFirstLastPara="1" rIns="91425" wrap="square" tIns="91425">
+          <a:bodyPr spcFirstLastPara="1" wrap="square" lIns="91425" tIns="91425" rIns="91425" bIns="91425" anchor="ctr" anchorCtr="0">
             <a:noAutofit/>
           </a:bodyPr>
           <a:lstStyle>
@@ -6707,7 +7059,7 @@
             </a:lvl9pPr>
           </a:lstStyle>
           <a:p>
-            <a:pPr indent="0" lvl="0" marL="0" rtl="0" algn="r">
+            <a:pPr marL="0" lvl="0" indent="0" algn="r" rtl="0">
               <a:spcBef>
                 <a:spcPts val="0"/>
               </a:spcBef>
@@ -6726,7 +7078,7 @@
       </p:sp>
     </p:spTree>
   </p:cSld>
-  <p:clrMap accent1="accent1" accent2="accent2" accent3="accent3" accent4="accent4" accent5="accent5" accent6="accent6" bg1="lt1" bg2="dk2" tx1="dk1" tx2="lt2" folHlink="folHlink" hlink="hlink"/>
+  <p:clrMap bg1="lt1" tx1="dk1" bg2="dk2" tx2="lt2" accent1="accent1" accent2="accent2" accent3="accent3" accent4="accent4" accent5="accent5" accent6="accent6" hlink="hlink" folHlink="folHlink"/>
   <p:sldLayoutIdLst>
     <p:sldLayoutId id="2147483648" r:id="rId1"/>
     <p:sldLayoutId id="2147483649" r:id="rId2"/>
@@ -6740,10 +7092,10 @@
     <p:sldLayoutId id="2147483657" r:id="rId10"/>
     <p:sldLayoutId id="2147483658" r:id="rId11"/>
   </p:sldLayoutIdLst>
-  <p:hf dt="0" ftr="0" hdr="0" sldNum="0"/>
+  <p:hf sldNum="0" hdr="0" ftr="0" dt="0"/>
   <p:txStyles>
     <p:titleStyle>
-      <a:defPPr lvl="0" marR="0" rtl="0" algn="l">
+      <a:defPPr marR="0" lvl="0" algn="l" rtl="0">
         <a:lnSpc>
           <a:spcPct val="100000"/>
         </a:lnSpc>
@@ -6754,7 +7106,7 @@
           <a:spcPts val="0"/>
         </a:spcAft>
       </a:defPPr>
-      <a:lvl1pPr lvl="0" marR="0" rtl="0" algn="l">
+      <a:lvl1pPr marR="0" lvl="0" algn="l" rtl="0">
         <a:lnSpc>
           <a:spcPct val="100000"/>
         </a:lnSpc>
@@ -6768,7 +7120,7 @@
           <a:srgbClr val="000000"/>
         </a:buClr>
         <a:buFont typeface="Arial"/>
-        <a:defRPr b="0" i="0" sz="1400" u="none" cap="none" strike="noStrike">
+        <a:defRPr sz="1400" b="0" i="0" u="none" strike="noStrike" cap="none">
           <a:solidFill>
             <a:srgbClr val="000000"/>
           </a:solidFill>
@@ -6778,7 +7130,7 @@
           <a:sym typeface="Arial"/>
         </a:defRPr>
       </a:lvl1pPr>
-      <a:lvl2pPr lvl="1" marR="0" rtl="0" algn="l">
+      <a:lvl2pPr marR="0" lvl="1" algn="l" rtl="0">
         <a:lnSpc>
           <a:spcPct val="100000"/>
         </a:lnSpc>
@@ -6792,7 +7144,7 @@
           <a:srgbClr val="000000"/>
         </a:buClr>
         <a:buFont typeface="Arial"/>
-        <a:defRPr b="0" i="0" sz="1400" u="none" cap="none" strike="noStrike">
+        <a:defRPr sz="1400" b="0" i="0" u="none" strike="noStrike" cap="none">
           <a:solidFill>
             <a:srgbClr val="000000"/>
           </a:solidFill>
@@ -6802,7 +7154,7 @@
           <a:sym typeface="Arial"/>
         </a:defRPr>
       </a:lvl2pPr>
-      <a:lvl3pPr lvl="2" marR="0" rtl="0" algn="l">
+      <a:lvl3pPr marR="0" lvl="2" algn="l" rtl="0">
         <a:lnSpc>
           <a:spcPct val="100000"/>
         </a:lnSpc>
@@ -6816,7 +7168,7 @@
           <a:srgbClr val="000000"/>
         </a:buClr>
         <a:buFont typeface="Arial"/>
-        <a:defRPr b="0" i="0" sz="1400" u="none" cap="none" strike="noStrike">
+        <a:defRPr sz="1400" b="0" i="0" u="none" strike="noStrike" cap="none">
           <a:solidFill>
             <a:srgbClr val="000000"/>
           </a:solidFill>
@@ -6826,7 +7178,7 @@
           <a:sym typeface="Arial"/>
         </a:defRPr>
       </a:lvl3pPr>
-      <a:lvl4pPr lvl="3" marR="0" rtl="0" algn="l">
+      <a:lvl4pPr marR="0" lvl="3" algn="l" rtl="0">
         <a:lnSpc>
           <a:spcPct val="100000"/>
         </a:lnSpc>
@@ -6840,7 +7192,7 @@
           <a:srgbClr val="000000"/>
         </a:buClr>
         <a:buFont typeface="Arial"/>
-        <a:defRPr b="0" i="0" sz="1400" u="none" cap="none" strike="noStrike">
+        <a:defRPr sz="1400" b="0" i="0" u="none" strike="noStrike" cap="none">
           <a:solidFill>
             <a:srgbClr val="000000"/>
           </a:solidFill>
@@ -6850,7 +7202,7 @@
           <a:sym typeface="Arial"/>
         </a:defRPr>
       </a:lvl4pPr>
-      <a:lvl5pPr lvl="4" marR="0" rtl="0" algn="l">
+      <a:lvl5pPr marR="0" lvl="4" algn="l" rtl="0">
         <a:lnSpc>
           <a:spcPct val="100000"/>
         </a:lnSpc>
@@ -6864,7 +7216,7 @@
           <a:srgbClr val="000000"/>
         </a:buClr>
         <a:buFont typeface="Arial"/>
-        <a:defRPr b="0" i="0" sz="1400" u="none" cap="none" strike="noStrike">
+        <a:defRPr sz="1400" b="0" i="0" u="none" strike="noStrike" cap="none">
           <a:solidFill>
             <a:srgbClr val="000000"/>
           </a:solidFill>
@@ -6874,7 +7226,7 @@
           <a:sym typeface="Arial"/>
         </a:defRPr>
       </a:lvl5pPr>
-      <a:lvl6pPr lvl="5" marR="0" rtl="0" algn="l">
+      <a:lvl6pPr marR="0" lvl="5" algn="l" rtl="0">
         <a:lnSpc>
           <a:spcPct val="100000"/>
         </a:lnSpc>
@@ -6888,7 +7240,7 @@
           <a:srgbClr val="000000"/>
         </a:buClr>
         <a:buFont typeface="Arial"/>
-        <a:defRPr b="0" i="0" sz="1400" u="none" cap="none" strike="noStrike">
+        <a:defRPr sz="1400" b="0" i="0" u="none" strike="noStrike" cap="none">
           <a:solidFill>
             <a:srgbClr val="000000"/>
           </a:solidFill>
@@ -6898,7 +7250,7 @@
           <a:sym typeface="Arial"/>
         </a:defRPr>
       </a:lvl6pPr>
-      <a:lvl7pPr lvl="6" marR="0" rtl="0" algn="l">
+      <a:lvl7pPr marR="0" lvl="6" algn="l" rtl="0">
         <a:lnSpc>
           <a:spcPct val="100000"/>
         </a:lnSpc>
@@ -6912,7 +7264,7 @@
           <a:srgbClr val="000000"/>
         </a:buClr>
         <a:buFont typeface="Arial"/>
-        <a:defRPr b="0" i="0" sz="1400" u="none" cap="none" strike="noStrike">
+        <a:defRPr sz="1400" b="0" i="0" u="none" strike="noStrike" cap="none">
           <a:solidFill>
             <a:srgbClr val="000000"/>
           </a:solidFill>
@@ -6922,7 +7274,7 @@
           <a:sym typeface="Arial"/>
         </a:defRPr>
       </a:lvl7pPr>
-      <a:lvl8pPr lvl="7" marR="0" rtl="0" algn="l">
+      <a:lvl8pPr marR="0" lvl="7" algn="l" rtl="0">
         <a:lnSpc>
           <a:spcPct val="100000"/>
         </a:lnSpc>
@@ -6936,7 +7288,7 @@
           <a:srgbClr val="000000"/>
         </a:buClr>
         <a:buFont typeface="Arial"/>
-        <a:defRPr b="0" i="0" sz="1400" u="none" cap="none" strike="noStrike">
+        <a:defRPr sz="1400" b="0" i="0" u="none" strike="noStrike" cap="none">
           <a:solidFill>
             <a:srgbClr val="000000"/>
           </a:solidFill>
@@ -6946,7 +7298,7 @@
           <a:sym typeface="Arial"/>
         </a:defRPr>
       </a:lvl8pPr>
-      <a:lvl9pPr lvl="8" marR="0" rtl="0" algn="l">
+      <a:lvl9pPr marR="0" lvl="8" algn="l" rtl="0">
         <a:lnSpc>
           <a:spcPct val="100000"/>
         </a:lnSpc>
@@ -6960,7 +7312,7 @@
           <a:srgbClr val="000000"/>
         </a:buClr>
         <a:buFont typeface="Arial"/>
-        <a:defRPr b="0" i="0" sz="1400" u="none" cap="none" strike="noStrike">
+        <a:defRPr sz="1400" b="0" i="0" u="none" strike="noStrike" cap="none">
           <a:solidFill>
             <a:srgbClr val="000000"/>
           </a:solidFill>
@@ -6972,7 +7324,7 @@
       </a:lvl9pPr>
     </p:titleStyle>
     <p:bodyStyle>
-      <a:defPPr lvl="0" marR="0" rtl="0" algn="l">
+      <a:defPPr marR="0" lvl="0" algn="l" rtl="0">
         <a:lnSpc>
           <a:spcPct val="100000"/>
         </a:lnSpc>
@@ -6983,7 +7335,7 @@
           <a:spcPts val="0"/>
         </a:spcAft>
       </a:defPPr>
-      <a:lvl1pPr lvl="0" marR="0" rtl="0" algn="l">
+      <a:lvl1pPr marR="0" lvl="0" algn="l" rtl="0">
         <a:lnSpc>
           <a:spcPct val="100000"/>
         </a:lnSpc>
@@ -6997,7 +7349,7 @@
           <a:srgbClr val="000000"/>
         </a:buClr>
         <a:buFont typeface="Arial"/>
-        <a:defRPr b="0" i="0" sz="1400" u="none" cap="none" strike="noStrike">
+        <a:defRPr sz="1400" b="0" i="0" u="none" strike="noStrike" cap="none">
           <a:solidFill>
             <a:srgbClr val="000000"/>
           </a:solidFill>
@@ -7007,7 +7359,7 @@
           <a:sym typeface="Arial"/>
         </a:defRPr>
       </a:lvl1pPr>
-      <a:lvl2pPr lvl="1" marR="0" rtl="0" algn="l">
+      <a:lvl2pPr marR="0" lvl="1" algn="l" rtl="0">
         <a:lnSpc>
           <a:spcPct val="100000"/>
         </a:lnSpc>
@@ -7021,7 +7373,7 @@
           <a:srgbClr val="000000"/>
         </a:buClr>
         <a:buFont typeface="Arial"/>
-        <a:defRPr b="0" i="0" sz="1400" u="none" cap="none" strike="noStrike">
+        <a:defRPr sz="1400" b="0" i="0" u="none" strike="noStrike" cap="none">
           <a:solidFill>
             <a:srgbClr val="000000"/>
           </a:solidFill>
@@ -7031,7 +7383,7 @@
           <a:sym typeface="Arial"/>
         </a:defRPr>
       </a:lvl2pPr>
-      <a:lvl3pPr lvl="2" marR="0" rtl="0" algn="l">
+      <a:lvl3pPr marR="0" lvl="2" algn="l" rtl="0">
         <a:lnSpc>
           <a:spcPct val="100000"/>
         </a:lnSpc>
@@ -7045,7 +7397,7 @@
           <a:srgbClr val="000000"/>
         </a:buClr>
         <a:buFont typeface="Arial"/>
-        <a:defRPr b="0" i="0" sz="1400" u="none" cap="none" strike="noStrike">
+        <a:defRPr sz="1400" b="0" i="0" u="none" strike="noStrike" cap="none">
           <a:solidFill>
             <a:srgbClr val="000000"/>
           </a:solidFill>
@@ -7055,7 +7407,7 @@
           <a:sym typeface="Arial"/>
         </a:defRPr>
       </a:lvl3pPr>
-      <a:lvl4pPr lvl="3" marR="0" rtl="0" algn="l">
+      <a:lvl4pPr marR="0" lvl="3" algn="l" rtl="0">
         <a:lnSpc>
           <a:spcPct val="100000"/>
         </a:lnSpc>
@@ -7069,7 +7421,7 @@
           <a:srgbClr val="000000"/>
         </a:buClr>
         <a:buFont typeface="Arial"/>
-        <a:defRPr b="0" i="0" sz="1400" u="none" cap="none" strike="noStrike">
+        <a:defRPr sz="1400" b="0" i="0" u="none" strike="noStrike" cap="none">
           <a:solidFill>
             <a:srgbClr val="000000"/>
           </a:solidFill>
@@ -7079,7 +7431,7 @@
           <a:sym typeface="Arial"/>
         </a:defRPr>
       </a:lvl4pPr>
-      <a:lvl5pPr lvl="4" marR="0" rtl="0" algn="l">
+      <a:lvl5pPr marR="0" lvl="4" algn="l" rtl="0">
         <a:lnSpc>
           <a:spcPct val="100000"/>
         </a:lnSpc>
@@ -7093,7 +7445,7 @@
           <a:srgbClr val="000000"/>
         </a:buClr>
         <a:buFont typeface="Arial"/>
-        <a:defRPr b="0" i="0" sz="1400" u="none" cap="none" strike="noStrike">
+        <a:defRPr sz="1400" b="0" i="0" u="none" strike="noStrike" cap="none">
           <a:solidFill>
             <a:srgbClr val="000000"/>
           </a:solidFill>
@@ -7103,7 +7455,7 @@
           <a:sym typeface="Arial"/>
         </a:defRPr>
       </a:lvl5pPr>
-      <a:lvl6pPr lvl="5" marR="0" rtl="0" algn="l">
+      <a:lvl6pPr marR="0" lvl="5" algn="l" rtl="0">
         <a:lnSpc>
           <a:spcPct val="100000"/>
         </a:lnSpc>
@@ -7117,7 +7469,7 @@
           <a:srgbClr val="000000"/>
         </a:buClr>
         <a:buFont typeface="Arial"/>
-        <a:defRPr b="0" i="0" sz="1400" u="none" cap="none" strike="noStrike">
+        <a:defRPr sz="1400" b="0" i="0" u="none" strike="noStrike" cap="none">
           <a:solidFill>
             <a:srgbClr val="000000"/>
           </a:solidFill>
@@ -7127,7 +7479,7 @@
           <a:sym typeface="Arial"/>
         </a:defRPr>
       </a:lvl6pPr>
-      <a:lvl7pPr lvl="6" marR="0" rtl="0" algn="l">
+      <a:lvl7pPr marR="0" lvl="6" algn="l" rtl="0">
         <a:lnSpc>
           <a:spcPct val="100000"/>
         </a:lnSpc>
@@ -7141,7 +7493,7 @@
           <a:srgbClr val="000000"/>
         </a:buClr>
         <a:buFont typeface="Arial"/>
-        <a:defRPr b="0" i="0" sz="1400" u="none" cap="none" strike="noStrike">
+        <a:defRPr sz="1400" b="0" i="0" u="none" strike="noStrike" cap="none">
           <a:solidFill>
             <a:srgbClr val="000000"/>
           </a:solidFill>
@@ -7151,7 +7503,7 @@
           <a:sym typeface="Arial"/>
         </a:defRPr>
       </a:lvl7pPr>
-      <a:lvl8pPr lvl="7" marR="0" rtl="0" algn="l">
+      <a:lvl8pPr marR="0" lvl="7" algn="l" rtl="0">
         <a:lnSpc>
           <a:spcPct val="100000"/>
         </a:lnSpc>
@@ -7165,7 +7517,7 @@
           <a:srgbClr val="000000"/>
         </a:buClr>
         <a:buFont typeface="Arial"/>
-        <a:defRPr b="0" i="0" sz="1400" u="none" cap="none" strike="noStrike">
+        <a:defRPr sz="1400" b="0" i="0" u="none" strike="noStrike" cap="none">
           <a:solidFill>
             <a:srgbClr val="000000"/>
           </a:solidFill>
@@ -7175,7 +7527,7 @@
           <a:sym typeface="Arial"/>
         </a:defRPr>
       </a:lvl8pPr>
-      <a:lvl9pPr lvl="8" marR="0" rtl="0" algn="l">
+      <a:lvl9pPr marR="0" lvl="8" algn="l" rtl="0">
         <a:lnSpc>
           <a:spcPct val="100000"/>
         </a:lnSpc>
@@ -7189,7 +7541,7 @@
           <a:srgbClr val="000000"/>
         </a:buClr>
         <a:buFont typeface="Arial"/>
-        <a:defRPr b="0" i="0" sz="1400" u="none" cap="none" strike="noStrike">
+        <a:defRPr sz="1400" b="0" i="0" u="none" strike="noStrike" cap="none">
           <a:solidFill>
             <a:srgbClr val="000000"/>
           </a:solidFill>
@@ -7201,7 +7553,7 @@
       </a:lvl9pPr>
     </p:bodyStyle>
     <p:otherStyle>
-      <a:defPPr lvl="0" marR="0" rtl="0" algn="l">
+      <a:defPPr marR="0" lvl="0" algn="l" rtl="0">
         <a:lnSpc>
           <a:spcPct val="100000"/>
         </a:lnSpc>
@@ -7212,7 +7564,7 @@
           <a:spcPts val="0"/>
         </a:spcAft>
       </a:defPPr>
-      <a:lvl1pPr lvl="0" marR="0" rtl="0" algn="l">
+      <a:lvl1pPr marR="0" lvl="0" algn="l" rtl="0">
         <a:lnSpc>
           <a:spcPct val="100000"/>
         </a:lnSpc>
@@ -7226,7 +7578,7 @@
           <a:srgbClr val="000000"/>
         </a:buClr>
         <a:buFont typeface="Arial"/>
-        <a:defRPr b="0" i="0" sz="1400" u="none" cap="none" strike="noStrike">
+        <a:defRPr sz="1400" b="0" i="0" u="none" strike="noStrike" cap="none">
           <a:solidFill>
             <a:srgbClr val="000000"/>
           </a:solidFill>
@@ -7236,7 +7588,7 @@
           <a:sym typeface="Arial"/>
         </a:defRPr>
       </a:lvl1pPr>
-      <a:lvl2pPr lvl="1" marR="0" rtl="0" algn="l">
+      <a:lvl2pPr marR="0" lvl="1" algn="l" rtl="0">
         <a:lnSpc>
           <a:spcPct val="100000"/>
         </a:lnSpc>
@@ -7250,7 +7602,7 @@
           <a:srgbClr val="000000"/>
         </a:buClr>
         <a:buFont typeface="Arial"/>
-        <a:defRPr b="0" i="0" sz="1400" u="none" cap="none" strike="noStrike">
+        <a:defRPr sz="1400" b="0" i="0" u="none" strike="noStrike" cap="none">
           <a:solidFill>
             <a:srgbClr val="000000"/>
           </a:solidFill>
@@ -7260,7 +7612,7 @@
           <a:sym typeface="Arial"/>
         </a:defRPr>
       </a:lvl2pPr>
-      <a:lvl3pPr lvl="2" marR="0" rtl="0" algn="l">
+      <a:lvl3pPr marR="0" lvl="2" algn="l" rtl="0">
         <a:lnSpc>
           <a:spcPct val="100000"/>
         </a:lnSpc>
@@ -7274,7 +7626,7 @@
           <a:srgbClr val="000000"/>
         </a:buClr>
         <a:buFont typeface="Arial"/>
-        <a:defRPr b="0" i="0" sz="1400" u="none" cap="none" strike="noStrike">
+        <a:defRPr sz="1400" b="0" i="0" u="none" strike="noStrike" cap="none">
           <a:solidFill>
             <a:srgbClr val="000000"/>
           </a:solidFill>
@@ -7284,7 +7636,7 @@
           <a:sym typeface="Arial"/>
         </a:defRPr>
       </a:lvl3pPr>
-      <a:lvl4pPr lvl="3" marR="0" rtl="0" algn="l">
+      <a:lvl4pPr marR="0" lvl="3" algn="l" rtl="0">
         <a:lnSpc>
           <a:spcPct val="100000"/>
         </a:lnSpc>
@@ -7298,7 +7650,7 @@
           <a:srgbClr val="000000"/>
         </a:buClr>
         <a:buFont typeface="Arial"/>
-        <a:defRPr b="0" i="0" sz="1400" u="none" cap="none" strike="noStrike">
+        <a:defRPr sz="1400" b="0" i="0" u="none" strike="noStrike" cap="none">
           <a:solidFill>
             <a:srgbClr val="000000"/>
           </a:solidFill>
@@ -7308,7 +7660,7 @@
           <a:sym typeface="Arial"/>
         </a:defRPr>
       </a:lvl4pPr>
-      <a:lvl5pPr lvl="4" marR="0" rtl="0" algn="l">
+      <a:lvl5pPr marR="0" lvl="4" algn="l" rtl="0">
         <a:lnSpc>
           <a:spcPct val="100000"/>
         </a:lnSpc>
@@ -7322,7 +7674,7 @@
           <a:srgbClr val="000000"/>
         </a:buClr>
         <a:buFont typeface="Arial"/>
-        <a:defRPr b="0" i="0" sz="1400" u="none" cap="none" strike="noStrike">
+        <a:defRPr sz="1400" b="0" i="0" u="none" strike="noStrike" cap="none">
           <a:solidFill>
             <a:srgbClr val="000000"/>
           </a:solidFill>
@@ -7332,7 +7684,7 @@
           <a:sym typeface="Arial"/>
         </a:defRPr>
       </a:lvl5pPr>
-      <a:lvl6pPr lvl="5" marR="0" rtl="0" algn="l">
+      <a:lvl6pPr marR="0" lvl="5" algn="l" rtl="0">
         <a:lnSpc>
           <a:spcPct val="100000"/>
         </a:lnSpc>
@@ -7346,7 +7698,7 @@
           <a:srgbClr val="000000"/>
         </a:buClr>
         <a:buFont typeface="Arial"/>
-        <a:defRPr b="0" i="0" sz="1400" u="none" cap="none" strike="noStrike">
+        <a:defRPr sz="1400" b="0" i="0" u="none" strike="noStrike" cap="none">
           <a:solidFill>
             <a:srgbClr val="000000"/>
           </a:solidFill>
@@ -7356,7 +7708,7 @@
           <a:sym typeface="Arial"/>
         </a:defRPr>
       </a:lvl6pPr>
-      <a:lvl7pPr lvl="6" marR="0" rtl="0" algn="l">
+      <a:lvl7pPr marR="0" lvl="6" algn="l" rtl="0">
         <a:lnSpc>
           <a:spcPct val="100000"/>
         </a:lnSpc>
@@ -7370,7 +7722,7 @@
           <a:srgbClr val="000000"/>
         </a:buClr>
         <a:buFont typeface="Arial"/>
-        <a:defRPr b="0" i="0" sz="1400" u="none" cap="none" strike="noStrike">
+        <a:defRPr sz="1400" b="0" i="0" u="none" strike="noStrike" cap="none">
           <a:solidFill>
             <a:srgbClr val="000000"/>
           </a:solidFill>
@@ -7380,7 +7732,7 @@
           <a:sym typeface="Arial"/>
         </a:defRPr>
       </a:lvl7pPr>
-      <a:lvl8pPr lvl="7" marR="0" rtl="0" algn="l">
+      <a:lvl8pPr marR="0" lvl="7" algn="l" rtl="0">
         <a:lnSpc>
           <a:spcPct val="100000"/>
         </a:lnSpc>
@@ -7394,7 +7746,7 @@
           <a:srgbClr val="000000"/>
         </a:buClr>
         <a:buFont typeface="Arial"/>
-        <a:defRPr b="0" i="0" sz="1400" u="none" cap="none" strike="noStrike">
+        <a:defRPr sz="1400" b="0" i="0" u="none" strike="noStrike" cap="none">
           <a:solidFill>
             <a:srgbClr val="000000"/>
           </a:solidFill>
@@ -7404,7 +7756,7 @@
           <a:sym typeface="Arial"/>
         </a:defRPr>
       </a:lvl8pPr>
-      <a:lvl9pPr lvl="8" marR="0" rtl="0" algn="l">
+      <a:lvl9pPr marR="0" lvl="8" algn="l" rtl="0">
         <a:lnSpc>
           <a:spcPct val="100000"/>
         </a:lnSpc>
@@ -7418,7 +7770,7 @@
           <a:srgbClr val="000000"/>
         </a:buClr>
         <a:buFont typeface="Arial"/>
-        <a:defRPr b="0" i="0" sz="1400" u="none" cap="none" strike="noStrike">
+        <a:defRPr sz="1400" b="0" i="0" u="none" strike="noStrike" cap="none">
           <a:solidFill>
             <a:srgbClr val="000000"/>
           </a:solidFill>
@@ -7434,11 +7786,11 @@
 </file>
 
 <file path=ppt/slides/slide1.xml><?xml version="1.0" encoding="utf-8"?>
-<p:sld xmlns:a="http://schemas.openxmlformats.org/drawingml/2006/main" xmlns:r="http://schemas.openxmlformats.org/officeDocument/2006/relationships" xmlns:mc="http://schemas.openxmlformats.org/markup-compatibility/2006" xmlns:mv="urn:schemas-microsoft-com:mac:vml" xmlns:p="http://schemas.openxmlformats.org/presentationml/2006/main" xmlns:c="http://schemas.openxmlformats.org/drawingml/2006/chart" xmlns:dgm="http://schemas.openxmlformats.org/drawingml/2006/diagram" xmlns:o="urn:schemas-microsoft-com:office:office" xmlns:v="urn:schemas-microsoft-com:vml" xmlns:pvml="urn:schemas-microsoft-com:office:powerpoint" xmlns:com="http://schemas.openxmlformats.org/drawingml/2006/compatibility" xmlns:p14="http://schemas.microsoft.com/office/powerpoint/2010/main" xmlns:p15="http://schemas.microsoft.com/office/powerpoint/2012/main">
+<p:sld xmlns:a="http://schemas.openxmlformats.org/drawingml/2006/main" xmlns:r="http://schemas.openxmlformats.org/officeDocument/2006/relationships" xmlns:p="http://schemas.openxmlformats.org/presentationml/2006/main">
   <p:cSld>
     <p:spTree>
       <p:nvGrpSpPr>
-        <p:cNvPr id="58" name="Shape 58"/>
+        <p:cNvPr id="1" name="Shape 58"/>
         <p:cNvGrpSpPr/>
         <p:nvPr/>
       </p:nvGrpSpPr>
@@ -7453,7 +7805,9 @@
       <p:sp>
         <p:nvSpPr>
           <p:cNvPr id="59" name="Google Shape;59;p13"/>
-          <p:cNvSpPr txBox="1"/>
+          <p:cNvSpPr txBox="1">
+            <a:spLocks noGrp="1"/>
+          </p:cNvSpPr>
           <p:nvPr>
             <p:ph type="ctrTitle"/>
           </p:nvPr>
@@ -7471,12 +7825,12 @@
           </a:solidFill>
         </p:spPr>
         <p:txBody>
-          <a:bodyPr anchorCtr="0" anchor="b" bIns="91425" lIns="91425" spcFirstLastPara="1" rIns="91425" wrap="square" tIns="91425">
+          <a:bodyPr spcFirstLastPara="1" wrap="square" lIns="91425" tIns="91425" rIns="91425" bIns="91425" anchor="b" anchorCtr="0">
             <a:noAutofit/>
           </a:bodyPr>
           <a:lstStyle/>
           <a:p>
-            <a:pPr indent="0" lvl="0" marL="0" rtl="0" algn="l">
+            <a:pPr marL="0" lvl="0" indent="0" algn="l" rtl="0">
               <a:spcBef>
                 <a:spcPts val="0"/>
               </a:spcBef>
@@ -7502,7 +7856,7 @@
             </a:endParaRPr>
           </a:p>
           <a:p>
-            <a:pPr indent="0" lvl="0" marL="0" rtl="0" algn="l">
+            <a:pPr marL="0" lvl="0" indent="0" algn="l" rtl="0">
               <a:spcBef>
                 <a:spcPts val="0"/>
               </a:spcBef>
@@ -7518,7 +7872,7 @@
             <a:endParaRPr/>
           </a:p>
           <a:p>
-            <a:pPr indent="0" lvl="0" marL="0" rtl="0" algn="l">
+            <a:pPr marL="0" lvl="0" indent="0" algn="l" rtl="0">
               <a:spcBef>
                 <a:spcPts val="0"/>
               </a:spcBef>
@@ -7528,7 +7882,7 @@
               <a:buNone/>
             </a:pPr>
             <a:r>
-              <a:rPr b="1" lang="en" sz="3600">
+              <a:rPr lang="en" sz="3600" b="1">
                 <a:solidFill>
                   <a:srgbClr val="FFFFFF"/>
                 </a:solidFill>
@@ -7539,7 +7893,7 @@
               </a:rPr>
               <a:t>Post Processing in </a:t>
             </a:r>
-            <a:endParaRPr b="1" sz="3600">
+            <a:endParaRPr sz="3600" b="1">
               <a:solidFill>
                 <a:srgbClr val="FFFFFF"/>
               </a:solidFill>
@@ -7550,7 +7904,7 @@
             </a:endParaRPr>
           </a:p>
           <a:p>
-            <a:pPr indent="0" lvl="0" marL="0" rtl="0" algn="l">
+            <a:pPr marL="0" lvl="0" indent="0" algn="l" rtl="0">
               <a:spcBef>
                 <a:spcPts val="0"/>
               </a:spcBef>
@@ -7560,7 +7914,7 @@
               <a:buNone/>
             </a:pPr>
             <a:r>
-              <a:rPr b="1" lang="en" sz="3600">
+              <a:rPr lang="en" sz="3600" b="1">
                 <a:solidFill>
                   <a:srgbClr val="FFFFFF"/>
                 </a:solidFill>
@@ -7578,9 +7932,11 @@
       <p:sp>
         <p:nvSpPr>
           <p:cNvPr id="60" name="Google Shape;60;p13"/>
-          <p:cNvSpPr txBox="1"/>
+          <p:cNvSpPr txBox="1">
+            <a:spLocks noGrp="1"/>
+          </p:cNvSpPr>
           <p:nvPr>
-            <p:ph idx="1" type="subTitle"/>
+            <p:ph type="subTitle" idx="1"/>
           </p:nvPr>
         </p:nvSpPr>
         <p:spPr>
@@ -7593,12 +7949,12 @@
           </a:prstGeom>
         </p:spPr>
         <p:txBody>
-          <a:bodyPr anchorCtr="0" anchor="t" bIns="91425" lIns="91425" spcFirstLastPara="1" rIns="91425" wrap="square" tIns="91425">
+          <a:bodyPr spcFirstLastPara="1" wrap="square" lIns="91425" tIns="91425" rIns="91425" bIns="91425" anchor="t" anchorCtr="0">
             <a:noAutofit/>
           </a:bodyPr>
           <a:lstStyle/>
           <a:p>
-            <a:pPr indent="0" lvl="0" marL="0" rtl="0" algn="l">
+            <a:pPr marL="0" lvl="0" indent="0" algn="l" rtl="0">
               <a:spcBef>
                 <a:spcPts val="0"/>
               </a:spcBef>
@@ -7644,18 +8000,469 @@
 </file>
 
 <file path=ppt/slides/slide10.xml><?xml version="1.0" encoding="utf-8"?>
-<p:sld xmlns:a="http://schemas.openxmlformats.org/drawingml/2006/main" xmlns:r="http://schemas.openxmlformats.org/officeDocument/2006/relationships" xmlns:mc="http://schemas.openxmlformats.org/markup-compatibility/2006" xmlns:mv="urn:schemas-microsoft-com:mac:vml" xmlns:p="http://schemas.openxmlformats.org/presentationml/2006/main" xmlns:c="http://schemas.openxmlformats.org/drawingml/2006/chart" xmlns:dgm="http://schemas.openxmlformats.org/drawingml/2006/diagram" xmlns:o="urn:schemas-microsoft-com:office:office" xmlns:v="urn:schemas-microsoft-com:vml" xmlns:pvml="urn:schemas-microsoft-com:office:powerpoint" xmlns:com="http://schemas.openxmlformats.org/drawingml/2006/compatibility" xmlns:p14="http://schemas.microsoft.com/office/powerpoint/2010/main" xmlns:p15="http://schemas.microsoft.com/office/powerpoint/2012/main">
+<p:sld xmlns:a="http://schemas.openxmlformats.org/drawingml/2006/main" xmlns:r="http://schemas.openxmlformats.org/officeDocument/2006/relationships" xmlns:p="http://schemas.openxmlformats.org/presentationml/2006/main">
   <p:cSld>
     <p:bg>
       <p:bgPr>
         <a:solidFill>
           <a:srgbClr val="000000"/>
         </a:solidFill>
+        <a:effectLst/>
       </p:bgPr>
     </p:bg>
     <p:spTree>
       <p:nvGrpSpPr>
-        <p:cNvPr id="114" name="Shape 114"/>
+        <p:cNvPr id="1" name="Shape 101"/>
+        <p:cNvGrpSpPr/>
+        <p:nvPr/>
+      </p:nvGrpSpPr>
+      <p:grpSpPr>
+        <a:xfrm>
+          <a:off x="0" y="0"/>
+          <a:ext cx="0" cy="0"/>
+          <a:chOff x="0" y="0"/>
+          <a:chExt cx="0" cy="0"/>
+        </a:xfrm>
+      </p:grpSpPr>
+      <p:sp>
+        <p:nvSpPr>
+          <p:cNvPr id="102" name="Google Shape;102;p20"/>
+          <p:cNvSpPr txBox="1">
+            <a:spLocks noGrp="1"/>
+          </p:cNvSpPr>
+          <p:nvPr>
+            <p:ph type="title"/>
+          </p:nvPr>
+        </p:nvSpPr>
+        <p:spPr>
+          <a:xfrm>
+            <a:off x="311700" y="445025"/>
+            <a:ext cx="8520600" cy="613200"/>
+          </a:xfrm>
+          <a:prstGeom prst="rect">
+            <a:avLst/>
+          </a:prstGeom>
+        </p:spPr>
+        <p:txBody>
+          <a:bodyPr spcFirstLastPara="1" wrap="square" lIns="91425" tIns="91425" rIns="91425" bIns="91425" anchor="t" anchorCtr="0">
+            <a:noAutofit/>
+          </a:bodyPr>
+          <a:lstStyle/>
+          <a:p>
+            <a:pPr marL="0" lvl="0" indent="0" algn="l" rtl="0">
+              <a:spcBef>
+                <a:spcPts val="0"/>
+              </a:spcBef>
+              <a:spcAft>
+                <a:spcPts val="0"/>
+              </a:spcAft>
+              <a:buNone/>
+            </a:pPr>
+            <a:r>
+              <a:rPr lang="en">
+                <a:solidFill>
+                  <a:schemeClr val="accent1"/>
+                </a:solidFill>
+              </a:rPr>
+              <a:t>Error Correction: Probability Scoring</a:t>
+            </a:r>
+            <a:endParaRPr>
+              <a:solidFill>
+                <a:schemeClr val="accent1"/>
+              </a:solidFill>
+            </a:endParaRPr>
+          </a:p>
+        </p:txBody>
+      </p:sp>
+      <p:sp>
+        <p:nvSpPr>
+          <p:cNvPr id="103" name="Google Shape;103;p20"/>
+          <p:cNvSpPr txBox="1">
+            <a:spLocks noGrp="1"/>
+          </p:cNvSpPr>
+          <p:nvPr>
+            <p:ph type="body" idx="1"/>
+          </p:nvPr>
+        </p:nvSpPr>
+        <p:spPr>
+          <a:xfrm>
+            <a:off x="311700" y="1171600"/>
+            <a:ext cx="8520600" cy="3397200"/>
+          </a:xfrm>
+          <a:prstGeom prst="rect">
+            <a:avLst/>
+          </a:prstGeom>
+        </p:spPr>
+        <p:txBody>
+          <a:bodyPr spcFirstLastPara="1" wrap="square" lIns="91425" tIns="91425" rIns="91425" bIns="91425" anchor="t" anchorCtr="0">
+            <a:noAutofit/>
+          </a:bodyPr>
+          <a:lstStyle/>
+          <a:p>
+            <a:pPr marL="457200" lvl="0" indent="-342900" algn="l" rtl="0">
+              <a:spcBef>
+                <a:spcPts val="0"/>
+              </a:spcBef>
+              <a:spcAft>
+                <a:spcPts val="0"/>
+              </a:spcAft>
+              <a:buClr>
+                <a:schemeClr val="accent1"/>
+              </a:buClr>
+              <a:buSzPts val="1800"/>
+              <a:buChar char="●"/>
+            </a:pPr>
+            <a:r>
+              <a:rPr lang="en">
+                <a:solidFill>
+                  <a:schemeClr val="accent1"/>
+                </a:solidFill>
+              </a:rPr>
+              <a:t>Assumption: Typist knows what he/she wants to type, yet typos happen</a:t>
+            </a:r>
+            <a:endParaRPr>
+              <a:solidFill>
+                <a:schemeClr val="accent1"/>
+              </a:solidFill>
+            </a:endParaRPr>
+          </a:p>
+          <a:p>
+            <a:pPr marL="457200" lvl="0" indent="-342900" algn="l" rtl="0">
+              <a:spcBef>
+                <a:spcPts val="0"/>
+              </a:spcBef>
+              <a:spcAft>
+                <a:spcPts val="0"/>
+              </a:spcAft>
+              <a:buClr>
+                <a:schemeClr val="accent1"/>
+              </a:buClr>
+              <a:buSzPts val="1800"/>
+              <a:buChar char="●"/>
+            </a:pPr>
+            <a:r>
+              <a:rPr lang="en">
+                <a:solidFill>
+                  <a:schemeClr val="accent1"/>
+                </a:solidFill>
+              </a:rPr>
+              <a:t>Idea: Use Bayesian argument by choosing a high probability score among all possible candidates (proposed corrections)</a:t>
+            </a:r>
+            <a:endParaRPr>
+              <a:solidFill>
+                <a:schemeClr val="accent1"/>
+              </a:solidFill>
+            </a:endParaRPr>
+          </a:p>
+        </p:txBody>
+      </p:sp>
+      <p:pic>
+        <p:nvPicPr>
+          <p:cNvPr id="104" name="Google Shape;104;p20"/>
+          <p:cNvPicPr preferRelativeResize="0"/>
+          <p:nvPr/>
+        </p:nvPicPr>
+        <p:blipFill>
+          <a:blip r:embed="rId3">
+            <a:alphaModFix/>
+          </a:blip>
+          <a:stretch>
+            <a:fillRect/>
+          </a:stretch>
+        </p:blipFill>
+        <p:spPr>
+          <a:xfrm>
+            <a:off x="714375" y="2712000"/>
+            <a:ext cx="7715250" cy="1676400"/>
+          </a:xfrm>
+          <a:prstGeom prst="rect">
+            <a:avLst/>
+          </a:prstGeom>
+          <a:noFill/>
+          <a:ln>
+            <a:noFill/>
+          </a:ln>
+        </p:spPr>
+      </p:pic>
+    </p:spTree>
+  </p:cSld>
+  <p:clrMapOvr>
+    <a:masterClrMapping/>
+  </p:clrMapOvr>
+</p:sld>
+</file>
+
+<file path=ppt/slides/slide11.xml><?xml version="1.0" encoding="utf-8"?>
+<p:sld xmlns:a="http://schemas.openxmlformats.org/drawingml/2006/main" xmlns:r="http://schemas.openxmlformats.org/officeDocument/2006/relationships" xmlns:p="http://schemas.openxmlformats.org/presentationml/2006/main">
+  <p:cSld>
+    <p:bg>
+      <p:bgPr>
+        <a:solidFill>
+          <a:srgbClr val="000000"/>
+        </a:solidFill>
+        <a:effectLst/>
+      </p:bgPr>
+    </p:bg>
+    <p:spTree>
+      <p:nvGrpSpPr>
+        <p:cNvPr id="1" name="Shape 108"/>
+        <p:cNvGrpSpPr/>
+        <p:nvPr/>
+      </p:nvGrpSpPr>
+      <p:grpSpPr>
+        <a:xfrm>
+          <a:off x="0" y="0"/>
+          <a:ext cx="0" cy="0"/>
+          <a:chOff x="0" y="0"/>
+          <a:chExt cx="0" cy="0"/>
+        </a:xfrm>
+      </p:grpSpPr>
+      <p:sp>
+        <p:nvSpPr>
+          <p:cNvPr id="109" name="Google Shape;109;p21"/>
+          <p:cNvSpPr txBox="1">
+            <a:spLocks noGrp="1"/>
+          </p:cNvSpPr>
+          <p:nvPr>
+            <p:ph type="title"/>
+          </p:nvPr>
+        </p:nvSpPr>
+        <p:spPr>
+          <a:xfrm>
+            <a:off x="311700" y="445025"/>
+            <a:ext cx="8520600" cy="613200"/>
+          </a:xfrm>
+          <a:prstGeom prst="rect">
+            <a:avLst/>
+          </a:prstGeom>
+        </p:spPr>
+        <p:txBody>
+          <a:bodyPr spcFirstLastPara="1" wrap="square" lIns="91425" tIns="91425" rIns="91425" bIns="91425" anchor="t" anchorCtr="0">
+            <a:noAutofit/>
+          </a:bodyPr>
+          <a:lstStyle/>
+          <a:p>
+            <a:pPr marL="0" lvl="0" indent="0" algn="l" rtl="0">
+              <a:spcBef>
+                <a:spcPts val="0"/>
+              </a:spcBef>
+              <a:spcAft>
+                <a:spcPts val="0"/>
+              </a:spcAft>
+              <a:buNone/>
+            </a:pPr>
+            <a:r>
+              <a:rPr lang="en">
+                <a:solidFill>
+                  <a:schemeClr val="accent1"/>
+                </a:solidFill>
+              </a:rPr>
+              <a:t>Error Correction: Probability Scoring</a:t>
+            </a:r>
+            <a:endParaRPr>
+              <a:solidFill>
+                <a:schemeClr val="accent1"/>
+              </a:solidFill>
+            </a:endParaRPr>
+          </a:p>
+        </p:txBody>
+      </p:sp>
+      <p:sp>
+        <p:nvSpPr>
+          <p:cNvPr id="110" name="Google Shape;110;p21"/>
+          <p:cNvSpPr txBox="1">
+            <a:spLocks noGrp="1"/>
+          </p:cNvSpPr>
+          <p:nvPr>
+            <p:ph type="body" idx="1"/>
+          </p:nvPr>
+        </p:nvSpPr>
+        <p:spPr>
+          <a:xfrm>
+            <a:off x="311700" y="1171600"/>
+            <a:ext cx="8520600" cy="3397200"/>
+          </a:xfrm>
+          <a:prstGeom prst="rect">
+            <a:avLst/>
+          </a:prstGeom>
+        </p:spPr>
+        <p:txBody>
+          <a:bodyPr spcFirstLastPara="1" wrap="square" lIns="91425" tIns="91425" rIns="91425" bIns="91425" anchor="t" anchorCtr="0">
+            <a:noAutofit/>
+          </a:bodyPr>
+          <a:lstStyle/>
+          <a:p>
+            <a:pPr marL="457200" lvl="0" indent="-342900" algn="l" rtl="0">
+              <a:spcBef>
+                <a:spcPts val="0"/>
+              </a:spcBef>
+              <a:spcAft>
+                <a:spcPts val="0"/>
+              </a:spcAft>
+              <a:buClr>
+                <a:schemeClr val="accent1"/>
+              </a:buClr>
+              <a:buSzPts val="1800"/>
+              <a:buChar char="●"/>
+            </a:pPr>
+            <a:r>
+              <a:rPr lang="en">
+                <a:solidFill>
+                  <a:schemeClr val="accent1"/>
+                </a:solidFill>
+              </a:rPr>
+              <a:t>c=argmax P(c|t)</a:t>
+            </a:r>
+            <a:endParaRPr>
+              <a:solidFill>
+                <a:schemeClr val="accent1"/>
+              </a:solidFill>
+            </a:endParaRPr>
+          </a:p>
+          <a:p>
+            <a:pPr marL="457200" lvl="0" indent="0" algn="l" rtl="0">
+              <a:spcBef>
+                <a:spcPts val="1600"/>
+              </a:spcBef>
+              <a:spcAft>
+                <a:spcPts val="0"/>
+              </a:spcAft>
+              <a:buNone/>
+            </a:pPr>
+            <a:r>
+              <a:rPr lang="en">
+                <a:solidFill>
+                  <a:schemeClr val="accent1"/>
+                </a:solidFill>
+              </a:rPr>
+              <a:t>   =argmax P(t|c)P(c)/P(t)</a:t>
+            </a:r>
+            <a:endParaRPr>
+              <a:solidFill>
+                <a:schemeClr val="accent1"/>
+              </a:solidFill>
+            </a:endParaRPr>
+          </a:p>
+          <a:p>
+            <a:pPr marL="457200" lvl="0" indent="0" algn="l" rtl="0">
+              <a:spcBef>
+                <a:spcPts val="1600"/>
+              </a:spcBef>
+              <a:spcAft>
+                <a:spcPts val="0"/>
+              </a:spcAft>
+              <a:buNone/>
+            </a:pPr>
+            <a:r>
+              <a:rPr lang="en">
+                <a:solidFill>
+                  <a:schemeClr val="accent1"/>
+                </a:solidFill>
+              </a:rPr>
+              <a:t>   =argmax P(t|c)P(c)</a:t>
+            </a:r>
+            <a:endParaRPr>
+              <a:solidFill>
+                <a:schemeClr val="accent1"/>
+              </a:solidFill>
+            </a:endParaRPr>
+          </a:p>
+          <a:p>
+            <a:pPr marL="457200" lvl="0" indent="0" algn="l" rtl="0">
+              <a:spcBef>
+                <a:spcPts val="1600"/>
+              </a:spcBef>
+              <a:spcAft>
+                <a:spcPts val="0"/>
+              </a:spcAft>
+              <a:buNone/>
+            </a:pPr>
+            <a:r>
+              <a:rPr lang="en">
+                <a:solidFill>
+                  <a:schemeClr val="accent1"/>
+                </a:solidFill>
+              </a:rPr>
+              <a:t>Where </a:t>
+            </a:r>
+            <a:endParaRPr>
+              <a:solidFill>
+                <a:schemeClr val="accent1"/>
+              </a:solidFill>
+            </a:endParaRPr>
+          </a:p>
+          <a:p>
+            <a:pPr marL="457200" lvl="0" indent="457200" algn="l" rtl="0">
+              <a:spcBef>
+                <a:spcPts val="1600"/>
+              </a:spcBef>
+              <a:spcAft>
+                <a:spcPts val="0"/>
+              </a:spcAft>
+              <a:buNone/>
+            </a:pPr>
+            <a:r>
+              <a:rPr lang="en">
+                <a:solidFill>
+                  <a:schemeClr val="accent1"/>
+                </a:solidFill>
+              </a:rPr>
+              <a:t>c = correct word</a:t>
+            </a:r>
+            <a:endParaRPr>
+              <a:solidFill>
+                <a:schemeClr val="accent1"/>
+              </a:solidFill>
+            </a:endParaRPr>
+          </a:p>
+          <a:p>
+            <a:pPr marL="457200" lvl="0" indent="457200" algn="l" rtl="0">
+              <a:spcBef>
+                <a:spcPts val="1600"/>
+              </a:spcBef>
+              <a:spcAft>
+                <a:spcPts val="1600"/>
+              </a:spcAft>
+              <a:buNone/>
+            </a:pPr>
+            <a:r>
+              <a:rPr lang="en">
+                <a:solidFill>
+                  <a:schemeClr val="accent1"/>
+                </a:solidFill>
+              </a:rPr>
+              <a:t>t = typo</a:t>
+            </a:r>
+            <a:endParaRPr>
+              <a:solidFill>
+                <a:schemeClr val="accent1"/>
+              </a:solidFill>
+            </a:endParaRPr>
+          </a:p>
+        </p:txBody>
+      </p:sp>
+    </p:spTree>
+  </p:cSld>
+  <p:clrMapOvr>
+    <a:masterClrMapping/>
+  </p:clrMapOvr>
+</p:sld>
+</file>
+
+<file path=ppt/slides/slide12.xml><?xml version="1.0" encoding="utf-8"?>
+<p:sld xmlns:a="http://schemas.openxmlformats.org/drawingml/2006/main" xmlns:r="http://schemas.openxmlformats.org/officeDocument/2006/relationships" xmlns:p="http://schemas.openxmlformats.org/presentationml/2006/main">
+  <p:cSld>
+    <p:bg>
+      <p:bgPr>
+        <a:solidFill>
+          <a:srgbClr val="000000"/>
+        </a:solidFill>
+        <a:effectLst/>
+      </p:bgPr>
+    </p:bg>
+    <p:spTree>
+      <p:nvGrpSpPr>
+        <p:cNvPr id="1" name="Shape 114"/>
         <p:cNvGrpSpPr/>
         <p:nvPr/>
       </p:nvGrpSpPr>
@@ -7670,7 +8477,9 @@
       <p:sp>
         <p:nvSpPr>
           <p:cNvPr id="115" name="Google Shape;115;p22"/>
-          <p:cNvSpPr txBox="1"/>
+          <p:cNvSpPr txBox="1">
+            <a:spLocks noGrp="1"/>
+          </p:cNvSpPr>
           <p:nvPr>
             <p:ph type="title"/>
           </p:nvPr>
@@ -7685,12 +8494,12 @@
           </a:prstGeom>
         </p:spPr>
         <p:txBody>
-          <a:bodyPr anchorCtr="0" anchor="t" bIns="91425" lIns="91425" spcFirstLastPara="1" rIns="91425" wrap="square" tIns="91425">
+          <a:bodyPr spcFirstLastPara="1" wrap="square" lIns="91425" tIns="91425" rIns="91425" bIns="91425" anchor="t" anchorCtr="0">
             <a:noAutofit/>
           </a:bodyPr>
           <a:lstStyle/>
           <a:p>
-            <a:pPr indent="0" lvl="0" marL="0" rtl="0" algn="l">
+            <a:pPr marL="0" lvl="0" indent="0" algn="l" rtl="0">
               <a:spcBef>
                 <a:spcPts val="0"/>
               </a:spcBef>
@@ -7718,9 +8527,11 @@
       <p:sp>
         <p:nvSpPr>
           <p:cNvPr id="116" name="Google Shape;116;p22"/>
-          <p:cNvSpPr txBox="1"/>
+          <p:cNvSpPr txBox="1">
+            <a:spLocks noGrp="1"/>
+          </p:cNvSpPr>
           <p:nvPr>
-            <p:ph idx="1" type="body"/>
+            <p:ph type="body" idx="1"/>
           </p:nvPr>
         </p:nvSpPr>
         <p:spPr>
@@ -7733,12 +8544,12 @@
           </a:prstGeom>
         </p:spPr>
         <p:txBody>
-          <a:bodyPr anchorCtr="0" anchor="t" bIns="91425" lIns="91425" spcFirstLastPara="1" rIns="91425" wrap="square" tIns="91425">
+          <a:bodyPr spcFirstLastPara="1" wrap="square" lIns="91425" tIns="91425" rIns="91425" bIns="91425" anchor="t" anchorCtr="0">
             <a:noAutofit/>
           </a:bodyPr>
           <a:lstStyle/>
           <a:p>
-            <a:pPr indent="0" lvl="0" marL="0" rtl="0" algn="l">
+            <a:pPr marL="0" lvl="0" indent="0" algn="l" rtl="0">
               <a:spcBef>
                 <a:spcPts val="0"/>
               </a:spcBef>
@@ -7762,7 +8573,7 @@
             </a:endParaRPr>
           </a:p>
           <a:p>
-            <a:pPr indent="-342900" lvl="0" marL="457200" rtl="0" algn="l">
+            <a:pPr marL="457200" lvl="0" indent="-342900" algn="l" rtl="0">
               <a:spcBef>
                 <a:spcPts val="1600"/>
               </a:spcBef>
@@ -7790,7 +8601,7 @@
             </a:endParaRPr>
           </a:p>
           <a:p>
-            <a:pPr indent="-342900" lvl="0" marL="457200" rtl="0" algn="l">
+            <a:pPr marL="457200" lvl="0" indent="-342900" algn="l" rtl="0">
               <a:spcBef>
                 <a:spcPts val="0"/>
               </a:spcBef>
@@ -7818,7 +8629,7 @@
             </a:endParaRPr>
           </a:p>
           <a:p>
-            <a:pPr indent="-342900" lvl="0" marL="457200" rtl="0" algn="l">
+            <a:pPr marL="457200" lvl="0" indent="-342900" algn="l" rtl="0">
               <a:spcBef>
                 <a:spcPts val="0"/>
               </a:spcBef>
@@ -7846,7 +8657,7 @@
             </a:endParaRPr>
           </a:p>
           <a:p>
-            <a:pPr indent="0" lvl="0" marL="0" rtl="0" algn="l">
+            <a:pPr marL="0" lvl="0" indent="0" algn="l" rtl="0">
               <a:spcBef>
                 <a:spcPts val="1600"/>
               </a:spcBef>
@@ -7870,7 +8681,7 @@
             </a:endParaRPr>
           </a:p>
           <a:p>
-            <a:pPr indent="-342900" lvl="0" marL="457200" rtl="0" algn="l">
+            <a:pPr marL="457200" lvl="0" indent="-342900" algn="l" rtl="0">
               <a:spcBef>
                 <a:spcPts val="1600"/>
               </a:spcBef>
@@ -7898,7 +8709,7 @@
             </a:endParaRPr>
           </a:p>
           <a:p>
-            <a:pPr indent="-342900" lvl="0" marL="457200" rtl="0" algn="l">
+            <a:pPr marL="457200" lvl="0" indent="-342900" algn="l" rtl="0">
               <a:spcBef>
                 <a:spcPts val="0"/>
               </a:spcBef>
@@ -7934,7 +8745,7 @@
             </a:endParaRPr>
           </a:p>
           <a:p>
-            <a:pPr indent="-342900" lvl="0" marL="457200" rtl="0" algn="l">
+            <a:pPr marL="457200" lvl="0" indent="-342900" algn="l" rtl="0">
               <a:spcBef>
                 <a:spcPts val="0"/>
               </a:spcBef>
@@ -7991,12 +8802,12 @@
           </a:ln>
         </p:spPr>
         <p:txBody>
-          <a:bodyPr anchorCtr="0" anchor="t" bIns="91425" lIns="91425" spcFirstLastPara="1" rIns="91425" wrap="square" tIns="91425">
+          <a:bodyPr spcFirstLastPara="1" wrap="square" lIns="91425" tIns="91425" rIns="91425" bIns="91425" anchor="t" anchorCtr="0">
             <a:noAutofit/>
           </a:bodyPr>
           <a:lstStyle/>
           <a:p>
-            <a:pPr indent="-342900" lvl="0" marL="457200" rtl="0" algn="l">
+            <a:pPr marL="457200" lvl="0" indent="-342900" algn="l" rtl="0">
               <a:spcBef>
                 <a:spcPts val="0"/>
               </a:spcBef>
@@ -8033,7 +8844,7 @@
             </a:endParaRPr>
           </a:p>
           <a:p>
-            <a:pPr indent="-342900" lvl="0" marL="457200" rtl="0" algn="l">
+            <a:pPr marL="457200" lvl="0" indent="-342900" algn="l" rtl="0">
               <a:spcBef>
                 <a:spcPts val="0"/>
               </a:spcBef>
@@ -8070,7 +8881,7 @@
             </a:endParaRPr>
           </a:p>
           <a:p>
-            <a:pPr indent="-342900" lvl="0" marL="457200" rtl="0" algn="l">
+            <a:pPr marL="457200" lvl="0" indent="-342900" algn="l" rtl="0">
               <a:spcBef>
                 <a:spcPts val="0"/>
               </a:spcBef>
@@ -8119,19 +8930,20 @@
 </p:sld>
 </file>
 
-<file path=ppt/slides/slide11.xml><?xml version="1.0" encoding="utf-8"?>
-<p:sld xmlns:a="http://schemas.openxmlformats.org/drawingml/2006/main" xmlns:r="http://schemas.openxmlformats.org/officeDocument/2006/relationships" xmlns:mc="http://schemas.openxmlformats.org/markup-compatibility/2006" xmlns:mv="urn:schemas-microsoft-com:mac:vml" xmlns:p="http://schemas.openxmlformats.org/presentationml/2006/main" xmlns:c="http://schemas.openxmlformats.org/drawingml/2006/chart" xmlns:dgm="http://schemas.openxmlformats.org/drawingml/2006/diagram" xmlns:o="urn:schemas-microsoft-com:office:office" xmlns:v="urn:schemas-microsoft-com:vml" xmlns:pvml="urn:schemas-microsoft-com:office:powerpoint" xmlns:com="http://schemas.openxmlformats.org/drawingml/2006/compatibility" xmlns:p14="http://schemas.microsoft.com/office/powerpoint/2010/main" xmlns:p15="http://schemas.microsoft.com/office/powerpoint/2012/main">
+<file path=ppt/slides/slide13.xml><?xml version="1.0" encoding="utf-8"?>
+<p:sld xmlns:a="http://schemas.openxmlformats.org/drawingml/2006/main" xmlns:r="http://schemas.openxmlformats.org/officeDocument/2006/relationships" xmlns:p="http://schemas.openxmlformats.org/presentationml/2006/main">
   <p:cSld>
     <p:bg>
       <p:bgPr>
         <a:solidFill>
           <a:srgbClr val="000000"/>
         </a:solidFill>
+        <a:effectLst/>
       </p:bgPr>
     </p:bg>
     <p:spTree>
       <p:nvGrpSpPr>
-        <p:cNvPr id="121" name="Shape 121"/>
+        <p:cNvPr id="1" name="Shape 121"/>
         <p:cNvGrpSpPr/>
         <p:nvPr/>
       </p:nvGrpSpPr>
@@ -8146,7 +8958,9 @@
       <p:sp>
         <p:nvSpPr>
           <p:cNvPr id="122" name="Google Shape;122;p23"/>
-          <p:cNvSpPr txBox="1"/>
+          <p:cNvSpPr txBox="1">
+            <a:spLocks noGrp="1"/>
+          </p:cNvSpPr>
           <p:nvPr>
             <p:ph type="title"/>
           </p:nvPr>
@@ -8161,12 +8975,12 @@
           </a:prstGeom>
         </p:spPr>
         <p:txBody>
-          <a:bodyPr anchorCtr="0" anchor="t" bIns="91425" lIns="91425" spcFirstLastPara="1" rIns="91425" wrap="square" tIns="91425">
+          <a:bodyPr spcFirstLastPara="1" wrap="square" lIns="91425" tIns="91425" rIns="91425" bIns="91425" anchor="t" anchorCtr="0">
             <a:noAutofit/>
           </a:bodyPr>
           <a:lstStyle/>
           <a:p>
-            <a:pPr indent="0" lvl="0" marL="0" rtl="0" algn="l">
+            <a:pPr marL="0" lvl="0" indent="0" algn="l" rtl="0">
               <a:spcBef>
                 <a:spcPts val="0"/>
               </a:spcBef>
@@ -8199,9 +9013,11 @@
       <p:sp>
         <p:nvSpPr>
           <p:cNvPr id="123" name="Google Shape;123;p23"/>
-          <p:cNvSpPr txBox="1"/>
+          <p:cNvSpPr txBox="1">
+            <a:spLocks noGrp="1"/>
+          </p:cNvSpPr>
           <p:nvPr>
-            <p:ph idx="1" type="body"/>
+            <p:ph type="body" idx="1"/>
           </p:nvPr>
         </p:nvSpPr>
         <p:spPr>
@@ -8214,12 +9030,12 @@
           </a:prstGeom>
         </p:spPr>
         <p:txBody>
-          <a:bodyPr anchorCtr="0" anchor="t" bIns="91425" lIns="91425" spcFirstLastPara="1" rIns="91425" wrap="square" tIns="91425">
+          <a:bodyPr spcFirstLastPara="1" wrap="square" lIns="91425" tIns="91425" rIns="91425" bIns="91425" anchor="t" anchorCtr="0">
             <a:noAutofit/>
           </a:bodyPr>
           <a:lstStyle/>
           <a:p>
-            <a:pPr indent="0" lvl="0" marL="0" rtl="0" algn="l">
+            <a:pPr marL="0" lvl="0" indent="0" algn="l" rtl="0">
               <a:spcBef>
                 <a:spcPts val="0"/>
               </a:spcBef>
@@ -8234,15 +9050,7 @@
                   <a:schemeClr val="accent1"/>
                 </a:solidFill>
               </a:rPr>
-              <a:t>4 m</a:t>
-            </a:r>
-            <a:r>
-              <a:rPr lang="en">
-                <a:solidFill>
-                  <a:schemeClr val="accent1"/>
-                </a:solidFill>
-              </a:rPr>
-              <a:t>ethods of correction for P(t|c):</a:t>
+              <a:t>4 methods of correction for P(t|c):</a:t>
             </a:r>
             <a:endParaRPr>
               <a:solidFill>
@@ -8251,7 +9059,7 @@
             </a:endParaRPr>
           </a:p>
           <a:p>
-            <a:pPr indent="-342900" lvl="0" marL="457200" rtl="0" algn="l">
+            <a:pPr marL="457200" lvl="0" indent="-342900" algn="l" rtl="0">
               <a:spcBef>
                 <a:spcPts val="1600"/>
               </a:spcBef>
@@ -8279,7 +9087,7 @@
             </a:endParaRPr>
           </a:p>
           <a:p>
-            <a:pPr indent="-342900" lvl="0" marL="457200" rtl="0" algn="l">
+            <a:pPr marL="457200" lvl="0" indent="-342900" algn="l" rtl="0">
               <a:spcBef>
                 <a:spcPts val="0"/>
               </a:spcBef>
@@ -8307,7 +9115,7 @@
             </a:endParaRPr>
           </a:p>
           <a:p>
-            <a:pPr indent="-342900" lvl="0" marL="457200" rtl="0" algn="l">
+            <a:pPr marL="457200" lvl="0" indent="-342900" algn="l" rtl="0">
               <a:spcBef>
                 <a:spcPts val="0"/>
               </a:spcBef>
@@ -8335,7 +9143,7 @@
             </a:endParaRPr>
           </a:p>
           <a:p>
-            <a:pPr indent="-342900" lvl="0" marL="457200" rtl="0" algn="l">
+            <a:pPr marL="457200" lvl="0" indent="-342900" algn="l" rtl="0">
               <a:spcBef>
                 <a:spcPts val="0"/>
               </a:spcBef>
@@ -8400,19 +9208,20 @@
 </p:sld>
 </file>
 
-<file path=ppt/slides/slide12.xml><?xml version="1.0" encoding="utf-8"?>
-<p:sld xmlns:a="http://schemas.openxmlformats.org/drawingml/2006/main" xmlns:r="http://schemas.openxmlformats.org/officeDocument/2006/relationships" xmlns:mc="http://schemas.openxmlformats.org/markup-compatibility/2006" xmlns:mv="urn:schemas-microsoft-com:mac:vml" xmlns:p="http://schemas.openxmlformats.org/presentationml/2006/main" xmlns:c="http://schemas.openxmlformats.org/drawingml/2006/chart" xmlns:dgm="http://schemas.openxmlformats.org/drawingml/2006/diagram" xmlns:o="urn:schemas-microsoft-com:office:office" xmlns:v="urn:schemas-microsoft-com:vml" xmlns:pvml="urn:schemas-microsoft-com:office:powerpoint" xmlns:com="http://schemas.openxmlformats.org/drawingml/2006/compatibility" xmlns:p14="http://schemas.microsoft.com/office/powerpoint/2010/main" xmlns:p15="http://schemas.microsoft.com/office/powerpoint/2012/main">
+<file path=ppt/slides/slide14.xml><?xml version="1.0" encoding="utf-8"?>
+<p:sld xmlns:a="http://schemas.openxmlformats.org/drawingml/2006/main" xmlns:r="http://schemas.openxmlformats.org/officeDocument/2006/relationships" xmlns:p="http://schemas.openxmlformats.org/presentationml/2006/main">
   <p:cSld>
     <p:bg>
       <p:bgPr>
         <a:solidFill>
           <a:srgbClr val="000000"/>
         </a:solidFill>
+        <a:effectLst/>
       </p:bgPr>
     </p:bg>
     <p:spTree>
       <p:nvGrpSpPr>
-        <p:cNvPr id="128" name="Shape 128"/>
+        <p:cNvPr id="1" name="Shape 128"/>
         <p:cNvGrpSpPr/>
         <p:nvPr/>
       </p:nvGrpSpPr>
@@ -8427,7 +9236,9 @@
       <p:sp>
         <p:nvSpPr>
           <p:cNvPr id="129" name="Google Shape;129;p24"/>
-          <p:cNvSpPr txBox="1"/>
+          <p:cNvSpPr txBox="1">
+            <a:spLocks noGrp="1"/>
+          </p:cNvSpPr>
           <p:nvPr>
             <p:ph type="title"/>
           </p:nvPr>
@@ -8442,12 +9253,12 @@
           </a:prstGeom>
         </p:spPr>
         <p:txBody>
-          <a:bodyPr anchorCtr="0" anchor="t" bIns="91425" lIns="91425" spcFirstLastPara="1" rIns="91425" wrap="square" tIns="91425">
+          <a:bodyPr spcFirstLastPara="1" wrap="square" lIns="91425" tIns="91425" rIns="91425" bIns="91425" anchor="t" anchorCtr="0">
             <a:noAutofit/>
           </a:bodyPr>
           <a:lstStyle/>
           <a:p>
-            <a:pPr indent="0" lvl="0" marL="0" rtl="0" algn="l">
+            <a:pPr marL="0" lvl="0" indent="0" algn="l" rtl="0">
               <a:spcBef>
                 <a:spcPts val="0"/>
               </a:spcBef>
@@ -8508,12 +9319,390 @@
 </p:sld>
 </file>
 
-<file path=ppt/slides/slide13.xml><?xml version="1.0" encoding="utf-8"?>
-<p:sld xmlns:a="http://schemas.openxmlformats.org/drawingml/2006/main" xmlns:r="http://schemas.openxmlformats.org/officeDocument/2006/relationships" xmlns:mc="http://schemas.openxmlformats.org/markup-compatibility/2006" xmlns:mv="urn:schemas-microsoft-com:mac:vml" xmlns:p="http://schemas.openxmlformats.org/presentationml/2006/main" xmlns:c="http://schemas.openxmlformats.org/drawingml/2006/chart" xmlns:dgm="http://schemas.openxmlformats.org/drawingml/2006/diagram" xmlns:o="urn:schemas-microsoft-com:office:office" xmlns:v="urn:schemas-microsoft-com:vml" xmlns:pvml="urn:schemas-microsoft-com:office:powerpoint" xmlns:com="http://schemas.openxmlformats.org/drawingml/2006/compatibility" xmlns:p14="http://schemas.microsoft.com/office/powerpoint/2010/main" xmlns:p15="http://schemas.microsoft.com/office/powerpoint/2012/main">
+<file path=ppt/slides/slide15.xml><?xml version="1.0" encoding="utf-8"?>
+<p:sld xmlns:a="http://schemas.openxmlformats.org/drawingml/2006/main" xmlns:r="http://schemas.openxmlformats.org/officeDocument/2006/relationships" xmlns:p="http://schemas.openxmlformats.org/presentationml/2006/main">
   <p:cSld>
     <p:spTree>
       <p:nvGrpSpPr>
-        <p:cNvPr id="134" name="Shape 134"/>
+        <p:cNvPr id="1" name=""/>
+        <p:cNvGrpSpPr/>
+        <p:nvPr/>
+      </p:nvGrpSpPr>
+      <p:grpSpPr>
+        <a:xfrm>
+          <a:off x="0" y="0"/>
+          <a:ext cx="0" cy="0"/>
+          <a:chOff x="0" y="0"/>
+          <a:chExt cx="0" cy="0"/>
+        </a:xfrm>
+      </p:grpSpPr>
+      <p:sp>
+        <p:nvSpPr>
+          <p:cNvPr id="2" name="Title 1"/>
+          <p:cNvSpPr>
+            <a:spLocks noGrp="1"/>
+          </p:cNvSpPr>
+          <p:nvPr>
+            <p:ph type="title"/>
+          </p:nvPr>
+        </p:nvSpPr>
+        <p:spPr/>
+        <p:txBody>
+          <a:bodyPr/>
+          <a:lstStyle/>
+          <a:p>
+            <a:r>
+              <a:rPr lang="en-US" altLang="zh-CN" dirty="0" smtClean="0"/>
+              <a:t>Error</a:t>
+            </a:r>
+            <a:r>
+              <a:rPr lang="zh-CN" altLang="en-US" dirty="0" smtClean="0"/>
+              <a:t> </a:t>
+            </a:r>
+            <a:r>
+              <a:rPr lang="en-US" altLang="zh-CN" dirty="0" smtClean="0"/>
+              <a:t>Detection</a:t>
+            </a:r>
+            <a:r>
+              <a:rPr lang="zh-CN" altLang="en-US" dirty="0" smtClean="0"/>
+              <a:t> </a:t>
+            </a:r>
+            <a:r>
+              <a:rPr lang="mr-IN" altLang="zh-CN" dirty="0" smtClean="0"/>
+              <a:t>–</a:t>
+            </a:r>
+            <a:r>
+              <a:rPr lang="zh-CN" altLang="en-US" dirty="0" smtClean="0"/>
+              <a:t> </a:t>
+            </a:r>
+            <a:r>
+              <a:rPr lang="en-US" altLang="zh-CN" dirty="0" smtClean="0"/>
+              <a:t>Example</a:t>
+            </a:r>
+            <a:r>
+              <a:rPr lang="zh-CN" altLang="en-US" dirty="0" smtClean="0"/>
+              <a:t> </a:t>
+            </a:r>
+            <a:r>
+              <a:rPr lang="en-US" altLang="zh-CN" dirty="0" smtClean="0"/>
+              <a:t>of</a:t>
+            </a:r>
+            <a:r>
+              <a:rPr lang="zh-CN" altLang="en-US" dirty="0" smtClean="0"/>
+              <a:t> </a:t>
+            </a:r>
+            <a:r>
+              <a:rPr lang="en-US" altLang="zh-CN" dirty="0" smtClean="0"/>
+              <a:t>Final</a:t>
+            </a:r>
+            <a:r>
+              <a:rPr lang="zh-CN" altLang="en-US" dirty="0" smtClean="0"/>
+              <a:t> </a:t>
+            </a:r>
+            <a:r>
+              <a:rPr lang="en-US" altLang="zh-CN" dirty="0" smtClean="0"/>
+              <a:t>Result</a:t>
+            </a:r>
+            <a:endParaRPr lang="en-US" dirty="0"/>
+          </a:p>
+        </p:txBody>
+      </p:sp>
+      <p:pic>
+        <p:nvPicPr>
+          <p:cNvPr id="4" name="Picture 3"/>
+          <p:cNvPicPr>
+            <a:picLocks noChangeAspect="1"/>
+          </p:cNvPicPr>
+          <p:nvPr/>
+        </p:nvPicPr>
+        <p:blipFill>
+          <a:blip r:embed="rId2">
+            <a:extLst>
+              <a:ext uri="{28A0092B-C50C-407E-A947-70E740481C1C}">
+                <a14:useLocalDpi xmlns:a14="http://schemas.microsoft.com/office/drawing/2010/main" val="0"/>
+              </a:ext>
+            </a:extLst>
+          </a:blip>
+          <a:stretch>
+            <a:fillRect/>
+          </a:stretch>
+        </p:blipFill>
+        <p:spPr>
+          <a:xfrm>
+            <a:off x="589784" y="1584434"/>
+            <a:ext cx="7964431" cy="2436487"/>
+          </a:xfrm>
+          <a:prstGeom prst="rect">
+            <a:avLst/>
+          </a:prstGeom>
+        </p:spPr>
+      </p:pic>
+    </p:spTree>
+    <p:extLst>
+      <p:ext uri="{BB962C8B-B14F-4D97-AF65-F5344CB8AC3E}">
+        <p14:creationId xmlns:p14="http://schemas.microsoft.com/office/powerpoint/2010/main" val="494113172"/>
+      </p:ext>
+    </p:extLst>
+  </p:cSld>
+  <p:clrMapOvr>
+    <a:masterClrMapping/>
+  </p:clrMapOvr>
+</p:sld>
+</file>
+
+<file path=ppt/slides/slide16.xml><?xml version="1.0" encoding="utf-8"?>
+<p:sld xmlns:a="http://schemas.openxmlformats.org/drawingml/2006/main" xmlns:r="http://schemas.openxmlformats.org/officeDocument/2006/relationships" xmlns:p="http://schemas.openxmlformats.org/presentationml/2006/main">
+  <p:cSld>
+    <p:bg>
+      <p:bgPr>
+        <a:solidFill>
+          <a:srgbClr val="000000"/>
+        </a:solidFill>
+        <a:effectLst/>
+      </p:bgPr>
+    </p:bg>
+    <p:spTree>
+      <p:nvGrpSpPr>
+        <p:cNvPr id="1" name="Shape 108"/>
+        <p:cNvGrpSpPr/>
+        <p:nvPr/>
+      </p:nvGrpSpPr>
+      <p:grpSpPr>
+        <a:xfrm>
+          <a:off x="0" y="0"/>
+          <a:ext cx="0" cy="0"/>
+          <a:chOff x="0" y="0"/>
+          <a:chExt cx="0" cy="0"/>
+        </a:xfrm>
+      </p:grpSpPr>
+      <p:sp>
+        <p:nvSpPr>
+          <p:cNvPr id="109" name="Google Shape;109;p21"/>
+          <p:cNvSpPr txBox="1">
+            <a:spLocks noGrp="1"/>
+          </p:cNvSpPr>
+          <p:nvPr>
+            <p:ph type="title"/>
+          </p:nvPr>
+        </p:nvSpPr>
+        <p:spPr>
+          <a:xfrm>
+            <a:off x="311700" y="445025"/>
+            <a:ext cx="8520600" cy="613200"/>
+          </a:xfrm>
+          <a:prstGeom prst="rect">
+            <a:avLst/>
+          </a:prstGeom>
+        </p:spPr>
+        <p:txBody>
+          <a:bodyPr spcFirstLastPara="1" wrap="square" lIns="91425" tIns="91425" rIns="91425" bIns="91425" anchor="t" anchorCtr="0">
+            <a:noAutofit/>
+          </a:bodyPr>
+          <a:lstStyle/>
+          <a:p>
+            <a:pPr marL="0" lvl="0" indent="0" algn="l" rtl="0">
+              <a:spcBef>
+                <a:spcPts val="0"/>
+              </a:spcBef>
+              <a:spcAft>
+                <a:spcPts val="0"/>
+              </a:spcAft>
+              <a:buNone/>
+            </a:pPr>
+            <a:r>
+              <a:rPr lang="en-US" altLang="zh-CN" dirty="0" smtClean="0">
+                <a:solidFill>
+                  <a:schemeClr val="accent1"/>
+                </a:solidFill>
+              </a:rPr>
+              <a:t>Performance</a:t>
+            </a:r>
+            <a:r>
+              <a:rPr lang="en" dirty="0" smtClean="0">
+                <a:solidFill>
+                  <a:schemeClr val="accent1"/>
+                </a:solidFill>
+              </a:rPr>
+              <a:t>:</a:t>
+            </a:r>
+            <a:r>
+              <a:rPr lang="zh-CN" altLang="en-US" dirty="0">
+                <a:solidFill>
+                  <a:schemeClr val="accent1"/>
+                </a:solidFill>
+              </a:rPr>
+              <a:t> </a:t>
+            </a:r>
+            <a:r>
+              <a:rPr lang="en-US" altLang="zh-CN" dirty="0" smtClean="0">
+                <a:solidFill>
+                  <a:schemeClr val="accent1"/>
+                </a:solidFill>
+              </a:rPr>
+              <a:t>MLE</a:t>
+            </a:r>
+            <a:r>
+              <a:rPr lang="zh-CN" altLang="en-US" dirty="0" smtClean="0">
+                <a:solidFill>
+                  <a:schemeClr val="accent1"/>
+                </a:solidFill>
+              </a:rPr>
+              <a:t> </a:t>
+            </a:r>
+            <a:r>
+              <a:rPr lang="en-US" altLang="zh-CN" dirty="0" smtClean="0">
+                <a:solidFill>
+                  <a:schemeClr val="accent1"/>
+                </a:solidFill>
+              </a:rPr>
+              <a:t>and</a:t>
+            </a:r>
+            <a:r>
+              <a:rPr lang="zh-CN" altLang="en-US" dirty="0" smtClean="0">
+                <a:solidFill>
+                  <a:schemeClr val="accent1"/>
+                </a:solidFill>
+              </a:rPr>
+              <a:t> </a:t>
+            </a:r>
+            <a:r>
+              <a:rPr lang="en-US" altLang="zh-CN" dirty="0" smtClean="0">
+                <a:solidFill>
+                  <a:schemeClr val="accent1"/>
+                </a:solidFill>
+              </a:rPr>
+              <a:t>ELE</a:t>
+            </a:r>
+            <a:endParaRPr dirty="0">
+              <a:solidFill>
+                <a:schemeClr val="accent1"/>
+              </a:solidFill>
+            </a:endParaRPr>
+          </a:p>
+        </p:txBody>
+      </p:sp>
+      <p:pic>
+        <p:nvPicPr>
+          <p:cNvPr id="3" name="Picture 2"/>
+          <p:cNvPicPr>
+            <a:picLocks noChangeAspect="1"/>
+          </p:cNvPicPr>
+          <p:nvPr/>
+        </p:nvPicPr>
+        <p:blipFill>
+          <a:blip r:embed="rId3">
+            <a:extLst>
+              <a:ext uri="{28A0092B-C50C-407E-A947-70E740481C1C}">
+                <a14:useLocalDpi xmlns:a14="http://schemas.microsoft.com/office/drawing/2010/main" val="0"/>
+              </a:ext>
+            </a:extLst>
+          </a:blip>
+          <a:stretch>
+            <a:fillRect/>
+          </a:stretch>
+        </p:blipFill>
+        <p:spPr>
+          <a:xfrm>
+            <a:off x="1147273" y="1430200"/>
+            <a:ext cx="6276746" cy="1440000"/>
+          </a:xfrm>
+          <a:prstGeom prst="rect">
+            <a:avLst/>
+          </a:prstGeom>
+        </p:spPr>
+      </p:pic>
+      <p:grpSp>
+        <p:nvGrpSpPr>
+          <p:cNvPr id="5" name="Group 4"/>
+          <p:cNvGrpSpPr/>
+          <p:nvPr/>
+        </p:nvGrpSpPr>
+        <p:grpSpPr>
+          <a:xfrm>
+            <a:off x="1147273" y="3128800"/>
+            <a:ext cx="6276746" cy="1440000"/>
+            <a:chOff x="311700" y="3084975"/>
+            <a:chExt cx="6276746" cy="1440000"/>
+          </a:xfrm>
+        </p:grpSpPr>
+        <p:pic>
+          <p:nvPicPr>
+            <p:cNvPr id="4" name="Picture 3"/>
+            <p:cNvPicPr>
+              <a:picLocks noChangeAspect="1"/>
+            </p:cNvPicPr>
+            <p:nvPr/>
+          </p:nvPicPr>
+          <p:blipFill rotWithShape="1">
+            <a:blip r:embed="rId4">
+              <a:extLst>
+                <a:ext uri="{28A0092B-C50C-407E-A947-70E740481C1C}">
+                  <a14:useLocalDpi xmlns:a14="http://schemas.microsoft.com/office/drawing/2010/main" val="0"/>
+                </a:ext>
+              </a:extLst>
+            </a:blip>
+            <a:srcRect l="58426"/>
+            <a:stretch/>
+          </p:blipFill>
+          <p:spPr>
+            <a:xfrm>
+              <a:off x="3969300" y="3084975"/>
+              <a:ext cx="2619146" cy="1440000"/>
+            </a:xfrm>
+            <a:prstGeom prst="rect">
+              <a:avLst/>
+            </a:prstGeom>
+          </p:spPr>
+        </p:pic>
+        <p:pic>
+          <p:nvPicPr>
+            <p:cNvPr id="7" name="Picture 6"/>
+            <p:cNvPicPr>
+              <a:picLocks noChangeAspect="1"/>
+            </p:cNvPicPr>
+            <p:nvPr/>
+          </p:nvPicPr>
+          <p:blipFill rotWithShape="1">
+            <a:blip r:embed="rId3">
+              <a:extLst>
+                <a:ext uri="{28A0092B-C50C-407E-A947-70E740481C1C}">
+                  <a14:useLocalDpi xmlns:a14="http://schemas.microsoft.com/office/drawing/2010/main" val="0"/>
+                </a:ext>
+              </a:extLst>
+            </a:blip>
+            <a:srcRect r="41728"/>
+            <a:stretch/>
+          </p:blipFill>
+          <p:spPr>
+            <a:xfrm>
+              <a:off x="311700" y="3084975"/>
+              <a:ext cx="3657600" cy="1440000"/>
+            </a:xfrm>
+            <a:prstGeom prst="rect">
+              <a:avLst/>
+            </a:prstGeom>
+          </p:spPr>
+        </p:pic>
+      </p:grpSp>
+    </p:spTree>
+    <p:extLst>
+      <p:ext uri="{BB962C8B-B14F-4D97-AF65-F5344CB8AC3E}">
+        <p14:creationId xmlns:p14="http://schemas.microsoft.com/office/powerpoint/2010/main" val="1642614579"/>
+      </p:ext>
+    </p:extLst>
+  </p:cSld>
+  <p:clrMapOvr>
+    <a:masterClrMapping/>
+  </p:clrMapOvr>
+</p:sld>
+</file>
+
+<file path=ppt/slides/slide17.xml><?xml version="1.0" encoding="utf-8"?>
+<p:sld xmlns:a="http://schemas.openxmlformats.org/drawingml/2006/main" xmlns:r="http://schemas.openxmlformats.org/officeDocument/2006/relationships" xmlns:p="http://schemas.openxmlformats.org/presentationml/2006/main">
+  <p:cSld>
+    <p:spTree>
+      <p:nvGrpSpPr>
+        <p:cNvPr id="1" name="Shape 134"/>
         <p:cNvGrpSpPr/>
         <p:nvPr/>
       </p:nvGrpSpPr>
@@ -8528,9 +9717,11 @@
       <p:sp>
         <p:nvSpPr>
           <p:cNvPr id="135" name="Google Shape;135;p25"/>
-          <p:cNvSpPr txBox="1"/>
+          <p:cNvSpPr txBox="1">
+            <a:spLocks noGrp="1"/>
+          </p:cNvSpPr>
           <p:nvPr>
-            <p:ph idx="1" type="body"/>
+            <p:ph type="body" idx="1"/>
           </p:nvPr>
         </p:nvSpPr>
         <p:spPr>
@@ -8543,12 +9734,12 @@
           </a:prstGeom>
         </p:spPr>
         <p:txBody>
-          <a:bodyPr anchorCtr="0" anchor="t" bIns="91425" lIns="91425" spcFirstLastPara="1" rIns="91425" wrap="square" tIns="91425">
+          <a:bodyPr spcFirstLastPara="1" wrap="square" lIns="91425" tIns="91425" rIns="91425" bIns="91425" anchor="t" anchorCtr="0">
             <a:noAutofit/>
           </a:bodyPr>
           <a:lstStyle/>
           <a:p>
-            <a:pPr indent="0" lvl="0" marL="0" rtl="0" algn="l">
+            <a:pPr marL="0" lvl="0" indent="0" algn="ctr" rtl="0">
               <a:spcBef>
                 <a:spcPts val="0"/>
               </a:spcBef>
@@ -8558,30 +9749,29 @@
               <a:buNone/>
             </a:pPr>
             <a:r>
-              <a:rPr lang="en" sz="6000"/>
-              <a:t>       </a:t>
+              <a:rPr lang="en" sz="6000" dirty="0" smtClean="0"/>
+              <a:t>Thank you</a:t>
             </a:r>
             <a:r>
-              <a:rPr lang="en" sz="6000"/>
-              <a:t>Thank you!</a:t>
+              <a:rPr lang="en-US" altLang="zh-CN" sz="6000" dirty="0" smtClean="0"/>
+              <a:t>!</a:t>
             </a:r>
-            <a:endParaRPr sz="6000"/>
-          </a:p>
-          <a:p>
-            <a:pPr indent="0" lvl="0" marL="0" rtl="0" algn="l">
-              <a:spcBef>
-                <a:spcPts val="1600"/>
-              </a:spcBef>
-              <a:spcAft>
-                <a:spcPts val="1600"/>
+          </a:p>
+          <a:p>
+            <a:pPr marL="0" lvl="0" indent="0" algn="ctr" rtl="0">
+              <a:spcBef>
+                <a:spcPts val="0"/>
+              </a:spcBef>
+              <a:spcAft>
+                <a:spcPts val="0"/>
               </a:spcAft>
               <a:buNone/>
             </a:pPr>
             <a:r>
-              <a:rPr lang="en" sz="6000"/>
-              <a:t>            Q&amp;A</a:t>
+              <a:rPr lang="en" sz="6000" dirty="0" smtClean="0"/>
+              <a:t>Q&amp;A</a:t>
             </a:r>
-            <a:endParaRPr sz="6000"/>
+            <a:endParaRPr sz="6000" dirty="0"/>
           </a:p>
         </p:txBody>
       </p:sp>
@@ -8594,11 +9784,11 @@
 </file>
 
 <file path=ppt/slides/slide2.xml><?xml version="1.0" encoding="utf-8"?>
-<p:sld xmlns:a="http://schemas.openxmlformats.org/drawingml/2006/main" xmlns:r="http://schemas.openxmlformats.org/officeDocument/2006/relationships" xmlns:mc="http://schemas.openxmlformats.org/markup-compatibility/2006" xmlns:mv="urn:schemas-microsoft-com:mac:vml" xmlns:p="http://schemas.openxmlformats.org/presentationml/2006/main" xmlns:c="http://schemas.openxmlformats.org/drawingml/2006/chart" xmlns:dgm="http://schemas.openxmlformats.org/drawingml/2006/diagram" xmlns:o="urn:schemas-microsoft-com:office:office" xmlns:v="urn:schemas-microsoft-com:vml" xmlns:pvml="urn:schemas-microsoft-com:office:powerpoint" xmlns:com="http://schemas.openxmlformats.org/drawingml/2006/compatibility" xmlns:p14="http://schemas.microsoft.com/office/powerpoint/2010/main" xmlns:p15="http://schemas.microsoft.com/office/powerpoint/2012/main">
+<p:sld xmlns:a="http://schemas.openxmlformats.org/drawingml/2006/main" xmlns:r="http://schemas.openxmlformats.org/officeDocument/2006/relationships" xmlns:p="http://schemas.openxmlformats.org/presentationml/2006/main">
   <p:cSld>
     <p:spTree>
       <p:nvGrpSpPr>
-        <p:cNvPr id="64" name="Shape 64"/>
+        <p:cNvPr id="1" name="Shape 64"/>
         <p:cNvGrpSpPr/>
         <p:nvPr/>
       </p:nvGrpSpPr>
@@ -8613,7 +9803,9 @@
       <p:sp>
         <p:nvSpPr>
           <p:cNvPr id="65" name="Google Shape;65;p14"/>
-          <p:cNvSpPr txBox="1"/>
+          <p:cNvSpPr txBox="1">
+            <a:spLocks noGrp="1"/>
+          </p:cNvSpPr>
           <p:nvPr>
             <p:ph type="title"/>
           </p:nvPr>
@@ -8628,12 +9820,12 @@
           </a:prstGeom>
         </p:spPr>
         <p:txBody>
-          <a:bodyPr anchorCtr="0" anchor="ctr" bIns="91425" lIns="91425" spcFirstLastPara="1" rIns="91425" wrap="square" tIns="91425">
+          <a:bodyPr spcFirstLastPara="1" wrap="square" lIns="91425" tIns="91425" rIns="91425" bIns="91425" anchor="ctr" anchorCtr="0">
             <a:noAutofit/>
           </a:bodyPr>
           <a:lstStyle/>
           <a:p>
-            <a:pPr indent="0" lvl="0" marL="0" rtl="0" algn="l">
+            <a:pPr marL="0" lvl="0" indent="0" algn="l" rtl="0">
               <a:spcBef>
                 <a:spcPts val="0"/>
               </a:spcBef>
@@ -8670,12 +9862,12 @@
           </a:ln>
         </p:spPr>
         <p:txBody>
-          <a:bodyPr anchorCtr="0" anchor="t" bIns="91425" lIns="91425" spcFirstLastPara="1" rIns="91425" wrap="square" tIns="91425">
+          <a:bodyPr spcFirstLastPara="1" wrap="square" lIns="91425" tIns="91425" rIns="91425" bIns="91425" anchor="t" anchorCtr="0">
             <a:noAutofit/>
           </a:bodyPr>
           <a:lstStyle/>
           <a:p>
-            <a:pPr indent="0" lvl="0" marL="0" rtl="0" algn="l">
+            <a:pPr marL="0" lvl="0" indent="0" algn="l" rtl="0">
               <a:spcBef>
                 <a:spcPts val="0"/>
               </a:spcBef>
@@ -8709,11 +9901,11 @@
 </file>
 
 <file path=ppt/slides/slide3.xml><?xml version="1.0" encoding="utf-8"?>
-<p:sld xmlns:a="http://schemas.openxmlformats.org/drawingml/2006/main" xmlns:r="http://schemas.openxmlformats.org/officeDocument/2006/relationships" xmlns:mc="http://schemas.openxmlformats.org/markup-compatibility/2006" xmlns:mv="urn:schemas-microsoft-com:mac:vml" xmlns:p="http://schemas.openxmlformats.org/presentationml/2006/main" xmlns:c="http://schemas.openxmlformats.org/drawingml/2006/chart" xmlns:dgm="http://schemas.openxmlformats.org/drawingml/2006/diagram" xmlns:o="urn:schemas-microsoft-com:office:office" xmlns:v="urn:schemas-microsoft-com:vml" xmlns:pvml="urn:schemas-microsoft-com:office:powerpoint" xmlns:com="http://schemas.openxmlformats.org/drawingml/2006/compatibility" xmlns:p14="http://schemas.microsoft.com/office/powerpoint/2010/main" xmlns:p15="http://schemas.microsoft.com/office/powerpoint/2012/main">
+<p:sld xmlns:a="http://schemas.openxmlformats.org/drawingml/2006/main" xmlns:r="http://schemas.openxmlformats.org/officeDocument/2006/relationships" xmlns:p="http://schemas.openxmlformats.org/presentationml/2006/main">
   <p:cSld>
     <p:spTree>
       <p:nvGrpSpPr>
-        <p:cNvPr id="70" name="Shape 70"/>
+        <p:cNvPr id="1" name="Shape 70"/>
         <p:cNvGrpSpPr/>
         <p:nvPr/>
       </p:nvGrpSpPr>
@@ -8745,12 +9937,12 @@
           </a:ln>
         </p:spPr>
         <p:txBody>
-          <a:bodyPr anchorCtr="0" anchor="t" bIns="91425" lIns="91425" spcFirstLastPara="1" rIns="91425" wrap="square" tIns="91425">
+          <a:bodyPr spcFirstLastPara="1" wrap="square" lIns="91425" tIns="91425" rIns="91425" bIns="91425" anchor="t" anchorCtr="0">
             <a:noAutofit/>
           </a:bodyPr>
           <a:lstStyle/>
           <a:p>
-            <a:pPr indent="0" lvl="0" marL="0" rtl="0" algn="l">
+            <a:pPr marL="0" lvl="0" indent="0" algn="l" rtl="0">
               <a:spcBef>
                 <a:spcPts val="0"/>
               </a:spcBef>
@@ -8759,9 +9951,6 @@
               </a:spcAft>
               <a:buNone/>
             </a:pPr>
-            <a:r>
-              <a:t/>
-            </a:r>
             <a:endParaRPr/>
           </a:p>
         </p:txBody>
@@ -8786,12 +9975,12 @@
           </a:ln>
         </p:spPr>
         <p:txBody>
-          <a:bodyPr anchorCtr="0" anchor="t" bIns="91425" lIns="91425" spcFirstLastPara="1" rIns="91425" wrap="square" tIns="91425">
+          <a:bodyPr spcFirstLastPara="1" wrap="square" lIns="91425" tIns="91425" rIns="91425" bIns="91425" anchor="t" anchorCtr="0">
             <a:noAutofit/>
           </a:bodyPr>
           <a:lstStyle/>
           <a:p>
-            <a:pPr indent="0" lvl="0" marL="0" rtl="0" algn="l">
+            <a:pPr marL="0" lvl="0" indent="0" algn="l" rtl="0">
               <a:spcBef>
                 <a:spcPts val="0"/>
               </a:spcBef>
@@ -8807,7 +9996,7 @@
             <a:endParaRPr sz="2400"/>
           </a:p>
           <a:p>
-            <a:pPr indent="0" lvl="0" marL="0" rtl="0" algn="l">
+            <a:pPr marL="0" lvl="0" indent="0" algn="l" rtl="0">
               <a:spcBef>
                 <a:spcPts val="0"/>
               </a:spcBef>
@@ -8816,13 +10005,10 @@
               </a:spcAft>
               <a:buNone/>
             </a:pPr>
-            <a:r>
-              <a:t/>
-            </a:r>
             <a:endParaRPr sz="2400"/>
           </a:p>
           <a:p>
-            <a:pPr indent="0" lvl="0" marL="0" rtl="0" algn="l">
+            <a:pPr marL="0" lvl="0" indent="0" algn="l" rtl="0">
               <a:spcBef>
                 <a:spcPts val="0"/>
               </a:spcBef>
@@ -8859,12 +10045,12 @@
           </a:ln>
         </p:spPr>
         <p:txBody>
-          <a:bodyPr anchorCtr="0" anchor="t" bIns="91425" lIns="91425" spcFirstLastPara="1" rIns="91425" wrap="square" tIns="91425">
+          <a:bodyPr spcFirstLastPara="1" wrap="square" lIns="91425" tIns="91425" rIns="91425" bIns="91425" anchor="t" anchorCtr="0">
             <a:noAutofit/>
           </a:bodyPr>
           <a:lstStyle/>
           <a:p>
-            <a:pPr indent="0" lvl="0" marL="0" rtl="0" algn="l">
+            <a:pPr marL="0" lvl="0" indent="0" algn="l" rtl="0">
               <a:spcBef>
                 <a:spcPts val="0"/>
               </a:spcBef>
@@ -8888,7 +10074,7 @@
             </a:endParaRPr>
           </a:p>
           <a:p>
-            <a:pPr indent="0" lvl="0" marL="0" rtl="0" algn="l">
+            <a:pPr marL="0" lvl="0" indent="0" algn="l" rtl="0">
               <a:spcBef>
                 <a:spcPts val="0"/>
               </a:spcBef>
@@ -8897,9 +10083,6 @@
               </a:spcAft>
               <a:buNone/>
             </a:pPr>
-            <a:r>
-              <a:t/>
-            </a:r>
             <a:endParaRPr sz="2400">
               <a:solidFill>
                 <a:schemeClr val="accent1"/>
@@ -8907,7 +10090,7 @@
             </a:endParaRPr>
           </a:p>
           <a:p>
-            <a:pPr indent="0" lvl="0" marL="0" rtl="0" algn="l">
+            <a:pPr marL="0" lvl="0" indent="0" algn="l" rtl="0">
               <a:spcBef>
                 <a:spcPts val="0"/>
               </a:spcBef>
@@ -8941,11 +10124,11 @@
 </file>
 
 <file path=ppt/slides/slide4.xml><?xml version="1.0" encoding="utf-8"?>
-<p:sld xmlns:a="http://schemas.openxmlformats.org/drawingml/2006/main" xmlns:r="http://schemas.openxmlformats.org/officeDocument/2006/relationships" xmlns:mc="http://schemas.openxmlformats.org/markup-compatibility/2006" xmlns:mv="urn:schemas-microsoft-com:mac:vml" xmlns:p="http://schemas.openxmlformats.org/presentationml/2006/main" xmlns:c="http://schemas.openxmlformats.org/drawingml/2006/chart" xmlns:dgm="http://schemas.openxmlformats.org/drawingml/2006/diagram" xmlns:o="urn:schemas-microsoft-com:office:office" xmlns:v="urn:schemas-microsoft-com:vml" xmlns:pvml="urn:schemas-microsoft-com:office:powerpoint" xmlns:com="http://schemas.openxmlformats.org/drawingml/2006/compatibility" xmlns:p14="http://schemas.microsoft.com/office/powerpoint/2010/main" xmlns:p15="http://schemas.microsoft.com/office/powerpoint/2012/main">
+<p:sld xmlns:a="http://schemas.openxmlformats.org/drawingml/2006/main" xmlns:r="http://schemas.openxmlformats.org/officeDocument/2006/relationships" xmlns:p="http://schemas.openxmlformats.org/presentationml/2006/main">
   <p:cSld>
     <p:spTree>
       <p:nvGrpSpPr>
-        <p:cNvPr id="77" name="Shape 77"/>
+        <p:cNvPr id="1" name="Shape 77"/>
         <p:cNvGrpSpPr/>
         <p:nvPr/>
       </p:nvGrpSpPr>
@@ -8960,7 +10143,9 @@
       <p:sp>
         <p:nvSpPr>
           <p:cNvPr id="78" name="Google Shape;78;p16"/>
-          <p:cNvSpPr txBox="1"/>
+          <p:cNvSpPr txBox="1">
+            <a:spLocks noGrp="1"/>
+          </p:cNvSpPr>
           <p:nvPr>
             <p:ph type="title"/>
           </p:nvPr>
@@ -8975,12 +10160,12 @@
           </a:prstGeom>
         </p:spPr>
         <p:txBody>
-          <a:bodyPr anchorCtr="0" anchor="t" bIns="91425" lIns="91425" spcFirstLastPara="1" rIns="91425" wrap="square" tIns="91425">
+          <a:bodyPr spcFirstLastPara="1" wrap="square" lIns="91425" tIns="91425" rIns="91425" bIns="91425" anchor="t" anchorCtr="0">
             <a:noAutofit/>
           </a:bodyPr>
           <a:lstStyle/>
           <a:p>
-            <a:pPr indent="0" lvl="0" marL="0" rtl="0" algn="l">
+            <a:pPr marL="0" lvl="0" indent="0" algn="l" rtl="0">
               <a:spcBef>
                 <a:spcPts val="0"/>
               </a:spcBef>
@@ -9005,9 +10190,11 @@
       <p:sp>
         <p:nvSpPr>
           <p:cNvPr id="79" name="Google Shape;79;p16"/>
-          <p:cNvSpPr txBox="1"/>
+          <p:cNvSpPr txBox="1">
+            <a:spLocks noGrp="1"/>
+          </p:cNvSpPr>
           <p:nvPr>
-            <p:ph idx="1" type="body"/>
+            <p:ph type="body" idx="1"/>
           </p:nvPr>
         </p:nvSpPr>
         <p:spPr>
@@ -9020,12 +10207,12 @@
           </a:prstGeom>
         </p:spPr>
         <p:txBody>
-          <a:bodyPr anchorCtr="0" anchor="t" bIns="91425" lIns="91425" spcFirstLastPara="1" rIns="91425" wrap="square" tIns="91425">
+          <a:bodyPr spcFirstLastPara="1" wrap="square" lIns="91425" tIns="91425" rIns="91425" bIns="91425" anchor="t" anchorCtr="0">
             <a:noAutofit/>
           </a:bodyPr>
           <a:lstStyle/>
           <a:p>
-            <a:pPr indent="0" lvl="0" marL="0" rtl="0" algn="l">
+            <a:pPr marL="0" lvl="0" indent="0" algn="l" rtl="0">
               <a:spcBef>
                 <a:spcPts val="0"/>
               </a:spcBef>
@@ -9041,7 +10228,7 @@
             <a:endParaRPr/>
           </a:p>
           <a:p>
-            <a:pPr indent="457200" lvl="0" marL="0" rtl="0" algn="l">
+            <a:pPr marL="0" lvl="0" indent="457200" algn="l" rtl="0">
               <a:spcBef>
                 <a:spcPts val="1600"/>
               </a:spcBef>
@@ -9057,7 +10244,7 @@
             <a:endParaRPr/>
           </a:p>
           <a:p>
-            <a:pPr indent="0" lvl="0" marL="0" rtl="0" algn="l">
+            <a:pPr marL="0" lvl="0" indent="0" algn="l" rtl="0">
               <a:spcBef>
                 <a:spcPts val="1600"/>
               </a:spcBef>
@@ -9073,7 +10260,7 @@
             <a:endParaRPr/>
           </a:p>
           <a:p>
-            <a:pPr indent="0" lvl="0" marL="0" rtl="0" algn="l">
+            <a:pPr marL="0" lvl="0" indent="0" algn="l" rtl="0">
               <a:spcBef>
                 <a:spcPts val="1600"/>
               </a:spcBef>
@@ -9089,7 +10276,7 @@
             <a:endParaRPr/>
           </a:p>
           <a:p>
-            <a:pPr indent="0" lvl="0" marL="0" rtl="0" algn="l">
+            <a:pPr marL="0" lvl="0" indent="0" algn="l" rtl="0">
               <a:spcBef>
                 <a:spcPts val="1600"/>
               </a:spcBef>
@@ -9105,7 +10292,7 @@
             <a:endParaRPr/>
           </a:p>
           <a:p>
-            <a:pPr indent="0" lvl="0" marL="0" rtl="0" algn="l">
+            <a:pPr marL="0" lvl="0" indent="0" algn="l" rtl="0">
               <a:spcBef>
                 <a:spcPts val="1600"/>
               </a:spcBef>
@@ -9114,9 +10301,6 @@
               </a:spcAft>
               <a:buNone/>
             </a:pPr>
-            <a:r>
-              <a:t/>
-            </a:r>
             <a:endParaRPr/>
           </a:p>
         </p:txBody>
@@ -9130,11 +10314,11 @@
 </file>
 
 <file path=ppt/slides/slide5.xml><?xml version="1.0" encoding="utf-8"?>
-<p:sld xmlns:a="http://schemas.openxmlformats.org/drawingml/2006/main" xmlns:r="http://schemas.openxmlformats.org/officeDocument/2006/relationships" xmlns:mc="http://schemas.openxmlformats.org/markup-compatibility/2006" xmlns:mv="urn:schemas-microsoft-com:mac:vml" xmlns:p="http://schemas.openxmlformats.org/presentationml/2006/main" xmlns:c="http://schemas.openxmlformats.org/drawingml/2006/chart" xmlns:dgm="http://schemas.openxmlformats.org/drawingml/2006/diagram" xmlns:o="urn:schemas-microsoft-com:office:office" xmlns:v="urn:schemas-microsoft-com:vml" xmlns:pvml="urn:schemas-microsoft-com:office:powerpoint" xmlns:com="http://schemas.openxmlformats.org/drawingml/2006/compatibility" xmlns:p14="http://schemas.microsoft.com/office/powerpoint/2010/main" xmlns:p15="http://schemas.microsoft.com/office/powerpoint/2012/main">
+<p:sld xmlns:a="http://schemas.openxmlformats.org/drawingml/2006/main" xmlns:r="http://schemas.openxmlformats.org/officeDocument/2006/relationships" xmlns:p="http://schemas.openxmlformats.org/presentationml/2006/main">
   <p:cSld>
     <p:spTree>
       <p:nvGrpSpPr>
-        <p:cNvPr id="83" name="Shape 83"/>
+        <p:cNvPr id="1" name="Shape 83"/>
         <p:cNvGrpSpPr/>
         <p:nvPr/>
       </p:nvGrpSpPr>
@@ -9149,7 +10333,9 @@
       <p:sp>
         <p:nvSpPr>
           <p:cNvPr id="84" name="Google Shape;84;p17"/>
-          <p:cNvSpPr txBox="1"/>
+          <p:cNvSpPr txBox="1">
+            <a:spLocks noGrp="1"/>
+          </p:cNvSpPr>
           <p:nvPr>
             <p:ph type="title"/>
           </p:nvPr>
@@ -9164,12 +10350,12 @@
           </a:prstGeom>
         </p:spPr>
         <p:txBody>
-          <a:bodyPr anchorCtr="0" anchor="t" bIns="91425" lIns="91425" spcFirstLastPara="1" rIns="91425" wrap="square" tIns="91425">
+          <a:bodyPr spcFirstLastPara="1" wrap="square" lIns="91425" tIns="91425" rIns="91425" bIns="91425" anchor="t" anchorCtr="0">
             <a:noAutofit/>
           </a:bodyPr>
           <a:lstStyle/>
           <a:p>
-            <a:pPr indent="0" lvl="0" marL="0" rtl="0" algn="l">
+            <a:pPr marL="0" lvl="0" indent="0" algn="l" rtl="0">
               <a:spcBef>
                 <a:spcPts val="0"/>
               </a:spcBef>
@@ -9189,9 +10375,11 @@
       <p:sp>
         <p:nvSpPr>
           <p:cNvPr id="85" name="Google Shape;85;p17"/>
-          <p:cNvSpPr txBox="1"/>
+          <p:cNvSpPr txBox="1">
+            <a:spLocks noGrp="1"/>
+          </p:cNvSpPr>
           <p:nvPr>
-            <p:ph idx="1" type="body"/>
+            <p:ph type="body" idx="1"/>
           </p:nvPr>
         </p:nvSpPr>
         <p:spPr>
@@ -9204,12 +10392,12 @@
           </a:prstGeom>
         </p:spPr>
         <p:txBody>
-          <a:bodyPr anchorCtr="0" anchor="t" bIns="91425" lIns="91425" spcFirstLastPara="1" rIns="91425" wrap="square" tIns="91425">
+          <a:bodyPr spcFirstLastPara="1" wrap="square" lIns="91425" tIns="91425" rIns="91425" bIns="91425" anchor="t" anchorCtr="0">
             <a:noAutofit/>
           </a:bodyPr>
           <a:lstStyle/>
           <a:p>
-            <a:pPr indent="0" lvl="0" marL="0" rtl="0" algn="l">
+            <a:pPr marL="0" lvl="0" indent="0" algn="l" rtl="0">
               <a:spcBef>
                 <a:spcPts val="0"/>
               </a:spcBef>
@@ -9225,7 +10413,7 @@
             <a:endParaRPr/>
           </a:p>
           <a:p>
-            <a:pPr indent="-342900" lvl="1" marL="457200" rtl="0" algn="l">
+            <a:pPr marL="457200" lvl="1" indent="-342900" algn="l" rtl="0">
               <a:spcBef>
                 <a:spcPts val="1600"/>
               </a:spcBef>
@@ -9242,7 +10430,7 @@
             <a:endParaRPr sz="1800"/>
           </a:p>
           <a:p>
-            <a:pPr indent="-342900" lvl="1" marL="457200" rtl="0" algn="l">
+            <a:pPr marL="457200" lvl="1" indent="-342900" algn="l" rtl="0">
               <a:spcBef>
                 <a:spcPts val="0"/>
               </a:spcBef>
@@ -9259,7 +10447,7 @@
             <a:endParaRPr sz="1800"/>
           </a:p>
           <a:p>
-            <a:pPr indent="-342900" lvl="1" marL="457200" rtl="0" algn="l">
+            <a:pPr marL="457200" lvl="1" indent="-342900" algn="l" rtl="0">
               <a:spcBef>
                 <a:spcPts val="0"/>
               </a:spcBef>
@@ -9286,11 +10474,142 @@
 </file>
 
 <file path=ppt/slides/slide6.xml><?xml version="1.0" encoding="utf-8"?>
-<p:sld xmlns:a="http://schemas.openxmlformats.org/drawingml/2006/main" xmlns:r="http://schemas.openxmlformats.org/officeDocument/2006/relationships" xmlns:mc="http://schemas.openxmlformats.org/markup-compatibility/2006" xmlns:mv="urn:schemas-microsoft-com:mac:vml" xmlns:p="http://schemas.openxmlformats.org/presentationml/2006/main" xmlns:c="http://schemas.openxmlformats.org/drawingml/2006/chart" xmlns:dgm="http://schemas.openxmlformats.org/drawingml/2006/diagram" xmlns:o="urn:schemas-microsoft-com:office:office" xmlns:v="urn:schemas-microsoft-com:vml" xmlns:pvml="urn:schemas-microsoft-com:office:powerpoint" xmlns:com="http://schemas.openxmlformats.org/drawingml/2006/compatibility" xmlns:p14="http://schemas.microsoft.com/office/powerpoint/2010/main" xmlns:p15="http://schemas.microsoft.com/office/powerpoint/2012/main">
+<p:sld xmlns:a="http://schemas.openxmlformats.org/drawingml/2006/main" xmlns:r="http://schemas.openxmlformats.org/officeDocument/2006/relationships" xmlns:p="http://schemas.openxmlformats.org/presentationml/2006/main">
   <p:cSld>
     <p:spTree>
       <p:nvGrpSpPr>
-        <p:cNvPr id="89" name="Shape 89"/>
+        <p:cNvPr id="1" name=""/>
+        <p:cNvGrpSpPr/>
+        <p:nvPr/>
+      </p:nvGrpSpPr>
+      <p:grpSpPr>
+        <a:xfrm>
+          <a:off x="0" y="0"/>
+          <a:ext cx="0" cy="0"/>
+          <a:chOff x="0" y="0"/>
+          <a:chExt cx="0" cy="0"/>
+        </a:xfrm>
+      </p:grpSpPr>
+      <p:sp>
+        <p:nvSpPr>
+          <p:cNvPr id="2" name="Title 1"/>
+          <p:cNvSpPr>
+            <a:spLocks noGrp="1"/>
+          </p:cNvSpPr>
+          <p:nvPr>
+            <p:ph type="title"/>
+          </p:nvPr>
+        </p:nvSpPr>
+        <p:spPr/>
+        <p:txBody>
+          <a:bodyPr/>
+          <a:lstStyle/>
+          <a:p>
+            <a:r>
+              <a:rPr lang="en-US" altLang="zh-CN" dirty="0" smtClean="0"/>
+              <a:t>Error</a:t>
+            </a:r>
+            <a:r>
+              <a:rPr lang="zh-CN" altLang="en-US" dirty="0" smtClean="0"/>
+              <a:t> </a:t>
+            </a:r>
+            <a:r>
+              <a:rPr lang="en-US" altLang="zh-CN" dirty="0" smtClean="0"/>
+              <a:t>Detection</a:t>
+            </a:r>
+            <a:r>
+              <a:rPr lang="zh-CN" altLang="en-US" dirty="0" smtClean="0"/>
+              <a:t> </a:t>
+            </a:r>
+            <a:r>
+              <a:rPr lang="mr-IN" altLang="zh-CN" dirty="0" smtClean="0"/>
+              <a:t>–</a:t>
+            </a:r>
+            <a:r>
+              <a:rPr lang="zh-CN" altLang="en-US" dirty="0" smtClean="0"/>
+              <a:t> </a:t>
+            </a:r>
+            <a:r>
+              <a:rPr lang="en-US" altLang="zh-CN" dirty="0" smtClean="0"/>
+              <a:t>Example</a:t>
+            </a:r>
+            <a:r>
+              <a:rPr lang="zh-CN" altLang="en-US" dirty="0" smtClean="0"/>
+              <a:t> </a:t>
+            </a:r>
+            <a:r>
+              <a:rPr lang="en-US" altLang="zh-CN" dirty="0" smtClean="0"/>
+              <a:t>of</a:t>
+            </a:r>
+            <a:r>
+              <a:rPr lang="zh-CN" altLang="en-US" dirty="0" smtClean="0"/>
+              <a:t> </a:t>
+            </a:r>
+            <a:r>
+              <a:rPr lang="en-US" altLang="zh-CN" dirty="0" smtClean="0"/>
+              <a:t>Bigram</a:t>
+            </a:r>
+            <a:r>
+              <a:rPr lang="zh-CN" altLang="en-US" dirty="0" smtClean="0"/>
+              <a:t> </a:t>
+            </a:r>
+            <a:r>
+              <a:rPr lang="en-US" altLang="zh-CN" dirty="0" smtClean="0"/>
+              <a:t>Matrix</a:t>
+            </a:r>
+            <a:endParaRPr lang="en-US" dirty="0"/>
+          </a:p>
+        </p:txBody>
+      </p:sp>
+      <p:pic>
+        <p:nvPicPr>
+          <p:cNvPr id="4" name="Picture 3"/>
+          <p:cNvPicPr>
+            <a:picLocks noChangeAspect="1"/>
+          </p:cNvPicPr>
+          <p:nvPr/>
+        </p:nvPicPr>
+        <p:blipFill>
+          <a:blip r:embed="rId2">
+            <a:extLst>
+              <a:ext uri="{28A0092B-C50C-407E-A947-70E740481C1C}">
+                <a14:useLocalDpi xmlns:a14="http://schemas.microsoft.com/office/drawing/2010/main" val="0"/>
+              </a:ext>
+            </a:extLst>
+          </a:blip>
+          <a:stretch>
+            <a:fillRect/>
+          </a:stretch>
+        </p:blipFill>
+        <p:spPr>
+          <a:xfrm>
+            <a:off x="855691" y="1470572"/>
+            <a:ext cx="7432617" cy="3132959"/>
+          </a:xfrm>
+          <a:prstGeom prst="rect">
+            <a:avLst/>
+          </a:prstGeom>
+        </p:spPr>
+      </p:pic>
+    </p:spTree>
+    <p:extLst>
+      <p:ext uri="{BB962C8B-B14F-4D97-AF65-F5344CB8AC3E}">
+        <p14:creationId xmlns:p14="http://schemas.microsoft.com/office/powerpoint/2010/main" val="986451707"/>
+      </p:ext>
+    </p:extLst>
+  </p:cSld>
+  <p:clrMapOvr>
+    <a:masterClrMapping/>
+  </p:clrMapOvr>
+</p:sld>
+</file>
+
+<file path=ppt/slides/slide7.xml><?xml version="1.0" encoding="utf-8"?>
+<p:sld xmlns:a="http://schemas.openxmlformats.org/drawingml/2006/main" xmlns:r="http://schemas.openxmlformats.org/officeDocument/2006/relationships" xmlns:p="http://schemas.openxmlformats.org/presentationml/2006/main">
+  <p:cSld>
+    <p:spTree>
+      <p:nvGrpSpPr>
+        <p:cNvPr id="1" name="Shape 89"/>
         <p:cNvGrpSpPr/>
         <p:nvPr/>
       </p:nvGrpSpPr>
@@ -9305,7 +10624,9 @@
       <p:sp>
         <p:nvSpPr>
           <p:cNvPr id="90" name="Google Shape;90;p18"/>
-          <p:cNvSpPr txBox="1"/>
+          <p:cNvSpPr txBox="1">
+            <a:spLocks noGrp="1"/>
+          </p:cNvSpPr>
           <p:nvPr>
             <p:ph type="title"/>
           </p:nvPr>
@@ -9320,12 +10641,12 @@
           </a:prstGeom>
         </p:spPr>
         <p:txBody>
-          <a:bodyPr anchorCtr="0" anchor="t" bIns="91425" lIns="91425" spcFirstLastPara="1" rIns="91425" wrap="square" tIns="91425">
+          <a:bodyPr spcFirstLastPara="1" wrap="square" lIns="91425" tIns="91425" rIns="91425" bIns="91425" anchor="t" anchorCtr="0">
             <a:noAutofit/>
           </a:bodyPr>
           <a:lstStyle/>
           <a:p>
-            <a:pPr indent="0" lvl="0" marL="0" rtl="0" algn="l">
+            <a:pPr marL="0" lvl="0" indent="0" algn="l" rtl="0">
               <a:spcBef>
                 <a:spcPts val="0"/>
               </a:spcBef>
@@ -9345,9 +10666,11 @@
       <p:sp>
         <p:nvSpPr>
           <p:cNvPr id="91" name="Google Shape;91;p18"/>
-          <p:cNvSpPr txBox="1"/>
+          <p:cNvSpPr txBox="1">
+            <a:spLocks noGrp="1"/>
+          </p:cNvSpPr>
           <p:nvPr>
-            <p:ph idx="1" type="body"/>
+            <p:ph type="body" idx="1"/>
           </p:nvPr>
         </p:nvSpPr>
         <p:spPr>
@@ -9360,12 +10683,12 @@
           </a:prstGeom>
         </p:spPr>
         <p:txBody>
-          <a:bodyPr anchorCtr="0" anchor="t" bIns="91425" lIns="91425" spcFirstLastPara="1" rIns="91425" wrap="square" tIns="91425">
+          <a:bodyPr spcFirstLastPara="1" wrap="square" lIns="91425" tIns="91425" rIns="91425" bIns="91425" anchor="t" anchorCtr="0">
             <a:noAutofit/>
           </a:bodyPr>
           <a:lstStyle/>
           <a:p>
-            <a:pPr indent="0" lvl="0" marL="0" rtl="0" algn="l">
+            <a:pPr marL="0" lvl="0" indent="0" algn="l" rtl="0">
               <a:spcBef>
                 <a:spcPts val="0"/>
               </a:spcBef>
@@ -9381,7 +10704,7 @@
             <a:endParaRPr/>
           </a:p>
           <a:p>
-            <a:pPr indent="-342900" lvl="0" marL="457200" rtl="0" algn="l">
+            <a:pPr marL="457200" lvl="0" indent="-342900" algn="l" rtl="0">
               <a:spcBef>
                 <a:spcPts val="1600"/>
               </a:spcBef>
@@ -9398,7 +10721,7 @@
             <a:endParaRPr/>
           </a:p>
           <a:p>
-            <a:pPr indent="-317500" lvl="1" marL="914400" rtl="0" algn="l">
+            <a:pPr marL="914400" lvl="1" indent="-317500" algn="l" rtl="0">
               <a:spcBef>
                 <a:spcPts val="0"/>
               </a:spcBef>
@@ -9415,7 +10738,7 @@
             <a:endParaRPr/>
           </a:p>
           <a:p>
-            <a:pPr indent="-317500" lvl="1" marL="914400" rtl="0" algn="l">
+            <a:pPr marL="914400" lvl="1" indent="-317500" algn="l" rtl="0">
               <a:spcBef>
                 <a:spcPts val="0"/>
               </a:spcBef>
@@ -9432,7 +10755,7 @@
             <a:endParaRPr/>
           </a:p>
           <a:p>
-            <a:pPr indent="-317500" lvl="1" marL="914400" rtl="0" algn="l">
+            <a:pPr marL="914400" lvl="1" indent="-317500" algn="l" rtl="0">
               <a:spcBef>
                 <a:spcPts val="0"/>
               </a:spcBef>
@@ -9449,7 +10772,7 @@
             <a:endParaRPr/>
           </a:p>
           <a:p>
-            <a:pPr indent="-342900" lvl="0" marL="457200" rtl="0" algn="l">
+            <a:pPr marL="457200" lvl="0" indent="-342900" algn="l" rtl="0">
               <a:spcBef>
                 <a:spcPts val="0"/>
               </a:spcBef>
@@ -9466,7 +10789,7 @@
             <a:endParaRPr/>
           </a:p>
           <a:p>
-            <a:pPr indent="-342900" lvl="0" marL="457200" rtl="0" algn="l">
+            <a:pPr marL="457200" lvl="0" indent="-342900" algn="l" rtl="0">
               <a:spcBef>
                 <a:spcPts val="0"/>
               </a:spcBef>
@@ -9483,7 +10806,7 @@
             <a:endParaRPr/>
           </a:p>
           <a:p>
-            <a:pPr indent="-317500" lvl="1" marL="914400" rtl="0" algn="l">
+            <a:pPr marL="914400" lvl="1" indent="-317500" algn="l" rtl="0">
               <a:spcBef>
                 <a:spcPts val="0"/>
               </a:spcBef>
@@ -9500,7 +10823,7 @@
             <a:endParaRPr/>
           </a:p>
           <a:p>
-            <a:pPr indent="-317500" lvl="1" marL="914400" rtl="0" algn="l">
+            <a:pPr marL="914400" lvl="1" indent="-317500" algn="l" rtl="0">
               <a:spcBef>
                 <a:spcPts val="0"/>
               </a:spcBef>
@@ -9517,7 +10840,7 @@
             <a:endParaRPr/>
           </a:p>
           <a:p>
-            <a:pPr indent="0" lvl="0" marL="457200" rtl="0" algn="l">
+            <a:pPr marL="457200" lvl="0" indent="0" algn="l" rtl="0">
               <a:spcBef>
                 <a:spcPts val="1600"/>
               </a:spcBef>
@@ -9526,9 +10849,6 @@
               </a:spcAft>
               <a:buNone/>
             </a:pPr>
-            <a:r>
-              <a:t/>
-            </a:r>
             <a:endParaRPr/>
           </a:p>
         </p:txBody>
@@ -9541,12 +10861,12 @@
 </p:sld>
 </file>
 
-<file path=ppt/slides/slide7.xml><?xml version="1.0" encoding="utf-8"?>
-<p:sld xmlns:a="http://schemas.openxmlformats.org/drawingml/2006/main" xmlns:r="http://schemas.openxmlformats.org/officeDocument/2006/relationships" xmlns:mc="http://schemas.openxmlformats.org/markup-compatibility/2006" xmlns:mv="urn:schemas-microsoft-com:mac:vml" xmlns:p="http://schemas.openxmlformats.org/presentationml/2006/main" xmlns:c="http://schemas.openxmlformats.org/drawingml/2006/chart" xmlns:dgm="http://schemas.openxmlformats.org/drawingml/2006/diagram" xmlns:o="urn:schemas-microsoft-com:office:office" xmlns:v="urn:schemas-microsoft-com:vml" xmlns:pvml="urn:schemas-microsoft-com:office:powerpoint" xmlns:com="http://schemas.openxmlformats.org/drawingml/2006/compatibility" xmlns:p14="http://schemas.microsoft.com/office/powerpoint/2010/main" xmlns:p15="http://schemas.microsoft.com/office/powerpoint/2012/main">
+<file path=ppt/slides/slide8.xml><?xml version="1.0" encoding="utf-8"?>
+<p:sld xmlns:a="http://schemas.openxmlformats.org/drawingml/2006/main" xmlns:r="http://schemas.openxmlformats.org/officeDocument/2006/relationships" xmlns:p="http://schemas.openxmlformats.org/presentationml/2006/main">
   <p:cSld>
     <p:spTree>
       <p:nvGrpSpPr>
-        <p:cNvPr id="95" name="Shape 95"/>
+        <p:cNvPr id="1" name="Shape 95"/>
         <p:cNvGrpSpPr/>
         <p:nvPr/>
       </p:nvGrpSpPr>
@@ -9561,7 +10881,9 @@
       <p:sp>
         <p:nvSpPr>
           <p:cNvPr id="96" name="Google Shape;96;p19"/>
-          <p:cNvSpPr txBox="1"/>
+          <p:cNvSpPr txBox="1">
+            <a:spLocks noGrp="1"/>
+          </p:cNvSpPr>
           <p:nvPr>
             <p:ph type="title"/>
           </p:nvPr>
@@ -9576,12 +10898,12 @@
           </a:prstGeom>
         </p:spPr>
         <p:txBody>
-          <a:bodyPr anchorCtr="0" anchor="t" bIns="91425" lIns="91425" spcFirstLastPara="1" rIns="91425" wrap="square" tIns="91425">
+          <a:bodyPr spcFirstLastPara="1" wrap="square" lIns="91425" tIns="91425" rIns="91425" bIns="91425" anchor="t" anchorCtr="0">
             <a:noAutofit/>
           </a:bodyPr>
           <a:lstStyle/>
           <a:p>
-            <a:pPr indent="0" lvl="0" marL="0" rtl="0" algn="l">
+            <a:pPr marL="0" lvl="0" indent="0" algn="l" rtl="0">
               <a:spcBef>
                 <a:spcPts val="0"/>
               </a:spcBef>
@@ -9601,9 +10923,11 @@
       <p:sp>
         <p:nvSpPr>
           <p:cNvPr id="97" name="Google Shape;97;p19"/>
-          <p:cNvSpPr txBox="1"/>
+          <p:cNvSpPr txBox="1">
+            <a:spLocks noGrp="1"/>
+          </p:cNvSpPr>
           <p:nvPr>
-            <p:ph idx="1" type="body"/>
+            <p:ph type="body" idx="1"/>
           </p:nvPr>
         </p:nvSpPr>
         <p:spPr>
@@ -9616,12 +10940,12 @@
           </a:prstGeom>
         </p:spPr>
         <p:txBody>
-          <a:bodyPr anchorCtr="0" anchor="t" bIns="91425" lIns="91425" spcFirstLastPara="1" rIns="91425" wrap="square" tIns="91425">
+          <a:bodyPr spcFirstLastPara="1" wrap="square" lIns="91425" tIns="91425" rIns="91425" bIns="91425" anchor="t" anchorCtr="0">
             <a:noAutofit/>
           </a:bodyPr>
           <a:lstStyle/>
           <a:p>
-            <a:pPr indent="0" lvl="0" marL="0" rtl="0" algn="l">
+            <a:pPr marL="0" lvl="0" indent="0" algn="l" rtl="0">
               <a:spcBef>
                 <a:spcPts val="0"/>
               </a:spcBef>
@@ -9637,7 +10961,7 @@
             <a:endParaRPr/>
           </a:p>
           <a:p>
-            <a:pPr indent="-342900" lvl="0" marL="457200" rtl="0" algn="l">
+            <a:pPr marL="457200" lvl="0" indent="-342900" algn="l" rtl="0">
               <a:spcBef>
                 <a:spcPts val="1600"/>
               </a:spcBef>
@@ -9654,7 +10978,7 @@
             <a:endParaRPr/>
           </a:p>
           <a:p>
-            <a:pPr indent="-342900" lvl="0" marL="457200" rtl="0" algn="l">
+            <a:pPr marL="457200" lvl="0" indent="-342900" algn="l" rtl="0">
               <a:spcBef>
                 <a:spcPts val="0"/>
               </a:spcBef>
@@ -9671,7 +10995,7 @@
             <a:endParaRPr/>
           </a:p>
           <a:p>
-            <a:pPr indent="0" lvl="0" marL="0" rtl="0" algn="l">
+            <a:pPr marL="0" lvl="0" indent="0" algn="l" rtl="0">
               <a:spcBef>
                 <a:spcPts val="1600"/>
               </a:spcBef>
@@ -9687,7 +11011,7 @@
             <a:endParaRPr/>
           </a:p>
           <a:p>
-            <a:pPr indent="0" lvl="0" marL="457200" rtl="0" algn="l">
+            <a:pPr marL="457200" lvl="0" indent="0" algn="l" rtl="0">
               <a:spcBef>
                 <a:spcPts val="1600"/>
               </a:spcBef>
@@ -9696,9 +11020,6 @@
               </a:spcAft>
               <a:buNone/>
             </a:pPr>
-            <a:r>
-              <a:t/>
-            </a:r>
             <a:endParaRPr/>
           </a:p>
         </p:txBody>
@@ -9711,19 +11032,12 @@
 </p:sld>
 </file>
 
-<file path=ppt/slides/slide8.xml><?xml version="1.0" encoding="utf-8"?>
-<p:sld xmlns:a="http://schemas.openxmlformats.org/drawingml/2006/main" xmlns:r="http://schemas.openxmlformats.org/officeDocument/2006/relationships" xmlns:mc="http://schemas.openxmlformats.org/markup-compatibility/2006" xmlns:mv="urn:schemas-microsoft-com:mac:vml" xmlns:p="http://schemas.openxmlformats.org/presentationml/2006/main" xmlns:c="http://schemas.openxmlformats.org/drawingml/2006/chart" xmlns:dgm="http://schemas.openxmlformats.org/drawingml/2006/diagram" xmlns:o="urn:schemas-microsoft-com:office:office" xmlns:v="urn:schemas-microsoft-com:vml" xmlns:pvml="urn:schemas-microsoft-com:office:powerpoint" xmlns:com="http://schemas.openxmlformats.org/drawingml/2006/compatibility" xmlns:p14="http://schemas.microsoft.com/office/powerpoint/2010/main" xmlns:p15="http://schemas.microsoft.com/office/powerpoint/2012/main">
+<file path=ppt/slides/slide9.xml><?xml version="1.0" encoding="utf-8"?>
+<p:sld xmlns:a="http://schemas.openxmlformats.org/drawingml/2006/main" xmlns:r="http://schemas.openxmlformats.org/officeDocument/2006/relationships" xmlns:p="http://schemas.openxmlformats.org/presentationml/2006/main">
   <p:cSld>
-    <p:bg>
-      <p:bgPr>
-        <a:solidFill>
-          <a:srgbClr val="000000"/>
-        </a:solidFill>
-      </p:bgPr>
-    </p:bg>
     <p:spTree>
       <p:nvGrpSpPr>
-        <p:cNvPr id="101" name="Shape 101"/>
+        <p:cNvPr id="1" name=""/>
         <p:cNvGrpSpPr/>
         <p:nvPr/>
       </p:nvGrpSpPr>
@@ -9737,141 +11051,74 @@
       </p:grpSpPr>
       <p:sp>
         <p:nvSpPr>
-          <p:cNvPr id="102" name="Google Shape;102;p20"/>
-          <p:cNvSpPr txBox="1"/>
+          <p:cNvPr id="2" name="Title 1"/>
+          <p:cNvSpPr>
+            <a:spLocks noGrp="1"/>
+          </p:cNvSpPr>
           <p:nvPr>
             <p:ph type="title"/>
           </p:nvPr>
         </p:nvSpPr>
-        <p:spPr>
-          <a:xfrm>
-            <a:off x="311700" y="445025"/>
-            <a:ext cx="8520600" cy="613200"/>
-          </a:xfrm>
-          <a:prstGeom prst="rect">
-            <a:avLst/>
-          </a:prstGeom>
-        </p:spPr>
+        <p:spPr/>
         <p:txBody>
-          <a:bodyPr anchorCtr="0" anchor="t" bIns="91425" lIns="91425" spcFirstLastPara="1" rIns="91425" wrap="square" tIns="91425">
-            <a:noAutofit/>
-          </a:bodyPr>
+          <a:bodyPr/>
           <a:lstStyle/>
           <a:p>
-            <a:pPr indent="0" lvl="0" marL="0" rtl="0" algn="l">
-              <a:spcBef>
-                <a:spcPts val="0"/>
-              </a:spcBef>
-              <a:spcAft>
-                <a:spcPts val="0"/>
-              </a:spcAft>
-              <a:buNone/>
-            </a:pPr>
             <a:r>
-              <a:rPr lang="en">
-                <a:solidFill>
-                  <a:schemeClr val="accent1"/>
-                </a:solidFill>
-              </a:rPr>
-              <a:t>Error Correction: Probability Scoring</a:t>
+              <a:rPr lang="en-US" altLang="zh-CN" dirty="0" smtClean="0"/>
+              <a:t>Error</a:t>
             </a:r>
-            <a:endParaRPr>
-              <a:solidFill>
-                <a:schemeClr val="accent1"/>
-              </a:solidFill>
-            </a:endParaRPr>
-          </a:p>
-        </p:txBody>
-      </p:sp>
-      <p:sp>
-        <p:nvSpPr>
-          <p:cNvPr id="103" name="Google Shape;103;p20"/>
-          <p:cNvSpPr txBox="1"/>
-          <p:nvPr>
-            <p:ph idx="1" type="body"/>
-          </p:nvPr>
-        </p:nvSpPr>
-        <p:spPr>
-          <a:xfrm>
-            <a:off x="311700" y="1171600"/>
-            <a:ext cx="8520600" cy="3397200"/>
-          </a:xfrm>
-          <a:prstGeom prst="rect">
-            <a:avLst/>
-          </a:prstGeom>
-        </p:spPr>
-        <p:txBody>
-          <a:bodyPr anchorCtr="0" anchor="t" bIns="91425" lIns="91425" spcFirstLastPara="1" rIns="91425" wrap="square" tIns="91425">
-            <a:noAutofit/>
-          </a:bodyPr>
-          <a:lstStyle/>
-          <a:p>
-            <a:pPr indent="-342900" lvl="0" marL="457200" rtl="0" algn="l">
-              <a:spcBef>
-                <a:spcPts val="0"/>
-              </a:spcBef>
-              <a:spcAft>
-                <a:spcPts val="0"/>
-              </a:spcAft>
-              <a:buClr>
-                <a:schemeClr val="accent1"/>
-              </a:buClr>
-              <a:buSzPts val="1800"/>
-              <a:buChar char="●"/>
-            </a:pPr>
             <a:r>
-              <a:rPr lang="en">
-                <a:solidFill>
-                  <a:schemeClr val="accent1"/>
-                </a:solidFill>
-              </a:rPr>
-              <a:t>Assumption: Typist knows what he/she wants to type, yet typos happen</a:t>
+              <a:rPr lang="zh-CN" altLang="en-US" dirty="0" smtClean="0"/>
+              <a:t> </a:t>
             </a:r>
-            <a:endParaRPr>
-              <a:solidFill>
-                <a:schemeClr val="accent1"/>
-              </a:solidFill>
-            </a:endParaRPr>
-          </a:p>
-          <a:p>
-            <a:pPr indent="-342900" lvl="0" marL="457200" rtl="0" algn="l">
-              <a:spcBef>
-                <a:spcPts val="0"/>
-              </a:spcBef>
-              <a:spcAft>
-                <a:spcPts val="0"/>
-              </a:spcAft>
-              <a:buClr>
-                <a:schemeClr val="accent1"/>
-              </a:buClr>
-              <a:buSzPts val="1800"/>
-              <a:buChar char="●"/>
-            </a:pPr>
             <a:r>
-              <a:rPr lang="en">
-                <a:solidFill>
-                  <a:schemeClr val="accent1"/>
-                </a:solidFill>
-              </a:rPr>
-              <a:t>Idea: Use Bayesian argument by choosing a high probability score among all possible candidates (proposed corrections)</a:t>
+              <a:rPr lang="en-US" altLang="zh-CN" dirty="0" smtClean="0"/>
+              <a:t>Detection</a:t>
             </a:r>
-            <a:endParaRPr>
-              <a:solidFill>
-                <a:schemeClr val="accent1"/>
-              </a:solidFill>
-            </a:endParaRPr>
+            <a:r>
+              <a:rPr lang="zh-CN" altLang="en-US" dirty="0" smtClean="0"/>
+              <a:t> </a:t>
+            </a:r>
+            <a:r>
+              <a:rPr lang="mr-IN" altLang="zh-CN" dirty="0" smtClean="0"/>
+              <a:t>–</a:t>
+            </a:r>
+            <a:r>
+              <a:rPr lang="zh-CN" altLang="en-US" dirty="0" smtClean="0"/>
+              <a:t> </a:t>
+            </a:r>
+            <a:r>
+              <a:rPr lang="en-US" altLang="zh-CN" dirty="0" smtClean="0"/>
+              <a:t>Preliminary</a:t>
+            </a:r>
+            <a:r>
+              <a:rPr lang="zh-CN" altLang="en-US" dirty="0" smtClean="0"/>
+              <a:t> </a:t>
+            </a:r>
+            <a:r>
+              <a:rPr lang="en-US" altLang="zh-CN" dirty="0" smtClean="0"/>
+              <a:t>Analysis</a:t>
+            </a:r>
+            <a:endParaRPr lang="en-US" dirty="0"/>
           </a:p>
         </p:txBody>
       </p:sp>
       <p:pic>
         <p:nvPicPr>
-          <p:cNvPr id="104" name="Google Shape;104;p20"/>
-          <p:cNvPicPr preferRelativeResize="0"/>
+          <p:cNvPr id="4" name="Picture 3"/>
+          <p:cNvPicPr>
+            <a:picLocks noChangeAspect="1"/>
+          </p:cNvPicPr>
           <p:nvPr/>
         </p:nvPicPr>
         <p:blipFill>
-          <a:blip r:embed="rId3">
-            <a:alphaModFix/>
+          <a:blip r:embed="rId2">
+            <a:extLst>
+              <a:ext uri="{28A0092B-C50C-407E-A947-70E740481C1C}">
+                <a14:useLocalDpi xmlns:a14="http://schemas.microsoft.com/office/drawing/2010/main" val="0"/>
+              </a:ext>
+            </a:extLst>
           </a:blip>
           <a:stretch>
             <a:fillRect/>
@@ -9879,271 +11126,20 @@
         </p:blipFill>
         <p:spPr>
           <a:xfrm>
-            <a:off x="714375" y="2712000"/>
-            <a:ext cx="7715250" cy="1676400"/>
-          </a:xfrm>
-          <a:prstGeom prst="rect">
-            <a:avLst/>
-          </a:prstGeom>
-          <a:noFill/>
-          <a:ln>
-            <a:noFill/>
-          </a:ln>
-        </p:spPr>
-      </p:pic>
-    </p:spTree>
-  </p:cSld>
-  <p:clrMapOvr>
-    <a:masterClrMapping/>
-  </p:clrMapOvr>
-</p:sld>
-</file>
-
-<file path=ppt/slides/slide9.xml><?xml version="1.0" encoding="utf-8"?>
-<p:sld xmlns:a="http://schemas.openxmlformats.org/drawingml/2006/main" xmlns:r="http://schemas.openxmlformats.org/officeDocument/2006/relationships" xmlns:mc="http://schemas.openxmlformats.org/markup-compatibility/2006" xmlns:mv="urn:schemas-microsoft-com:mac:vml" xmlns:p="http://schemas.openxmlformats.org/presentationml/2006/main" xmlns:c="http://schemas.openxmlformats.org/drawingml/2006/chart" xmlns:dgm="http://schemas.openxmlformats.org/drawingml/2006/diagram" xmlns:o="urn:schemas-microsoft-com:office:office" xmlns:v="urn:schemas-microsoft-com:vml" xmlns:pvml="urn:schemas-microsoft-com:office:powerpoint" xmlns:com="http://schemas.openxmlformats.org/drawingml/2006/compatibility" xmlns:p14="http://schemas.microsoft.com/office/powerpoint/2010/main" xmlns:p15="http://schemas.microsoft.com/office/powerpoint/2012/main">
-  <p:cSld>
-    <p:bg>
-      <p:bgPr>
-        <a:solidFill>
-          <a:srgbClr val="000000"/>
-        </a:solidFill>
-      </p:bgPr>
-    </p:bg>
-    <p:spTree>
-      <p:nvGrpSpPr>
-        <p:cNvPr id="108" name="Shape 108"/>
-        <p:cNvGrpSpPr/>
-        <p:nvPr/>
-      </p:nvGrpSpPr>
-      <p:grpSpPr>
-        <a:xfrm>
-          <a:off x="0" y="0"/>
-          <a:ext cx="0" cy="0"/>
-          <a:chOff x="0" y="0"/>
-          <a:chExt cx="0" cy="0"/>
-        </a:xfrm>
-      </p:grpSpPr>
-      <p:sp>
-        <p:nvSpPr>
-          <p:cNvPr id="109" name="Google Shape;109;p21"/>
-          <p:cNvSpPr txBox="1"/>
-          <p:nvPr>
-            <p:ph type="title"/>
-          </p:nvPr>
-        </p:nvSpPr>
-        <p:spPr>
-          <a:xfrm>
-            <a:off x="311700" y="445025"/>
-            <a:ext cx="8520600" cy="613200"/>
+            <a:off x="488731" y="2012704"/>
+            <a:ext cx="8166538" cy="1118091"/>
           </a:xfrm>
           <a:prstGeom prst="rect">
             <a:avLst/>
           </a:prstGeom>
         </p:spPr>
-        <p:txBody>
-          <a:bodyPr anchorCtr="0" anchor="t" bIns="91425" lIns="91425" spcFirstLastPara="1" rIns="91425" wrap="square" tIns="91425">
-            <a:noAutofit/>
-          </a:bodyPr>
-          <a:lstStyle/>
-          <a:p>
-            <a:pPr indent="0" lvl="0" marL="0" rtl="0" algn="l">
-              <a:spcBef>
-                <a:spcPts val="0"/>
-              </a:spcBef>
-              <a:spcAft>
-                <a:spcPts val="0"/>
-              </a:spcAft>
-              <a:buNone/>
-            </a:pPr>
-            <a:r>
-              <a:rPr lang="en">
-                <a:solidFill>
-                  <a:schemeClr val="accent1"/>
-                </a:solidFill>
-              </a:rPr>
-              <a:t>Error Correction: Probability Scoring</a:t>
-            </a:r>
-            <a:endParaRPr>
-              <a:solidFill>
-                <a:schemeClr val="accent1"/>
-              </a:solidFill>
-            </a:endParaRPr>
-          </a:p>
-        </p:txBody>
-      </p:sp>
-      <p:sp>
-        <p:nvSpPr>
-          <p:cNvPr id="110" name="Google Shape;110;p21"/>
-          <p:cNvSpPr txBox="1"/>
-          <p:nvPr>
-            <p:ph idx="1" type="body"/>
-          </p:nvPr>
-        </p:nvSpPr>
-        <p:spPr>
-          <a:xfrm>
-            <a:off x="311700" y="1171600"/>
-            <a:ext cx="8520600" cy="3397200"/>
-          </a:xfrm>
-          <a:prstGeom prst="rect">
-            <a:avLst/>
-          </a:prstGeom>
-        </p:spPr>
-        <p:txBody>
-          <a:bodyPr anchorCtr="0" anchor="t" bIns="91425" lIns="91425" spcFirstLastPara="1" rIns="91425" wrap="square" tIns="91425">
-            <a:noAutofit/>
-          </a:bodyPr>
-          <a:lstStyle/>
-          <a:p>
-            <a:pPr indent="-342900" lvl="0" marL="457200" rtl="0" algn="l">
-              <a:spcBef>
-                <a:spcPts val="0"/>
-              </a:spcBef>
-              <a:spcAft>
-                <a:spcPts val="0"/>
-              </a:spcAft>
-              <a:buClr>
-                <a:schemeClr val="accent1"/>
-              </a:buClr>
-              <a:buSzPts val="1800"/>
-              <a:buChar char="●"/>
-            </a:pPr>
-            <a:r>
-              <a:rPr lang="en">
-                <a:solidFill>
-                  <a:schemeClr val="accent1"/>
-                </a:solidFill>
-              </a:rPr>
-              <a:t>c=argmax P(c|t)</a:t>
-            </a:r>
-            <a:endParaRPr>
-              <a:solidFill>
-                <a:schemeClr val="accent1"/>
-              </a:solidFill>
-            </a:endParaRPr>
-          </a:p>
-          <a:p>
-            <a:pPr indent="0" lvl="0" marL="457200" rtl="0" algn="l">
-              <a:spcBef>
-                <a:spcPts val="1600"/>
-              </a:spcBef>
-              <a:spcAft>
-                <a:spcPts val="0"/>
-              </a:spcAft>
-              <a:buNone/>
-            </a:pPr>
-            <a:r>
-              <a:rPr lang="en">
-                <a:solidFill>
-                  <a:schemeClr val="accent1"/>
-                </a:solidFill>
-              </a:rPr>
-              <a:t>   =argmax P(t|c)P(c)/P(t)</a:t>
-            </a:r>
-            <a:endParaRPr>
-              <a:solidFill>
-                <a:schemeClr val="accent1"/>
-              </a:solidFill>
-            </a:endParaRPr>
-          </a:p>
-          <a:p>
-            <a:pPr indent="0" lvl="0" marL="457200" rtl="0" algn="l">
-              <a:spcBef>
-                <a:spcPts val="1600"/>
-              </a:spcBef>
-              <a:spcAft>
-                <a:spcPts val="0"/>
-              </a:spcAft>
-              <a:buNone/>
-            </a:pPr>
-            <a:r>
-              <a:rPr lang="en">
-                <a:solidFill>
-                  <a:schemeClr val="accent1"/>
-                </a:solidFill>
-              </a:rPr>
-              <a:t>   =argmax P(t|c)P(c)</a:t>
-            </a:r>
-            <a:endParaRPr>
-              <a:solidFill>
-                <a:schemeClr val="accent1"/>
-              </a:solidFill>
-            </a:endParaRPr>
-          </a:p>
-          <a:p>
-            <a:pPr indent="0" lvl="0" marL="457200" rtl="0" algn="l">
-              <a:spcBef>
-                <a:spcPts val="1600"/>
-              </a:spcBef>
-              <a:spcAft>
-                <a:spcPts val="0"/>
-              </a:spcAft>
-              <a:buNone/>
-            </a:pPr>
-            <a:r>
-              <a:rPr lang="en">
-                <a:solidFill>
-                  <a:schemeClr val="accent1"/>
-                </a:solidFill>
-              </a:rPr>
-              <a:t>Where </a:t>
-            </a:r>
-            <a:endParaRPr>
-              <a:solidFill>
-                <a:schemeClr val="accent1"/>
-              </a:solidFill>
-            </a:endParaRPr>
-          </a:p>
-          <a:p>
-            <a:pPr indent="457200" lvl="0" marL="457200" rtl="0" algn="l">
-              <a:spcBef>
-                <a:spcPts val="1600"/>
-              </a:spcBef>
-              <a:spcAft>
-                <a:spcPts val="0"/>
-              </a:spcAft>
-              <a:buNone/>
-            </a:pPr>
-            <a:r>
-              <a:rPr lang="en">
-                <a:solidFill>
-                  <a:schemeClr val="accent1"/>
-                </a:solidFill>
-              </a:rPr>
-              <a:t>c = correct word</a:t>
-            </a:r>
-            <a:endParaRPr>
-              <a:solidFill>
-                <a:schemeClr val="accent1"/>
-              </a:solidFill>
-            </a:endParaRPr>
-          </a:p>
-          <a:p>
-            <a:pPr indent="457200" lvl="0" marL="457200" rtl="0" algn="l">
-              <a:spcBef>
-                <a:spcPts val="1600"/>
-              </a:spcBef>
-              <a:spcAft>
-                <a:spcPts val="1600"/>
-              </a:spcAft>
-              <a:buNone/>
-            </a:pPr>
-            <a:r>
-              <a:rPr lang="en">
-                <a:solidFill>
-                  <a:schemeClr val="accent1"/>
-                </a:solidFill>
-              </a:rPr>
-              <a:t>t = typo</a:t>
-            </a:r>
-            <a:endParaRPr>
-              <a:solidFill>
-                <a:schemeClr val="accent1"/>
-              </a:solidFill>
-            </a:endParaRPr>
-          </a:p>
-        </p:txBody>
-      </p:sp>
+      </p:pic>
     </p:spTree>
+    <p:extLst>
+      <p:ext uri="{BB962C8B-B14F-4D97-AF65-F5344CB8AC3E}">
+        <p14:creationId xmlns:p14="http://schemas.microsoft.com/office/powerpoint/2010/main" val="240394000"/>
+      </p:ext>
+    </p:extLst>
   </p:cSld>
   <p:clrMapOvr>
     <a:masterClrMapping/>
@@ -10152,7 +11148,288 @@
 </file>
 
 <file path=ppt/theme/theme1.xml><?xml version="1.0" encoding="utf-8"?>
-<a:theme xmlns:a="http://schemas.openxmlformats.org/drawingml/2006/main" xmlns:r="http://schemas.openxmlformats.org/officeDocument/2006/relationships">
+<a:theme xmlns:a="http://schemas.openxmlformats.org/drawingml/2006/main" name="Paperback">
+  <a:themeElements>
+    <a:clrScheme name="Paperback">
+      <a:dk1>
+        <a:srgbClr val="000000"/>
+      </a:dk1>
+      <a:lt1>
+        <a:srgbClr val="FFFFFF"/>
+      </a:lt1>
+      <a:dk2>
+        <a:srgbClr val="00695C"/>
+      </a:dk2>
+      <a:lt2>
+        <a:srgbClr val="26A69A"/>
+      </a:lt2>
+      <a:accent1>
+        <a:srgbClr val="FFFBF0"/>
+      </a:accent1>
+      <a:accent2>
+        <a:srgbClr val="B7B7B7"/>
+      </a:accent2>
+      <a:accent3>
+        <a:srgbClr val="FB8C00"/>
+      </a:accent3>
+      <a:accent4>
+        <a:srgbClr val="80CBC4"/>
+      </a:accent4>
+      <a:accent5>
+        <a:srgbClr val="AF4345"/>
+      </a:accent5>
+      <a:accent6>
+        <a:srgbClr val="F58F8F"/>
+      </a:accent6>
+      <a:hlink>
+        <a:srgbClr val="AF4345"/>
+      </a:hlink>
+      <a:folHlink>
+        <a:srgbClr val="AF4345"/>
+      </a:folHlink>
+    </a:clrScheme>
+    <a:fontScheme name="Office">
+      <a:majorFont>
+        <a:latin typeface="Arial"/>
+        <a:ea typeface=""/>
+        <a:cs typeface=""/>
+        <a:font script="Jpan" typeface="ＭＳ Ｐゴシック"/>
+        <a:font script="Hang" typeface="맑은 고딕"/>
+        <a:font script="Hans" typeface="宋体"/>
+        <a:font script="Hant" typeface="新細明體"/>
+        <a:font script="Arab" typeface="Times New Roman"/>
+        <a:font script="Hebr" typeface="Times New Roman"/>
+        <a:font script="Thai" typeface="Angsana New"/>
+        <a:font script="Ethi" typeface="Nyala"/>
+        <a:font script="Beng" typeface="Vrinda"/>
+        <a:font script="Gujr" typeface="Shruti"/>
+        <a:font script="Khmr" typeface="MoolBoran"/>
+        <a:font script="Knda" typeface="Tunga"/>
+        <a:font script="Guru" typeface="Raavi"/>
+        <a:font script="Cans" typeface="Euphemia"/>
+        <a:font script="Cher" typeface="Plantagenet Cherokee"/>
+        <a:font script="Yiii" typeface="Microsoft Yi Baiti"/>
+        <a:font script="Tibt" typeface="Microsoft Himalaya"/>
+        <a:font script="Thaa" typeface="MV Boli"/>
+        <a:font script="Deva" typeface="Mangal"/>
+        <a:font script="Telu" typeface="Gautami"/>
+        <a:font script="Taml" typeface="Latha"/>
+        <a:font script="Syrc" typeface="Estrangelo Edessa"/>
+        <a:font script="Orya" typeface="Kalinga"/>
+        <a:font script="Mlym" typeface="Kartika"/>
+        <a:font script="Laoo" typeface="DokChampa"/>
+        <a:font script="Sinh" typeface="Iskoola Pota"/>
+        <a:font script="Mong" typeface="Mongolian Baiti"/>
+        <a:font script="Viet" typeface="Times New Roman"/>
+        <a:font script="Uigh" typeface="Microsoft Uighur"/>
+        <a:font script="Geor" typeface="Sylfaen"/>
+      </a:majorFont>
+      <a:minorFont>
+        <a:latin typeface="Arial"/>
+        <a:ea typeface=""/>
+        <a:cs typeface=""/>
+        <a:font script="Jpan" typeface="ＭＳ Ｐゴシック"/>
+        <a:font script="Hang" typeface="맑은 고딕"/>
+        <a:font script="Hans" typeface="宋体"/>
+        <a:font script="Hant" typeface="新細明體"/>
+        <a:font script="Arab" typeface="Arial"/>
+        <a:font script="Hebr" typeface="Arial"/>
+        <a:font script="Thai" typeface="Cordia New"/>
+        <a:font script="Ethi" typeface="Nyala"/>
+        <a:font script="Beng" typeface="Vrinda"/>
+        <a:font script="Gujr" typeface="Shruti"/>
+        <a:font script="Khmr" typeface="DaunPenh"/>
+        <a:font script="Knda" typeface="Tunga"/>
+        <a:font script="Guru" typeface="Raavi"/>
+        <a:font script="Cans" typeface="Euphemia"/>
+        <a:font script="Cher" typeface="Plantagenet Cherokee"/>
+        <a:font script="Yiii" typeface="Microsoft Yi Baiti"/>
+        <a:font script="Tibt" typeface="Microsoft Himalaya"/>
+        <a:font script="Thaa" typeface="MV Boli"/>
+        <a:font script="Deva" typeface="Mangal"/>
+        <a:font script="Telu" typeface="Gautami"/>
+        <a:font script="Taml" typeface="Latha"/>
+        <a:font script="Syrc" typeface="Estrangelo Edessa"/>
+        <a:font script="Orya" typeface="Kalinga"/>
+        <a:font script="Mlym" typeface="Kartika"/>
+        <a:font script="Laoo" typeface="DokChampa"/>
+        <a:font script="Sinh" typeface="Iskoola Pota"/>
+        <a:font script="Mong" typeface="Mongolian Baiti"/>
+        <a:font script="Viet" typeface="Arial"/>
+        <a:font script="Uigh" typeface="Microsoft Uighur"/>
+        <a:font script="Geor" typeface="Sylfaen"/>
+      </a:minorFont>
+    </a:fontScheme>
+    <a:fmtScheme name="Office">
+      <a:fillStyleLst>
+        <a:solidFill>
+          <a:schemeClr val="phClr"/>
+        </a:solidFill>
+        <a:gradFill rotWithShape="1">
+          <a:gsLst>
+            <a:gs pos="0">
+              <a:schemeClr val="phClr">
+                <a:tint val="50000"/>
+                <a:satMod val="300000"/>
+              </a:schemeClr>
+            </a:gs>
+            <a:gs pos="35000">
+              <a:schemeClr val="phClr">
+                <a:tint val="37000"/>
+                <a:satMod val="300000"/>
+              </a:schemeClr>
+            </a:gs>
+            <a:gs pos="100000">
+              <a:schemeClr val="phClr">
+                <a:tint val="15000"/>
+                <a:satMod val="350000"/>
+              </a:schemeClr>
+            </a:gs>
+          </a:gsLst>
+          <a:lin ang="16200000" scaled="1"/>
+        </a:gradFill>
+        <a:gradFill rotWithShape="1">
+          <a:gsLst>
+            <a:gs pos="0">
+              <a:schemeClr val="phClr">
+                <a:tint val="100000"/>
+                <a:shade val="100000"/>
+                <a:satMod val="130000"/>
+              </a:schemeClr>
+            </a:gs>
+            <a:gs pos="100000">
+              <a:schemeClr val="phClr">
+                <a:tint val="50000"/>
+                <a:shade val="100000"/>
+                <a:satMod val="350000"/>
+              </a:schemeClr>
+            </a:gs>
+          </a:gsLst>
+          <a:lin ang="16200000" scaled="0"/>
+        </a:gradFill>
+      </a:fillStyleLst>
+      <a:lnStyleLst>
+        <a:ln w="9525" cap="flat" cmpd="sng" algn="ctr">
+          <a:solidFill>
+            <a:schemeClr val="phClr">
+              <a:shade val="95000"/>
+              <a:satMod val="105000"/>
+            </a:schemeClr>
+          </a:solidFill>
+          <a:prstDash val="solid"/>
+        </a:ln>
+        <a:ln w="25400" cap="flat" cmpd="sng" algn="ctr">
+          <a:solidFill>
+            <a:schemeClr val="phClr"/>
+          </a:solidFill>
+          <a:prstDash val="solid"/>
+        </a:ln>
+        <a:ln w="38100" cap="flat" cmpd="sng" algn="ctr">
+          <a:solidFill>
+            <a:schemeClr val="phClr"/>
+          </a:solidFill>
+          <a:prstDash val="solid"/>
+        </a:ln>
+      </a:lnStyleLst>
+      <a:effectStyleLst>
+        <a:effectStyle>
+          <a:effectLst>
+            <a:outerShdw blurRad="40000" dist="20000" dir="5400000" rotWithShape="0">
+              <a:srgbClr val="000000">
+                <a:alpha val="38000"/>
+              </a:srgbClr>
+            </a:outerShdw>
+          </a:effectLst>
+        </a:effectStyle>
+        <a:effectStyle>
+          <a:effectLst>
+            <a:outerShdw blurRad="40000" dist="23000" dir="5400000" rotWithShape="0">
+              <a:srgbClr val="000000">
+                <a:alpha val="35000"/>
+              </a:srgbClr>
+            </a:outerShdw>
+          </a:effectLst>
+        </a:effectStyle>
+        <a:effectStyle>
+          <a:effectLst>
+            <a:outerShdw blurRad="40000" dist="23000" dir="5400000" rotWithShape="0">
+              <a:srgbClr val="000000">
+                <a:alpha val="35000"/>
+              </a:srgbClr>
+            </a:outerShdw>
+          </a:effectLst>
+          <a:scene3d>
+            <a:camera prst="orthographicFront">
+              <a:rot lat="0" lon="0" rev="0"/>
+            </a:camera>
+            <a:lightRig rig="threePt" dir="t">
+              <a:rot lat="0" lon="0" rev="1200000"/>
+            </a:lightRig>
+          </a:scene3d>
+          <a:sp3d>
+            <a:bevelT w="63500" h="25400"/>
+          </a:sp3d>
+        </a:effectStyle>
+      </a:effectStyleLst>
+      <a:bgFillStyleLst>
+        <a:solidFill>
+          <a:schemeClr val="phClr"/>
+        </a:solidFill>
+        <a:gradFill rotWithShape="1">
+          <a:gsLst>
+            <a:gs pos="0">
+              <a:schemeClr val="phClr">
+                <a:tint val="40000"/>
+                <a:satMod val="350000"/>
+              </a:schemeClr>
+            </a:gs>
+            <a:gs pos="40000">
+              <a:schemeClr val="phClr">
+                <a:tint val="45000"/>
+                <a:shade val="99000"/>
+                <a:satMod val="350000"/>
+              </a:schemeClr>
+            </a:gs>
+            <a:gs pos="100000">
+              <a:schemeClr val="phClr">
+                <a:shade val="20000"/>
+                <a:satMod val="255000"/>
+              </a:schemeClr>
+            </a:gs>
+          </a:gsLst>
+          <a:path path="circle">
+            <a:fillToRect l="50000" t="-80000" r="50000" b="180000"/>
+          </a:path>
+        </a:gradFill>
+        <a:gradFill rotWithShape="1">
+          <a:gsLst>
+            <a:gs pos="0">
+              <a:schemeClr val="phClr">
+                <a:tint val="80000"/>
+                <a:satMod val="300000"/>
+              </a:schemeClr>
+            </a:gs>
+            <a:gs pos="100000">
+              <a:schemeClr val="phClr">
+                <a:shade val="30000"/>
+                <a:satMod val="200000"/>
+              </a:schemeClr>
+            </a:gs>
+          </a:gsLst>
+          <a:path path="circle">
+            <a:fillToRect l="50000" t="50000" r="50000" b="50000"/>
+          </a:path>
+        </a:gradFill>
+      </a:bgFillStyleLst>
+    </a:fmtScheme>
+  </a:themeElements>
+  <a:objectDefaults/>
+  <a:extraClrSchemeLst/>
+</a:theme>
+</file>
+
+<file path=ppt/theme/theme2.xml><?xml version="1.0" encoding="utf-8"?>
+<a:theme xmlns:a="http://schemas.openxmlformats.org/drawingml/2006/main">
   <a:themeElements>
     <a:clrScheme name="Default">
       <a:dk1>
@@ -10427,284 +11704,7 @@
       </a:bgFillStyleLst>
     </a:fmtScheme>
   </a:themeElements>
-</a:theme>
-</file>
-
-<file path=ppt/theme/theme2.xml><?xml version="1.0" encoding="utf-8"?>
-<a:theme xmlns:a="http://schemas.openxmlformats.org/drawingml/2006/main" xmlns:r="http://schemas.openxmlformats.org/officeDocument/2006/relationships" name="Paperback">
-  <a:themeElements>
-    <a:clrScheme name="Paperback">
-      <a:dk1>
-        <a:srgbClr val="000000"/>
-      </a:dk1>
-      <a:lt1>
-        <a:srgbClr val="FFFFFF"/>
-      </a:lt1>
-      <a:dk2>
-        <a:srgbClr val="00695C"/>
-      </a:dk2>
-      <a:lt2>
-        <a:srgbClr val="26A69A"/>
-      </a:lt2>
-      <a:accent1>
-        <a:srgbClr val="FFFBF0"/>
-      </a:accent1>
-      <a:accent2>
-        <a:srgbClr val="B7B7B7"/>
-      </a:accent2>
-      <a:accent3>
-        <a:srgbClr val="FB8C00"/>
-      </a:accent3>
-      <a:accent4>
-        <a:srgbClr val="80CBC4"/>
-      </a:accent4>
-      <a:accent5>
-        <a:srgbClr val="AF4345"/>
-      </a:accent5>
-      <a:accent6>
-        <a:srgbClr val="F58F8F"/>
-      </a:accent6>
-      <a:hlink>
-        <a:srgbClr val="AF4345"/>
-      </a:hlink>
-      <a:folHlink>
-        <a:srgbClr val="AF4345"/>
-      </a:folHlink>
-    </a:clrScheme>
-    <a:fontScheme name="Office">
-      <a:majorFont>
-        <a:latin typeface="Arial"/>
-        <a:ea typeface=""/>
-        <a:cs typeface=""/>
-        <a:font script="Jpan" typeface="ＭＳ Ｐゴシック"/>
-        <a:font script="Hang" typeface="맑은 고딕"/>
-        <a:font script="Hans" typeface="宋体"/>
-        <a:font script="Hant" typeface="新細明體"/>
-        <a:font script="Arab" typeface="Times New Roman"/>
-        <a:font script="Hebr" typeface="Times New Roman"/>
-        <a:font script="Thai" typeface="Angsana New"/>
-        <a:font script="Ethi" typeface="Nyala"/>
-        <a:font script="Beng" typeface="Vrinda"/>
-        <a:font script="Gujr" typeface="Shruti"/>
-        <a:font script="Khmr" typeface="MoolBoran"/>
-        <a:font script="Knda" typeface="Tunga"/>
-        <a:font script="Guru" typeface="Raavi"/>
-        <a:font script="Cans" typeface="Euphemia"/>
-        <a:font script="Cher" typeface="Plantagenet Cherokee"/>
-        <a:font script="Yiii" typeface="Microsoft Yi Baiti"/>
-        <a:font script="Tibt" typeface="Microsoft Himalaya"/>
-        <a:font script="Thaa" typeface="MV Boli"/>
-        <a:font script="Deva" typeface="Mangal"/>
-        <a:font script="Telu" typeface="Gautami"/>
-        <a:font script="Taml" typeface="Latha"/>
-        <a:font script="Syrc" typeface="Estrangelo Edessa"/>
-        <a:font script="Orya" typeface="Kalinga"/>
-        <a:font script="Mlym" typeface="Kartika"/>
-        <a:font script="Laoo" typeface="DokChampa"/>
-        <a:font script="Sinh" typeface="Iskoola Pota"/>
-        <a:font script="Mong" typeface="Mongolian Baiti"/>
-        <a:font script="Viet" typeface="Times New Roman"/>
-        <a:font script="Uigh" typeface="Microsoft Uighur"/>
-        <a:font script="Geor" typeface="Sylfaen"/>
-      </a:majorFont>
-      <a:minorFont>
-        <a:latin typeface="Arial"/>
-        <a:ea typeface=""/>
-        <a:cs typeface=""/>
-        <a:font script="Jpan" typeface="ＭＳ Ｐゴシック"/>
-        <a:font script="Hang" typeface="맑은 고딕"/>
-        <a:font script="Hans" typeface="宋体"/>
-        <a:font script="Hant" typeface="新細明體"/>
-        <a:font script="Arab" typeface="Arial"/>
-        <a:font script="Hebr" typeface="Arial"/>
-        <a:font script="Thai" typeface="Cordia New"/>
-        <a:font script="Ethi" typeface="Nyala"/>
-        <a:font script="Beng" typeface="Vrinda"/>
-        <a:font script="Gujr" typeface="Shruti"/>
-        <a:font script="Khmr" typeface="DaunPenh"/>
-        <a:font script="Knda" typeface="Tunga"/>
-        <a:font script="Guru" typeface="Raavi"/>
-        <a:font script="Cans" typeface="Euphemia"/>
-        <a:font script="Cher" typeface="Plantagenet Cherokee"/>
-        <a:font script="Yiii" typeface="Microsoft Yi Baiti"/>
-        <a:font script="Tibt" typeface="Microsoft Himalaya"/>
-        <a:font script="Thaa" typeface="MV Boli"/>
-        <a:font script="Deva" typeface="Mangal"/>
-        <a:font script="Telu" typeface="Gautami"/>
-        <a:font script="Taml" typeface="Latha"/>
-        <a:font script="Syrc" typeface="Estrangelo Edessa"/>
-        <a:font script="Orya" typeface="Kalinga"/>
-        <a:font script="Mlym" typeface="Kartika"/>
-        <a:font script="Laoo" typeface="DokChampa"/>
-        <a:font script="Sinh" typeface="Iskoola Pota"/>
-        <a:font script="Mong" typeface="Mongolian Baiti"/>
-        <a:font script="Viet" typeface="Arial"/>
-        <a:font script="Uigh" typeface="Microsoft Uighur"/>
-        <a:font script="Geor" typeface="Sylfaen"/>
-      </a:minorFont>
-    </a:fontScheme>
-    <a:fmtScheme name="Office">
-      <a:fillStyleLst>
-        <a:solidFill>
-          <a:schemeClr val="phClr"/>
-        </a:solidFill>
-        <a:gradFill rotWithShape="1">
-          <a:gsLst>
-            <a:gs pos="0">
-              <a:schemeClr val="phClr">
-                <a:tint val="50000"/>
-                <a:satMod val="300000"/>
-              </a:schemeClr>
-            </a:gs>
-            <a:gs pos="35000">
-              <a:schemeClr val="phClr">
-                <a:tint val="37000"/>
-                <a:satMod val="300000"/>
-              </a:schemeClr>
-            </a:gs>
-            <a:gs pos="100000">
-              <a:schemeClr val="phClr">
-                <a:tint val="15000"/>
-                <a:satMod val="350000"/>
-              </a:schemeClr>
-            </a:gs>
-          </a:gsLst>
-          <a:lin ang="16200000" scaled="1"/>
-        </a:gradFill>
-        <a:gradFill rotWithShape="1">
-          <a:gsLst>
-            <a:gs pos="0">
-              <a:schemeClr val="phClr">
-                <a:tint val="100000"/>
-                <a:shade val="100000"/>
-                <a:satMod val="130000"/>
-              </a:schemeClr>
-            </a:gs>
-            <a:gs pos="100000">
-              <a:schemeClr val="phClr">
-                <a:tint val="50000"/>
-                <a:shade val="100000"/>
-                <a:satMod val="350000"/>
-              </a:schemeClr>
-            </a:gs>
-          </a:gsLst>
-          <a:lin ang="16200000" scaled="0"/>
-        </a:gradFill>
-      </a:fillStyleLst>
-      <a:lnStyleLst>
-        <a:ln w="9525" cap="flat" cmpd="sng" algn="ctr">
-          <a:solidFill>
-            <a:schemeClr val="phClr">
-              <a:shade val="95000"/>
-              <a:satMod val="105000"/>
-            </a:schemeClr>
-          </a:solidFill>
-          <a:prstDash val="solid"/>
-        </a:ln>
-        <a:ln w="25400" cap="flat" cmpd="sng" algn="ctr">
-          <a:solidFill>
-            <a:schemeClr val="phClr"/>
-          </a:solidFill>
-          <a:prstDash val="solid"/>
-        </a:ln>
-        <a:ln w="38100" cap="flat" cmpd="sng" algn="ctr">
-          <a:solidFill>
-            <a:schemeClr val="phClr"/>
-          </a:solidFill>
-          <a:prstDash val="solid"/>
-        </a:ln>
-      </a:lnStyleLst>
-      <a:effectStyleLst>
-        <a:effectStyle>
-          <a:effectLst>
-            <a:outerShdw blurRad="40000" dist="20000" dir="5400000" rotWithShape="0">
-              <a:srgbClr val="000000">
-                <a:alpha val="38000"/>
-              </a:srgbClr>
-            </a:outerShdw>
-          </a:effectLst>
-        </a:effectStyle>
-        <a:effectStyle>
-          <a:effectLst>
-            <a:outerShdw blurRad="40000" dist="23000" dir="5400000" rotWithShape="0">
-              <a:srgbClr val="000000">
-                <a:alpha val="35000"/>
-              </a:srgbClr>
-            </a:outerShdw>
-          </a:effectLst>
-        </a:effectStyle>
-        <a:effectStyle>
-          <a:effectLst>
-            <a:outerShdw blurRad="40000" dist="23000" dir="5400000" rotWithShape="0">
-              <a:srgbClr val="000000">
-                <a:alpha val="35000"/>
-              </a:srgbClr>
-            </a:outerShdw>
-          </a:effectLst>
-          <a:scene3d>
-            <a:camera prst="orthographicFront">
-              <a:rot lat="0" lon="0" rev="0"/>
-            </a:camera>
-            <a:lightRig rig="threePt" dir="t">
-              <a:rot lat="0" lon="0" rev="1200000"/>
-            </a:lightRig>
-          </a:scene3d>
-          <a:sp3d>
-            <a:bevelT w="63500" h="25400"/>
-          </a:sp3d>
-        </a:effectStyle>
-      </a:effectStyleLst>
-      <a:bgFillStyleLst>
-        <a:solidFill>
-          <a:schemeClr val="phClr"/>
-        </a:solidFill>
-        <a:gradFill rotWithShape="1">
-          <a:gsLst>
-            <a:gs pos="0">
-              <a:schemeClr val="phClr">
-                <a:tint val="40000"/>
-                <a:satMod val="350000"/>
-              </a:schemeClr>
-            </a:gs>
-            <a:gs pos="40000">
-              <a:schemeClr val="phClr">
-                <a:tint val="45000"/>
-                <a:shade val="99000"/>
-                <a:satMod val="350000"/>
-              </a:schemeClr>
-            </a:gs>
-            <a:gs pos="100000">
-              <a:schemeClr val="phClr">
-                <a:shade val="20000"/>
-                <a:satMod val="255000"/>
-              </a:schemeClr>
-            </a:gs>
-          </a:gsLst>
-          <a:path path="circle">
-            <a:fillToRect l="50000" t="-80000" r="50000" b="180000"/>
-          </a:path>
-        </a:gradFill>
-        <a:gradFill rotWithShape="1">
-          <a:gsLst>
-            <a:gs pos="0">
-              <a:schemeClr val="phClr">
-                <a:tint val="80000"/>
-                <a:satMod val="300000"/>
-              </a:schemeClr>
-            </a:gs>
-            <a:gs pos="100000">
-              <a:schemeClr val="phClr">
-                <a:shade val="30000"/>
-                <a:satMod val="200000"/>
-              </a:schemeClr>
-            </a:gs>
-          </a:gsLst>
-          <a:path path="circle">
-            <a:fillToRect l="50000" t="50000" r="50000" b="50000"/>
-          </a:path>
-        </a:gradFill>
-      </a:bgFillStyleLst>
-    </a:fmtScheme>
-  </a:themeElements>
+  <a:objectDefaults/>
+  <a:extraClrSchemeLst/>
 </a:theme>
 </file>
--- a/doc/Sec 1 Proj 4 Group 6.pptx
+++ b/doc/Sec 1 Proj 4 Group 6.pptx
@@ -5,7 +5,7 @@
     <p:sldMasterId id="2147483659" r:id="rId1"/>
   </p:sldMasterIdLst>
   <p:notesMasterIdLst>
-    <p:notesMasterId r:id="rId19"/>
+    <p:notesMasterId r:id="rId21"/>
   </p:notesMasterIdLst>
   <p:sldIdLst>
     <p:sldId id="256" r:id="rId2"/>
@@ -22,9 +22,11 @@
     <p:sldId id="265" r:id="rId13"/>
     <p:sldId id="266" r:id="rId14"/>
     <p:sldId id="267" r:id="rId15"/>
-    <p:sldId id="272" r:id="rId16"/>
-    <p:sldId id="269" r:id="rId17"/>
-    <p:sldId id="268" r:id="rId18"/>
+    <p:sldId id="276" r:id="rId16"/>
+    <p:sldId id="277" r:id="rId17"/>
+    <p:sldId id="269" r:id="rId18"/>
+    <p:sldId id="274" r:id="rId19"/>
+    <p:sldId id="268" r:id="rId20"/>
   </p:sldIdLst>
   <p:sldSz cx="9144000" cy="5143500" type="screen16x9"/>
   <p:notesSz cx="6858000" cy="9144000"/>
@@ -1161,6 +1163,224 @@
   <p:cSld>
     <p:spTree>
       <p:nvGrpSpPr>
+        <p:cNvPr id="1" name="Shape 125"/>
+        <p:cNvGrpSpPr/>
+        <p:nvPr/>
+      </p:nvGrpSpPr>
+      <p:grpSpPr>
+        <a:xfrm>
+          <a:off x="0" y="0"/>
+          <a:ext cx="0" cy="0"/>
+          <a:chOff x="0" y="0"/>
+          <a:chExt cx="0" cy="0"/>
+        </a:xfrm>
+      </p:grpSpPr>
+      <p:sp>
+        <p:nvSpPr>
+          <p:cNvPr id="126" name="Google Shape;126;g497061f262_0_75:notes"/>
+          <p:cNvSpPr>
+            <a:spLocks noGrp="1" noRot="1" noChangeAspect="1"/>
+          </p:cNvSpPr>
+          <p:nvPr>
+            <p:ph type="sldImg" idx="2"/>
+          </p:nvPr>
+        </p:nvSpPr>
+        <p:spPr>
+          <a:xfrm>
+            <a:off x="381000" y="685800"/>
+            <a:ext cx="6096000" cy="3429000"/>
+          </a:xfrm>
+          <a:custGeom>
+            <a:avLst/>
+            <a:gdLst/>
+            <a:ahLst/>
+            <a:cxnLst/>
+            <a:rect l="l" t="t" r="r" b="b"/>
+            <a:pathLst>
+              <a:path w="120000" h="120000" extrusionOk="0">
+                <a:moveTo>
+                  <a:pt x="0" y="0"/>
+                </a:moveTo>
+                <a:lnTo>
+                  <a:pt x="120000" y="0"/>
+                </a:lnTo>
+                <a:lnTo>
+                  <a:pt x="120000" y="120000"/>
+                </a:lnTo>
+                <a:lnTo>
+                  <a:pt x="0" y="120000"/>
+                </a:lnTo>
+                <a:close/>
+              </a:path>
+            </a:pathLst>
+          </a:custGeom>
+        </p:spPr>
+      </p:sp>
+      <p:sp>
+        <p:nvSpPr>
+          <p:cNvPr id="127" name="Google Shape;127;g497061f262_0_75:notes"/>
+          <p:cNvSpPr txBox="1">
+            <a:spLocks noGrp="1"/>
+          </p:cNvSpPr>
+          <p:nvPr>
+            <p:ph type="body" idx="1"/>
+          </p:nvPr>
+        </p:nvSpPr>
+        <p:spPr>
+          <a:xfrm>
+            <a:off x="685800" y="4343400"/>
+            <a:ext cx="5486400" cy="4114800"/>
+          </a:xfrm>
+          <a:prstGeom prst="rect">
+            <a:avLst/>
+          </a:prstGeom>
+        </p:spPr>
+        <p:txBody>
+          <a:bodyPr spcFirstLastPara="1" wrap="square" lIns="91425" tIns="91425" rIns="91425" bIns="91425" anchor="t" anchorCtr="0">
+            <a:noAutofit/>
+          </a:bodyPr>
+          <a:lstStyle/>
+          <a:p>
+            <a:pPr marL="0" lvl="0" indent="0" algn="l" rtl="0">
+              <a:spcBef>
+                <a:spcPts val="0"/>
+              </a:spcBef>
+              <a:spcAft>
+                <a:spcPts val="0"/>
+              </a:spcAft>
+              <a:buNone/>
+            </a:pPr>
+            <a:endParaRPr/>
+          </a:p>
+        </p:txBody>
+      </p:sp>
+    </p:spTree>
+    <p:extLst>
+      <p:ext uri="{BB962C8B-B14F-4D97-AF65-F5344CB8AC3E}">
+        <p14:creationId xmlns:p14="http://schemas.microsoft.com/office/powerpoint/2010/main" val="1653106263"/>
+      </p:ext>
+    </p:extLst>
+  </p:cSld>
+  <p:clrMapOvr>
+    <a:masterClrMapping/>
+  </p:clrMapOvr>
+</p:notes>
+</file>
+
+<file path=ppt/notesSlides/notesSlide14.xml><?xml version="1.0" encoding="utf-8"?>
+<p:notes xmlns:a="http://schemas.openxmlformats.org/drawingml/2006/main" xmlns:r="http://schemas.openxmlformats.org/officeDocument/2006/relationships" xmlns:p="http://schemas.openxmlformats.org/presentationml/2006/main" showMasterSp="0" showMasterPhAnim="0">
+  <p:cSld>
+    <p:spTree>
+      <p:nvGrpSpPr>
+        <p:cNvPr id="1" name="Shape 125"/>
+        <p:cNvGrpSpPr/>
+        <p:nvPr/>
+      </p:nvGrpSpPr>
+      <p:grpSpPr>
+        <a:xfrm>
+          <a:off x="0" y="0"/>
+          <a:ext cx="0" cy="0"/>
+          <a:chOff x="0" y="0"/>
+          <a:chExt cx="0" cy="0"/>
+        </a:xfrm>
+      </p:grpSpPr>
+      <p:sp>
+        <p:nvSpPr>
+          <p:cNvPr id="126" name="Google Shape;126;g497061f262_0_75:notes"/>
+          <p:cNvSpPr>
+            <a:spLocks noGrp="1" noRot="1" noChangeAspect="1"/>
+          </p:cNvSpPr>
+          <p:nvPr>
+            <p:ph type="sldImg" idx="2"/>
+          </p:nvPr>
+        </p:nvSpPr>
+        <p:spPr>
+          <a:xfrm>
+            <a:off x="381000" y="685800"/>
+            <a:ext cx="6096000" cy="3429000"/>
+          </a:xfrm>
+          <a:custGeom>
+            <a:avLst/>
+            <a:gdLst/>
+            <a:ahLst/>
+            <a:cxnLst/>
+            <a:rect l="l" t="t" r="r" b="b"/>
+            <a:pathLst>
+              <a:path w="120000" h="120000" extrusionOk="0">
+                <a:moveTo>
+                  <a:pt x="0" y="0"/>
+                </a:moveTo>
+                <a:lnTo>
+                  <a:pt x="120000" y="0"/>
+                </a:lnTo>
+                <a:lnTo>
+                  <a:pt x="120000" y="120000"/>
+                </a:lnTo>
+                <a:lnTo>
+                  <a:pt x="0" y="120000"/>
+                </a:lnTo>
+                <a:close/>
+              </a:path>
+            </a:pathLst>
+          </a:custGeom>
+        </p:spPr>
+      </p:sp>
+      <p:sp>
+        <p:nvSpPr>
+          <p:cNvPr id="127" name="Google Shape;127;g497061f262_0_75:notes"/>
+          <p:cNvSpPr txBox="1">
+            <a:spLocks noGrp="1"/>
+          </p:cNvSpPr>
+          <p:nvPr>
+            <p:ph type="body" idx="1"/>
+          </p:nvPr>
+        </p:nvSpPr>
+        <p:spPr>
+          <a:xfrm>
+            <a:off x="685800" y="4343400"/>
+            <a:ext cx="5486400" cy="4114800"/>
+          </a:xfrm>
+          <a:prstGeom prst="rect">
+            <a:avLst/>
+          </a:prstGeom>
+        </p:spPr>
+        <p:txBody>
+          <a:bodyPr spcFirstLastPara="1" wrap="square" lIns="91425" tIns="91425" rIns="91425" bIns="91425" anchor="t" anchorCtr="0">
+            <a:noAutofit/>
+          </a:bodyPr>
+          <a:lstStyle/>
+          <a:p>
+            <a:pPr marL="0" lvl="0" indent="0" algn="l" rtl="0">
+              <a:spcBef>
+                <a:spcPts val="0"/>
+              </a:spcBef>
+              <a:spcAft>
+                <a:spcPts val="0"/>
+              </a:spcAft>
+              <a:buNone/>
+            </a:pPr>
+            <a:endParaRPr/>
+          </a:p>
+        </p:txBody>
+      </p:sp>
+    </p:spTree>
+    <p:extLst>
+      <p:ext uri="{BB962C8B-B14F-4D97-AF65-F5344CB8AC3E}">
+        <p14:creationId xmlns:p14="http://schemas.microsoft.com/office/powerpoint/2010/main" val="2035883883"/>
+      </p:ext>
+    </p:extLst>
+  </p:cSld>
+  <p:clrMapOvr>
+    <a:masterClrMapping/>
+  </p:clrMapOvr>
+</p:notes>
+</file>
+
+<file path=ppt/notesSlides/notesSlide15.xml><?xml version="1.0" encoding="utf-8"?>
+<p:notes xmlns:a="http://schemas.openxmlformats.org/drawingml/2006/main" xmlns:r="http://schemas.openxmlformats.org/officeDocument/2006/relationships" xmlns:p="http://schemas.openxmlformats.org/presentationml/2006/main" showMasterSp="0" showMasterPhAnim="0">
+  <p:cSld>
+    <p:spTree>
+      <p:nvGrpSpPr>
         <p:cNvPr id="1" name="Shape 105"/>
         <p:cNvGrpSpPr/>
         <p:nvPr/>
@@ -1265,7 +1485,116 @@
 </p:notes>
 </file>
 
-<file path=ppt/notesSlides/notesSlide14.xml><?xml version="1.0" encoding="utf-8"?>
+<file path=ppt/notesSlides/notesSlide16.xml><?xml version="1.0" encoding="utf-8"?>
+<p:notes xmlns:a="http://schemas.openxmlformats.org/drawingml/2006/main" xmlns:r="http://schemas.openxmlformats.org/officeDocument/2006/relationships" xmlns:p="http://schemas.openxmlformats.org/presentationml/2006/main" showMasterSp="0" showMasterPhAnim="0">
+  <p:cSld>
+    <p:spTree>
+      <p:nvGrpSpPr>
+        <p:cNvPr id="1" name="Shape 105"/>
+        <p:cNvGrpSpPr/>
+        <p:nvPr/>
+      </p:nvGrpSpPr>
+      <p:grpSpPr>
+        <a:xfrm>
+          <a:off x="0" y="0"/>
+          <a:ext cx="0" cy="0"/>
+          <a:chOff x="0" y="0"/>
+          <a:chExt cx="0" cy="0"/>
+        </a:xfrm>
+      </p:grpSpPr>
+      <p:sp>
+        <p:nvSpPr>
+          <p:cNvPr id="106" name="Google Shape;106;g497061f262_0_59:notes"/>
+          <p:cNvSpPr>
+            <a:spLocks noGrp="1" noRot="1" noChangeAspect="1"/>
+          </p:cNvSpPr>
+          <p:nvPr>
+            <p:ph type="sldImg" idx="2"/>
+          </p:nvPr>
+        </p:nvSpPr>
+        <p:spPr>
+          <a:xfrm>
+            <a:off x="381000" y="685800"/>
+            <a:ext cx="6096000" cy="3429000"/>
+          </a:xfrm>
+          <a:custGeom>
+            <a:avLst/>
+            <a:gdLst/>
+            <a:ahLst/>
+            <a:cxnLst/>
+            <a:rect l="l" t="t" r="r" b="b"/>
+            <a:pathLst>
+              <a:path w="120000" h="120000" extrusionOk="0">
+                <a:moveTo>
+                  <a:pt x="0" y="0"/>
+                </a:moveTo>
+                <a:lnTo>
+                  <a:pt x="120000" y="0"/>
+                </a:lnTo>
+                <a:lnTo>
+                  <a:pt x="120000" y="120000"/>
+                </a:lnTo>
+                <a:lnTo>
+                  <a:pt x="0" y="120000"/>
+                </a:lnTo>
+                <a:close/>
+              </a:path>
+            </a:pathLst>
+          </a:custGeom>
+        </p:spPr>
+      </p:sp>
+      <p:sp>
+        <p:nvSpPr>
+          <p:cNvPr id="107" name="Google Shape;107;g497061f262_0_59:notes"/>
+          <p:cNvSpPr txBox="1">
+            <a:spLocks noGrp="1"/>
+          </p:cNvSpPr>
+          <p:nvPr>
+            <p:ph type="body" idx="1"/>
+          </p:nvPr>
+        </p:nvSpPr>
+        <p:spPr>
+          <a:xfrm>
+            <a:off x="685800" y="4343400"/>
+            <a:ext cx="5486400" cy="4114800"/>
+          </a:xfrm>
+          <a:prstGeom prst="rect">
+            <a:avLst/>
+          </a:prstGeom>
+        </p:spPr>
+        <p:txBody>
+          <a:bodyPr spcFirstLastPara="1" wrap="square" lIns="91425" tIns="91425" rIns="91425" bIns="91425" anchor="t" anchorCtr="0">
+            <a:noAutofit/>
+          </a:bodyPr>
+          <a:lstStyle/>
+          <a:p>
+            <a:pPr marL="0" lvl="0" indent="0" algn="l" rtl="0">
+              <a:spcBef>
+                <a:spcPts val="0"/>
+              </a:spcBef>
+              <a:spcAft>
+                <a:spcPts val="0"/>
+              </a:spcAft>
+              <a:buNone/>
+            </a:pPr>
+            <a:endParaRPr/>
+          </a:p>
+        </p:txBody>
+      </p:sp>
+    </p:spTree>
+    <p:extLst>
+      <p:ext uri="{BB962C8B-B14F-4D97-AF65-F5344CB8AC3E}">
+        <p14:creationId xmlns:p14="http://schemas.microsoft.com/office/powerpoint/2010/main" val="1915767054"/>
+      </p:ext>
+    </p:extLst>
+  </p:cSld>
+  <p:clrMapOvr>
+    <a:masterClrMapping/>
+  </p:clrMapOvr>
+</p:notes>
+</file>
+
+<file path=ppt/notesSlides/notesSlide17.xml><?xml version="1.0" encoding="utf-8"?>
 <p:notes xmlns:a="http://schemas.openxmlformats.org/drawingml/2006/main" xmlns:r="http://schemas.openxmlformats.org/officeDocument/2006/relationships" xmlns:p="http://schemas.openxmlformats.org/presentationml/2006/main" showMasterSp="0" showMasterPhAnim="0">
   <p:cSld>
     <p:spTree>
@@ -9322,9 +9651,17 @@
 <file path=ppt/slides/slide15.xml><?xml version="1.0" encoding="utf-8"?>
 <p:sld xmlns:a="http://schemas.openxmlformats.org/drawingml/2006/main" xmlns:r="http://schemas.openxmlformats.org/officeDocument/2006/relationships" xmlns:p="http://schemas.openxmlformats.org/presentationml/2006/main">
   <p:cSld>
+    <p:bg>
+      <p:bgPr>
+        <a:solidFill>
+          <a:srgbClr val="000000"/>
+        </a:solidFill>
+        <a:effectLst/>
+      </p:bgPr>
+    </p:bg>
     <p:spTree>
       <p:nvGrpSpPr>
-        <p:cNvPr id="1" name=""/>
+        <p:cNvPr id="1" name="Shape 128"/>
         <p:cNvGrpSpPr/>
         <p:nvPr/>
       </p:nvGrpSpPr>
@@ -9338,99 +9675,404 @@
       </p:grpSpPr>
       <p:sp>
         <p:nvSpPr>
-          <p:cNvPr id="2" name="Title 1"/>
-          <p:cNvSpPr>
+          <p:cNvPr id="129" name="Google Shape;129;p24"/>
+          <p:cNvSpPr txBox="1">
             <a:spLocks noGrp="1"/>
           </p:cNvSpPr>
           <p:nvPr>
             <p:ph type="title"/>
           </p:nvPr>
         </p:nvSpPr>
-        <p:spPr/>
+        <p:spPr>
+          <a:xfrm>
+            <a:off x="311700" y="445025"/>
+            <a:ext cx="8520600" cy="613200"/>
+          </a:xfrm>
+          <a:prstGeom prst="rect">
+            <a:avLst/>
+          </a:prstGeom>
+        </p:spPr>
         <p:txBody>
-          <a:bodyPr/>
+          <a:bodyPr spcFirstLastPara="1" wrap="square" lIns="91425" tIns="91425" rIns="91425" bIns="91425" anchor="t" anchorCtr="0">
+            <a:noAutofit/>
+          </a:bodyPr>
           <a:lstStyle/>
           <a:p>
-            <a:r>
-              <a:rPr lang="en-US" altLang="zh-CN" dirty="0" smtClean="0"/>
-              <a:t>Error</a:t>
-            </a:r>
-            <a:r>
-              <a:rPr lang="zh-CN" altLang="en-US" dirty="0" smtClean="0"/>
+            <a:pPr marL="0" lvl="0" indent="0" algn="l" rtl="0">
+              <a:spcBef>
+                <a:spcPts val="0"/>
+              </a:spcBef>
+              <a:spcAft>
+                <a:spcPts val="0"/>
+              </a:spcAft>
+              <a:buNone/>
+            </a:pPr>
+            <a:r>
+              <a:rPr lang="en" dirty="0">
+                <a:solidFill>
+                  <a:schemeClr val="accent1"/>
+                </a:solidFill>
+              </a:rPr>
+              <a:t>Error Correction: </a:t>
+            </a:r>
+            <a:r>
+              <a:rPr lang="en-US" altLang="zh-CN" dirty="0" smtClean="0">
+                <a:solidFill>
+                  <a:schemeClr val="accent1"/>
+                </a:solidFill>
+              </a:rPr>
+              <a:t>Final</a:t>
+            </a:r>
+            <a:r>
+              <a:rPr lang="zh-CN" altLang="en-US" dirty="0" smtClean="0">
+                <a:solidFill>
+                  <a:schemeClr val="accent1"/>
+                </a:solidFill>
+              </a:rPr>
               <a:t> </a:t>
             </a:r>
             <a:r>
-              <a:rPr lang="en-US" altLang="zh-CN" dirty="0" smtClean="0"/>
-              <a:t>Detection</a:t>
-            </a:r>
-            <a:r>
-              <a:rPr lang="zh-CN" altLang="en-US" dirty="0" smtClean="0"/>
+              <a:rPr lang="en-US" altLang="zh-CN" dirty="0" smtClean="0">
+                <a:solidFill>
+                  <a:schemeClr val="accent1"/>
+                </a:solidFill>
+              </a:rPr>
+              <a:t>results</a:t>
+            </a:r>
+            <a:endParaRPr dirty="0">
+              <a:solidFill>
+                <a:schemeClr val="accent1"/>
+              </a:solidFill>
+            </a:endParaRPr>
+          </a:p>
+        </p:txBody>
+      </p:sp>
+      <p:sp>
+        <p:nvSpPr>
+          <p:cNvPr id="4" name="Title 1"/>
+          <p:cNvSpPr txBox="1">
+            <a:spLocks/>
+          </p:cNvSpPr>
+          <p:nvPr/>
+        </p:nvSpPr>
+        <p:spPr>
+          <a:xfrm>
+            <a:off x="311700" y="1058225"/>
+            <a:ext cx="8520600" cy="613200"/>
+          </a:xfrm>
+          <a:prstGeom prst="rect">
+            <a:avLst/>
+          </a:prstGeom>
+          <a:noFill/>
+          <a:ln>
+            <a:noFill/>
+          </a:ln>
+        </p:spPr>
+        <p:txBody>
+          <a:bodyPr spcFirstLastPara="1" wrap="square" lIns="91425" tIns="91425" rIns="91425" bIns="91425" anchor="t" anchorCtr="0"/>
+          <a:lstStyle>
+            <a:defPPr marR="0" lvl="0" algn="l" rtl="0">
+              <a:lnSpc>
+                <a:spcPct val="100000"/>
+              </a:lnSpc>
+              <a:spcBef>
+                <a:spcPts val="0"/>
+              </a:spcBef>
+              <a:spcAft>
+                <a:spcPts val="0"/>
+              </a:spcAft>
+            </a:defPPr>
+            <a:lvl1pPr marR="0" lvl="0" algn="l" rtl="0">
+              <a:lnSpc>
+                <a:spcPct val="100000"/>
+              </a:lnSpc>
+              <a:spcBef>
+                <a:spcPts val="0"/>
+              </a:spcBef>
+              <a:spcAft>
+                <a:spcPts val="0"/>
+              </a:spcAft>
+              <a:buClr>
+                <a:schemeClr val="dk1"/>
+              </a:buClr>
+              <a:buSzPts val="3000"/>
+              <a:buFont typeface="Old Standard TT"/>
+              <a:buNone/>
+              <a:defRPr sz="3000" b="0" i="0" u="none" strike="noStrike" cap="none">
+                <a:solidFill>
+                  <a:schemeClr val="dk1"/>
+                </a:solidFill>
+                <a:latin typeface="Old Standard TT"/>
+                <a:ea typeface="Old Standard TT"/>
+                <a:cs typeface="Old Standard TT"/>
+                <a:sym typeface="Old Standard TT"/>
+              </a:defRPr>
+            </a:lvl1pPr>
+            <a:lvl2pPr marR="0" lvl="1" algn="l" rtl="0">
+              <a:lnSpc>
+                <a:spcPct val="100000"/>
+              </a:lnSpc>
+              <a:spcBef>
+                <a:spcPts val="0"/>
+              </a:spcBef>
+              <a:spcAft>
+                <a:spcPts val="0"/>
+              </a:spcAft>
+              <a:buClr>
+                <a:schemeClr val="dk1"/>
+              </a:buClr>
+              <a:buSzPts val="3000"/>
+              <a:buFont typeface="Old Standard TT"/>
+              <a:buNone/>
+              <a:defRPr sz="3000" b="0" i="0" u="none" strike="noStrike" cap="none">
+                <a:solidFill>
+                  <a:schemeClr val="dk1"/>
+                </a:solidFill>
+                <a:latin typeface="Old Standard TT"/>
+                <a:ea typeface="Old Standard TT"/>
+                <a:cs typeface="Old Standard TT"/>
+                <a:sym typeface="Old Standard TT"/>
+              </a:defRPr>
+            </a:lvl2pPr>
+            <a:lvl3pPr marR="0" lvl="2" algn="l" rtl="0">
+              <a:lnSpc>
+                <a:spcPct val="100000"/>
+              </a:lnSpc>
+              <a:spcBef>
+                <a:spcPts val="0"/>
+              </a:spcBef>
+              <a:spcAft>
+                <a:spcPts val="0"/>
+              </a:spcAft>
+              <a:buClr>
+                <a:schemeClr val="dk1"/>
+              </a:buClr>
+              <a:buSzPts val="3000"/>
+              <a:buFont typeface="Old Standard TT"/>
+              <a:buNone/>
+              <a:defRPr sz="3000" b="0" i="0" u="none" strike="noStrike" cap="none">
+                <a:solidFill>
+                  <a:schemeClr val="dk1"/>
+                </a:solidFill>
+                <a:latin typeface="Old Standard TT"/>
+                <a:ea typeface="Old Standard TT"/>
+                <a:cs typeface="Old Standard TT"/>
+                <a:sym typeface="Old Standard TT"/>
+              </a:defRPr>
+            </a:lvl3pPr>
+            <a:lvl4pPr marR="0" lvl="3" algn="l" rtl="0">
+              <a:lnSpc>
+                <a:spcPct val="100000"/>
+              </a:lnSpc>
+              <a:spcBef>
+                <a:spcPts val="0"/>
+              </a:spcBef>
+              <a:spcAft>
+                <a:spcPts val="0"/>
+              </a:spcAft>
+              <a:buClr>
+                <a:schemeClr val="dk1"/>
+              </a:buClr>
+              <a:buSzPts val="3000"/>
+              <a:buFont typeface="Old Standard TT"/>
+              <a:buNone/>
+              <a:defRPr sz="3000" b="0" i="0" u="none" strike="noStrike" cap="none">
+                <a:solidFill>
+                  <a:schemeClr val="dk1"/>
+                </a:solidFill>
+                <a:latin typeface="Old Standard TT"/>
+                <a:ea typeface="Old Standard TT"/>
+                <a:cs typeface="Old Standard TT"/>
+                <a:sym typeface="Old Standard TT"/>
+              </a:defRPr>
+            </a:lvl4pPr>
+            <a:lvl5pPr marR="0" lvl="4" algn="l" rtl="0">
+              <a:lnSpc>
+                <a:spcPct val="100000"/>
+              </a:lnSpc>
+              <a:spcBef>
+                <a:spcPts val="0"/>
+              </a:spcBef>
+              <a:spcAft>
+                <a:spcPts val="0"/>
+              </a:spcAft>
+              <a:buClr>
+                <a:schemeClr val="dk1"/>
+              </a:buClr>
+              <a:buSzPts val="3000"/>
+              <a:buFont typeface="Old Standard TT"/>
+              <a:buNone/>
+              <a:defRPr sz="3000" b="0" i="0" u="none" strike="noStrike" cap="none">
+                <a:solidFill>
+                  <a:schemeClr val="dk1"/>
+                </a:solidFill>
+                <a:latin typeface="Old Standard TT"/>
+                <a:ea typeface="Old Standard TT"/>
+                <a:cs typeface="Old Standard TT"/>
+                <a:sym typeface="Old Standard TT"/>
+              </a:defRPr>
+            </a:lvl5pPr>
+            <a:lvl6pPr marR="0" lvl="5" algn="l" rtl="0">
+              <a:lnSpc>
+                <a:spcPct val="100000"/>
+              </a:lnSpc>
+              <a:spcBef>
+                <a:spcPts val="0"/>
+              </a:spcBef>
+              <a:spcAft>
+                <a:spcPts val="0"/>
+              </a:spcAft>
+              <a:buClr>
+                <a:schemeClr val="dk1"/>
+              </a:buClr>
+              <a:buSzPts val="3000"/>
+              <a:buFont typeface="Old Standard TT"/>
+              <a:buNone/>
+              <a:defRPr sz="3000" b="0" i="0" u="none" strike="noStrike" cap="none">
+                <a:solidFill>
+                  <a:schemeClr val="dk1"/>
+                </a:solidFill>
+                <a:latin typeface="Old Standard TT"/>
+                <a:ea typeface="Old Standard TT"/>
+                <a:cs typeface="Old Standard TT"/>
+                <a:sym typeface="Old Standard TT"/>
+              </a:defRPr>
+            </a:lvl6pPr>
+            <a:lvl7pPr marR="0" lvl="6" algn="l" rtl="0">
+              <a:lnSpc>
+                <a:spcPct val="100000"/>
+              </a:lnSpc>
+              <a:spcBef>
+                <a:spcPts val="0"/>
+              </a:spcBef>
+              <a:spcAft>
+                <a:spcPts val="0"/>
+              </a:spcAft>
+              <a:buClr>
+                <a:schemeClr val="dk1"/>
+              </a:buClr>
+              <a:buSzPts val="3000"/>
+              <a:buFont typeface="Old Standard TT"/>
+              <a:buNone/>
+              <a:defRPr sz="3000" b="0" i="0" u="none" strike="noStrike" cap="none">
+                <a:solidFill>
+                  <a:schemeClr val="dk1"/>
+                </a:solidFill>
+                <a:latin typeface="Old Standard TT"/>
+                <a:ea typeface="Old Standard TT"/>
+                <a:cs typeface="Old Standard TT"/>
+                <a:sym typeface="Old Standard TT"/>
+              </a:defRPr>
+            </a:lvl7pPr>
+            <a:lvl8pPr marR="0" lvl="7" algn="l" rtl="0">
+              <a:lnSpc>
+                <a:spcPct val="100000"/>
+              </a:lnSpc>
+              <a:spcBef>
+                <a:spcPts val="0"/>
+              </a:spcBef>
+              <a:spcAft>
+                <a:spcPts val="0"/>
+              </a:spcAft>
+              <a:buClr>
+                <a:schemeClr val="dk1"/>
+              </a:buClr>
+              <a:buSzPts val="3000"/>
+              <a:buFont typeface="Old Standard TT"/>
+              <a:buNone/>
+              <a:defRPr sz="3000" b="0" i="0" u="none" strike="noStrike" cap="none">
+                <a:solidFill>
+                  <a:schemeClr val="dk1"/>
+                </a:solidFill>
+                <a:latin typeface="Old Standard TT"/>
+                <a:ea typeface="Old Standard TT"/>
+                <a:cs typeface="Old Standard TT"/>
+                <a:sym typeface="Old Standard TT"/>
+              </a:defRPr>
+            </a:lvl8pPr>
+            <a:lvl9pPr marR="0" lvl="8" algn="l" rtl="0">
+              <a:lnSpc>
+                <a:spcPct val="100000"/>
+              </a:lnSpc>
+              <a:spcBef>
+                <a:spcPts val="0"/>
+              </a:spcBef>
+              <a:spcAft>
+                <a:spcPts val="0"/>
+              </a:spcAft>
+              <a:buClr>
+                <a:schemeClr val="dk1"/>
+              </a:buClr>
+              <a:buSzPts val="3000"/>
+              <a:buFont typeface="Old Standard TT"/>
+              <a:buNone/>
+              <a:defRPr sz="3000" b="0" i="0" u="none" strike="noStrike" cap="none">
+                <a:solidFill>
+                  <a:schemeClr val="dk1"/>
+                </a:solidFill>
+                <a:latin typeface="Old Standard TT"/>
+                <a:ea typeface="Old Standard TT"/>
+                <a:cs typeface="Old Standard TT"/>
+                <a:sym typeface="Old Standard TT"/>
+              </a:defRPr>
+            </a:lvl9pPr>
+          </a:lstStyle>
+          <a:p>
+            <a:r>
+              <a:rPr lang="en-US" altLang="zh-CN" sz="1600" dirty="0" smtClean="0">
+                <a:solidFill>
+                  <a:srgbClr val="FF0000"/>
+                </a:solidFill>
+              </a:rPr>
+              <a:t>Without</a:t>
+            </a:r>
+            <a:r>
+              <a:rPr lang="zh-CN" altLang="en-US" sz="1600" dirty="0" smtClean="0">
+                <a:solidFill>
+                  <a:srgbClr val="FF0000"/>
+                </a:solidFill>
+              </a:rPr>
               <a:t> </a:t>
             </a:r>
             <a:r>
-              <a:rPr lang="mr-IN" altLang="zh-CN" dirty="0" smtClean="0"/>
-              <a:t>–</a:t>
-            </a:r>
-            <a:r>
-              <a:rPr lang="zh-CN" altLang="en-US" dirty="0" smtClean="0"/>
-              <a:t> </a:t>
-            </a:r>
-            <a:r>
-              <a:rPr lang="en-US" altLang="zh-CN" dirty="0" smtClean="0"/>
-              <a:t>Example</a:t>
-            </a:r>
-            <a:r>
-              <a:rPr lang="zh-CN" altLang="en-US" dirty="0" smtClean="0"/>
-              <a:t> </a:t>
-            </a:r>
-            <a:r>
-              <a:rPr lang="en-US" altLang="zh-CN" dirty="0" smtClean="0"/>
-              <a:t>of</a:t>
-            </a:r>
-            <a:r>
-              <a:rPr lang="zh-CN" altLang="en-US" dirty="0" smtClean="0"/>
-              <a:t> </a:t>
-            </a:r>
-            <a:r>
-              <a:rPr lang="en-US" altLang="zh-CN" dirty="0" smtClean="0"/>
-              <a:t>Final</a:t>
-            </a:r>
-            <a:r>
-              <a:rPr lang="zh-CN" altLang="en-US" dirty="0" smtClean="0"/>
-              <a:t> </a:t>
-            </a:r>
-            <a:r>
-              <a:rPr lang="en-US" altLang="zh-CN" dirty="0" smtClean="0"/>
-              <a:t>Result</a:t>
-            </a:r>
-            <a:endParaRPr lang="en-US" dirty="0"/>
+              <a:rPr lang="en-US" altLang="zh-CN" sz="1600" dirty="0" smtClean="0">
+                <a:solidFill>
+                  <a:srgbClr val="FF0000"/>
+                </a:solidFill>
+              </a:rPr>
+              <a:t>Context</a:t>
+            </a:r>
+            <a:endParaRPr lang="en-US" sz="1600" dirty="0">
+              <a:solidFill>
+                <a:srgbClr val="FF0000"/>
+              </a:solidFill>
+            </a:endParaRPr>
           </a:p>
         </p:txBody>
       </p:sp>
       <p:pic>
         <p:nvPicPr>
-          <p:cNvPr id="4" name="Picture 3"/>
+          <p:cNvPr id="5" name="Picture 4"/>
           <p:cNvPicPr>
             <a:picLocks noChangeAspect="1"/>
           </p:cNvPicPr>
           <p:nvPr/>
         </p:nvPicPr>
-        <p:blipFill>
-          <a:blip r:embed="rId2">
+        <p:blipFill rotWithShape="1">
+          <a:blip r:embed="rId3">
             <a:extLst>
               <a:ext uri="{28A0092B-C50C-407E-A947-70E740481C1C}">
                 <a14:useLocalDpi xmlns:a14="http://schemas.microsoft.com/office/drawing/2010/main" val="0"/>
               </a:ext>
             </a:extLst>
           </a:blip>
-          <a:stretch>
-            <a:fillRect/>
-          </a:stretch>
+          <a:srcRect r="32845"/>
+          <a:stretch/>
         </p:blipFill>
         <p:spPr>
           <a:xfrm>
-            <a:off x="589784" y="1584434"/>
-            <a:ext cx="7964431" cy="2436487"/>
+            <a:off x="762263" y="1671425"/>
+            <a:ext cx="7619473" cy="2777359"/>
           </a:xfrm>
           <a:prstGeom prst="rect">
             <a:avLst/>
@@ -9440,7 +10082,7 @@
     </p:spTree>
     <p:extLst>
       <p:ext uri="{BB962C8B-B14F-4D97-AF65-F5344CB8AC3E}">
-        <p14:creationId xmlns:p14="http://schemas.microsoft.com/office/powerpoint/2010/main" val="494113172"/>
+        <p14:creationId xmlns:p14="http://schemas.microsoft.com/office/powerpoint/2010/main" val="1107763958"/>
       </p:ext>
     </p:extLst>
   </p:cSld>
@@ -9451,6 +10093,455 @@
 </file>
 
 <file path=ppt/slides/slide16.xml><?xml version="1.0" encoding="utf-8"?>
+<p:sld xmlns:a="http://schemas.openxmlformats.org/drawingml/2006/main" xmlns:r="http://schemas.openxmlformats.org/officeDocument/2006/relationships" xmlns:p="http://schemas.openxmlformats.org/presentationml/2006/main">
+  <p:cSld>
+    <p:bg>
+      <p:bgPr>
+        <a:solidFill>
+          <a:srgbClr val="000000"/>
+        </a:solidFill>
+        <a:effectLst/>
+      </p:bgPr>
+    </p:bg>
+    <p:spTree>
+      <p:nvGrpSpPr>
+        <p:cNvPr id="1" name="Shape 128"/>
+        <p:cNvGrpSpPr/>
+        <p:nvPr/>
+      </p:nvGrpSpPr>
+      <p:grpSpPr>
+        <a:xfrm>
+          <a:off x="0" y="0"/>
+          <a:ext cx="0" cy="0"/>
+          <a:chOff x="0" y="0"/>
+          <a:chExt cx="0" cy="0"/>
+        </a:xfrm>
+      </p:grpSpPr>
+      <p:sp>
+        <p:nvSpPr>
+          <p:cNvPr id="129" name="Google Shape;129;p24"/>
+          <p:cNvSpPr txBox="1">
+            <a:spLocks noGrp="1"/>
+          </p:cNvSpPr>
+          <p:nvPr>
+            <p:ph type="title"/>
+          </p:nvPr>
+        </p:nvSpPr>
+        <p:spPr>
+          <a:xfrm>
+            <a:off x="311700" y="445025"/>
+            <a:ext cx="8520600" cy="613200"/>
+          </a:xfrm>
+          <a:prstGeom prst="rect">
+            <a:avLst/>
+          </a:prstGeom>
+        </p:spPr>
+        <p:txBody>
+          <a:bodyPr spcFirstLastPara="1" wrap="square" lIns="91425" tIns="91425" rIns="91425" bIns="91425" anchor="t" anchorCtr="0">
+            <a:noAutofit/>
+          </a:bodyPr>
+          <a:lstStyle/>
+          <a:p>
+            <a:pPr marL="0" lvl="0" indent="0" algn="l" rtl="0">
+              <a:spcBef>
+                <a:spcPts val="0"/>
+              </a:spcBef>
+              <a:spcAft>
+                <a:spcPts val="0"/>
+              </a:spcAft>
+              <a:buNone/>
+            </a:pPr>
+            <a:r>
+              <a:rPr lang="en" dirty="0">
+                <a:solidFill>
+                  <a:schemeClr val="accent1"/>
+                </a:solidFill>
+              </a:rPr>
+              <a:t>Error Correction: </a:t>
+            </a:r>
+            <a:r>
+              <a:rPr lang="en-US" altLang="zh-CN" dirty="0" smtClean="0">
+                <a:solidFill>
+                  <a:schemeClr val="accent1"/>
+                </a:solidFill>
+              </a:rPr>
+              <a:t>Final</a:t>
+            </a:r>
+            <a:r>
+              <a:rPr lang="zh-CN" altLang="en-US" dirty="0" smtClean="0">
+                <a:solidFill>
+                  <a:schemeClr val="accent1"/>
+                </a:solidFill>
+              </a:rPr>
+              <a:t> </a:t>
+            </a:r>
+            <a:r>
+              <a:rPr lang="en-US" altLang="zh-CN" dirty="0" smtClean="0">
+                <a:solidFill>
+                  <a:schemeClr val="accent1"/>
+                </a:solidFill>
+              </a:rPr>
+              <a:t>results</a:t>
+            </a:r>
+            <a:endParaRPr dirty="0">
+              <a:solidFill>
+                <a:schemeClr val="accent1"/>
+              </a:solidFill>
+            </a:endParaRPr>
+          </a:p>
+        </p:txBody>
+      </p:sp>
+      <p:sp>
+        <p:nvSpPr>
+          <p:cNvPr id="4" name="Title 1"/>
+          <p:cNvSpPr txBox="1">
+            <a:spLocks/>
+          </p:cNvSpPr>
+          <p:nvPr/>
+        </p:nvSpPr>
+        <p:spPr>
+          <a:xfrm>
+            <a:off x="311700" y="1058225"/>
+            <a:ext cx="8520600" cy="613200"/>
+          </a:xfrm>
+          <a:prstGeom prst="rect">
+            <a:avLst/>
+          </a:prstGeom>
+          <a:noFill/>
+          <a:ln>
+            <a:noFill/>
+          </a:ln>
+        </p:spPr>
+        <p:txBody>
+          <a:bodyPr spcFirstLastPara="1" wrap="square" lIns="91425" tIns="91425" rIns="91425" bIns="91425" anchor="t" anchorCtr="0"/>
+          <a:lstStyle>
+            <a:defPPr marR="0" lvl="0" algn="l" rtl="0">
+              <a:lnSpc>
+                <a:spcPct val="100000"/>
+              </a:lnSpc>
+              <a:spcBef>
+                <a:spcPts val="0"/>
+              </a:spcBef>
+              <a:spcAft>
+                <a:spcPts val="0"/>
+              </a:spcAft>
+            </a:defPPr>
+            <a:lvl1pPr marR="0" lvl="0" algn="l" rtl="0">
+              <a:lnSpc>
+                <a:spcPct val="100000"/>
+              </a:lnSpc>
+              <a:spcBef>
+                <a:spcPts val="0"/>
+              </a:spcBef>
+              <a:spcAft>
+                <a:spcPts val="0"/>
+              </a:spcAft>
+              <a:buClr>
+                <a:schemeClr val="dk1"/>
+              </a:buClr>
+              <a:buSzPts val="3000"/>
+              <a:buFont typeface="Old Standard TT"/>
+              <a:buNone/>
+              <a:defRPr sz="3000" b="0" i="0" u="none" strike="noStrike" cap="none">
+                <a:solidFill>
+                  <a:schemeClr val="dk1"/>
+                </a:solidFill>
+                <a:latin typeface="Old Standard TT"/>
+                <a:ea typeface="Old Standard TT"/>
+                <a:cs typeface="Old Standard TT"/>
+                <a:sym typeface="Old Standard TT"/>
+              </a:defRPr>
+            </a:lvl1pPr>
+            <a:lvl2pPr marR="0" lvl="1" algn="l" rtl="0">
+              <a:lnSpc>
+                <a:spcPct val="100000"/>
+              </a:lnSpc>
+              <a:spcBef>
+                <a:spcPts val="0"/>
+              </a:spcBef>
+              <a:spcAft>
+                <a:spcPts val="0"/>
+              </a:spcAft>
+              <a:buClr>
+                <a:schemeClr val="dk1"/>
+              </a:buClr>
+              <a:buSzPts val="3000"/>
+              <a:buFont typeface="Old Standard TT"/>
+              <a:buNone/>
+              <a:defRPr sz="3000" b="0" i="0" u="none" strike="noStrike" cap="none">
+                <a:solidFill>
+                  <a:schemeClr val="dk1"/>
+                </a:solidFill>
+                <a:latin typeface="Old Standard TT"/>
+                <a:ea typeface="Old Standard TT"/>
+                <a:cs typeface="Old Standard TT"/>
+                <a:sym typeface="Old Standard TT"/>
+              </a:defRPr>
+            </a:lvl2pPr>
+            <a:lvl3pPr marR="0" lvl="2" algn="l" rtl="0">
+              <a:lnSpc>
+                <a:spcPct val="100000"/>
+              </a:lnSpc>
+              <a:spcBef>
+                <a:spcPts val="0"/>
+              </a:spcBef>
+              <a:spcAft>
+                <a:spcPts val="0"/>
+              </a:spcAft>
+              <a:buClr>
+                <a:schemeClr val="dk1"/>
+              </a:buClr>
+              <a:buSzPts val="3000"/>
+              <a:buFont typeface="Old Standard TT"/>
+              <a:buNone/>
+              <a:defRPr sz="3000" b="0" i="0" u="none" strike="noStrike" cap="none">
+                <a:solidFill>
+                  <a:schemeClr val="dk1"/>
+                </a:solidFill>
+                <a:latin typeface="Old Standard TT"/>
+                <a:ea typeface="Old Standard TT"/>
+                <a:cs typeface="Old Standard TT"/>
+                <a:sym typeface="Old Standard TT"/>
+              </a:defRPr>
+            </a:lvl3pPr>
+            <a:lvl4pPr marR="0" lvl="3" algn="l" rtl="0">
+              <a:lnSpc>
+                <a:spcPct val="100000"/>
+              </a:lnSpc>
+              <a:spcBef>
+                <a:spcPts val="0"/>
+              </a:spcBef>
+              <a:spcAft>
+                <a:spcPts val="0"/>
+              </a:spcAft>
+              <a:buClr>
+                <a:schemeClr val="dk1"/>
+              </a:buClr>
+              <a:buSzPts val="3000"/>
+              <a:buFont typeface="Old Standard TT"/>
+              <a:buNone/>
+              <a:defRPr sz="3000" b="0" i="0" u="none" strike="noStrike" cap="none">
+                <a:solidFill>
+                  <a:schemeClr val="dk1"/>
+                </a:solidFill>
+                <a:latin typeface="Old Standard TT"/>
+                <a:ea typeface="Old Standard TT"/>
+                <a:cs typeface="Old Standard TT"/>
+                <a:sym typeface="Old Standard TT"/>
+              </a:defRPr>
+            </a:lvl4pPr>
+            <a:lvl5pPr marR="0" lvl="4" algn="l" rtl="0">
+              <a:lnSpc>
+                <a:spcPct val="100000"/>
+              </a:lnSpc>
+              <a:spcBef>
+                <a:spcPts val="0"/>
+              </a:spcBef>
+              <a:spcAft>
+                <a:spcPts val="0"/>
+              </a:spcAft>
+              <a:buClr>
+                <a:schemeClr val="dk1"/>
+              </a:buClr>
+              <a:buSzPts val="3000"/>
+              <a:buFont typeface="Old Standard TT"/>
+              <a:buNone/>
+              <a:defRPr sz="3000" b="0" i="0" u="none" strike="noStrike" cap="none">
+                <a:solidFill>
+                  <a:schemeClr val="dk1"/>
+                </a:solidFill>
+                <a:latin typeface="Old Standard TT"/>
+                <a:ea typeface="Old Standard TT"/>
+                <a:cs typeface="Old Standard TT"/>
+                <a:sym typeface="Old Standard TT"/>
+              </a:defRPr>
+            </a:lvl5pPr>
+            <a:lvl6pPr marR="0" lvl="5" algn="l" rtl="0">
+              <a:lnSpc>
+                <a:spcPct val="100000"/>
+              </a:lnSpc>
+              <a:spcBef>
+                <a:spcPts val="0"/>
+              </a:spcBef>
+              <a:spcAft>
+                <a:spcPts val="0"/>
+              </a:spcAft>
+              <a:buClr>
+                <a:schemeClr val="dk1"/>
+              </a:buClr>
+              <a:buSzPts val="3000"/>
+              <a:buFont typeface="Old Standard TT"/>
+              <a:buNone/>
+              <a:defRPr sz="3000" b="0" i="0" u="none" strike="noStrike" cap="none">
+                <a:solidFill>
+                  <a:schemeClr val="dk1"/>
+                </a:solidFill>
+                <a:latin typeface="Old Standard TT"/>
+                <a:ea typeface="Old Standard TT"/>
+                <a:cs typeface="Old Standard TT"/>
+                <a:sym typeface="Old Standard TT"/>
+              </a:defRPr>
+            </a:lvl6pPr>
+            <a:lvl7pPr marR="0" lvl="6" algn="l" rtl="0">
+              <a:lnSpc>
+                <a:spcPct val="100000"/>
+              </a:lnSpc>
+              <a:spcBef>
+                <a:spcPts val="0"/>
+              </a:spcBef>
+              <a:spcAft>
+                <a:spcPts val="0"/>
+              </a:spcAft>
+              <a:buClr>
+                <a:schemeClr val="dk1"/>
+              </a:buClr>
+              <a:buSzPts val="3000"/>
+              <a:buFont typeface="Old Standard TT"/>
+              <a:buNone/>
+              <a:defRPr sz="3000" b="0" i="0" u="none" strike="noStrike" cap="none">
+                <a:solidFill>
+                  <a:schemeClr val="dk1"/>
+                </a:solidFill>
+                <a:latin typeface="Old Standard TT"/>
+                <a:ea typeface="Old Standard TT"/>
+                <a:cs typeface="Old Standard TT"/>
+                <a:sym typeface="Old Standard TT"/>
+              </a:defRPr>
+            </a:lvl7pPr>
+            <a:lvl8pPr marR="0" lvl="7" algn="l" rtl="0">
+              <a:lnSpc>
+                <a:spcPct val="100000"/>
+              </a:lnSpc>
+              <a:spcBef>
+                <a:spcPts val="0"/>
+              </a:spcBef>
+              <a:spcAft>
+                <a:spcPts val="0"/>
+              </a:spcAft>
+              <a:buClr>
+                <a:schemeClr val="dk1"/>
+              </a:buClr>
+              <a:buSzPts val="3000"/>
+              <a:buFont typeface="Old Standard TT"/>
+              <a:buNone/>
+              <a:defRPr sz="3000" b="0" i="0" u="none" strike="noStrike" cap="none">
+                <a:solidFill>
+                  <a:schemeClr val="dk1"/>
+                </a:solidFill>
+                <a:latin typeface="Old Standard TT"/>
+                <a:ea typeface="Old Standard TT"/>
+                <a:cs typeface="Old Standard TT"/>
+                <a:sym typeface="Old Standard TT"/>
+              </a:defRPr>
+            </a:lvl8pPr>
+            <a:lvl9pPr marR="0" lvl="8" algn="l" rtl="0">
+              <a:lnSpc>
+                <a:spcPct val="100000"/>
+              </a:lnSpc>
+              <a:spcBef>
+                <a:spcPts val="0"/>
+              </a:spcBef>
+              <a:spcAft>
+                <a:spcPts val="0"/>
+              </a:spcAft>
+              <a:buClr>
+                <a:schemeClr val="dk1"/>
+              </a:buClr>
+              <a:buSzPts val="3000"/>
+              <a:buFont typeface="Old Standard TT"/>
+              <a:buNone/>
+              <a:defRPr sz="3000" b="0" i="0" u="none" strike="noStrike" cap="none">
+                <a:solidFill>
+                  <a:schemeClr val="dk1"/>
+                </a:solidFill>
+                <a:latin typeface="Old Standard TT"/>
+                <a:ea typeface="Old Standard TT"/>
+                <a:cs typeface="Old Standard TT"/>
+                <a:sym typeface="Old Standard TT"/>
+              </a:defRPr>
+            </a:lvl9pPr>
+          </a:lstStyle>
+          <a:p>
+            <a:pPr>
+              <a:buClr>
+                <a:srgbClr val="000000"/>
+              </a:buClr>
+            </a:pPr>
+            <a:r>
+              <a:rPr lang="en-US" altLang="zh-CN" sz="1600" dirty="0" smtClean="0">
+                <a:solidFill>
+                  <a:srgbClr val="FF0000"/>
+                </a:solidFill>
+              </a:rPr>
+              <a:t>With</a:t>
+            </a:r>
+            <a:r>
+              <a:rPr lang="zh-CN" altLang="en-US" sz="1600" dirty="0" smtClean="0">
+                <a:solidFill>
+                  <a:srgbClr val="FF0000"/>
+                </a:solidFill>
+              </a:rPr>
+              <a:t> </a:t>
+            </a:r>
+            <a:r>
+              <a:rPr lang="en-US" altLang="zh-CN" sz="1600" dirty="0" smtClean="0">
+                <a:solidFill>
+                  <a:srgbClr val="FF0000"/>
+                </a:solidFill>
+              </a:rPr>
+              <a:t>Context</a:t>
+            </a:r>
+            <a:endParaRPr lang="en-US" sz="1600" dirty="0">
+              <a:solidFill>
+                <a:srgbClr val="FF0000"/>
+              </a:solidFill>
+            </a:endParaRPr>
+          </a:p>
+        </p:txBody>
+      </p:sp>
+      <p:pic>
+        <p:nvPicPr>
+          <p:cNvPr id="2" name="Picture 1"/>
+          <p:cNvPicPr>
+            <a:picLocks noChangeAspect="1"/>
+          </p:cNvPicPr>
+          <p:nvPr/>
+        </p:nvPicPr>
+        <p:blipFill rotWithShape="1">
+          <a:blip r:embed="rId3">
+            <a:extLst>
+              <a:ext uri="{28A0092B-C50C-407E-A947-70E740481C1C}">
+                <a14:useLocalDpi xmlns:a14="http://schemas.microsoft.com/office/drawing/2010/main" val="0"/>
+              </a:ext>
+            </a:extLst>
+          </a:blip>
+          <a:srcRect r="33625"/>
+          <a:stretch/>
+        </p:blipFill>
+        <p:spPr>
+          <a:xfrm>
+            <a:off x="713390" y="1671425"/>
+            <a:ext cx="7717220" cy="2779200"/>
+          </a:xfrm>
+          <a:prstGeom prst="rect">
+            <a:avLst/>
+          </a:prstGeom>
+        </p:spPr>
+      </p:pic>
+    </p:spTree>
+    <p:extLst>
+      <p:ext uri="{BB962C8B-B14F-4D97-AF65-F5344CB8AC3E}">
+        <p14:creationId xmlns:p14="http://schemas.microsoft.com/office/powerpoint/2010/main" val="723956134"/>
+      </p:ext>
+    </p:extLst>
+  </p:cSld>
+  <p:clrMapOvr>
+    <a:masterClrMapping/>
+  </p:clrMapOvr>
+</p:sld>
+</file>
+
+<file path=ppt/slides/slide17.xml><?xml version="1.0" encoding="utf-8"?>
 <p:sld xmlns:a="http://schemas.openxmlformats.org/drawingml/2006/main" xmlns:r="http://schemas.openxmlformats.org/officeDocument/2006/relationships" xmlns:p="http://schemas.openxmlformats.org/presentationml/2006/main">
   <p:cSld>
     <p:bg>
@@ -9518,33 +10609,49 @@
               <a:t>Performance</a:t>
             </a:r>
             <a:r>
-              <a:rPr lang="en" dirty="0" smtClean="0">
+              <a:rPr lang="zh-CN" altLang="en-US" dirty="0" smtClean="0">
                 <a:solidFill>
                   <a:schemeClr val="accent1"/>
                 </a:solidFill>
               </a:rPr>
-              <a:t>:</a:t>
-            </a:r>
-            <a:r>
-              <a:rPr lang="zh-CN" altLang="en-US" dirty="0">
+              <a:t> </a:t>
+            </a:r>
+            <a:r>
+              <a:rPr lang="en-US" altLang="zh-CN" dirty="0" smtClean="0">
                 <a:solidFill>
                   <a:schemeClr val="accent1"/>
                 </a:solidFill>
               </a:rPr>
+              <a:t>-</a:t>
+            </a:r>
+            <a:r>
+              <a:rPr lang="zh-CN" altLang="en-US" dirty="0" smtClean="0">
+                <a:solidFill>
+                  <a:schemeClr val="accent1"/>
+                </a:solidFill>
+              </a:rPr>
               <a:t> </a:t>
             </a:r>
             <a:r>
               <a:rPr lang="en-US" altLang="zh-CN" dirty="0" smtClean="0">
                 <a:solidFill>
-                  <a:schemeClr val="accent1"/>
-                </a:solidFill>
-              </a:rPr>
-              <a:t>MLE</a:t>
+                  <a:srgbClr val="FF0000"/>
+                </a:solidFill>
+              </a:rPr>
+              <a:t>withou</a:t>
+            </a:r>
+            <a:r>
+              <a:rPr lang="en-US" altLang="zh-CN" dirty="0" smtClean="0">
+                <a:solidFill>
+                  <a:srgbClr val="FF0000"/>
+                </a:solidFill>
+              </a:rPr>
+              <a:t>t</a:t>
             </a:r>
             <a:r>
               <a:rPr lang="zh-CN" altLang="en-US" dirty="0" smtClean="0">
                 <a:solidFill>
-                  <a:schemeClr val="accent1"/>
+                  <a:srgbClr val="FF0000"/>
                 </a:solidFill>
               </a:rPr>
               <a:t> </a:t>
@@ -9552,30 +10659,14 @@
             <a:r>
               <a:rPr lang="en-US" altLang="zh-CN" dirty="0" smtClean="0">
                 <a:solidFill>
-                  <a:schemeClr val="accent1"/>
-                </a:solidFill>
-              </a:rPr>
-              <a:t>and</a:t>
-            </a:r>
-            <a:r>
-              <a:rPr lang="zh-CN" altLang="en-US" dirty="0" smtClean="0">
-                <a:solidFill>
-                  <a:schemeClr val="accent1"/>
-                </a:solidFill>
-              </a:rPr>
-              <a:t> </a:t>
-            </a:r>
-            <a:r>
-              <a:rPr lang="en-US" altLang="zh-CN" dirty="0" smtClean="0">
-                <a:solidFill>
-                  <a:schemeClr val="accent1"/>
-                </a:solidFill>
-              </a:rPr>
-              <a:t>ELE</a:t>
+                  <a:srgbClr val="FF0000"/>
+                </a:solidFill>
+              </a:rPr>
+              <a:t>context</a:t>
             </a:r>
             <a:endParaRPr dirty="0">
               <a:solidFill>
-                <a:schemeClr val="accent1"/>
+                <a:srgbClr val="FF0000"/>
               </a:solidFill>
             </a:endParaRPr>
           </a:p>
@@ -9603,7 +10694,7 @@
         </p:blipFill>
         <p:spPr>
           <a:xfrm>
-            <a:off x="1147273" y="1430200"/>
+            <a:off x="1147273" y="1628523"/>
             <a:ext cx="6276746" cy="1440000"/>
           </a:xfrm>
           <a:prstGeom prst="rect">
@@ -9619,7 +10710,7 @@
         </p:nvGrpSpPr>
         <p:grpSpPr>
           <a:xfrm>
-            <a:off x="1147273" y="3128800"/>
+            <a:off x="1147273" y="3270690"/>
             <a:ext cx="6276746" cy="1440000"/>
             <a:chOff x="311700" y="3084975"/>
             <a:chExt cx="6276746" cy="1440000"/>
@@ -9697,7 +10788,1119 @@
 </p:sld>
 </file>
 
-<file path=ppt/slides/slide17.xml><?xml version="1.0" encoding="utf-8"?>
+<file path=ppt/slides/slide18.xml><?xml version="1.0" encoding="utf-8"?>
+<p:sld xmlns:a="http://schemas.openxmlformats.org/drawingml/2006/main" xmlns:r="http://schemas.openxmlformats.org/officeDocument/2006/relationships" xmlns:p="http://schemas.openxmlformats.org/presentationml/2006/main">
+  <p:cSld>
+    <p:bg>
+      <p:bgPr>
+        <a:solidFill>
+          <a:srgbClr val="000000"/>
+        </a:solidFill>
+        <a:effectLst/>
+      </p:bgPr>
+    </p:bg>
+    <p:spTree>
+      <p:nvGrpSpPr>
+        <p:cNvPr id="1" name="Shape 108"/>
+        <p:cNvGrpSpPr/>
+        <p:nvPr/>
+      </p:nvGrpSpPr>
+      <p:grpSpPr>
+        <a:xfrm>
+          <a:off x="0" y="0"/>
+          <a:ext cx="0" cy="0"/>
+          <a:chOff x="0" y="0"/>
+          <a:chExt cx="0" cy="0"/>
+        </a:xfrm>
+      </p:grpSpPr>
+      <p:sp>
+        <p:nvSpPr>
+          <p:cNvPr id="109" name="Google Shape;109;p21"/>
+          <p:cNvSpPr txBox="1">
+            <a:spLocks noGrp="1"/>
+          </p:cNvSpPr>
+          <p:nvPr>
+            <p:ph type="title"/>
+          </p:nvPr>
+        </p:nvSpPr>
+        <p:spPr>
+          <a:xfrm>
+            <a:off x="311700" y="445025"/>
+            <a:ext cx="8520600" cy="613200"/>
+          </a:xfrm>
+          <a:prstGeom prst="rect">
+            <a:avLst/>
+          </a:prstGeom>
+        </p:spPr>
+        <p:txBody>
+          <a:bodyPr spcFirstLastPara="1" wrap="square" lIns="91425" tIns="91425" rIns="91425" bIns="91425" anchor="t" anchorCtr="0">
+            <a:noAutofit/>
+          </a:bodyPr>
+          <a:lstStyle/>
+          <a:p>
+            <a:pPr marL="0" lvl="0" indent="0" algn="l" rtl="0">
+              <a:spcBef>
+                <a:spcPts val="0"/>
+              </a:spcBef>
+              <a:spcAft>
+                <a:spcPts val="0"/>
+              </a:spcAft>
+              <a:buNone/>
+            </a:pPr>
+            <a:r>
+              <a:rPr lang="en-US" altLang="zh-CN" dirty="0" smtClean="0">
+                <a:solidFill>
+                  <a:schemeClr val="accent1"/>
+                </a:solidFill>
+              </a:rPr>
+              <a:t>Performance</a:t>
+            </a:r>
+            <a:r>
+              <a:rPr lang="en" dirty="0" smtClean="0">
+                <a:solidFill>
+                  <a:schemeClr val="accent1"/>
+                </a:solidFill>
+              </a:rPr>
+              <a:t>:</a:t>
+            </a:r>
+            <a:r>
+              <a:rPr lang="zh-CN" altLang="en-US" dirty="0">
+                <a:solidFill>
+                  <a:schemeClr val="accent1"/>
+                </a:solidFill>
+              </a:rPr>
+              <a:t> </a:t>
+            </a:r>
+            <a:r>
+              <a:rPr lang="en-US" altLang="zh-CN" dirty="0" smtClean="0">
+                <a:solidFill>
+                  <a:schemeClr val="accent1"/>
+                </a:solidFill>
+              </a:rPr>
+              <a:t>-</a:t>
+            </a:r>
+            <a:r>
+              <a:rPr lang="zh-CN" altLang="en-US" dirty="0" smtClean="0">
+                <a:solidFill>
+                  <a:schemeClr val="accent1"/>
+                </a:solidFill>
+              </a:rPr>
+              <a:t> </a:t>
+            </a:r>
+            <a:r>
+              <a:rPr lang="en-US" altLang="zh-CN" dirty="0" smtClean="0">
+                <a:solidFill>
+                  <a:srgbClr val="FF0000"/>
+                </a:solidFill>
+              </a:rPr>
+              <a:t>with</a:t>
+            </a:r>
+            <a:r>
+              <a:rPr lang="zh-CN" altLang="en-US" dirty="0" smtClean="0">
+                <a:solidFill>
+                  <a:srgbClr val="FF0000"/>
+                </a:solidFill>
+              </a:rPr>
+              <a:t> </a:t>
+            </a:r>
+            <a:r>
+              <a:rPr lang="en-US" altLang="zh-CN" dirty="0" smtClean="0">
+                <a:solidFill>
+                  <a:srgbClr val="FF0000"/>
+                </a:solidFill>
+              </a:rPr>
+              <a:t>context</a:t>
+            </a:r>
+            <a:endParaRPr dirty="0">
+              <a:solidFill>
+                <a:srgbClr val="FF0000"/>
+              </a:solidFill>
+            </a:endParaRPr>
+          </a:p>
+        </p:txBody>
+      </p:sp>
+      <p:pic>
+        <p:nvPicPr>
+          <p:cNvPr id="8" name="Picture 7"/>
+          <p:cNvPicPr>
+            <a:picLocks noChangeAspect="1"/>
+          </p:cNvPicPr>
+          <p:nvPr/>
+        </p:nvPicPr>
+        <p:blipFill>
+          <a:blip r:embed="rId3">
+            <a:extLst>
+              <a:ext uri="{28A0092B-C50C-407E-A947-70E740481C1C}">
+                <a14:useLocalDpi xmlns:a14="http://schemas.microsoft.com/office/drawing/2010/main" val="0"/>
+              </a:ext>
+            </a:extLst>
+          </a:blip>
+          <a:stretch>
+            <a:fillRect/>
+          </a:stretch>
+        </p:blipFill>
+        <p:spPr>
+          <a:xfrm>
+            <a:off x="1212471" y="1679432"/>
+            <a:ext cx="6157440" cy="1440000"/>
+          </a:xfrm>
+          <a:prstGeom prst="rect">
+            <a:avLst/>
+          </a:prstGeom>
+        </p:spPr>
+      </p:pic>
+      <p:grpSp>
+        <p:nvGrpSpPr>
+          <p:cNvPr id="9" name="Group 8"/>
+          <p:cNvGrpSpPr/>
+          <p:nvPr/>
+        </p:nvGrpSpPr>
+        <p:grpSpPr>
+          <a:xfrm>
+            <a:off x="1210335" y="3322853"/>
+            <a:ext cx="6157440" cy="1440000"/>
+            <a:chOff x="1210335" y="3015425"/>
+            <a:chExt cx="6157440" cy="1440000"/>
+          </a:xfrm>
+        </p:grpSpPr>
+        <p:pic>
+          <p:nvPicPr>
+            <p:cNvPr id="2" name="Picture 1"/>
+            <p:cNvPicPr>
+              <a:picLocks noChangeAspect="1"/>
+            </p:cNvPicPr>
+            <p:nvPr/>
+          </p:nvPicPr>
+          <p:blipFill rotWithShape="1">
+            <a:blip r:embed="rId3">
+              <a:extLst>
+                <a:ext uri="{28A0092B-C50C-407E-A947-70E740481C1C}">
+                  <a14:useLocalDpi xmlns:a14="http://schemas.microsoft.com/office/drawing/2010/main" val="0"/>
+                </a:ext>
+              </a:extLst>
+            </a:blip>
+            <a:srcRect l="1" r="40156"/>
+            <a:stretch/>
+          </p:blipFill>
+          <p:spPr>
+            <a:xfrm>
+              <a:off x="1210335" y="3015425"/>
+              <a:ext cx="3684858" cy="1440000"/>
+            </a:xfrm>
+            <a:prstGeom prst="rect">
+              <a:avLst/>
+            </a:prstGeom>
+          </p:spPr>
+        </p:pic>
+        <p:pic>
+          <p:nvPicPr>
+            <p:cNvPr id="6" name="Picture 5"/>
+            <p:cNvPicPr>
+              <a:picLocks noChangeAspect="1"/>
+            </p:cNvPicPr>
+            <p:nvPr/>
+          </p:nvPicPr>
+          <p:blipFill rotWithShape="1">
+            <a:blip r:embed="rId4">
+              <a:extLst>
+                <a:ext uri="{28A0092B-C50C-407E-A947-70E740481C1C}">
+                  <a14:useLocalDpi xmlns:a14="http://schemas.microsoft.com/office/drawing/2010/main" val="0"/>
+                </a:ext>
+              </a:extLst>
+            </a:blip>
+            <a:srcRect l="60016"/>
+            <a:stretch/>
+          </p:blipFill>
+          <p:spPr>
+            <a:xfrm>
+              <a:off x="4895193" y="3015425"/>
+              <a:ext cx="2472582" cy="1440000"/>
+            </a:xfrm>
+            <a:prstGeom prst="rect">
+              <a:avLst/>
+            </a:prstGeom>
+          </p:spPr>
+        </p:pic>
+      </p:grpSp>
+      <p:sp>
+        <p:nvSpPr>
+          <p:cNvPr id="11" name="Google Shape;109;p21"/>
+          <p:cNvSpPr txBox="1">
+            <a:spLocks/>
+          </p:cNvSpPr>
+          <p:nvPr/>
+        </p:nvSpPr>
+        <p:spPr>
+          <a:xfrm>
+            <a:off x="311700" y="1058225"/>
+            <a:ext cx="8520600" cy="613200"/>
+          </a:xfrm>
+          <a:prstGeom prst="rect">
+            <a:avLst/>
+          </a:prstGeom>
+          <a:noFill/>
+          <a:ln>
+            <a:noFill/>
+          </a:ln>
+        </p:spPr>
+        <p:txBody>
+          <a:bodyPr spcFirstLastPara="1" wrap="square" lIns="91425" tIns="91425" rIns="91425" bIns="91425" anchor="t" anchorCtr="0">
+            <a:noAutofit/>
+          </a:bodyPr>
+          <a:lstStyle>
+            <a:defPPr marR="0" lvl="0" algn="l" rtl="0">
+              <a:lnSpc>
+                <a:spcPct val="100000"/>
+              </a:lnSpc>
+              <a:spcBef>
+                <a:spcPts val="0"/>
+              </a:spcBef>
+              <a:spcAft>
+                <a:spcPts val="0"/>
+              </a:spcAft>
+            </a:defPPr>
+            <a:lvl1pPr marR="0" lvl="0" algn="l" rtl="0">
+              <a:lnSpc>
+                <a:spcPct val="100000"/>
+              </a:lnSpc>
+              <a:spcBef>
+                <a:spcPts val="0"/>
+              </a:spcBef>
+              <a:spcAft>
+                <a:spcPts val="0"/>
+              </a:spcAft>
+              <a:buClr>
+                <a:schemeClr val="dk1"/>
+              </a:buClr>
+              <a:buSzPts val="3000"/>
+              <a:buFont typeface="Old Standard TT"/>
+              <a:buNone/>
+              <a:defRPr sz="3000" b="0" i="0" u="none" strike="noStrike" cap="none">
+                <a:solidFill>
+                  <a:schemeClr val="dk1"/>
+                </a:solidFill>
+                <a:latin typeface="Old Standard TT"/>
+                <a:ea typeface="Old Standard TT"/>
+                <a:cs typeface="Old Standard TT"/>
+                <a:sym typeface="Old Standard TT"/>
+              </a:defRPr>
+            </a:lvl1pPr>
+            <a:lvl2pPr marR="0" lvl="1" algn="l" rtl="0">
+              <a:lnSpc>
+                <a:spcPct val="100000"/>
+              </a:lnSpc>
+              <a:spcBef>
+                <a:spcPts val="0"/>
+              </a:spcBef>
+              <a:spcAft>
+                <a:spcPts val="0"/>
+              </a:spcAft>
+              <a:buClr>
+                <a:schemeClr val="dk1"/>
+              </a:buClr>
+              <a:buSzPts val="3000"/>
+              <a:buFont typeface="Old Standard TT"/>
+              <a:buNone/>
+              <a:defRPr sz="3000" b="0" i="0" u="none" strike="noStrike" cap="none">
+                <a:solidFill>
+                  <a:schemeClr val="dk1"/>
+                </a:solidFill>
+                <a:latin typeface="Old Standard TT"/>
+                <a:ea typeface="Old Standard TT"/>
+                <a:cs typeface="Old Standard TT"/>
+                <a:sym typeface="Old Standard TT"/>
+              </a:defRPr>
+            </a:lvl2pPr>
+            <a:lvl3pPr marR="0" lvl="2" algn="l" rtl="0">
+              <a:lnSpc>
+                <a:spcPct val="100000"/>
+              </a:lnSpc>
+              <a:spcBef>
+                <a:spcPts val="0"/>
+              </a:spcBef>
+              <a:spcAft>
+                <a:spcPts val="0"/>
+              </a:spcAft>
+              <a:buClr>
+                <a:schemeClr val="dk1"/>
+              </a:buClr>
+              <a:buSzPts val="3000"/>
+              <a:buFont typeface="Old Standard TT"/>
+              <a:buNone/>
+              <a:defRPr sz="3000" b="0" i="0" u="none" strike="noStrike" cap="none">
+                <a:solidFill>
+                  <a:schemeClr val="dk1"/>
+                </a:solidFill>
+                <a:latin typeface="Old Standard TT"/>
+                <a:ea typeface="Old Standard TT"/>
+                <a:cs typeface="Old Standard TT"/>
+                <a:sym typeface="Old Standard TT"/>
+              </a:defRPr>
+            </a:lvl3pPr>
+            <a:lvl4pPr marR="0" lvl="3" algn="l" rtl="0">
+              <a:lnSpc>
+                <a:spcPct val="100000"/>
+              </a:lnSpc>
+              <a:spcBef>
+                <a:spcPts val="0"/>
+              </a:spcBef>
+              <a:spcAft>
+                <a:spcPts val="0"/>
+              </a:spcAft>
+              <a:buClr>
+                <a:schemeClr val="dk1"/>
+              </a:buClr>
+              <a:buSzPts val="3000"/>
+              <a:buFont typeface="Old Standard TT"/>
+              <a:buNone/>
+              <a:defRPr sz="3000" b="0" i="0" u="none" strike="noStrike" cap="none">
+                <a:solidFill>
+                  <a:schemeClr val="dk1"/>
+                </a:solidFill>
+                <a:latin typeface="Old Standard TT"/>
+                <a:ea typeface="Old Standard TT"/>
+                <a:cs typeface="Old Standard TT"/>
+                <a:sym typeface="Old Standard TT"/>
+              </a:defRPr>
+            </a:lvl4pPr>
+            <a:lvl5pPr marR="0" lvl="4" algn="l" rtl="0">
+              <a:lnSpc>
+                <a:spcPct val="100000"/>
+              </a:lnSpc>
+              <a:spcBef>
+                <a:spcPts val="0"/>
+              </a:spcBef>
+              <a:spcAft>
+                <a:spcPts val="0"/>
+              </a:spcAft>
+              <a:buClr>
+                <a:schemeClr val="dk1"/>
+              </a:buClr>
+              <a:buSzPts val="3000"/>
+              <a:buFont typeface="Old Standard TT"/>
+              <a:buNone/>
+              <a:defRPr sz="3000" b="0" i="0" u="none" strike="noStrike" cap="none">
+                <a:solidFill>
+                  <a:schemeClr val="dk1"/>
+                </a:solidFill>
+                <a:latin typeface="Old Standard TT"/>
+                <a:ea typeface="Old Standard TT"/>
+                <a:cs typeface="Old Standard TT"/>
+                <a:sym typeface="Old Standard TT"/>
+              </a:defRPr>
+            </a:lvl5pPr>
+            <a:lvl6pPr marR="0" lvl="5" algn="l" rtl="0">
+              <a:lnSpc>
+                <a:spcPct val="100000"/>
+              </a:lnSpc>
+              <a:spcBef>
+                <a:spcPts val="0"/>
+              </a:spcBef>
+              <a:spcAft>
+                <a:spcPts val="0"/>
+              </a:spcAft>
+              <a:buClr>
+                <a:schemeClr val="dk1"/>
+              </a:buClr>
+              <a:buSzPts val="3000"/>
+              <a:buFont typeface="Old Standard TT"/>
+              <a:buNone/>
+              <a:defRPr sz="3000" b="0" i="0" u="none" strike="noStrike" cap="none">
+                <a:solidFill>
+                  <a:schemeClr val="dk1"/>
+                </a:solidFill>
+                <a:latin typeface="Old Standard TT"/>
+                <a:ea typeface="Old Standard TT"/>
+                <a:cs typeface="Old Standard TT"/>
+                <a:sym typeface="Old Standard TT"/>
+              </a:defRPr>
+            </a:lvl6pPr>
+            <a:lvl7pPr marR="0" lvl="6" algn="l" rtl="0">
+              <a:lnSpc>
+                <a:spcPct val="100000"/>
+              </a:lnSpc>
+              <a:spcBef>
+                <a:spcPts val="0"/>
+              </a:spcBef>
+              <a:spcAft>
+                <a:spcPts val="0"/>
+              </a:spcAft>
+              <a:buClr>
+                <a:schemeClr val="dk1"/>
+              </a:buClr>
+              <a:buSzPts val="3000"/>
+              <a:buFont typeface="Old Standard TT"/>
+              <a:buNone/>
+              <a:defRPr sz="3000" b="0" i="0" u="none" strike="noStrike" cap="none">
+                <a:solidFill>
+                  <a:schemeClr val="dk1"/>
+                </a:solidFill>
+                <a:latin typeface="Old Standard TT"/>
+                <a:ea typeface="Old Standard TT"/>
+                <a:cs typeface="Old Standard TT"/>
+                <a:sym typeface="Old Standard TT"/>
+              </a:defRPr>
+            </a:lvl7pPr>
+            <a:lvl8pPr marR="0" lvl="7" algn="l" rtl="0">
+              <a:lnSpc>
+                <a:spcPct val="100000"/>
+              </a:lnSpc>
+              <a:spcBef>
+                <a:spcPts val="0"/>
+              </a:spcBef>
+              <a:spcAft>
+                <a:spcPts val="0"/>
+              </a:spcAft>
+              <a:buClr>
+                <a:schemeClr val="dk1"/>
+              </a:buClr>
+              <a:buSzPts val="3000"/>
+              <a:buFont typeface="Old Standard TT"/>
+              <a:buNone/>
+              <a:defRPr sz="3000" b="0" i="0" u="none" strike="noStrike" cap="none">
+                <a:solidFill>
+                  <a:schemeClr val="dk1"/>
+                </a:solidFill>
+                <a:latin typeface="Old Standard TT"/>
+                <a:ea typeface="Old Standard TT"/>
+                <a:cs typeface="Old Standard TT"/>
+                <a:sym typeface="Old Standard TT"/>
+              </a:defRPr>
+            </a:lvl8pPr>
+            <a:lvl9pPr marR="0" lvl="8" algn="l" rtl="0">
+              <a:lnSpc>
+                <a:spcPct val="100000"/>
+              </a:lnSpc>
+              <a:spcBef>
+                <a:spcPts val="0"/>
+              </a:spcBef>
+              <a:spcAft>
+                <a:spcPts val="0"/>
+              </a:spcAft>
+              <a:buClr>
+                <a:schemeClr val="dk1"/>
+              </a:buClr>
+              <a:buSzPts val="3000"/>
+              <a:buFont typeface="Old Standard TT"/>
+              <a:buNone/>
+              <a:defRPr sz="3000" b="0" i="0" u="none" strike="noStrike" cap="none">
+                <a:solidFill>
+                  <a:schemeClr val="dk1"/>
+                </a:solidFill>
+                <a:latin typeface="Old Standard TT"/>
+                <a:ea typeface="Old Standard TT"/>
+                <a:cs typeface="Old Standard TT"/>
+                <a:sym typeface="Old Standard TT"/>
+              </a:defRPr>
+            </a:lvl9pPr>
+          </a:lstStyle>
+          <a:p>
+            <a:r>
+              <a:rPr lang="en-US" altLang="zh-CN" sz="1200" dirty="0" smtClean="0">
+                <a:solidFill>
+                  <a:srgbClr val="FF0000"/>
+                </a:solidFill>
+              </a:rPr>
+              <a:t>As</a:t>
+            </a:r>
+            <a:r>
+              <a:rPr lang="zh-CN" altLang="en-US" sz="1200" dirty="0" smtClean="0">
+                <a:solidFill>
+                  <a:srgbClr val="FF0000"/>
+                </a:solidFill>
+              </a:rPr>
+              <a:t> </a:t>
+            </a:r>
+            <a:r>
+              <a:rPr lang="en-US" altLang="zh-CN" sz="1200" dirty="0" smtClean="0">
+                <a:solidFill>
+                  <a:srgbClr val="FF0000"/>
+                </a:solidFill>
+              </a:rPr>
+              <a:t>we</a:t>
+            </a:r>
+            <a:r>
+              <a:rPr lang="zh-CN" altLang="en-US" sz="1200" dirty="0" smtClean="0">
+                <a:solidFill>
+                  <a:srgbClr val="FF0000"/>
+                </a:solidFill>
+              </a:rPr>
+              <a:t> </a:t>
+            </a:r>
+            <a:r>
+              <a:rPr lang="en-US" altLang="zh-CN" sz="1200" dirty="0" smtClean="0">
+                <a:solidFill>
+                  <a:srgbClr val="FF0000"/>
+                </a:solidFill>
+              </a:rPr>
+              <a:t>can</a:t>
+            </a:r>
+            <a:r>
+              <a:rPr lang="zh-CN" altLang="en-US" sz="1200" dirty="0" smtClean="0">
+                <a:solidFill>
+                  <a:srgbClr val="FF0000"/>
+                </a:solidFill>
+              </a:rPr>
+              <a:t> </a:t>
+            </a:r>
+            <a:r>
+              <a:rPr lang="en-US" altLang="zh-CN" sz="1200" dirty="0" smtClean="0">
+                <a:solidFill>
+                  <a:srgbClr val="FF0000"/>
+                </a:solidFill>
+              </a:rPr>
+              <a:t>notice,</a:t>
+            </a:r>
+            <a:r>
+              <a:rPr lang="zh-CN" altLang="en-US" sz="1200" dirty="0" smtClean="0">
+                <a:solidFill>
+                  <a:srgbClr val="FF0000"/>
+                </a:solidFill>
+              </a:rPr>
+              <a:t> </a:t>
+            </a:r>
+            <a:r>
+              <a:rPr lang="en-US" altLang="zh-CN" sz="1200" dirty="0" smtClean="0">
+                <a:solidFill>
+                  <a:srgbClr val="FF0000"/>
+                </a:solidFill>
+              </a:rPr>
+              <a:t>the</a:t>
+            </a:r>
+            <a:r>
+              <a:rPr lang="zh-CN" altLang="en-US" sz="1200" dirty="0" smtClean="0">
+                <a:solidFill>
+                  <a:srgbClr val="FF0000"/>
+                </a:solidFill>
+              </a:rPr>
+              <a:t> </a:t>
+            </a:r>
+            <a:r>
+              <a:rPr lang="en-US" altLang="zh-CN" sz="1200" dirty="0" smtClean="0">
+                <a:solidFill>
+                  <a:srgbClr val="FF0000"/>
+                </a:solidFill>
+              </a:rPr>
+              <a:t>performance</a:t>
+            </a:r>
+            <a:r>
+              <a:rPr lang="zh-CN" altLang="en-US" sz="1200" dirty="0" smtClean="0">
+                <a:solidFill>
+                  <a:srgbClr val="FF0000"/>
+                </a:solidFill>
+              </a:rPr>
+              <a:t> </a:t>
+            </a:r>
+            <a:r>
+              <a:rPr lang="en-US" altLang="zh-CN" sz="1200" dirty="0" smtClean="0">
+                <a:solidFill>
+                  <a:srgbClr val="FF0000"/>
+                </a:solidFill>
+              </a:rPr>
+              <a:t>of</a:t>
+            </a:r>
+            <a:r>
+              <a:rPr lang="zh-CN" altLang="en-US" sz="1200" dirty="0" smtClean="0">
+                <a:solidFill>
+                  <a:srgbClr val="FF0000"/>
+                </a:solidFill>
+              </a:rPr>
+              <a:t> </a:t>
+            </a:r>
+            <a:r>
+              <a:rPr lang="en-US" altLang="zh-CN" sz="1200" dirty="0" smtClean="0">
+                <a:solidFill>
+                  <a:srgbClr val="FF0000"/>
+                </a:solidFill>
+              </a:rPr>
+              <a:t>MLE</a:t>
+            </a:r>
+            <a:r>
+              <a:rPr lang="zh-CN" altLang="en-US" sz="1200" dirty="0" smtClean="0">
+                <a:solidFill>
+                  <a:srgbClr val="FF0000"/>
+                </a:solidFill>
+              </a:rPr>
+              <a:t> </a:t>
+            </a:r>
+            <a:r>
+              <a:rPr lang="en-US" altLang="zh-CN" sz="1200" dirty="0" smtClean="0">
+                <a:solidFill>
+                  <a:srgbClr val="FF0000"/>
+                </a:solidFill>
+              </a:rPr>
+              <a:t>and</a:t>
+            </a:r>
+            <a:r>
+              <a:rPr lang="zh-CN" altLang="en-US" sz="1200" dirty="0" smtClean="0">
+                <a:solidFill>
+                  <a:srgbClr val="FF0000"/>
+                </a:solidFill>
+              </a:rPr>
+              <a:t> </a:t>
+            </a:r>
+            <a:r>
+              <a:rPr lang="en-US" altLang="zh-CN" sz="1200" dirty="0" smtClean="0">
+                <a:solidFill>
+                  <a:srgbClr val="FF0000"/>
+                </a:solidFill>
+              </a:rPr>
+              <a:t>ELE</a:t>
+            </a:r>
+            <a:r>
+              <a:rPr lang="zh-CN" altLang="en-US" sz="1200" dirty="0" smtClean="0">
+                <a:solidFill>
+                  <a:srgbClr val="FF0000"/>
+                </a:solidFill>
+              </a:rPr>
+              <a:t> </a:t>
+            </a:r>
+            <a:r>
+              <a:rPr lang="en-US" altLang="zh-CN" sz="1200" dirty="0" smtClean="0">
+                <a:solidFill>
+                  <a:srgbClr val="FF0000"/>
+                </a:solidFill>
+              </a:rPr>
+              <a:t>with</a:t>
+            </a:r>
+            <a:r>
+              <a:rPr lang="zh-CN" altLang="en-US" sz="1200" dirty="0" smtClean="0">
+                <a:solidFill>
+                  <a:srgbClr val="FF0000"/>
+                </a:solidFill>
+              </a:rPr>
+              <a:t> </a:t>
+            </a:r>
+            <a:r>
+              <a:rPr lang="en-US" altLang="zh-CN" sz="1200" dirty="0" smtClean="0">
+                <a:solidFill>
+                  <a:srgbClr val="FF0000"/>
+                </a:solidFill>
+              </a:rPr>
+              <a:t>context</a:t>
+            </a:r>
+            <a:r>
+              <a:rPr lang="zh-CN" altLang="en-US" sz="1200" dirty="0" smtClean="0">
+                <a:solidFill>
+                  <a:srgbClr val="FF0000"/>
+                </a:solidFill>
+              </a:rPr>
+              <a:t> </a:t>
+            </a:r>
+            <a:r>
+              <a:rPr lang="en-US" altLang="zh-CN" sz="1200" dirty="0" smtClean="0">
+                <a:solidFill>
+                  <a:srgbClr val="FF0000"/>
+                </a:solidFill>
+              </a:rPr>
+              <a:t>are</a:t>
+            </a:r>
+            <a:r>
+              <a:rPr lang="zh-CN" altLang="en-US" sz="1200" dirty="0" smtClean="0">
+                <a:solidFill>
+                  <a:srgbClr val="FF0000"/>
+                </a:solidFill>
+              </a:rPr>
+              <a:t> </a:t>
+            </a:r>
+            <a:r>
+              <a:rPr lang="en-US" altLang="zh-CN" sz="1200" dirty="0" smtClean="0">
+                <a:solidFill>
+                  <a:srgbClr val="FF0000"/>
+                </a:solidFill>
+              </a:rPr>
+              <a:t>very</a:t>
+            </a:r>
+            <a:r>
+              <a:rPr lang="zh-CN" altLang="en-US" sz="1200" dirty="0" smtClean="0">
+                <a:solidFill>
+                  <a:srgbClr val="FF0000"/>
+                </a:solidFill>
+              </a:rPr>
+              <a:t> </a:t>
+            </a:r>
+            <a:r>
+              <a:rPr lang="en-US" altLang="zh-CN" sz="1200" dirty="0" smtClean="0">
+                <a:solidFill>
+                  <a:srgbClr val="FF0000"/>
+                </a:solidFill>
+              </a:rPr>
+              <a:t>bad</a:t>
+            </a:r>
+            <a:r>
+              <a:rPr lang="zh-CN" altLang="en-US" sz="1200" dirty="0">
+                <a:solidFill>
+                  <a:srgbClr val="FF0000"/>
+                </a:solidFill>
+              </a:rPr>
+              <a:t> </a:t>
+            </a:r>
+            <a:r>
+              <a:rPr lang="en-US" altLang="zh-CN" sz="1200" dirty="0" smtClean="0">
+                <a:solidFill>
+                  <a:srgbClr val="FF0000"/>
+                </a:solidFill>
+              </a:rPr>
+              <a:t>since</a:t>
+            </a:r>
+            <a:r>
+              <a:rPr lang="zh-CN" altLang="en-US" sz="1200" dirty="0" smtClean="0">
+                <a:solidFill>
+                  <a:srgbClr val="FF0000"/>
+                </a:solidFill>
+              </a:rPr>
+              <a:t> </a:t>
+            </a:r>
+            <a:r>
+              <a:rPr lang="en-US" altLang="zh-CN" sz="1200" dirty="0" smtClean="0">
+                <a:solidFill>
+                  <a:srgbClr val="FF0000"/>
+                </a:solidFill>
+              </a:rPr>
+              <a:t>MLE</a:t>
+            </a:r>
+            <a:r>
+              <a:rPr lang="zh-CN" altLang="en-US" sz="1200" dirty="0" smtClean="0">
+                <a:solidFill>
+                  <a:srgbClr val="FF0000"/>
+                </a:solidFill>
+              </a:rPr>
+              <a:t> </a:t>
+            </a:r>
+            <a:r>
+              <a:rPr lang="en-US" altLang="zh-CN" sz="1200" dirty="0" smtClean="0">
+                <a:solidFill>
+                  <a:srgbClr val="FF0000"/>
+                </a:solidFill>
+              </a:rPr>
+              <a:t>and</a:t>
+            </a:r>
+            <a:r>
+              <a:rPr lang="zh-CN" altLang="en-US" sz="1200" dirty="0" smtClean="0">
+                <a:solidFill>
+                  <a:srgbClr val="FF0000"/>
+                </a:solidFill>
+              </a:rPr>
+              <a:t> </a:t>
+            </a:r>
+            <a:r>
+              <a:rPr lang="en-US" altLang="zh-CN" sz="1200" dirty="0" smtClean="0">
+                <a:solidFill>
+                  <a:srgbClr val="FF0000"/>
+                </a:solidFill>
+              </a:rPr>
+              <a:t>ELE</a:t>
+            </a:r>
+            <a:r>
+              <a:rPr lang="zh-CN" altLang="en-US" sz="1200" dirty="0" smtClean="0">
+                <a:solidFill>
+                  <a:srgbClr val="FF0000"/>
+                </a:solidFill>
+              </a:rPr>
+              <a:t> </a:t>
+            </a:r>
+            <a:r>
+              <a:rPr lang="en-US" altLang="zh-CN" sz="1200" dirty="0" smtClean="0">
+                <a:solidFill>
+                  <a:srgbClr val="FF0000"/>
+                </a:solidFill>
+              </a:rPr>
+              <a:t>doesn’t</a:t>
+            </a:r>
+            <a:r>
+              <a:rPr lang="zh-CN" altLang="en-US" sz="1200" dirty="0" smtClean="0">
+                <a:solidFill>
+                  <a:srgbClr val="FF0000"/>
+                </a:solidFill>
+              </a:rPr>
+              <a:t> </a:t>
+            </a:r>
+            <a:r>
+              <a:rPr lang="en-US" altLang="zh-CN" sz="1200" dirty="0" smtClean="0">
+                <a:solidFill>
+                  <a:srgbClr val="FF0000"/>
+                </a:solidFill>
+              </a:rPr>
+              <a:t>estimate</a:t>
+            </a:r>
+            <a:r>
+              <a:rPr lang="zh-CN" altLang="en-US" sz="1200" dirty="0" smtClean="0">
+                <a:solidFill>
+                  <a:srgbClr val="FF0000"/>
+                </a:solidFill>
+              </a:rPr>
+              <a:t> </a:t>
+            </a:r>
+            <a:r>
+              <a:rPr lang="en-US" altLang="zh-CN" sz="1200" dirty="0" smtClean="0">
+                <a:solidFill>
+                  <a:srgbClr val="FF0000"/>
+                </a:solidFill>
+              </a:rPr>
+              <a:t>P(</a:t>
+            </a:r>
+            <a:r>
+              <a:rPr lang="en-US" altLang="zh-CN" sz="1200" dirty="0" err="1" smtClean="0">
+                <a:solidFill>
+                  <a:srgbClr val="FF0000"/>
+                </a:solidFill>
+              </a:rPr>
+              <a:t>l|c</a:t>
+            </a:r>
+            <a:r>
+              <a:rPr lang="en-US" altLang="zh-CN" sz="1200" dirty="0" smtClean="0">
+                <a:solidFill>
+                  <a:srgbClr val="FF0000"/>
+                </a:solidFill>
+              </a:rPr>
+              <a:t>)</a:t>
+            </a:r>
+            <a:r>
+              <a:rPr lang="zh-CN" altLang="en-US" sz="1200" dirty="0" smtClean="0">
+                <a:solidFill>
+                  <a:srgbClr val="FF0000"/>
+                </a:solidFill>
+              </a:rPr>
+              <a:t> </a:t>
+            </a:r>
+            <a:r>
+              <a:rPr lang="en-US" altLang="zh-CN" sz="1200" dirty="0" smtClean="0">
+                <a:solidFill>
+                  <a:srgbClr val="FF0000"/>
+                </a:solidFill>
+              </a:rPr>
+              <a:t>and</a:t>
+            </a:r>
+            <a:r>
+              <a:rPr lang="zh-CN" altLang="en-US" sz="1200" dirty="0" smtClean="0">
+                <a:solidFill>
+                  <a:srgbClr val="FF0000"/>
+                </a:solidFill>
+              </a:rPr>
+              <a:t> </a:t>
+            </a:r>
+            <a:r>
+              <a:rPr lang="en-US" altLang="zh-CN" sz="1200" dirty="0" smtClean="0">
+                <a:solidFill>
+                  <a:srgbClr val="FF0000"/>
+                </a:solidFill>
+              </a:rPr>
+              <a:t>P(</a:t>
+            </a:r>
+            <a:r>
+              <a:rPr lang="en-US" altLang="zh-CN" sz="1200" dirty="0" err="1" smtClean="0">
+                <a:solidFill>
+                  <a:srgbClr val="FF0000"/>
+                </a:solidFill>
+              </a:rPr>
+              <a:t>r|c</a:t>
+            </a:r>
+            <a:r>
+              <a:rPr lang="en-US" altLang="zh-CN" sz="1200" dirty="0" smtClean="0">
+                <a:solidFill>
+                  <a:srgbClr val="FF0000"/>
+                </a:solidFill>
+              </a:rPr>
+              <a:t>)</a:t>
+            </a:r>
+            <a:r>
+              <a:rPr lang="zh-CN" altLang="en-US" sz="1200" dirty="0" smtClean="0">
+                <a:solidFill>
+                  <a:srgbClr val="FF0000"/>
+                </a:solidFill>
+              </a:rPr>
+              <a:t> </a:t>
+            </a:r>
+            <a:r>
+              <a:rPr lang="en-US" altLang="zh-CN" sz="1200" dirty="0" smtClean="0">
+                <a:solidFill>
+                  <a:srgbClr val="FF0000"/>
+                </a:solidFill>
+              </a:rPr>
+              <a:t>well.</a:t>
+            </a:r>
+            <a:r>
+              <a:rPr lang="zh-CN" altLang="en-US" sz="1200" dirty="0" smtClean="0">
+                <a:solidFill>
+                  <a:srgbClr val="FF0000"/>
+                </a:solidFill>
+              </a:rPr>
+              <a:t> </a:t>
+            </a:r>
+            <a:r>
+              <a:rPr lang="en-US" altLang="zh-CN" sz="1200" dirty="0" smtClean="0">
+                <a:solidFill>
+                  <a:srgbClr val="FF0000"/>
+                </a:solidFill>
+              </a:rPr>
+              <a:t>This</a:t>
+            </a:r>
+            <a:r>
+              <a:rPr lang="zh-CN" altLang="en-US" sz="1200" dirty="0" smtClean="0">
+                <a:solidFill>
+                  <a:srgbClr val="FF0000"/>
+                </a:solidFill>
+              </a:rPr>
+              <a:t> </a:t>
+            </a:r>
+            <a:r>
+              <a:rPr lang="en-US" altLang="zh-CN" sz="1200" dirty="0" smtClean="0">
+                <a:solidFill>
+                  <a:srgbClr val="FF0000"/>
+                </a:solidFill>
+              </a:rPr>
+              <a:t>conclusion</a:t>
+            </a:r>
+            <a:r>
+              <a:rPr lang="zh-CN" altLang="en-US" sz="1200" dirty="0" smtClean="0">
+                <a:solidFill>
+                  <a:srgbClr val="FF0000"/>
+                </a:solidFill>
+              </a:rPr>
+              <a:t> </a:t>
+            </a:r>
+            <a:r>
+              <a:rPr lang="en-US" altLang="zh-CN" sz="1200" dirty="0" smtClean="0">
+                <a:solidFill>
+                  <a:srgbClr val="FF0000"/>
+                </a:solidFill>
+              </a:rPr>
+              <a:t>agrees</a:t>
+            </a:r>
+            <a:r>
+              <a:rPr lang="zh-CN" altLang="en-US" sz="1200" dirty="0" smtClean="0">
+                <a:solidFill>
+                  <a:srgbClr val="FF0000"/>
+                </a:solidFill>
+              </a:rPr>
+              <a:t> </a:t>
+            </a:r>
+            <a:r>
+              <a:rPr lang="en-US" altLang="zh-CN" sz="1200" dirty="0" smtClean="0">
+                <a:solidFill>
+                  <a:srgbClr val="FF0000"/>
+                </a:solidFill>
+              </a:rPr>
+              <a:t>with</a:t>
+            </a:r>
+            <a:r>
+              <a:rPr lang="zh-CN" altLang="en-US" sz="1200" dirty="0" smtClean="0">
+                <a:solidFill>
+                  <a:srgbClr val="FF0000"/>
+                </a:solidFill>
+              </a:rPr>
+              <a:t> </a:t>
+            </a:r>
+            <a:r>
+              <a:rPr lang="en-US" altLang="zh-CN" sz="1200" dirty="0" smtClean="0">
+                <a:solidFill>
+                  <a:srgbClr val="FF0000"/>
+                </a:solidFill>
+              </a:rPr>
+              <a:t>the</a:t>
+            </a:r>
+            <a:r>
+              <a:rPr lang="zh-CN" altLang="en-US" sz="1200" dirty="0" smtClean="0">
+                <a:solidFill>
+                  <a:srgbClr val="FF0000"/>
+                </a:solidFill>
+              </a:rPr>
+              <a:t> </a:t>
+            </a:r>
+            <a:r>
+              <a:rPr lang="en-US" altLang="zh-CN" sz="1200" dirty="0" smtClean="0">
+                <a:solidFill>
+                  <a:srgbClr val="FF0000"/>
+                </a:solidFill>
+              </a:rPr>
+              <a:t>results</a:t>
+            </a:r>
+            <a:r>
+              <a:rPr lang="zh-CN" altLang="en-US" sz="1200" dirty="0" smtClean="0">
+                <a:solidFill>
+                  <a:srgbClr val="FF0000"/>
+                </a:solidFill>
+              </a:rPr>
+              <a:t> </a:t>
+            </a:r>
+            <a:r>
+              <a:rPr lang="en-US" altLang="zh-CN" sz="1200" dirty="0" smtClean="0">
+                <a:solidFill>
+                  <a:srgbClr val="FF0000"/>
+                </a:solidFill>
+              </a:rPr>
+              <a:t>in</a:t>
+            </a:r>
+            <a:r>
+              <a:rPr lang="zh-CN" altLang="en-US" sz="1200" dirty="0" smtClean="0">
+                <a:solidFill>
+                  <a:srgbClr val="FF0000"/>
+                </a:solidFill>
+              </a:rPr>
+              <a:t> </a:t>
+            </a:r>
+            <a:r>
+              <a:rPr lang="en-US" altLang="zh-CN" sz="1200" dirty="0" smtClean="0">
+                <a:solidFill>
+                  <a:srgbClr val="FF0000"/>
+                </a:solidFill>
+              </a:rPr>
+              <a:t>the</a:t>
+            </a:r>
+            <a:r>
+              <a:rPr lang="zh-CN" altLang="en-US" sz="1200" dirty="0" smtClean="0">
+                <a:solidFill>
+                  <a:srgbClr val="FF0000"/>
+                </a:solidFill>
+              </a:rPr>
+              <a:t> </a:t>
+            </a:r>
+            <a:r>
+              <a:rPr lang="en-US" altLang="zh-CN" sz="1200" dirty="0" smtClean="0">
+                <a:solidFill>
+                  <a:srgbClr val="FF0000"/>
+                </a:solidFill>
+              </a:rPr>
+              <a:t>paper</a:t>
+            </a:r>
+            <a:r>
+              <a:rPr lang="zh-CN" altLang="en-US" sz="1200" dirty="0" smtClean="0">
+                <a:solidFill>
+                  <a:srgbClr val="FF0000"/>
+                </a:solidFill>
+              </a:rPr>
+              <a:t> </a:t>
+            </a:r>
+            <a:r>
+              <a:rPr lang="en-US" altLang="zh-CN" sz="1200" dirty="0" smtClean="0">
+                <a:solidFill>
+                  <a:srgbClr val="FF0000"/>
+                </a:solidFill>
+              </a:rPr>
+              <a:t>C4.</a:t>
+            </a:r>
+            <a:endParaRPr lang="en-US" sz="1200" dirty="0">
+              <a:solidFill>
+                <a:srgbClr val="FF0000"/>
+              </a:solidFill>
+            </a:endParaRPr>
+          </a:p>
+        </p:txBody>
+      </p:sp>
+    </p:spTree>
+    <p:extLst>
+      <p:ext uri="{BB962C8B-B14F-4D97-AF65-F5344CB8AC3E}">
+        <p14:creationId xmlns:p14="http://schemas.microsoft.com/office/powerpoint/2010/main" val="1587056742"/>
+      </p:ext>
+    </p:extLst>
+  </p:cSld>
+  <p:clrMapOvr>
+    <a:masterClrMapping/>
+  </p:clrMapOvr>
+</p:sld>
+</file>
+
+<file path=ppt/slides/slide19.xml><?xml version="1.0" encoding="utf-8"?>
 <p:sld xmlns:a="http://schemas.openxmlformats.org/drawingml/2006/main" xmlns:r="http://schemas.openxmlformats.org/officeDocument/2006/relationships" xmlns:p="http://schemas.openxmlformats.org/presentationml/2006/main">
   <p:cSld>
     <p:spTree>
